--- a/Model.pptx
+++ b/Model.pptx
@@ -5,9 +5,18 @@
     <p:sldMasterId id="2147483648" r:id="rId4"/>
   </p:sldMasterIdLst>
   <p:sldIdLst>
-    <p:sldId id="256" r:id="rId5"/>
-    <p:sldId id="257" r:id="rId6"/>
-    <p:sldId id="258" r:id="rId7"/>
+    <p:sldId id="261" r:id="rId5"/>
+    <p:sldId id="256" r:id="rId6"/>
+    <p:sldId id="257" r:id="rId7"/>
+    <p:sldId id="258" r:id="rId8"/>
+    <p:sldId id="262" r:id="rId9"/>
+    <p:sldId id="259" r:id="rId10"/>
+    <p:sldId id="264" r:id="rId11"/>
+    <p:sldId id="263" r:id="rId12"/>
+    <p:sldId id="265" r:id="rId13"/>
+    <p:sldId id="269" r:id="rId14"/>
+    <p:sldId id="266" r:id="rId15"/>
+    <p:sldId id="267" r:id="rId16"/>
   </p:sldIdLst>
   <p:sldSz cx="12192000" cy="6858000"/>
   <p:notesSz cx="6858000" cy="9144000"/>
@@ -117,724 +126,10 @@
 <file path=ppt/revisionInfo.xml><?xml version="1.0" encoding="utf-8"?>
 <p1510:revInfo xmlns:a="http://schemas.openxmlformats.org/drawingml/2006/main" xmlns:r="http://schemas.openxmlformats.org/officeDocument/2006/relationships" xmlns:p1510="http://schemas.microsoft.com/office/powerpoint/2015/10/main">
   <p1510:revLst>
-    <p1510:client id="{4E0EA8AD-80DC-4D98-881E-C04A293A3A26}" v="184" dt="2020-10-06T10:23:34.132"/>
-    <p1510:client id="{8F9D3D64-46CE-49F3-8A53-502883B3E1AF}" v="68" dt="2020-10-07T06:17:43.058"/>
+    <p1510:client id="{4E0EA8AD-80DC-4D98-881E-C04A293A3A26}" v="4" dt="2020-10-20T14:08:23.550"/>
+    <p1510:client id="{66902E72-9218-483B-A768-DC3CA6CCA9BD}" v="8" dt="2020-10-23T11:04:10.115"/>
   </p1510:revLst>
 </p1510:revInfo>
-</file>
-
-<file path=ppt/changesInfos/changesInfo1.xml><?xml version="1.0" encoding="utf-8"?>
-<pc:chgInfo xmlns:a="http://schemas.openxmlformats.org/drawingml/2006/main" xmlns:r="http://schemas.openxmlformats.org/officeDocument/2006/relationships" xmlns:ac="http://schemas.microsoft.com/office/drawing/2013/main/command" xmlns:pc="http://schemas.microsoft.com/office/powerpoint/2013/main/command">
-  <pc:docChgLst>
-    <pc:chgData name="Cailleret Levi (cailllev)" userId="76c7c2b0-43a2-4584-98e9-385f6c17cf86" providerId="ADAL" clId="{FDE659A8-D196-4640-9AF4-084E9ACD04DC}"/>
-    <pc:docChg chg="modSld">
-      <pc:chgData name="Cailleret Levi (cailllev)" userId="76c7c2b0-43a2-4584-98e9-385f6c17cf86" providerId="ADAL" clId="{FDE659A8-D196-4640-9AF4-084E9ACD04DC}" dt="2020-10-07T06:53:23.747" v="7" actId="1076"/>
-      <pc:docMkLst>
-        <pc:docMk/>
-      </pc:docMkLst>
-      <pc:sldChg chg="modSp mod">
-        <pc:chgData name="Cailleret Levi (cailllev)" userId="76c7c2b0-43a2-4584-98e9-385f6c17cf86" providerId="ADAL" clId="{FDE659A8-D196-4640-9AF4-084E9ACD04DC}" dt="2020-10-07T06:53:23.747" v="7" actId="1076"/>
-        <pc:sldMkLst>
-          <pc:docMk/>
-          <pc:sldMk cId="1577499883" sldId="256"/>
-        </pc:sldMkLst>
-        <pc:spChg chg="mod">
-          <ac:chgData name="Cailleret Levi (cailllev)" userId="76c7c2b0-43a2-4584-98e9-385f6c17cf86" providerId="ADAL" clId="{FDE659A8-D196-4640-9AF4-084E9ACD04DC}" dt="2020-10-07T06:53:23.747" v="7" actId="1076"/>
-          <ac:spMkLst>
-            <pc:docMk/>
-            <pc:sldMk cId="1577499883" sldId="256"/>
-            <ac:spMk id="21" creationId="{31688287-23C5-4893-948D-F33DA982DA6D}"/>
-          </ac:spMkLst>
-        </pc:spChg>
-        <pc:spChg chg="mod">
-          <ac:chgData name="Cailleret Levi (cailllev)" userId="76c7c2b0-43a2-4584-98e9-385f6c17cf86" providerId="ADAL" clId="{FDE659A8-D196-4640-9AF4-084E9ACD04DC}" dt="2020-10-07T06:18:41.986" v="0" actId="208"/>
-          <ac:spMkLst>
-            <pc:docMk/>
-            <pc:sldMk cId="1577499883" sldId="256"/>
-            <ac:spMk id="47" creationId="{553F77CF-436F-4E51-BAD3-9380F544D931}"/>
-          </ac:spMkLst>
-        </pc:spChg>
-        <pc:spChg chg="mod">
-          <ac:chgData name="Cailleret Levi (cailllev)" userId="76c7c2b0-43a2-4584-98e9-385f6c17cf86" providerId="ADAL" clId="{FDE659A8-D196-4640-9AF4-084E9ACD04DC}" dt="2020-10-07T06:18:41.986" v="0" actId="208"/>
-          <ac:spMkLst>
-            <pc:docMk/>
-            <pc:sldMk cId="1577499883" sldId="256"/>
-            <ac:spMk id="49" creationId="{C31825AE-3BF2-44BC-815C-A6A2AC3697E7}"/>
-          </ac:spMkLst>
-        </pc:spChg>
-        <pc:spChg chg="mod">
-          <ac:chgData name="Cailleret Levi (cailllev)" userId="76c7c2b0-43a2-4584-98e9-385f6c17cf86" providerId="ADAL" clId="{FDE659A8-D196-4640-9AF4-084E9ACD04DC}" dt="2020-10-07T06:19:27.731" v="4" actId="208"/>
-          <ac:spMkLst>
-            <pc:docMk/>
-            <pc:sldMk cId="1577499883" sldId="256"/>
-            <ac:spMk id="59" creationId="{C9598AB5-CC3A-4FA6-8662-AE9A4B2657DC}"/>
-          </ac:spMkLst>
-        </pc:spChg>
-        <pc:spChg chg="mod">
-          <ac:chgData name="Cailleret Levi (cailllev)" userId="76c7c2b0-43a2-4584-98e9-385f6c17cf86" providerId="ADAL" clId="{FDE659A8-D196-4640-9AF4-084E9ACD04DC}" dt="2020-10-07T06:18:58.063" v="2" actId="208"/>
-          <ac:spMkLst>
-            <pc:docMk/>
-            <pc:sldMk cId="1577499883" sldId="256"/>
-            <ac:spMk id="92" creationId="{D26B05CD-4A42-4D96-A99C-4FB4AE333778}"/>
-          </ac:spMkLst>
-        </pc:spChg>
-        <pc:spChg chg="mod">
-          <ac:chgData name="Cailleret Levi (cailllev)" userId="76c7c2b0-43a2-4584-98e9-385f6c17cf86" providerId="ADAL" clId="{FDE659A8-D196-4640-9AF4-084E9ACD04DC}" dt="2020-10-07T06:19:27.731" v="4" actId="208"/>
-          <ac:spMkLst>
-            <pc:docMk/>
-            <pc:sldMk cId="1577499883" sldId="256"/>
-            <ac:spMk id="100" creationId="{B01BD9C4-88B9-4F1B-A0A0-D678182E2E99}"/>
-          </ac:spMkLst>
-        </pc:spChg>
-        <pc:spChg chg="mod">
-          <ac:chgData name="Cailleret Levi (cailllev)" userId="76c7c2b0-43a2-4584-98e9-385f6c17cf86" providerId="ADAL" clId="{FDE659A8-D196-4640-9AF4-084E9ACD04DC}" dt="2020-10-07T06:19:27.731" v="4" actId="208"/>
-          <ac:spMkLst>
-            <pc:docMk/>
-            <pc:sldMk cId="1577499883" sldId="256"/>
-            <ac:spMk id="102" creationId="{76E9CD59-FAD2-4C07-8921-4BBD152A98BF}"/>
-          </ac:spMkLst>
-        </pc:spChg>
-        <pc:spChg chg="mod">
-          <ac:chgData name="Cailleret Levi (cailllev)" userId="76c7c2b0-43a2-4584-98e9-385f6c17cf86" providerId="ADAL" clId="{FDE659A8-D196-4640-9AF4-084E9ACD04DC}" dt="2020-10-07T06:18:58.063" v="2" actId="208"/>
-          <ac:spMkLst>
-            <pc:docMk/>
-            <pc:sldMk cId="1577499883" sldId="256"/>
-            <ac:spMk id="104" creationId="{CE56F5FE-26C8-4926-984A-5082B2557605}"/>
-          </ac:spMkLst>
-        </pc:spChg>
-        <pc:spChg chg="mod">
-          <ac:chgData name="Cailleret Levi (cailllev)" userId="76c7c2b0-43a2-4584-98e9-385f6c17cf86" providerId="ADAL" clId="{FDE659A8-D196-4640-9AF4-084E9ACD04DC}" dt="2020-10-07T06:18:58.063" v="2" actId="208"/>
-          <ac:spMkLst>
-            <pc:docMk/>
-            <pc:sldMk cId="1577499883" sldId="256"/>
-            <ac:spMk id="106" creationId="{63C6DB85-BA9F-4DD9-8E00-31644AE3DC6E}"/>
-          </ac:spMkLst>
-        </pc:spChg>
-        <pc:cxnChg chg="mod">
-          <ac:chgData name="Cailleret Levi (cailllev)" userId="76c7c2b0-43a2-4584-98e9-385f6c17cf86" providerId="ADAL" clId="{FDE659A8-D196-4640-9AF4-084E9ACD04DC}" dt="2020-10-07T06:19:56.287" v="5" actId="1582"/>
-          <ac:cxnSpMkLst>
-            <pc:docMk/>
-            <pc:sldMk cId="1577499883" sldId="256"/>
-            <ac:cxnSpMk id="23" creationId="{E4582BCB-6FC7-480B-9157-13D074B86D92}"/>
-          </ac:cxnSpMkLst>
-        </pc:cxnChg>
-        <pc:cxnChg chg="mod">
-          <ac:chgData name="Cailleret Levi (cailllev)" userId="76c7c2b0-43a2-4584-98e9-385f6c17cf86" providerId="ADAL" clId="{FDE659A8-D196-4640-9AF4-084E9ACD04DC}" dt="2020-10-07T06:19:56.287" v="5" actId="1582"/>
-          <ac:cxnSpMkLst>
-            <pc:docMk/>
-            <pc:sldMk cId="1577499883" sldId="256"/>
-            <ac:cxnSpMk id="25" creationId="{963C7D06-C6A3-4355-975C-7AD5BFD09D64}"/>
-          </ac:cxnSpMkLst>
-        </pc:cxnChg>
-        <pc:cxnChg chg="mod">
-          <ac:chgData name="Cailleret Levi (cailllev)" userId="76c7c2b0-43a2-4584-98e9-385f6c17cf86" providerId="ADAL" clId="{FDE659A8-D196-4640-9AF4-084E9ACD04DC}" dt="2020-10-07T06:53:23.747" v="7" actId="1076"/>
-          <ac:cxnSpMkLst>
-            <pc:docMk/>
-            <pc:sldMk cId="1577499883" sldId="256"/>
-            <ac:cxnSpMk id="28" creationId="{37C6D71E-B8D1-4586-96EB-BD2261E65586}"/>
-          </ac:cxnSpMkLst>
-        </pc:cxnChg>
-        <pc:cxnChg chg="mod">
-          <ac:chgData name="Cailleret Levi (cailllev)" userId="76c7c2b0-43a2-4584-98e9-385f6c17cf86" providerId="ADAL" clId="{FDE659A8-D196-4640-9AF4-084E9ACD04DC}" dt="2020-10-07T06:19:56.287" v="5" actId="1582"/>
-          <ac:cxnSpMkLst>
-            <pc:docMk/>
-            <pc:sldMk cId="1577499883" sldId="256"/>
-            <ac:cxnSpMk id="35" creationId="{D387B75D-9DEC-4499-AF4B-BB4ECF8657E7}"/>
-          </ac:cxnSpMkLst>
-        </pc:cxnChg>
-        <pc:cxnChg chg="mod">
-          <ac:chgData name="Cailleret Levi (cailllev)" userId="76c7c2b0-43a2-4584-98e9-385f6c17cf86" providerId="ADAL" clId="{FDE659A8-D196-4640-9AF4-084E9ACD04DC}" dt="2020-10-07T06:19:56.287" v="5" actId="1582"/>
-          <ac:cxnSpMkLst>
-            <pc:docMk/>
-            <pc:sldMk cId="1577499883" sldId="256"/>
-            <ac:cxnSpMk id="36" creationId="{CE5A6BE2-6788-4626-8BE0-01E1F09B71DB}"/>
-          </ac:cxnSpMkLst>
-        </pc:cxnChg>
-        <pc:cxnChg chg="mod">
-          <ac:chgData name="Cailleret Levi (cailllev)" userId="76c7c2b0-43a2-4584-98e9-385f6c17cf86" providerId="ADAL" clId="{FDE659A8-D196-4640-9AF4-084E9ACD04DC}" dt="2020-10-07T06:19:56.287" v="5" actId="1582"/>
-          <ac:cxnSpMkLst>
-            <pc:docMk/>
-            <pc:sldMk cId="1577499883" sldId="256"/>
-            <ac:cxnSpMk id="53" creationId="{6501BB28-65DC-4AA1-B922-E5B3E9DD4D5E}"/>
-          </ac:cxnSpMkLst>
-        </pc:cxnChg>
-        <pc:cxnChg chg="mod">
-          <ac:chgData name="Cailleret Levi (cailllev)" userId="76c7c2b0-43a2-4584-98e9-385f6c17cf86" providerId="ADAL" clId="{FDE659A8-D196-4640-9AF4-084E9ACD04DC}" dt="2020-10-07T06:19:56.287" v="5" actId="1582"/>
-          <ac:cxnSpMkLst>
-            <pc:docMk/>
-            <pc:sldMk cId="1577499883" sldId="256"/>
-            <ac:cxnSpMk id="56" creationId="{BB6CFE5F-4392-4C66-A3B3-52B476B03324}"/>
-          </ac:cxnSpMkLst>
-        </pc:cxnChg>
-        <pc:cxnChg chg="mod">
-          <ac:chgData name="Cailleret Levi (cailllev)" userId="76c7c2b0-43a2-4584-98e9-385f6c17cf86" providerId="ADAL" clId="{FDE659A8-D196-4640-9AF4-084E9ACD04DC}" dt="2020-10-07T06:19:56.287" v="5" actId="1582"/>
-          <ac:cxnSpMkLst>
-            <pc:docMk/>
-            <pc:sldMk cId="1577499883" sldId="256"/>
-            <ac:cxnSpMk id="61" creationId="{DD860BE4-A8FE-4530-9481-5FBCFC3B0055}"/>
-          </ac:cxnSpMkLst>
-        </pc:cxnChg>
-        <pc:cxnChg chg="mod">
-          <ac:chgData name="Cailleret Levi (cailllev)" userId="76c7c2b0-43a2-4584-98e9-385f6c17cf86" providerId="ADAL" clId="{FDE659A8-D196-4640-9AF4-084E9ACD04DC}" dt="2020-10-07T06:19:56.287" v="5" actId="1582"/>
-          <ac:cxnSpMkLst>
-            <pc:docMk/>
-            <pc:sldMk cId="1577499883" sldId="256"/>
-            <ac:cxnSpMk id="63" creationId="{C324A5F3-19D3-4AE1-9133-AB656A729791}"/>
-          </ac:cxnSpMkLst>
-        </pc:cxnChg>
-        <pc:cxnChg chg="mod">
-          <ac:chgData name="Cailleret Levi (cailllev)" userId="76c7c2b0-43a2-4584-98e9-385f6c17cf86" providerId="ADAL" clId="{FDE659A8-D196-4640-9AF4-084E9ACD04DC}" dt="2020-10-07T06:19:56.287" v="5" actId="1582"/>
-          <ac:cxnSpMkLst>
-            <pc:docMk/>
-            <pc:sldMk cId="1577499883" sldId="256"/>
-            <ac:cxnSpMk id="64" creationId="{C1B21033-D65E-49F1-B642-D64E80B9A13B}"/>
-          </ac:cxnSpMkLst>
-        </pc:cxnChg>
-        <pc:cxnChg chg="mod">
-          <ac:chgData name="Cailleret Levi (cailllev)" userId="76c7c2b0-43a2-4584-98e9-385f6c17cf86" providerId="ADAL" clId="{FDE659A8-D196-4640-9AF4-084E9ACD04DC}" dt="2020-10-07T06:19:56.287" v="5" actId="1582"/>
-          <ac:cxnSpMkLst>
-            <pc:docMk/>
-            <pc:sldMk cId="1577499883" sldId="256"/>
-            <ac:cxnSpMk id="65" creationId="{4DC2A27B-A6E1-4225-8E50-FE9050D75DD5}"/>
-          </ac:cxnSpMkLst>
-        </pc:cxnChg>
-        <pc:cxnChg chg="mod">
-          <ac:chgData name="Cailleret Levi (cailllev)" userId="76c7c2b0-43a2-4584-98e9-385f6c17cf86" providerId="ADAL" clId="{FDE659A8-D196-4640-9AF4-084E9ACD04DC}" dt="2020-10-07T06:53:23.747" v="7" actId="1076"/>
-          <ac:cxnSpMkLst>
-            <pc:docMk/>
-            <pc:sldMk cId="1577499883" sldId="256"/>
-            <ac:cxnSpMk id="82" creationId="{81C9513A-5356-491D-A210-86F489EB2343}"/>
-          </ac:cxnSpMkLst>
-        </pc:cxnChg>
-      </pc:sldChg>
-    </pc:docChg>
-  </pc:docChgLst>
-  <pc:docChgLst>
-    <pc:chgData name="Cailleret Levi (cailllev)" userId="76c7c2b0-43a2-4584-98e9-385f6c17cf86" providerId="ADAL" clId="{4E0EA8AD-80DC-4D98-881E-C04A293A3A26}"/>
-    <pc:docChg chg="undo custSel addSld delSld modSld">
-      <pc:chgData name="Cailleret Levi (cailllev)" userId="76c7c2b0-43a2-4584-98e9-385f6c17cf86" providerId="ADAL" clId="{4E0EA8AD-80DC-4D98-881E-C04A293A3A26}" dt="2020-10-06T11:29:41.875" v="1596" actId="20577"/>
-      <pc:docMkLst>
-        <pc:docMk/>
-      </pc:docMkLst>
-      <pc:sldChg chg="addSp delSp modSp mod">
-        <pc:chgData name="Cailleret Levi (cailllev)" userId="76c7c2b0-43a2-4584-98e9-385f6c17cf86" providerId="ADAL" clId="{4E0EA8AD-80DC-4D98-881E-C04A293A3A26}" dt="2020-10-06T11:26:50.669" v="1591" actId="1076"/>
-        <pc:sldMkLst>
-          <pc:docMk/>
-          <pc:sldMk cId="1577499883" sldId="256"/>
-        </pc:sldMkLst>
-        <pc:spChg chg="del">
-          <ac:chgData name="Cailleret Levi (cailllev)" userId="76c7c2b0-43a2-4584-98e9-385f6c17cf86" providerId="ADAL" clId="{4E0EA8AD-80DC-4D98-881E-C04A293A3A26}" dt="2020-10-06T08:52:04.433" v="0" actId="478"/>
-          <ac:spMkLst>
-            <pc:docMk/>
-            <pc:sldMk cId="1577499883" sldId="256"/>
-            <ac:spMk id="2" creationId="{00000000-0000-0000-0000-000000000000}"/>
-          </ac:spMkLst>
-        </pc:spChg>
-        <pc:spChg chg="del">
-          <ac:chgData name="Cailleret Levi (cailllev)" userId="76c7c2b0-43a2-4584-98e9-385f6c17cf86" providerId="ADAL" clId="{4E0EA8AD-80DC-4D98-881E-C04A293A3A26}" dt="2020-10-06T08:52:05.596" v="1" actId="478"/>
-          <ac:spMkLst>
-            <pc:docMk/>
-            <pc:sldMk cId="1577499883" sldId="256"/>
-            <ac:spMk id="3" creationId="{00000000-0000-0000-0000-000000000000}"/>
-          </ac:spMkLst>
-        </pc:spChg>
-        <pc:spChg chg="add del mod">
-          <ac:chgData name="Cailleret Levi (cailllev)" userId="76c7c2b0-43a2-4584-98e9-385f6c17cf86" providerId="ADAL" clId="{4E0EA8AD-80DC-4D98-881E-C04A293A3A26}" dt="2020-10-06T08:56:20.703" v="95" actId="478"/>
-          <ac:spMkLst>
-            <pc:docMk/>
-            <pc:sldMk cId="1577499883" sldId="256"/>
-            <ac:spMk id="4" creationId="{7FE129FA-578C-4615-9000-AF7578D42E73}"/>
-          </ac:spMkLst>
-        </pc:spChg>
-        <pc:spChg chg="add del mod">
-          <ac:chgData name="Cailleret Levi (cailllev)" userId="76c7c2b0-43a2-4584-98e9-385f6c17cf86" providerId="ADAL" clId="{4E0EA8AD-80DC-4D98-881E-C04A293A3A26}" dt="2020-10-06T08:56:20.050" v="94" actId="478"/>
-          <ac:spMkLst>
-            <pc:docMk/>
-            <pc:sldMk cId="1577499883" sldId="256"/>
-            <ac:spMk id="6" creationId="{C78F7472-077C-4AD9-B035-CC6468DD951F}"/>
-          </ac:spMkLst>
-        </pc:spChg>
-        <pc:spChg chg="add del mod">
-          <ac:chgData name="Cailleret Levi (cailllev)" userId="76c7c2b0-43a2-4584-98e9-385f6c17cf86" providerId="ADAL" clId="{4E0EA8AD-80DC-4D98-881E-C04A293A3A26}" dt="2020-10-06T08:56:19.172" v="93" actId="478"/>
-          <ac:spMkLst>
-            <pc:docMk/>
-            <pc:sldMk cId="1577499883" sldId="256"/>
-            <ac:spMk id="8" creationId="{B5398A92-5608-4860-B9B9-A827DC88073C}"/>
-          </ac:spMkLst>
-        </pc:spChg>
-        <pc:spChg chg="add del mod">
-          <ac:chgData name="Cailleret Levi (cailllev)" userId="76c7c2b0-43a2-4584-98e9-385f6c17cf86" providerId="ADAL" clId="{4E0EA8AD-80DC-4D98-881E-C04A293A3A26}" dt="2020-10-06T08:56:16.923" v="90" actId="478"/>
-          <ac:spMkLst>
-            <pc:docMk/>
-            <pc:sldMk cId="1577499883" sldId="256"/>
-            <ac:spMk id="10" creationId="{5E4A4D83-BE75-4F62-AF41-0621D8727248}"/>
-          </ac:spMkLst>
-        </pc:spChg>
-        <pc:spChg chg="add del mod">
-          <ac:chgData name="Cailleret Levi (cailllev)" userId="76c7c2b0-43a2-4584-98e9-385f6c17cf86" providerId="ADAL" clId="{4E0EA8AD-80DC-4D98-881E-C04A293A3A26}" dt="2020-10-06T08:56:17.796" v="91" actId="478"/>
-          <ac:spMkLst>
-            <pc:docMk/>
-            <pc:sldMk cId="1577499883" sldId="256"/>
-            <ac:spMk id="12" creationId="{1A8C0514-5D87-45AA-B33A-70439CF73CE0}"/>
-          </ac:spMkLst>
-        </pc:spChg>
-        <pc:spChg chg="add del mod">
-          <ac:chgData name="Cailleret Levi (cailllev)" userId="76c7c2b0-43a2-4584-98e9-385f6c17cf86" providerId="ADAL" clId="{4E0EA8AD-80DC-4D98-881E-C04A293A3A26}" dt="2020-10-06T08:56:18.363" v="92" actId="478"/>
-          <ac:spMkLst>
-            <pc:docMk/>
-            <pc:sldMk cId="1577499883" sldId="256"/>
-            <ac:spMk id="14" creationId="{B285C203-2709-4F52-AF0B-9DB11DC5BA14}"/>
-          </ac:spMkLst>
-        </pc:spChg>
-        <pc:spChg chg="add mod">
-          <ac:chgData name="Cailleret Levi (cailllev)" userId="76c7c2b0-43a2-4584-98e9-385f6c17cf86" providerId="ADAL" clId="{4E0EA8AD-80DC-4D98-881E-C04A293A3A26}" dt="2020-10-06T10:43:16.575" v="1570" actId="208"/>
-          <ac:spMkLst>
-            <pc:docMk/>
-            <pc:sldMk cId="1577499883" sldId="256"/>
-            <ac:spMk id="15" creationId="{E6EE8A90-1209-42C5-B9E3-ACF6771CBB0A}"/>
-          </ac:spMkLst>
-        </pc:spChg>
-        <pc:spChg chg="add mod">
-          <ac:chgData name="Cailleret Levi (cailllev)" userId="76c7c2b0-43a2-4584-98e9-385f6c17cf86" providerId="ADAL" clId="{4E0EA8AD-80DC-4D98-881E-C04A293A3A26}" dt="2020-10-06T09:25:24.761" v="345" actId="1076"/>
-          <ac:spMkLst>
-            <pc:docMk/>
-            <pc:sldMk cId="1577499883" sldId="256"/>
-            <ac:spMk id="17" creationId="{F2ABD230-251D-4185-B776-1848115E557B}"/>
-          </ac:spMkLst>
-        </pc:spChg>
-        <pc:spChg chg="add mod">
-          <ac:chgData name="Cailleret Levi (cailllev)" userId="76c7c2b0-43a2-4584-98e9-385f6c17cf86" providerId="ADAL" clId="{4E0EA8AD-80DC-4D98-881E-C04A293A3A26}" dt="2020-10-06T09:25:24.761" v="345" actId="1076"/>
-          <ac:spMkLst>
-            <pc:docMk/>
-            <pc:sldMk cId="1577499883" sldId="256"/>
-            <ac:spMk id="19" creationId="{DA62029E-9012-4587-983E-893CE516FEAB}"/>
-          </ac:spMkLst>
-        </pc:spChg>
-        <pc:spChg chg="add mod">
-          <ac:chgData name="Cailleret Levi (cailllev)" userId="76c7c2b0-43a2-4584-98e9-385f6c17cf86" providerId="ADAL" clId="{4E0EA8AD-80DC-4D98-881E-C04A293A3A26}" dt="2020-10-06T09:25:24.761" v="345" actId="1076"/>
-          <ac:spMkLst>
-            <pc:docMk/>
-            <pc:sldMk cId="1577499883" sldId="256"/>
-            <ac:spMk id="21" creationId="{31688287-23C5-4893-948D-F33DA982DA6D}"/>
-          </ac:spMkLst>
-        </pc:spChg>
-        <pc:spChg chg="add mod">
-          <ac:chgData name="Cailleret Levi (cailllev)" userId="76c7c2b0-43a2-4584-98e9-385f6c17cf86" providerId="ADAL" clId="{4E0EA8AD-80DC-4D98-881E-C04A293A3A26}" dt="2020-10-06T09:25:24.761" v="345" actId="1076"/>
-          <ac:spMkLst>
-            <pc:docMk/>
-            <pc:sldMk cId="1577499883" sldId="256"/>
-            <ac:spMk id="32" creationId="{F6B9584F-3778-44B5-A486-AC33301B6B5E}"/>
-          </ac:spMkLst>
-        </pc:spChg>
-        <pc:spChg chg="add mod">
-          <ac:chgData name="Cailleret Levi (cailllev)" userId="76c7c2b0-43a2-4584-98e9-385f6c17cf86" providerId="ADAL" clId="{4E0EA8AD-80DC-4D98-881E-C04A293A3A26}" dt="2020-10-06T09:25:24.761" v="345" actId="1076"/>
-          <ac:spMkLst>
-            <pc:docMk/>
-            <pc:sldMk cId="1577499883" sldId="256"/>
-            <ac:spMk id="34" creationId="{D1378224-8AF5-467A-8602-BC37A638FD39}"/>
-          </ac:spMkLst>
-        </pc:spChg>
-        <pc:spChg chg="add del mod">
-          <ac:chgData name="Cailleret Levi (cailllev)" userId="76c7c2b0-43a2-4584-98e9-385f6c17cf86" providerId="ADAL" clId="{4E0EA8AD-80DC-4D98-881E-C04A293A3A26}" dt="2020-10-06T09:04:37.078" v="208" actId="478"/>
-          <ac:spMkLst>
-            <pc:docMk/>
-            <pc:sldMk cId="1577499883" sldId="256"/>
-            <ac:spMk id="43" creationId="{4963A307-9606-40D3-B6A6-7993178AAA2B}"/>
-          </ac:spMkLst>
-        </pc:spChg>
-        <pc:spChg chg="add del mod">
-          <ac:chgData name="Cailleret Levi (cailllev)" userId="76c7c2b0-43a2-4584-98e9-385f6c17cf86" providerId="ADAL" clId="{4E0EA8AD-80DC-4D98-881E-C04A293A3A26}" dt="2020-10-06T08:59:02.762" v="145" actId="478"/>
-          <ac:spMkLst>
-            <pc:docMk/>
-            <pc:sldMk cId="1577499883" sldId="256"/>
-            <ac:spMk id="45" creationId="{187319E8-C3F3-49D5-AB78-7E36CCBF8565}"/>
-          </ac:spMkLst>
-        </pc:spChg>
-        <pc:spChg chg="add mod">
-          <ac:chgData name="Cailleret Levi (cailllev)" userId="76c7c2b0-43a2-4584-98e9-385f6c17cf86" providerId="ADAL" clId="{4E0EA8AD-80DC-4D98-881E-C04A293A3A26}" dt="2020-10-06T09:25:24.761" v="345" actId="1076"/>
-          <ac:spMkLst>
-            <pc:docMk/>
-            <pc:sldMk cId="1577499883" sldId="256"/>
-            <ac:spMk id="47" creationId="{553F77CF-436F-4E51-BAD3-9380F544D931}"/>
-          </ac:spMkLst>
-        </pc:spChg>
-        <pc:spChg chg="add mod">
-          <ac:chgData name="Cailleret Levi (cailllev)" userId="76c7c2b0-43a2-4584-98e9-385f6c17cf86" providerId="ADAL" clId="{4E0EA8AD-80DC-4D98-881E-C04A293A3A26}" dt="2020-10-06T09:25:24.761" v="345" actId="1076"/>
-          <ac:spMkLst>
-            <pc:docMk/>
-            <pc:sldMk cId="1577499883" sldId="256"/>
-            <ac:spMk id="49" creationId="{C31825AE-3BF2-44BC-815C-A6A2AC3697E7}"/>
-          </ac:spMkLst>
-        </pc:spChg>
-        <pc:spChg chg="add mod">
-          <ac:chgData name="Cailleret Levi (cailllev)" userId="76c7c2b0-43a2-4584-98e9-385f6c17cf86" providerId="ADAL" clId="{4E0EA8AD-80DC-4D98-881E-C04A293A3A26}" dt="2020-10-06T11:26:50.669" v="1591" actId="1076"/>
-          <ac:spMkLst>
-            <pc:docMk/>
-            <pc:sldMk cId="1577499883" sldId="256"/>
-            <ac:spMk id="59" creationId="{C9598AB5-CC3A-4FA6-8662-AE9A4B2657DC}"/>
-          </ac:spMkLst>
-        </pc:spChg>
-        <pc:spChg chg="add mod">
-          <ac:chgData name="Cailleret Levi (cailllev)" userId="76c7c2b0-43a2-4584-98e9-385f6c17cf86" providerId="ADAL" clId="{4E0EA8AD-80DC-4D98-881E-C04A293A3A26}" dt="2020-10-06T09:26:49.196" v="434" actId="20577"/>
-          <ac:spMkLst>
-            <pc:docMk/>
-            <pc:sldMk cId="1577499883" sldId="256"/>
-            <ac:spMk id="85" creationId="{176E24C9-62AF-494D-BCEC-06EEE41B332B}"/>
-          </ac:spMkLst>
-        </pc:spChg>
-        <pc:spChg chg="add mod">
-          <ac:chgData name="Cailleret Levi (cailllev)" userId="76c7c2b0-43a2-4584-98e9-385f6c17cf86" providerId="ADAL" clId="{4E0EA8AD-80DC-4D98-881E-C04A293A3A26}" dt="2020-10-06T09:25:24.761" v="345" actId="1076"/>
-          <ac:spMkLst>
-            <pc:docMk/>
-            <pc:sldMk cId="1577499883" sldId="256"/>
-            <ac:spMk id="92" creationId="{D26B05CD-4A42-4D96-A99C-4FB4AE333778}"/>
-          </ac:spMkLst>
-        </pc:spChg>
-        <pc:spChg chg="add mod ord">
-          <ac:chgData name="Cailleret Levi (cailllev)" userId="76c7c2b0-43a2-4584-98e9-385f6c17cf86" providerId="ADAL" clId="{4E0EA8AD-80DC-4D98-881E-C04A293A3A26}" dt="2020-10-06T09:25:24.761" v="345" actId="1076"/>
-          <ac:spMkLst>
-            <pc:docMk/>
-            <pc:sldMk cId="1577499883" sldId="256"/>
-            <ac:spMk id="100" creationId="{B01BD9C4-88B9-4F1B-A0A0-D678182E2E99}"/>
-          </ac:spMkLst>
-        </pc:spChg>
-        <pc:spChg chg="add mod ord">
-          <ac:chgData name="Cailleret Levi (cailllev)" userId="76c7c2b0-43a2-4584-98e9-385f6c17cf86" providerId="ADAL" clId="{4E0EA8AD-80DC-4D98-881E-C04A293A3A26}" dt="2020-10-06T09:25:24.761" v="345" actId="1076"/>
-          <ac:spMkLst>
-            <pc:docMk/>
-            <pc:sldMk cId="1577499883" sldId="256"/>
-            <ac:spMk id="102" creationId="{76E9CD59-FAD2-4C07-8921-4BBD152A98BF}"/>
-          </ac:spMkLst>
-        </pc:spChg>
-        <pc:spChg chg="add mod ord">
-          <ac:chgData name="Cailleret Levi (cailllev)" userId="76c7c2b0-43a2-4584-98e9-385f6c17cf86" providerId="ADAL" clId="{4E0EA8AD-80DC-4D98-881E-C04A293A3A26}" dt="2020-10-06T10:19:04.519" v="493" actId="1076"/>
-          <ac:spMkLst>
-            <pc:docMk/>
-            <pc:sldMk cId="1577499883" sldId="256"/>
-            <ac:spMk id="104" creationId="{CE56F5FE-26C8-4926-984A-5082B2557605}"/>
-          </ac:spMkLst>
-        </pc:spChg>
-        <pc:spChg chg="add mod ord">
-          <ac:chgData name="Cailleret Levi (cailllev)" userId="76c7c2b0-43a2-4584-98e9-385f6c17cf86" providerId="ADAL" clId="{4E0EA8AD-80DC-4D98-881E-C04A293A3A26}" dt="2020-10-06T09:25:40.950" v="346" actId="1076"/>
-          <ac:spMkLst>
-            <pc:docMk/>
-            <pc:sldMk cId="1577499883" sldId="256"/>
-            <ac:spMk id="106" creationId="{63C6DB85-BA9F-4DD9-8E00-31644AE3DC6E}"/>
-          </ac:spMkLst>
-        </pc:spChg>
-        <pc:spChg chg="add del mod">
-          <ac:chgData name="Cailleret Levi (cailllev)" userId="76c7c2b0-43a2-4584-98e9-385f6c17cf86" providerId="ADAL" clId="{4E0EA8AD-80DC-4D98-881E-C04A293A3A26}" dt="2020-10-06T09:26:10.429" v="351" actId="478"/>
-          <ac:spMkLst>
-            <pc:docMk/>
-            <pc:sldMk cId="1577499883" sldId="256"/>
-            <ac:spMk id="108" creationId="{3CCE4A04-2892-4612-B53F-E5919DE8E44F}"/>
-          </ac:spMkLst>
-        </pc:spChg>
-        <pc:spChg chg="add mod">
-          <ac:chgData name="Cailleret Levi (cailllev)" userId="76c7c2b0-43a2-4584-98e9-385f6c17cf86" providerId="ADAL" clId="{4E0EA8AD-80DC-4D98-881E-C04A293A3A26}" dt="2020-10-06T09:27:48.854" v="457" actId="1076"/>
-          <ac:spMkLst>
-            <pc:docMk/>
-            <pc:sldMk cId="1577499883" sldId="256"/>
-            <ac:spMk id="109" creationId="{AEE4FCAE-083A-4869-9FAB-1D9E85AC0178}"/>
-          </ac:spMkLst>
-        </pc:spChg>
-        <pc:spChg chg="add del mod">
-          <ac:chgData name="Cailleret Levi (cailllev)" userId="76c7c2b0-43a2-4584-98e9-385f6c17cf86" providerId="ADAL" clId="{4E0EA8AD-80DC-4D98-881E-C04A293A3A26}" dt="2020-10-06T09:27:54.058" v="460" actId="478"/>
-          <ac:spMkLst>
-            <pc:docMk/>
-            <pc:sldMk cId="1577499883" sldId="256"/>
-            <ac:spMk id="111" creationId="{296BAF01-5620-424C-82E6-1B5223E62751}"/>
-          </ac:spMkLst>
-        </pc:spChg>
-        <pc:spChg chg="add mod">
-          <ac:chgData name="Cailleret Levi (cailllev)" userId="76c7c2b0-43a2-4584-98e9-385f6c17cf86" providerId="ADAL" clId="{4E0EA8AD-80DC-4D98-881E-C04A293A3A26}" dt="2020-10-06T09:28:11.506" v="468" actId="20577"/>
-          <ac:spMkLst>
-            <pc:docMk/>
-            <pc:sldMk cId="1577499883" sldId="256"/>
-            <ac:spMk id="113" creationId="{9AB2E638-FC49-49AC-B99F-BE8706B21177}"/>
-          </ac:spMkLst>
-        </pc:spChg>
-        <pc:spChg chg="add mod">
-          <ac:chgData name="Cailleret Levi (cailllev)" userId="76c7c2b0-43a2-4584-98e9-385f6c17cf86" providerId="ADAL" clId="{4E0EA8AD-80DC-4D98-881E-C04A293A3A26}" dt="2020-10-06T09:28:19.535" v="471" actId="20577"/>
-          <ac:spMkLst>
-            <pc:docMk/>
-            <pc:sldMk cId="1577499883" sldId="256"/>
-            <ac:spMk id="115" creationId="{403F6413-E98B-4D0E-AEDA-0D0183BE148D}"/>
-          </ac:spMkLst>
-        </pc:spChg>
-        <pc:spChg chg="add mod">
-          <ac:chgData name="Cailleret Levi (cailllev)" userId="76c7c2b0-43a2-4584-98e9-385f6c17cf86" providerId="ADAL" clId="{4E0EA8AD-80DC-4D98-881E-C04A293A3A26}" dt="2020-10-06T09:28:37.499" v="478" actId="14100"/>
-          <ac:spMkLst>
-            <pc:docMk/>
-            <pc:sldMk cId="1577499883" sldId="256"/>
-            <ac:spMk id="117" creationId="{DBD721CA-B4A1-4937-A9F4-DF3323D20A8A}"/>
-          </ac:spMkLst>
-        </pc:spChg>
-        <pc:spChg chg="add mod">
-          <ac:chgData name="Cailleret Levi (cailllev)" userId="76c7c2b0-43a2-4584-98e9-385f6c17cf86" providerId="ADAL" clId="{4E0EA8AD-80DC-4D98-881E-C04A293A3A26}" dt="2020-10-06T09:29:00.694" v="487" actId="1076"/>
-          <ac:spMkLst>
-            <pc:docMk/>
-            <pc:sldMk cId="1577499883" sldId="256"/>
-            <ac:spMk id="119" creationId="{8F9D588F-4FDF-4B80-A27E-632877DD6624}"/>
-          </ac:spMkLst>
-        </pc:spChg>
-        <pc:spChg chg="add mod">
-          <ac:chgData name="Cailleret Levi (cailllev)" userId="76c7c2b0-43a2-4584-98e9-385f6c17cf86" providerId="ADAL" clId="{4E0EA8AD-80DC-4D98-881E-C04A293A3A26}" dt="2020-10-06T09:28:56.556" v="486" actId="20577"/>
-          <ac:spMkLst>
-            <pc:docMk/>
-            <pc:sldMk cId="1577499883" sldId="256"/>
-            <ac:spMk id="121" creationId="{D6509A33-8CAD-451D-87C6-2AB897B32115}"/>
-          </ac:spMkLst>
-        </pc:spChg>
-        <pc:spChg chg="add mod">
-          <ac:chgData name="Cailleret Levi (cailllev)" userId="76c7c2b0-43a2-4584-98e9-385f6c17cf86" providerId="ADAL" clId="{4E0EA8AD-80DC-4D98-881E-C04A293A3A26}" dt="2020-10-06T09:29:15.600" v="492" actId="1076"/>
-          <ac:spMkLst>
-            <pc:docMk/>
-            <pc:sldMk cId="1577499883" sldId="256"/>
-            <ac:spMk id="123" creationId="{466EEEB3-3AF2-49D5-A90A-D3FB55EB97F3}"/>
-          </ac:spMkLst>
-        </pc:spChg>
-        <pc:spChg chg="add mod">
-          <ac:chgData name="Cailleret Levi (cailllev)" userId="76c7c2b0-43a2-4584-98e9-385f6c17cf86" providerId="ADAL" clId="{4E0EA8AD-80DC-4D98-881E-C04A293A3A26}" dt="2020-10-06T10:19:48.663" v="503" actId="14100"/>
-          <ac:spMkLst>
-            <pc:docMk/>
-            <pc:sldMk cId="1577499883" sldId="256"/>
-            <ac:spMk id="125" creationId="{D99F967A-DFBC-4695-8EFE-B1656EF2BFDA}"/>
-          </ac:spMkLst>
-        </pc:spChg>
-        <pc:spChg chg="add mod">
-          <ac:chgData name="Cailleret Levi (cailllev)" userId="76c7c2b0-43a2-4584-98e9-385f6c17cf86" providerId="ADAL" clId="{4E0EA8AD-80DC-4D98-881E-C04A293A3A26}" dt="2020-10-06T10:19:58.987" v="507" actId="20577"/>
-          <ac:spMkLst>
-            <pc:docMk/>
-            <pc:sldMk cId="1577499883" sldId="256"/>
-            <ac:spMk id="127" creationId="{7D144FC0-B702-4850-AE94-9CA3EA76433C}"/>
-          </ac:spMkLst>
-        </pc:spChg>
-        <pc:spChg chg="add mod">
-          <ac:chgData name="Cailleret Levi (cailllev)" userId="76c7c2b0-43a2-4584-98e9-385f6c17cf86" providerId="ADAL" clId="{4E0EA8AD-80DC-4D98-881E-C04A293A3A26}" dt="2020-10-06T10:20:22.323" v="513" actId="20577"/>
-          <ac:spMkLst>
-            <pc:docMk/>
-            <pc:sldMk cId="1577499883" sldId="256"/>
-            <ac:spMk id="129" creationId="{EA7DA8FB-4689-4517-80F1-C93368AD9298}"/>
-          </ac:spMkLst>
-        </pc:spChg>
-        <pc:spChg chg="add mod">
-          <ac:chgData name="Cailleret Levi (cailllev)" userId="76c7c2b0-43a2-4584-98e9-385f6c17cf86" providerId="ADAL" clId="{4E0EA8AD-80DC-4D98-881E-C04A293A3A26}" dt="2020-10-06T10:20:33.426" v="517" actId="1076"/>
-          <ac:spMkLst>
-            <pc:docMk/>
-            <pc:sldMk cId="1577499883" sldId="256"/>
-            <ac:spMk id="131" creationId="{CA986CCA-BF55-47F5-90EC-0FEB8AE46D11}"/>
-          </ac:spMkLst>
-        </pc:spChg>
-        <pc:spChg chg="add mod">
-          <ac:chgData name="Cailleret Levi (cailllev)" userId="76c7c2b0-43a2-4584-98e9-385f6c17cf86" providerId="ADAL" clId="{4E0EA8AD-80DC-4D98-881E-C04A293A3A26}" dt="2020-10-06T10:20:29.552" v="516" actId="1076"/>
-          <ac:spMkLst>
-            <pc:docMk/>
-            <pc:sldMk cId="1577499883" sldId="256"/>
-            <ac:spMk id="133" creationId="{08AF89BD-FA3F-43B8-9A26-DE35C7786CBB}"/>
-          </ac:spMkLst>
-        </pc:spChg>
-        <pc:cxnChg chg="add mod">
-          <ac:chgData name="Cailleret Levi (cailllev)" userId="76c7c2b0-43a2-4584-98e9-385f6c17cf86" providerId="ADAL" clId="{4E0EA8AD-80DC-4D98-881E-C04A293A3A26}" dt="2020-10-06T09:25:24.761" v="345" actId="1076"/>
-          <ac:cxnSpMkLst>
-            <pc:docMk/>
-            <pc:sldMk cId="1577499883" sldId="256"/>
-            <ac:cxnSpMk id="23" creationId="{E4582BCB-6FC7-480B-9157-13D074B86D92}"/>
-          </ac:cxnSpMkLst>
-        </pc:cxnChg>
-        <pc:cxnChg chg="add mod">
-          <ac:chgData name="Cailleret Levi (cailllev)" userId="76c7c2b0-43a2-4584-98e9-385f6c17cf86" providerId="ADAL" clId="{4E0EA8AD-80DC-4D98-881E-C04A293A3A26}" dt="2020-10-06T09:25:24.761" v="345" actId="1076"/>
-          <ac:cxnSpMkLst>
-            <pc:docMk/>
-            <pc:sldMk cId="1577499883" sldId="256"/>
-            <ac:cxnSpMk id="25" creationId="{963C7D06-C6A3-4355-975C-7AD5BFD09D64}"/>
-          </ac:cxnSpMkLst>
-        </pc:cxnChg>
-        <pc:cxnChg chg="add mod">
-          <ac:chgData name="Cailleret Levi (cailllev)" userId="76c7c2b0-43a2-4584-98e9-385f6c17cf86" providerId="ADAL" clId="{4E0EA8AD-80DC-4D98-881E-C04A293A3A26}" dt="2020-10-06T09:25:24.761" v="345" actId="1076"/>
-          <ac:cxnSpMkLst>
-            <pc:docMk/>
-            <pc:sldMk cId="1577499883" sldId="256"/>
-            <ac:cxnSpMk id="28" creationId="{37C6D71E-B8D1-4586-96EB-BD2261E65586}"/>
-          </ac:cxnSpMkLst>
-        </pc:cxnChg>
-        <pc:cxnChg chg="add mod">
-          <ac:chgData name="Cailleret Levi (cailllev)" userId="76c7c2b0-43a2-4584-98e9-385f6c17cf86" providerId="ADAL" clId="{4E0EA8AD-80DC-4D98-881E-C04A293A3A26}" dt="2020-10-06T09:25:24.761" v="345" actId="1076"/>
-          <ac:cxnSpMkLst>
-            <pc:docMk/>
-            <pc:sldMk cId="1577499883" sldId="256"/>
-            <ac:cxnSpMk id="35" creationId="{D387B75D-9DEC-4499-AF4B-BB4ECF8657E7}"/>
-          </ac:cxnSpMkLst>
-        </pc:cxnChg>
-        <pc:cxnChg chg="add mod">
-          <ac:chgData name="Cailleret Levi (cailllev)" userId="76c7c2b0-43a2-4584-98e9-385f6c17cf86" providerId="ADAL" clId="{4E0EA8AD-80DC-4D98-881E-C04A293A3A26}" dt="2020-10-06T09:25:24.761" v="345" actId="1076"/>
-          <ac:cxnSpMkLst>
-            <pc:docMk/>
-            <pc:sldMk cId="1577499883" sldId="256"/>
-            <ac:cxnSpMk id="36" creationId="{CE5A6BE2-6788-4626-8BE0-01E1F09B71DB}"/>
-          </ac:cxnSpMkLst>
-        </pc:cxnChg>
-        <pc:cxnChg chg="add del mod">
-          <ac:chgData name="Cailleret Levi (cailllev)" userId="76c7c2b0-43a2-4584-98e9-385f6c17cf86" providerId="ADAL" clId="{4E0EA8AD-80DC-4D98-881E-C04A293A3A26}" dt="2020-10-06T09:04:39.046" v="209" actId="478"/>
-          <ac:cxnSpMkLst>
-            <pc:docMk/>
-            <pc:sldMk cId="1577499883" sldId="256"/>
-            <ac:cxnSpMk id="50" creationId="{019FC1B4-1B8D-4335-B3B5-58B992DBBD73}"/>
-          </ac:cxnSpMkLst>
-        </pc:cxnChg>
-        <pc:cxnChg chg="add mod">
-          <ac:chgData name="Cailleret Levi (cailllev)" userId="76c7c2b0-43a2-4584-98e9-385f6c17cf86" providerId="ADAL" clId="{4E0EA8AD-80DC-4D98-881E-C04A293A3A26}" dt="2020-10-06T09:25:24.761" v="345" actId="1076"/>
-          <ac:cxnSpMkLst>
-            <pc:docMk/>
-            <pc:sldMk cId="1577499883" sldId="256"/>
-            <ac:cxnSpMk id="53" creationId="{6501BB28-65DC-4AA1-B922-E5B3E9DD4D5E}"/>
-          </ac:cxnSpMkLst>
-        </pc:cxnChg>
-        <pc:cxnChg chg="add mod">
-          <ac:chgData name="Cailleret Levi (cailllev)" userId="76c7c2b0-43a2-4584-98e9-385f6c17cf86" providerId="ADAL" clId="{4E0EA8AD-80DC-4D98-881E-C04A293A3A26}" dt="2020-10-06T09:25:24.761" v="345" actId="1076"/>
-          <ac:cxnSpMkLst>
-            <pc:docMk/>
-            <pc:sldMk cId="1577499883" sldId="256"/>
-            <ac:cxnSpMk id="56" creationId="{BB6CFE5F-4392-4C66-A3B3-52B476B03324}"/>
-          </ac:cxnSpMkLst>
-        </pc:cxnChg>
-        <pc:cxnChg chg="add mod">
-          <ac:chgData name="Cailleret Levi (cailllev)" userId="76c7c2b0-43a2-4584-98e9-385f6c17cf86" providerId="ADAL" clId="{4E0EA8AD-80DC-4D98-881E-C04A293A3A26}" dt="2020-10-06T11:26:50.669" v="1591" actId="1076"/>
-          <ac:cxnSpMkLst>
-            <pc:docMk/>
-            <pc:sldMk cId="1577499883" sldId="256"/>
-            <ac:cxnSpMk id="61" creationId="{DD860BE4-A8FE-4530-9481-5FBCFC3B0055}"/>
-          </ac:cxnSpMkLst>
-        </pc:cxnChg>
-        <pc:cxnChg chg="add del mod">
-          <ac:chgData name="Cailleret Levi (cailllev)" userId="76c7c2b0-43a2-4584-98e9-385f6c17cf86" providerId="ADAL" clId="{4E0EA8AD-80DC-4D98-881E-C04A293A3A26}" dt="2020-10-06T09:04:03.498" v="204" actId="478"/>
-          <ac:cxnSpMkLst>
-            <pc:docMk/>
-            <pc:sldMk cId="1577499883" sldId="256"/>
-            <ac:cxnSpMk id="62" creationId="{5A8A822F-3353-48DB-A035-4C961A5459A8}"/>
-          </ac:cxnSpMkLst>
-        </pc:cxnChg>
-        <pc:cxnChg chg="add mod">
-          <ac:chgData name="Cailleret Levi (cailllev)" userId="76c7c2b0-43a2-4584-98e9-385f6c17cf86" providerId="ADAL" clId="{4E0EA8AD-80DC-4D98-881E-C04A293A3A26}" dt="2020-10-06T09:25:24.761" v="345" actId="1076"/>
-          <ac:cxnSpMkLst>
-            <pc:docMk/>
-            <pc:sldMk cId="1577499883" sldId="256"/>
-            <ac:cxnSpMk id="63" creationId="{C324A5F3-19D3-4AE1-9133-AB656A729791}"/>
-          </ac:cxnSpMkLst>
-        </pc:cxnChg>
-        <pc:cxnChg chg="add mod">
-          <ac:chgData name="Cailleret Levi (cailllev)" userId="76c7c2b0-43a2-4584-98e9-385f6c17cf86" providerId="ADAL" clId="{4E0EA8AD-80DC-4D98-881E-C04A293A3A26}" dt="2020-10-06T11:26:50.669" v="1591" actId="1076"/>
-          <ac:cxnSpMkLst>
-            <pc:docMk/>
-            <pc:sldMk cId="1577499883" sldId="256"/>
-            <ac:cxnSpMk id="64" creationId="{C1B21033-D65E-49F1-B642-D64E80B9A13B}"/>
-          </ac:cxnSpMkLst>
-        </pc:cxnChg>
-        <pc:cxnChg chg="add mod">
-          <ac:chgData name="Cailleret Levi (cailllev)" userId="76c7c2b0-43a2-4584-98e9-385f6c17cf86" providerId="ADAL" clId="{4E0EA8AD-80DC-4D98-881E-C04A293A3A26}" dt="2020-10-06T09:25:24.761" v="345" actId="1076"/>
-          <ac:cxnSpMkLst>
-            <pc:docMk/>
-            <pc:sldMk cId="1577499883" sldId="256"/>
-            <ac:cxnSpMk id="65" creationId="{4DC2A27B-A6E1-4225-8E50-FE9050D75DD5}"/>
-          </ac:cxnSpMkLst>
-        </pc:cxnChg>
-        <pc:cxnChg chg="add mod">
-          <ac:chgData name="Cailleret Levi (cailllev)" userId="76c7c2b0-43a2-4584-98e9-385f6c17cf86" providerId="ADAL" clId="{4E0EA8AD-80DC-4D98-881E-C04A293A3A26}" dt="2020-10-06T09:25:24.761" v="345" actId="1076"/>
-          <ac:cxnSpMkLst>
-            <pc:docMk/>
-            <pc:sldMk cId="1577499883" sldId="256"/>
-            <ac:cxnSpMk id="82" creationId="{81C9513A-5356-491D-A210-86F489EB2343}"/>
-          </ac:cxnSpMkLst>
-        </pc:cxnChg>
-      </pc:sldChg>
-      <pc:sldChg chg="addSp delSp modSp new mod">
-        <pc:chgData name="Cailleret Levi (cailllev)" userId="76c7c2b0-43a2-4584-98e9-385f6c17cf86" providerId="ADAL" clId="{4E0EA8AD-80DC-4D98-881E-C04A293A3A26}" dt="2020-10-06T10:33:08.960" v="1521" actId="20577"/>
-        <pc:sldMkLst>
-          <pc:docMk/>
-          <pc:sldMk cId="3106414305" sldId="257"/>
-        </pc:sldMkLst>
-        <pc:spChg chg="add del mod">
-          <ac:chgData name="Cailleret Levi (cailllev)" userId="76c7c2b0-43a2-4584-98e9-385f6c17cf86" providerId="ADAL" clId="{4E0EA8AD-80DC-4D98-881E-C04A293A3A26}" dt="2020-10-06T10:28:15.244" v="1114" actId="20577"/>
-          <ac:spMkLst>
-            <pc:docMk/>
-            <pc:sldMk cId="3106414305" sldId="257"/>
-            <ac:spMk id="2" creationId="{1A195801-25AE-42BD-BC00-72346510CE73}"/>
-          </ac:spMkLst>
-        </pc:spChg>
-        <pc:spChg chg="mod">
-          <ac:chgData name="Cailleret Levi (cailllev)" userId="76c7c2b0-43a2-4584-98e9-385f6c17cf86" providerId="ADAL" clId="{4E0EA8AD-80DC-4D98-881E-C04A293A3A26}" dt="2020-10-06T10:33:08.960" v="1521" actId="20577"/>
-          <ac:spMkLst>
-            <pc:docMk/>
-            <pc:sldMk cId="3106414305" sldId="257"/>
-            <ac:spMk id="3" creationId="{62BBC4CF-AEEA-4CBC-86F6-DA80B8B3D155}"/>
-          </ac:spMkLst>
-        </pc:spChg>
-      </pc:sldChg>
-      <pc:sldChg chg="modSp new mod">
-        <pc:chgData name="Cailleret Levi (cailllev)" userId="76c7c2b0-43a2-4584-98e9-385f6c17cf86" providerId="ADAL" clId="{4E0EA8AD-80DC-4D98-881E-C04A293A3A26}" dt="2020-10-06T11:29:41.875" v="1596" actId="20577"/>
-        <pc:sldMkLst>
-          <pc:docMk/>
-          <pc:sldMk cId="3032443653" sldId="258"/>
-        </pc:sldMkLst>
-        <pc:spChg chg="mod">
-          <ac:chgData name="Cailleret Levi (cailllev)" userId="76c7c2b0-43a2-4584-98e9-385f6c17cf86" providerId="ADAL" clId="{4E0EA8AD-80DC-4D98-881E-C04A293A3A26}" dt="2020-10-06T10:29:31.130" v="1164" actId="20577"/>
-          <ac:spMkLst>
-            <pc:docMk/>
-            <pc:sldMk cId="3032443653" sldId="258"/>
-            <ac:spMk id="2" creationId="{8F12EA4F-4753-4197-9177-4F0452E07642}"/>
-          </ac:spMkLst>
-        </pc:spChg>
-        <pc:spChg chg="mod">
-          <ac:chgData name="Cailleret Levi (cailllev)" userId="76c7c2b0-43a2-4584-98e9-385f6c17cf86" providerId="ADAL" clId="{4E0EA8AD-80DC-4D98-881E-C04A293A3A26}" dt="2020-10-06T11:29:41.875" v="1596" actId="20577"/>
-          <ac:spMkLst>
-            <pc:docMk/>
-            <pc:sldMk cId="3032443653" sldId="258"/>
-            <ac:spMk id="3" creationId="{E4208D71-FB65-4D7B-86D8-DBF5101240DA}"/>
-          </ac:spMkLst>
-        </pc:spChg>
-      </pc:sldChg>
-      <pc:sldChg chg="modSp new del mod">
-        <pc:chgData name="Cailleret Levi (cailllev)" userId="76c7c2b0-43a2-4584-98e9-385f6c17cf86" providerId="ADAL" clId="{4E0EA8AD-80DC-4D98-881E-C04A293A3A26}" dt="2020-10-06T11:29:26.815" v="1592" actId="2696"/>
-        <pc:sldMkLst>
-          <pc:docMk/>
-          <pc:sldMk cId="2704458996" sldId="259"/>
-        </pc:sldMkLst>
-        <pc:spChg chg="mod">
-          <ac:chgData name="Cailleret Levi (cailllev)" userId="76c7c2b0-43a2-4584-98e9-385f6c17cf86" providerId="ADAL" clId="{4E0EA8AD-80DC-4D98-881E-C04A293A3A26}" dt="2020-10-06T11:10:29.249" v="1587" actId="20577"/>
-          <ac:spMkLst>
-            <pc:docMk/>
-            <pc:sldMk cId="2704458996" sldId="259"/>
-            <ac:spMk id="2" creationId="{7FD8A089-6F70-40E1-B869-AD0676398A0C}"/>
-          </ac:spMkLst>
-        </pc:spChg>
-      </pc:sldChg>
-    </pc:docChg>
-  </pc:docChgLst>
-  <pc:docChgLst>
-    <pc:chgData name="Cailleret Levi (cailllev)" userId="S::cailllev@students.zhaw.ch::76c7c2b0-43a2-4584-98e9-385f6c17cf86" providerId="AD" clId="Web-{8F9D3D64-46CE-49F3-8A53-502883B3E1AF}"/>
-    <pc:docChg chg="modSld">
-      <pc:chgData name="Cailleret Levi (cailllev)" userId="S::cailllev@students.zhaw.ch::76c7c2b0-43a2-4584-98e9-385f6c17cf86" providerId="AD" clId="Web-{8F9D3D64-46CE-49F3-8A53-502883B3E1AF}" dt="2020-10-07T06:17:43.058" v="66" actId="20577"/>
-      <pc:docMkLst>
-        <pc:docMk/>
-      </pc:docMkLst>
-      <pc:sldChg chg="modSp">
-        <pc:chgData name="Cailleret Levi (cailllev)" userId="S::cailllev@students.zhaw.ch::76c7c2b0-43a2-4584-98e9-385f6c17cf86" providerId="AD" clId="Web-{8F9D3D64-46CE-49F3-8A53-502883B3E1AF}" dt="2020-10-07T06:17:42.152" v="64" actId="20577"/>
-        <pc:sldMkLst>
-          <pc:docMk/>
-          <pc:sldMk cId="3032443653" sldId="258"/>
-        </pc:sldMkLst>
-        <pc:spChg chg="mod">
-          <ac:chgData name="Cailleret Levi (cailllev)" userId="S::cailllev@students.zhaw.ch::76c7c2b0-43a2-4584-98e9-385f6c17cf86" providerId="AD" clId="Web-{8F9D3D64-46CE-49F3-8A53-502883B3E1AF}" dt="2020-10-07T06:17:42.152" v="64" actId="20577"/>
-          <ac:spMkLst>
-            <pc:docMk/>
-            <pc:sldMk cId="3032443653" sldId="258"/>
-            <ac:spMk id="3" creationId="{E4208D71-FB65-4D7B-86D8-DBF5101240DA}"/>
-          </ac:spMkLst>
-        </pc:spChg>
-      </pc:sldChg>
-    </pc:docChg>
-  </pc:docChgLst>
-</pc:chgInfo>
 </file>
 
 <file path=ppt/slideLayouts/slideLayout1.xml><?xml version="1.0" encoding="utf-8"?>
@@ -966,7 +261,7 @@
           <a:p>
             <a:fld id="{D3EB3054-B75A-4BD7-8B3E-8DC0F614FAF3}" type="datetimeFigureOut">
               <a:rPr lang="de-DE" smtClean="0"/>
-              <a:t>07.10.2020</a:t>
+              <a:t>23.10.2020</a:t>
             </a:fld>
             <a:endParaRPr lang="de-DE"/>
           </a:p>
@@ -1134,7 +429,7 @@
           <a:p>
             <a:fld id="{D3EB3054-B75A-4BD7-8B3E-8DC0F614FAF3}" type="datetimeFigureOut">
               <a:rPr lang="de-DE" smtClean="0"/>
-              <a:t>07.10.2020</a:t>
+              <a:t>23.10.2020</a:t>
             </a:fld>
             <a:endParaRPr lang="de-DE"/>
           </a:p>
@@ -1312,7 +607,7 @@
           <a:p>
             <a:fld id="{D3EB3054-B75A-4BD7-8B3E-8DC0F614FAF3}" type="datetimeFigureOut">
               <a:rPr lang="de-DE" smtClean="0"/>
-              <a:t>07.10.2020</a:t>
+              <a:t>23.10.2020</a:t>
             </a:fld>
             <a:endParaRPr lang="de-DE"/>
           </a:p>
@@ -1480,7 +775,7 @@
           <a:p>
             <a:fld id="{D3EB3054-B75A-4BD7-8B3E-8DC0F614FAF3}" type="datetimeFigureOut">
               <a:rPr lang="de-DE" smtClean="0"/>
-              <a:t>07.10.2020</a:t>
+              <a:t>23.10.2020</a:t>
             </a:fld>
             <a:endParaRPr lang="de-DE"/>
           </a:p>
@@ -1725,7 +1020,7 @@
           <a:p>
             <a:fld id="{D3EB3054-B75A-4BD7-8B3E-8DC0F614FAF3}" type="datetimeFigureOut">
               <a:rPr lang="de-DE" smtClean="0"/>
-              <a:t>07.10.2020</a:t>
+              <a:t>23.10.2020</a:t>
             </a:fld>
             <a:endParaRPr lang="de-DE"/>
           </a:p>
@@ -1954,7 +1249,7 @@
           <a:p>
             <a:fld id="{D3EB3054-B75A-4BD7-8B3E-8DC0F614FAF3}" type="datetimeFigureOut">
               <a:rPr lang="de-DE" smtClean="0"/>
-              <a:t>07.10.2020</a:t>
+              <a:t>23.10.2020</a:t>
             </a:fld>
             <a:endParaRPr lang="de-DE"/>
           </a:p>
@@ -2318,7 +1613,7 @@
           <a:p>
             <a:fld id="{D3EB3054-B75A-4BD7-8B3E-8DC0F614FAF3}" type="datetimeFigureOut">
               <a:rPr lang="de-DE" smtClean="0"/>
-              <a:t>07.10.2020</a:t>
+              <a:t>23.10.2020</a:t>
             </a:fld>
             <a:endParaRPr lang="de-DE"/>
           </a:p>
@@ -2435,7 +1730,7 @@
           <a:p>
             <a:fld id="{D3EB3054-B75A-4BD7-8B3E-8DC0F614FAF3}" type="datetimeFigureOut">
               <a:rPr lang="de-DE" smtClean="0"/>
-              <a:t>07.10.2020</a:t>
+              <a:t>23.10.2020</a:t>
             </a:fld>
             <a:endParaRPr lang="de-DE"/>
           </a:p>
@@ -2530,7 +1825,7 @@
           <a:p>
             <a:fld id="{D3EB3054-B75A-4BD7-8B3E-8DC0F614FAF3}" type="datetimeFigureOut">
               <a:rPr lang="de-DE" smtClean="0"/>
-              <a:t>07.10.2020</a:t>
+              <a:t>23.10.2020</a:t>
             </a:fld>
             <a:endParaRPr lang="de-DE"/>
           </a:p>
@@ -2805,7 +2100,7 @@
           <a:p>
             <a:fld id="{D3EB3054-B75A-4BD7-8B3E-8DC0F614FAF3}" type="datetimeFigureOut">
               <a:rPr lang="de-DE" smtClean="0"/>
-              <a:t>07.10.2020</a:t>
+              <a:t>23.10.2020</a:t>
             </a:fld>
             <a:endParaRPr lang="de-DE"/>
           </a:p>
@@ -3057,7 +2352,7 @@
           <a:p>
             <a:fld id="{D3EB3054-B75A-4BD7-8B3E-8DC0F614FAF3}" type="datetimeFigureOut">
               <a:rPr lang="de-DE" smtClean="0"/>
-              <a:t>07.10.2020</a:t>
+              <a:t>23.10.2020</a:t>
             </a:fld>
             <a:endParaRPr lang="de-DE"/>
           </a:p>
@@ -3268,7 +2563,7 @@
           <a:p>
             <a:fld id="{D3EB3054-B75A-4BD7-8B3E-8DC0F614FAF3}" type="datetimeFigureOut">
               <a:rPr lang="de-DE" smtClean="0"/>
-              <a:t>07.10.2020</a:t>
+              <a:t>23.10.2020</a:t>
             </a:fld>
             <a:endParaRPr lang="de-DE"/>
           </a:p>
@@ -3675,1936 +2970,634 @@
       </p:grpSpPr>
       <p:sp>
         <p:nvSpPr>
-          <p:cNvPr id="104" name="Ellipse 103">
-            <a:extLst>
-              <a:ext uri="{FF2B5EF4-FFF2-40B4-BE49-F238E27FC236}">
-                <a16:creationId xmlns:a16="http://schemas.microsoft.com/office/drawing/2014/main" id="{CE56F5FE-26C8-4926-984A-5082B2557605}"/>
-              </a:ext>
-            </a:extLst>
-          </p:cNvPr>
-          <p:cNvSpPr/>
-          <p:nvPr/>
-        </p:nvSpPr>
-        <p:spPr>
-          <a:xfrm>
-            <a:off x="4680940" y="5355436"/>
-            <a:ext cx="2238375" cy="1042977"/>
-          </a:xfrm>
-          <a:prstGeom prst="ellipse">
-            <a:avLst/>
-          </a:prstGeom>
-          <a:solidFill>
-            <a:schemeClr val="accent6">
-              <a:lumMod val="75000"/>
-            </a:schemeClr>
-          </a:solidFill>
-          <a:ln>
-            <a:solidFill>
-              <a:schemeClr val="accent6">
-                <a:lumMod val="50000"/>
-              </a:schemeClr>
-            </a:solidFill>
-          </a:ln>
-        </p:spPr>
-        <p:style>
-          <a:lnRef idx="2">
-            <a:schemeClr val="accent1">
-              <a:shade val="50000"/>
-            </a:schemeClr>
-          </a:lnRef>
-          <a:fillRef idx="1">
-            <a:schemeClr val="accent1"/>
-          </a:fillRef>
-          <a:effectRef idx="0">
-            <a:schemeClr val="accent1"/>
-          </a:effectRef>
-          <a:fontRef idx="minor">
-            <a:schemeClr val="lt1"/>
-          </a:fontRef>
-        </p:style>
-        <p:txBody>
-          <a:bodyPr rtlCol="0" anchor="ctr"/>
-          <a:lstStyle/>
-          <a:p>
-            <a:pPr algn="ctr"/>
-            <a:r>
-              <a:rPr lang="en-GB" dirty="0"/>
-              <a:t>Prevention System 1</a:t>
-            </a:r>
-          </a:p>
-        </p:txBody>
-      </p:sp>
-      <p:sp>
-        <p:nvSpPr>
-          <p:cNvPr id="106" name="Ellipse 105">
-            <a:extLst>
-              <a:ext uri="{FF2B5EF4-FFF2-40B4-BE49-F238E27FC236}">
-                <a16:creationId xmlns:a16="http://schemas.microsoft.com/office/drawing/2014/main" id="{63C6DB85-BA9F-4DD9-8E00-31644AE3DC6E}"/>
-              </a:ext>
-            </a:extLst>
-          </p:cNvPr>
-          <p:cNvSpPr/>
-          <p:nvPr/>
-        </p:nvSpPr>
-        <p:spPr>
-          <a:xfrm>
-            <a:off x="4680940" y="5212117"/>
-            <a:ext cx="2238375" cy="1042977"/>
-          </a:xfrm>
-          <a:prstGeom prst="ellipse">
-            <a:avLst/>
-          </a:prstGeom>
-          <a:solidFill>
-            <a:schemeClr val="accent6">
-              <a:lumMod val="75000"/>
-            </a:schemeClr>
-          </a:solidFill>
-          <a:ln>
-            <a:solidFill>
-              <a:schemeClr val="accent6">
-                <a:lumMod val="50000"/>
-              </a:schemeClr>
-            </a:solidFill>
-          </a:ln>
-        </p:spPr>
-        <p:style>
-          <a:lnRef idx="2">
-            <a:schemeClr val="accent1">
-              <a:shade val="50000"/>
-            </a:schemeClr>
-          </a:lnRef>
-          <a:fillRef idx="1">
-            <a:schemeClr val="accent1"/>
-          </a:fillRef>
-          <a:effectRef idx="0">
-            <a:schemeClr val="accent1"/>
-          </a:effectRef>
-          <a:fontRef idx="minor">
-            <a:schemeClr val="lt1"/>
-          </a:fontRef>
-        </p:style>
-        <p:txBody>
-          <a:bodyPr rtlCol="0" anchor="ctr"/>
-          <a:lstStyle/>
-          <a:p>
-            <a:pPr algn="ctr"/>
-            <a:r>
-              <a:rPr lang="en-GB" dirty="0"/>
-              <a:t>Prevention System 1</a:t>
-            </a:r>
-          </a:p>
-        </p:txBody>
-      </p:sp>
-      <p:sp>
-        <p:nvSpPr>
-          <p:cNvPr id="102" name="Ellipse 101">
-            <a:extLst>
-              <a:ext uri="{FF2B5EF4-FFF2-40B4-BE49-F238E27FC236}">
-                <a16:creationId xmlns:a16="http://schemas.microsoft.com/office/drawing/2014/main" id="{76E9CD59-FAD2-4C07-8921-4BBD152A98BF}"/>
-              </a:ext>
-            </a:extLst>
-          </p:cNvPr>
-          <p:cNvSpPr/>
-          <p:nvPr/>
-        </p:nvSpPr>
-        <p:spPr>
-          <a:xfrm>
-            <a:off x="5083671" y="3790959"/>
-            <a:ext cx="2238375" cy="1042977"/>
-          </a:xfrm>
-          <a:prstGeom prst="ellipse">
-            <a:avLst/>
-          </a:prstGeom>
-          <a:solidFill>
-            <a:srgbClr val="FF0000"/>
-          </a:solidFill>
-          <a:ln>
-            <a:solidFill>
-              <a:srgbClr val="860000"/>
-            </a:solidFill>
-          </a:ln>
-        </p:spPr>
-        <p:style>
-          <a:lnRef idx="2">
-            <a:schemeClr val="accent1">
-              <a:shade val="50000"/>
-            </a:schemeClr>
-          </a:lnRef>
-          <a:fillRef idx="1">
-            <a:schemeClr val="accent1"/>
-          </a:fillRef>
-          <a:effectRef idx="0">
-            <a:schemeClr val="accent1"/>
-          </a:effectRef>
-          <a:fontRef idx="minor">
-            <a:schemeClr val="lt1"/>
-          </a:fontRef>
-        </p:style>
-        <p:txBody>
-          <a:bodyPr rtlCol="0" anchor="ctr"/>
-          <a:lstStyle/>
-          <a:p>
-            <a:pPr algn="ctr"/>
-            <a:r>
-              <a:rPr lang="en-GB" dirty="0"/>
-              <a:t>Intrusion Detection System 1</a:t>
-            </a:r>
-          </a:p>
-        </p:txBody>
-      </p:sp>
-      <p:sp>
-        <p:nvSpPr>
-          <p:cNvPr id="100" name="Ellipse 99">
-            <a:extLst>
-              <a:ext uri="{FF2B5EF4-FFF2-40B4-BE49-F238E27FC236}">
-                <a16:creationId xmlns:a16="http://schemas.microsoft.com/office/drawing/2014/main" id="{B01BD9C4-88B9-4F1B-A0A0-D678182E2E99}"/>
-              </a:ext>
-            </a:extLst>
-          </p:cNvPr>
-          <p:cNvSpPr/>
-          <p:nvPr/>
-        </p:nvSpPr>
-        <p:spPr>
-          <a:xfrm>
-            <a:off x="4904780" y="3790960"/>
-            <a:ext cx="2238375" cy="1042977"/>
-          </a:xfrm>
-          <a:prstGeom prst="ellipse">
-            <a:avLst/>
-          </a:prstGeom>
-          <a:solidFill>
-            <a:srgbClr val="FF0000"/>
-          </a:solidFill>
-          <a:ln>
-            <a:solidFill>
-              <a:srgbClr val="860000"/>
-            </a:solidFill>
-          </a:ln>
-        </p:spPr>
-        <p:style>
-          <a:lnRef idx="2">
-            <a:schemeClr val="accent1">
-              <a:shade val="50000"/>
-            </a:schemeClr>
-          </a:lnRef>
-          <a:fillRef idx="1">
-            <a:schemeClr val="accent1"/>
-          </a:fillRef>
-          <a:effectRef idx="0">
-            <a:schemeClr val="accent1"/>
-          </a:effectRef>
-          <a:fontRef idx="minor">
-            <a:schemeClr val="lt1"/>
-          </a:fontRef>
-        </p:style>
-        <p:txBody>
-          <a:bodyPr rtlCol="0" anchor="ctr"/>
-          <a:lstStyle/>
-          <a:p>
-            <a:pPr algn="ctr"/>
-            <a:r>
-              <a:rPr lang="en-GB" dirty="0"/>
-              <a:t>Intrusion Detection System 1</a:t>
-            </a:r>
-          </a:p>
-        </p:txBody>
-      </p:sp>
-      <p:sp>
-        <p:nvSpPr>
-          <p:cNvPr id="15" name="Rechteck 14">
-            <a:extLst>
-              <a:ext uri="{FF2B5EF4-FFF2-40B4-BE49-F238E27FC236}">
-                <a16:creationId xmlns:a16="http://schemas.microsoft.com/office/drawing/2014/main" id="{E6EE8A90-1209-42C5-B9E3-ACF6771CBB0A}"/>
-              </a:ext>
-            </a:extLst>
-          </p:cNvPr>
-          <p:cNvSpPr/>
-          <p:nvPr/>
-        </p:nvSpPr>
-        <p:spPr>
-          <a:xfrm>
-            <a:off x="578644" y="2000249"/>
-            <a:ext cx="2028825" cy="1042987"/>
-          </a:xfrm>
-          <a:prstGeom prst="rect">
-            <a:avLst/>
-          </a:prstGeom>
-          <a:solidFill>
-            <a:schemeClr val="bg1">
-              <a:lumMod val="65000"/>
-            </a:schemeClr>
-          </a:solidFill>
-          <a:ln>
-            <a:solidFill>
-              <a:schemeClr val="bg1">
-                <a:lumMod val="50000"/>
-              </a:schemeClr>
-            </a:solidFill>
-          </a:ln>
-        </p:spPr>
-        <p:style>
-          <a:lnRef idx="2">
-            <a:schemeClr val="accent1">
-              <a:shade val="50000"/>
-            </a:schemeClr>
-          </a:lnRef>
-          <a:fillRef idx="1">
-            <a:schemeClr val="accent1"/>
-          </a:fillRef>
-          <a:effectRef idx="0">
-            <a:schemeClr val="accent1"/>
-          </a:effectRef>
-          <a:fontRef idx="minor">
-            <a:schemeClr val="lt1"/>
-          </a:fontRef>
-        </p:style>
-        <p:txBody>
-          <a:bodyPr rtlCol="0" anchor="ctr"/>
-          <a:lstStyle/>
-          <a:p>
-            <a:pPr algn="ctr"/>
-            <a:r>
-              <a:rPr lang="en-GB" dirty="0">
-                <a:solidFill>
-                  <a:schemeClr val="bg1"/>
-                </a:solidFill>
-              </a:rPr>
-              <a:t>Internet</a:t>
-            </a:r>
-          </a:p>
-        </p:txBody>
-      </p:sp>
-      <p:sp>
-        <p:nvSpPr>
-          <p:cNvPr id="17" name="Rechteck 16">
-            <a:extLst>
-              <a:ext uri="{FF2B5EF4-FFF2-40B4-BE49-F238E27FC236}">
-                <a16:creationId xmlns:a16="http://schemas.microsoft.com/office/drawing/2014/main" id="{F2ABD230-251D-4185-B776-1848115E557B}"/>
-              </a:ext>
-            </a:extLst>
-          </p:cNvPr>
-          <p:cNvSpPr/>
-          <p:nvPr/>
-        </p:nvSpPr>
-        <p:spPr>
-          <a:xfrm>
-            <a:off x="3532584" y="2000250"/>
-            <a:ext cx="2028825" cy="1042987"/>
-          </a:xfrm>
-          <a:prstGeom prst="rect">
-            <a:avLst/>
-          </a:prstGeom>
-        </p:spPr>
-        <p:style>
-          <a:lnRef idx="2">
-            <a:schemeClr val="accent1">
-              <a:shade val="50000"/>
-            </a:schemeClr>
-          </a:lnRef>
-          <a:fillRef idx="1">
-            <a:schemeClr val="accent1"/>
-          </a:fillRef>
-          <a:effectRef idx="0">
-            <a:schemeClr val="accent1"/>
-          </a:effectRef>
-          <a:fontRef idx="minor">
-            <a:schemeClr val="lt1"/>
-          </a:fontRef>
-        </p:style>
-        <p:txBody>
-          <a:bodyPr rtlCol="0" anchor="ctr"/>
-          <a:lstStyle/>
-          <a:p>
-            <a:pPr algn="ctr"/>
-            <a:r>
-              <a:rPr lang="en-GB" dirty="0"/>
-              <a:t>Authorizer</a:t>
-            </a:r>
-          </a:p>
-        </p:txBody>
-      </p:sp>
-      <p:sp>
-        <p:nvSpPr>
-          <p:cNvPr id="19" name="Rechteck 18">
-            <a:extLst>
-              <a:ext uri="{FF2B5EF4-FFF2-40B4-BE49-F238E27FC236}">
-                <a16:creationId xmlns:a16="http://schemas.microsoft.com/office/drawing/2014/main" id="{DA62029E-9012-4587-983E-893CE516FEAB}"/>
-              </a:ext>
-            </a:extLst>
-          </p:cNvPr>
-          <p:cNvSpPr/>
-          <p:nvPr/>
-        </p:nvSpPr>
-        <p:spPr>
-          <a:xfrm>
-            <a:off x="6486524" y="2000250"/>
-            <a:ext cx="2028825" cy="1042987"/>
-          </a:xfrm>
-          <a:prstGeom prst="rect">
-            <a:avLst/>
-          </a:prstGeom>
-        </p:spPr>
-        <p:style>
-          <a:lnRef idx="2">
-            <a:schemeClr val="accent1">
-              <a:shade val="50000"/>
-            </a:schemeClr>
-          </a:lnRef>
-          <a:fillRef idx="1">
-            <a:schemeClr val="accent1"/>
-          </a:fillRef>
-          <a:effectRef idx="0">
-            <a:schemeClr val="accent1"/>
-          </a:effectRef>
-          <a:fontRef idx="minor">
-            <a:schemeClr val="lt1"/>
-          </a:fontRef>
-        </p:style>
-        <p:txBody>
-          <a:bodyPr rtlCol="0" anchor="ctr"/>
-          <a:lstStyle/>
-          <a:p>
-            <a:pPr algn="ctr"/>
-            <a:r>
-              <a:rPr lang="en-GB" dirty="0"/>
-              <a:t>Planner</a:t>
-            </a:r>
-          </a:p>
-        </p:txBody>
-      </p:sp>
-      <p:sp>
-        <p:nvSpPr>
-          <p:cNvPr id="21" name="Rechteck 20">
-            <a:extLst>
-              <a:ext uri="{FF2B5EF4-FFF2-40B4-BE49-F238E27FC236}">
-                <a16:creationId xmlns:a16="http://schemas.microsoft.com/office/drawing/2014/main" id="{31688287-23C5-4893-948D-F33DA982DA6D}"/>
-              </a:ext>
-            </a:extLst>
-          </p:cNvPr>
-          <p:cNvSpPr/>
-          <p:nvPr/>
-        </p:nvSpPr>
-        <p:spPr>
-          <a:xfrm>
-            <a:off x="9440461" y="1994254"/>
-            <a:ext cx="2028825" cy="1042987"/>
-          </a:xfrm>
-          <a:prstGeom prst="rect">
-            <a:avLst/>
-          </a:prstGeom>
-        </p:spPr>
-        <p:style>
-          <a:lnRef idx="2">
-            <a:schemeClr val="accent1">
-              <a:shade val="50000"/>
-            </a:schemeClr>
-          </a:lnRef>
-          <a:fillRef idx="1">
-            <a:schemeClr val="accent1"/>
-          </a:fillRef>
-          <a:effectRef idx="0">
-            <a:schemeClr val="accent1"/>
-          </a:effectRef>
-          <a:fontRef idx="minor">
-            <a:schemeClr val="lt1"/>
-          </a:fontRef>
-        </p:style>
-        <p:txBody>
-          <a:bodyPr rtlCol="0" anchor="ctr"/>
-          <a:lstStyle/>
-          <a:p>
-            <a:pPr algn="ctr"/>
-            <a:r>
-              <a:rPr lang="en-GB" dirty="0"/>
-              <a:t>DB 1</a:t>
-            </a:r>
-          </a:p>
-        </p:txBody>
-      </p:sp>
-      <p:cxnSp>
-        <p:nvCxnSpPr>
-          <p:cNvPr id="23" name="Gerade Verbindung mit Pfeil 22">
-            <a:extLst>
-              <a:ext uri="{FF2B5EF4-FFF2-40B4-BE49-F238E27FC236}">
-                <a16:creationId xmlns:a16="http://schemas.microsoft.com/office/drawing/2014/main" id="{E4582BCB-6FC7-480B-9157-13D074B86D92}"/>
-              </a:ext>
-            </a:extLst>
-          </p:cNvPr>
-          <p:cNvCxnSpPr>
-            <a:cxnSpLocks/>
-            <a:stCxn id="15" idx="3"/>
-            <a:endCxn id="17" idx="1"/>
-          </p:cNvCxnSpPr>
-          <p:nvPr/>
-        </p:nvCxnSpPr>
-        <p:spPr>
-          <a:xfrm>
-            <a:off x="2607469" y="2521743"/>
-            <a:ext cx="925115" cy="1"/>
-          </a:xfrm>
-          <a:prstGeom prst="straightConnector1">
-            <a:avLst/>
-          </a:prstGeom>
-          <a:ln w="19050">
-            <a:tailEnd type="triangle"/>
-          </a:ln>
-        </p:spPr>
-        <p:style>
-          <a:lnRef idx="1">
-            <a:schemeClr val="accent1"/>
-          </a:lnRef>
-          <a:fillRef idx="0">
-            <a:schemeClr val="accent1"/>
-          </a:fillRef>
-          <a:effectRef idx="0">
-            <a:schemeClr val="accent1"/>
-          </a:effectRef>
-          <a:fontRef idx="minor">
-            <a:schemeClr val="tx1"/>
-          </a:fontRef>
-        </p:style>
-      </p:cxnSp>
-      <p:cxnSp>
-        <p:nvCxnSpPr>
-          <p:cNvPr id="25" name="Gerade Verbindung mit Pfeil 24">
-            <a:extLst>
-              <a:ext uri="{FF2B5EF4-FFF2-40B4-BE49-F238E27FC236}">
-                <a16:creationId xmlns:a16="http://schemas.microsoft.com/office/drawing/2014/main" id="{963C7D06-C6A3-4355-975C-7AD5BFD09D64}"/>
-              </a:ext>
-            </a:extLst>
-          </p:cNvPr>
-          <p:cNvCxnSpPr>
-            <a:cxnSpLocks/>
-            <a:stCxn id="17" idx="3"/>
-            <a:endCxn id="19" idx="1"/>
-          </p:cNvCxnSpPr>
-          <p:nvPr/>
-        </p:nvCxnSpPr>
-        <p:spPr>
-          <a:xfrm>
-            <a:off x="5561409" y="2521744"/>
-            <a:ext cx="925115" cy="0"/>
-          </a:xfrm>
-          <a:prstGeom prst="straightConnector1">
-            <a:avLst/>
-          </a:prstGeom>
-          <a:ln w="19050">
-            <a:tailEnd type="triangle"/>
-          </a:ln>
-        </p:spPr>
-        <p:style>
-          <a:lnRef idx="1">
-            <a:schemeClr val="accent1"/>
-          </a:lnRef>
-          <a:fillRef idx="0">
-            <a:schemeClr val="accent1"/>
-          </a:fillRef>
-          <a:effectRef idx="0">
-            <a:schemeClr val="accent1"/>
-          </a:effectRef>
-          <a:fontRef idx="minor">
-            <a:schemeClr val="tx1"/>
-          </a:fontRef>
-        </p:style>
-      </p:cxnSp>
-      <p:cxnSp>
-        <p:nvCxnSpPr>
-          <p:cNvPr id="28" name="Gerade Verbindung mit Pfeil 27">
-            <a:extLst>
-              <a:ext uri="{FF2B5EF4-FFF2-40B4-BE49-F238E27FC236}">
-                <a16:creationId xmlns:a16="http://schemas.microsoft.com/office/drawing/2014/main" id="{37C6D71E-B8D1-4586-96EB-BD2261E65586}"/>
-              </a:ext>
-            </a:extLst>
-          </p:cNvPr>
-          <p:cNvCxnSpPr>
-            <a:cxnSpLocks/>
-            <a:stCxn id="19" idx="3"/>
-            <a:endCxn id="21" idx="1"/>
-          </p:cNvCxnSpPr>
-          <p:nvPr/>
-        </p:nvCxnSpPr>
-        <p:spPr>
-          <a:xfrm flipV="1">
-            <a:off x="8515349" y="2515748"/>
-            <a:ext cx="925112" cy="5996"/>
-          </a:xfrm>
-          <a:prstGeom prst="straightConnector1">
-            <a:avLst/>
-          </a:prstGeom>
-          <a:ln w="19050">
-            <a:tailEnd type="triangle"/>
-          </a:ln>
-        </p:spPr>
-        <p:style>
-          <a:lnRef idx="1">
-            <a:schemeClr val="accent1"/>
-          </a:lnRef>
-          <a:fillRef idx="0">
-            <a:schemeClr val="accent1"/>
-          </a:fillRef>
-          <a:effectRef idx="0">
-            <a:schemeClr val="accent1"/>
-          </a:effectRef>
-          <a:fontRef idx="minor">
-            <a:schemeClr val="tx1"/>
-          </a:fontRef>
-        </p:style>
-      </p:cxnSp>
-      <p:sp>
-        <p:nvSpPr>
-          <p:cNvPr id="32" name="Rechteck 31">
-            <a:extLst>
-              <a:ext uri="{FF2B5EF4-FFF2-40B4-BE49-F238E27FC236}">
-                <a16:creationId xmlns:a16="http://schemas.microsoft.com/office/drawing/2014/main" id="{F6B9584F-3778-44B5-A486-AC33301B6B5E}"/>
-              </a:ext>
-            </a:extLst>
-          </p:cNvPr>
-          <p:cNvSpPr/>
-          <p:nvPr/>
-        </p:nvSpPr>
-        <p:spPr>
-          <a:xfrm>
-            <a:off x="9440462" y="3417094"/>
-            <a:ext cx="2028825" cy="1042987"/>
-          </a:xfrm>
-          <a:prstGeom prst="rect">
-            <a:avLst/>
-          </a:prstGeom>
-        </p:spPr>
-        <p:style>
-          <a:lnRef idx="2">
-            <a:schemeClr val="accent1">
-              <a:shade val="50000"/>
-            </a:schemeClr>
-          </a:lnRef>
-          <a:fillRef idx="1">
-            <a:schemeClr val="accent1"/>
-          </a:fillRef>
-          <a:effectRef idx="0">
-            <a:schemeClr val="accent1"/>
-          </a:effectRef>
-          <a:fontRef idx="minor">
-            <a:schemeClr val="lt1"/>
-          </a:fontRef>
-        </p:style>
-        <p:txBody>
-          <a:bodyPr rtlCol="0" anchor="ctr"/>
-          <a:lstStyle/>
-          <a:p>
-            <a:pPr algn="ctr"/>
-            <a:r>
-              <a:rPr lang="en-GB" dirty="0"/>
-              <a:t>DB 2</a:t>
-            </a:r>
-          </a:p>
-        </p:txBody>
-      </p:sp>
-      <p:sp>
-        <p:nvSpPr>
-          <p:cNvPr id="34" name="Rechteck 33">
-            <a:extLst>
-              <a:ext uri="{FF2B5EF4-FFF2-40B4-BE49-F238E27FC236}">
-                <a16:creationId xmlns:a16="http://schemas.microsoft.com/office/drawing/2014/main" id="{D1378224-8AF5-467A-8602-BC37A638FD39}"/>
-              </a:ext>
-            </a:extLst>
-          </p:cNvPr>
-          <p:cNvSpPr/>
-          <p:nvPr/>
-        </p:nvSpPr>
-        <p:spPr>
-          <a:xfrm>
-            <a:off x="9440463" y="4833938"/>
-            <a:ext cx="2028825" cy="1042987"/>
-          </a:xfrm>
-          <a:prstGeom prst="rect">
-            <a:avLst/>
-          </a:prstGeom>
-        </p:spPr>
-        <p:style>
-          <a:lnRef idx="2">
-            <a:schemeClr val="accent1">
-              <a:shade val="50000"/>
-            </a:schemeClr>
-          </a:lnRef>
-          <a:fillRef idx="1">
-            <a:schemeClr val="accent1"/>
-          </a:fillRef>
-          <a:effectRef idx="0">
-            <a:schemeClr val="accent1"/>
-          </a:effectRef>
-          <a:fontRef idx="minor">
-            <a:schemeClr val="lt1"/>
-          </a:fontRef>
-        </p:style>
-        <p:txBody>
-          <a:bodyPr rtlCol="0" anchor="ctr"/>
-          <a:lstStyle/>
-          <a:p>
-            <a:pPr algn="ctr"/>
-            <a:r>
-              <a:rPr lang="en-GB" dirty="0"/>
-              <a:t>DB 3</a:t>
-            </a:r>
-          </a:p>
-        </p:txBody>
-      </p:sp>
-      <p:cxnSp>
-        <p:nvCxnSpPr>
-          <p:cNvPr id="35" name="Gerade Verbindung mit Pfeil 34">
-            <a:extLst>
-              <a:ext uri="{FF2B5EF4-FFF2-40B4-BE49-F238E27FC236}">
-                <a16:creationId xmlns:a16="http://schemas.microsoft.com/office/drawing/2014/main" id="{D387B75D-9DEC-4499-AF4B-BB4ECF8657E7}"/>
-              </a:ext>
-            </a:extLst>
-          </p:cNvPr>
-          <p:cNvCxnSpPr>
-            <a:cxnSpLocks/>
-            <a:stCxn id="19" idx="3"/>
-            <a:endCxn id="32" idx="1"/>
-          </p:cNvCxnSpPr>
-          <p:nvPr/>
-        </p:nvCxnSpPr>
-        <p:spPr>
-          <a:xfrm>
-            <a:off x="8515349" y="2521744"/>
-            <a:ext cx="925113" cy="1416844"/>
-          </a:xfrm>
-          <a:prstGeom prst="straightConnector1">
-            <a:avLst/>
-          </a:prstGeom>
-          <a:ln w="19050">
-            <a:tailEnd type="triangle"/>
-          </a:ln>
-        </p:spPr>
-        <p:style>
-          <a:lnRef idx="1">
-            <a:schemeClr val="accent1"/>
-          </a:lnRef>
-          <a:fillRef idx="0">
-            <a:schemeClr val="accent1"/>
-          </a:fillRef>
-          <a:effectRef idx="0">
-            <a:schemeClr val="accent1"/>
-          </a:effectRef>
-          <a:fontRef idx="minor">
-            <a:schemeClr val="tx1"/>
-          </a:fontRef>
-        </p:style>
-      </p:cxnSp>
-      <p:cxnSp>
-        <p:nvCxnSpPr>
-          <p:cNvPr id="36" name="Gerade Verbindung mit Pfeil 35">
-            <a:extLst>
-              <a:ext uri="{FF2B5EF4-FFF2-40B4-BE49-F238E27FC236}">
-                <a16:creationId xmlns:a16="http://schemas.microsoft.com/office/drawing/2014/main" id="{CE5A6BE2-6788-4626-8BE0-01E1F09B71DB}"/>
-              </a:ext>
-            </a:extLst>
-          </p:cNvPr>
-          <p:cNvCxnSpPr>
-            <a:cxnSpLocks/>
-            <a:stCxn id="19" idx="3"/>
-            <a:endCxn id="34" idx="1"/>
-          </p:cNvCxnSpPr>
-          <p:nvPr/>
-        </p:nvCxnSpPr>
-        <p:spPr>
-          <a:xfrm>
-            <a:off x="8515349" y="2521744"/>
-            <a:ext cx="925114" cy="2833688"/>
-          </a:xfrm>
-          <a:prstGeom prst="straightConnector1">
-            <a:avLst/>
-          </a:prstGeom>
-          <a:ln w="19050">
-            <a:tailEnd type="triangle"/>
-          </a:ln>
-        </p:spPr>
-        <p:style>
-          <a:lnRef idx="1">
-            <a:schemeClr val="accent1"/>
-          </a:lnRef>
-          <a:fillRef idx="0">
-            <a:schemeClr val="accent1"/>
-          </a:fillRef>
-          <a:effectRef idx="0">
-            <a:schemeClr val="accent1"/>
-          </a:effectRef>
-          <a:fontRef idx="minor">
-            <a:schemeClr val="tx1"/>
-          </a:fontRef>
-        </p:style>
-      </p:cxnSp>
-      <p:sp>
-        <p:nvSpPr>
-          <p:cNvPr id="47" name="Rechteck 46">
-            <a:extLst>
-              <a:ext uri="{FF2B5EF4-FFF2-40B4-BE49-F238E27FC236}">
-                <a16:creationId xmlns:a16="http://schemas.microsoft.com/office/drawing/2014/main" id="{553F77CF-436F-4E51-BAD3-9380F544D931}"/>
-              </a:ext>
-            </a:extLst>
-          </p:cNvPr>
-          <p:cNvSpPr/>
-          <p:nvPr/>
-        </p:nvSpPr>
-        <p:spPr>
-          <a:xfrm>
-            <a:off x="6486523" y="583407"/>
-            <a:ext cx="2028825" cy="1042987"/>
-          </a:xfrm>
-          <a:prstGeom prst="rect">
-            <a:avLst/>
-          </a:prstGeom>
-          <a:solidFill>
-            <a:schemeClr val="accent4"/>
-          </a:solidFill>
-          <a:ln>
-            <a:solidFill>
-              <a:schemeClr val="accent2"/>
-            </a:solidFill>
-          </a:ln>
-        </p:spPr>
-        <p:style>
-          <a:lnRef idx="2">
-            <a:schemeClr val="accent1">
-              <a:shade val="50000"/>
-            </a:schemeClr>
-          </a:lnRef>
-          <a:fillRef idx="1">
-            <a:schemeClr val="accent1"/>
-          </a:fillRef>
-          <a:effectRef idx="0">
-            <a:schemeClr val="accent1"/>
-          </a:effectRef>
-          <a:fontRef idx="minor">
-            <a:schemeClr val="lt1"/>
-          </a:fontRef>
-        </p:style>
-        <p:txBody>
-          <a:bodyPr rtlCol="0" anchor="ctr"/>
-          <a:lstStyle/>
-          <a:p>
-            <a:pPr algn="ctr"/>
-            <a:r>
-              <a:rPr lang="en-GB" dirty="0"/>
-              <a:t>Honeypot</a:t>
-            </a:r>
-          </a:p>
-        </p:txBody>
-      </p:sp>
-      <p:sp>
-        <p:nvSpPr>
-          <p:cNvPr id="49" name="Rechteck 48">
-            <a:extLst>
-              <a:ext uri="{FF2B5EF4-FFF2-40B4-BE49-F238E27FC236}">
-                <a16:creationId xmlns:a16="http://schemas.microsoft.com/office/drawing/2014/main" id="{C31825AE-3BF2-44BC-815C-A6A2AC3697E7}"/>
-              </a:ext>
-            </a:extLst>
-          </p:cNvPr>
-          <p:cNvSpPr/>
-          <p:nvPr/>
-        </p:nvSpPr>
-        <p:spPr>
-          <a:xfrm>
-            <a:off x="9440461" y="583406"/>
-            <a:ext cx="2028825" cy="1042987"/>
-          </a:xfrm>
-          <a:prstGeom prst="rect">
-            <a:avLst/>
-          </a:prstGeom>
-          <a:solidFill>
-            <a:schemeClr val="accent4"/>
-          </a:solidFill>
-          <a:ln>
-            <a:solidFill>
-              <a:schemeClr val="accent2"/>
-            </a:solidFill>
-          </a:ln>
-        </p:spPr>
-        <p:style>
-          <a:lnRef idx="2">
-            <a:schemeClr val="accent1">
-              <a:shade val="50000"/>
-            </a:schemeClr>
-          </a:lnRef>
-          <a:fillRef idx="1">
-            <a:schemeClr val="accent1"/>
-          </a:fillRef>
-          <a:effectRef idx="0">
-            <a:schemeClr val="accent1"/>
-          </a:effectRef>
-          <a:fontRef idx="minor">
-            <a:schemeClr val="lt1"/>
-          </a:fontRef>
-        </p:style>
-        <p:txBody>
-          <a:bodyPr rtlCol="0" anchor="ctr"/>
-          <a:lstStyle/>
-          <a:p>
-            <a:pPr algn="ctr"/>
-            <a:r>
-              <a:rPr lang="en-GB" dirty="0"/>
-              <a:t>Honeypot</a:t>
-            </a:r>
-          </a:p>
-        </p:txBody>
-      </p:sp>
-      <p:cxnSp>
-        <p:nvCxnSpPr>
-          <p:cNvPr id="53" name="Gerade Verbindung mit Pfeil 52">
-            <a:extLst>
-              <a:ext uri="{FF2B5EF4-FFF2-40B4-BE49-F238E27FC236}">
-                <a16:creationId xmlns:a16="http://schemas.microsoft.com/office/drawing/2014/main" id="{6501BB28-65DC-4AA1-B922-E5B3E9DD4D5E}"/>
-              </a:ext>
-            </a:extLst>
-          </p:cNvPr>
-          <p:cNvCxnSpPr>
-            <a:cxnSpLocks/>
-            <a:stCxn id="17" idx="3"/>
-            <a:endCxn id="47" idx="1"/>
-          </p:cNvCxnSpPr>
-          <p:nvPr/>
-        </p:nvCxnSpPr>
-        <p:spPr>
-          <a:xfrm flipV="1">
-            <a:off x="5561409" y="1104901"/>
-            <a:ext cx="925114" cy="1416843"/>
-          </a:xfrm>
-          <a:prstGeom prst="straightConnector1">
-            <a:avLst/>
-          </a:prstGeom>
-          <a:ln w="19050">
-            <a:solidFill>
-              <a:schemeClr val="accent4"/>
-            </a:solidFill>
-            <a:tailEnd type="triangle"/>
-          </a:ln>
-        </p:spPr>
-        <p:style>
-          <a:lnRef idx="1">
-            <a:schemeClr val="accent1"/>
-          </a:lnRef>
-          <a:fillRef idx="0">
-            <a:schemeClr val="accent1"/>
-          </a:fillRef>
-          <a:effectRef idx="0">
-            <a:schemeClr val="accent1"/>
-          </a:effectRef>
-          <a:fontRef idx="minor">
-            <a:schemeClr val="tx1"/>
-          </a:fontRef>
-        </p:style>
-      </p:cxnSp>
-      <p:cxnSp>
-        <p:nvCxnSpPr>
-          <p:cNvPr id="56" name="Gerade Verbindung mit Pfeil 55">
-            <a:extLst>
-              <a:ext uri="{FF2B5EF4-FFF2-40B4-BE49-F238E27FC236}">
-                <a16:creationId xmlns:a16="http://schemas.microsoft.com/office/drawing/2014/main" id="{BB6CFE5F-4392-4C66-A3B3-52B476B03324}"/>
-              </a:ext>
-            </a:extLst>
-          </p:cNvPr>
-          <p:cNvCxnSpPr>
-            <a:cxnSpLocks/>
-            <a:stCxn id="19" idx="3"/>
-            <a:endCxn id="49" idx="1"/>
-          </p:cNvCxnSpPr>
-          <p:nvPr/>
-        </p:nvCxnSpPr>
-        <p:spPr>
-          <a:xfrm flipV="1">
-            <a:off x="8515349" y="1104900"/>
-            <a:ext cx="925112" cy="1416844"/>
-          </a:xfrm>
-          <a:prstGeom prst="straightConnector1">
-            <a:avLst/>
-          </a:prstGeom>
-          <a:ln w="19050">
-            <a:solidFill>
-              <a:schemeClr val="accent4"/>
-            </a:solidFill>
-            <a:tailEnd type="triangle"/>
-          </a:ln>
-        </p:spPr>
-        <p:style>
-          <a:lnRef idx="1">
-            <a:schemeClr val="accent1"/>
-          </a:lnRef>
-          <a:fillRef idx="0">
-            <a:schemeClr val="accent1"/>
-          </a:fillRef>
-          <a:effectRef idx="0">
-            <a:schemeClr val="accent1"/>
-          </a:effectRef>
-          <a:fontRef idx="minor">
-            <a:schemeClr val="tx1"/>
-          </a:fontRef>
-        </p:style>
-      </p:cxnSp>
-      <p:sp>
-        <p:nvSpPr>
-          <p:cNvPr id="59" name="Ellipse 58">
-            <a:extLst>
-              <a:ext uri="{FF2B5EF4-FFF2-40B4-BE49-F238E27FC236}">
-                <a16:creationId xmlns:a16="http://schemas.microsoft.com/office/drawing/2014/main" id="{C9598AB5-CC3A-4FA6-8662-AE9A4B2657DC}"/>
-              </a:ext>
-            </a:extLst>
-          </p:cNvPr>
-          <p:cNvSpPr/>
-          <p:nvPr/>
-        </p:nvSpPr>
-        <p:spPr>
-          <a:xfrm>
-            <a:off x="4680940" y="3790961"/>
-            <a:ext cx="2238375" cy="1042977"/>
-          </a:xfrm>
-          <a:prstGeom prst="ellipse">
-            <a:avLst/>
-          </a:prstGeom>
-          <a:solidFill>
-            <a:srgbClr val="FF0000"/>
-          </a:solidFill>
-          <a:ln>
-            <a:solidFill>
-              <a:srgbClr val="860000"/>
-            </a:solidFill>
-          </a:ln>
-        </p:spPr>
-        <p:style>
-          <a:lnRef idx="2">
-            <a:schemeClr val="accent1">
-              <a:shade val="50000"/>
-            </a:schemeClr>
-          </a:lnRef>
-          <a:fillRef idx="1">
-            <a:schemeClr val="accent1"/>
-          </a:fillRef>
-          <a:effectRef idx="0">
-            <a:schemeClr val="accent1"/>
-          </a:effectRef>
-          <a:fontRef idx="minor">
-            <a:schemeClr val="lt1"/>
-          </a:fontRef>
-        </p:style>
-        <p:txBody>
-          <a:bodyPr rtlCol="0" anchor="ctr"/>
-          <a:lstStyle/>
-          <a:p>
-            <a:pPr algn="ctr"/>
-            <a:r>
-              <a:rPr lang="en-GB" dirty="0"/>
-              <a:t>Intrusion Detection System 1</a:t>
-            </a:r>
-          </a:p>
-        </p:txBody>
-      </p:sp>
-      <p:cxnSp>
-        <p:nvCxnSpPr>
-          <p:cNvPr id="61" name="Gerader Verbinder 60">
-            <a:extLst>
-              <a:ext uri="{FF2B5EF4-FFF2-40B4-BE49-F238E27FC236}">
-                <a16:creationId xmlns:a16="http://schemas.microsoft.com/office/drawing/2014/main" id="{DD860BE4-A8FE-4530-9481-5FBCFC3B0055}"/>
-              </a:ext>
-            </a:extLst>
-          </p:cNvPr>
-          <p:cNvCxnSpPr>
-            <a:stCxn id="59" idx="0"/>
-            <a:endCxn id="17" idx="2"/>
-          </p:cNvCxnSpPr>
-          <p:nvPr/>
-        </p:nvCxnSpPr>
-        <p:spPr>
-          <a:xfrm flipH="1" flipV="1">
-            <a:off x="4546997" y="3043237"/>
-            <a:ext cx="1253131" cy="747724"/>
-          </a:xfrm>
-          <a:prstGeom prst="line">
-            <a:avLst/>
-          </a:prstGeom>
-          <a:ln w="19050">
-            <a:solidFill>
-              <a:srgbClr val="FF0000"/>
-            </a:solidFill>
-          </a:ln>
-        </p:spPr>
-        <p:style>
-          <a:lnRef idx="1">
-            <a:schemeClr val="accent1"/>
-          </a:lnRef>
-          <a:fillRef idx="0">
-            <a:schemeClr val="accent1"/>
-          </a:fillRef>
-          <a:effectRef idx="0">
-            <a:schemeClr val="accent1"/>
-          </a:effectRef>
-          <a:fontRef idx="minor">
-            <a:schemeClr val="tx1"/>
-          </a:fontRef>
-        </p:style>
-      </p:cxnSp>
-      <p:cxnSp>
-        <p:nvCxnSpPr>
-          <p:cNvPr id="63" name="Gerader Verbinder 62">
-            <a:extLst>
-              <a:ext uri="{FF2B5EF4-FFF2-40B4-BE49-F238E27FC236}">
-                <a16:creationId xmlns:a16="http://schemas.microsoft.com/office/drawing/2014/main" id="{C324A5F3-19D3-4AE1-9133-AB656A729791}"/>
-              </a:ext>
-            </a:extLst>
-          </p:cNvPr>
-          <p:cNvCxnSpPr>
-            <a:cxnSpLocks/>
-            <a:stCxn id="32" idx="1"/>
-            <a:endCxn id="92" idx="6"/>
-          </p:cNvCxnSpPr>
-          <p:nvPr/>
-        </p:nvCxnSpPr>
-        <p:spPr>
-          <a:xfrm flipH="1">
-            <a:off x="6933605" y="3938588"/>
-            <a:ext cx="2506857" cy="1605461"/>
-          </a:xfrm>
-          <a:prstGeom prst="line">
-            <a:avLst/>
-          </a:prstGeom>
-          <a:ln w="19050">
-            <a:solidFill>
-              <a:schemeClr val="accent6">
-                <a:lumMod val="75000"/>
-              </a:schemeClr>
-            </a:solidFill>
-          </a:ln>
-        </p:spPr>
-        <p:style>
-          <a:lnRef idx="1">
-            <a:schemeClr val="accent1"/>
-          </a:lnRef>
-          <a:fillRef idx="0">
-            <a:schemeClr val="accent1"/>
-          </a:fillRef>
-          <a:effectRef idx="0">
-            <a:schemeClr val="accent1"/>
-          </a:effectRef>
-          <a:fontRef idx="minor">
-            <a:schemeClr val="tx1"/>
-          </a:fontRef>
-        </p:style>
-      </p:cxnSp>
-      <p:cxnSp>
-        <p:nvCxnSpPr>
-          <p:cNvPr id="64" name="Gerader Verbinder 63">
-            <a:extLst>
-              <a:ext uri="{FF2B5EF4-FFF2-40B4-BE49-F238E27FC236}">
-                <a16:creationId xmlns:a16="http://schemas.microsoft.com/office/drawing/2014/main" id="{C1B21033-D65E-49F1-B642-D64E80B9A13B}"/>
-              </a:ext>
-            </a:extLst>
-          </p:cNvPr>
-          <p:cNvCxnSpPr>
-            <a:cxnSpLocks/>
-            <a:stCxn id="59" idx="0"/>
-            <a:endCxn id="19" idx="2"/>
-          </p:cNvCxnSpPr>
-          <p:nvPr/>
-        </p:nvCxnSpPr>
-        <p:spPr>
-          <a:xfrm flipV="1">
-            <a:off x="5800128" y="3043237"/>
-            <a:ext cx="1700809" cy="747724"/>
-          </a:xfrm>
-          <a:prstGeom prst="line">
-            <a:avLst/>
-          </a:prstGeom>
-          <a:ln w="19050">
-            <a:solidFill>
-              <a:srgbClr val="FF0000"/>
-            </a:solidFill>
-          </a:ln>
-        </p:spPr>
-        <p:style>
-          <a:lnRef idx="1">
-            <a:schemeClr val="accent1"/>
-          </a:lnRef>
-          <a:fillRef idx="0">
-            <a:schemeClr val="accent1"/>
-          </a:fillRef>
-          <a:effectRef idx="0">
-            <a:schemeClr val="accent1"/>
-          </a:effectRef>
-          <a:fontRef idx="minor">
-            <a:schemeClr val="tx1"/>
-          </a:fontRef>
-        </p:style>
-      </p:cxnSp>
-      <p:cxnSp>
-        <p:nvCxnSpPr>
-          <p:cNvPr id="65" name="Gerader Verbinder 64">
-            <a:extLst>
-              <a:ext uri="{FF2B5EF4-FFF2-40B4-BE49-F238E27FC236}">
-                <a16:creationId xmlns:a16="http://schemas.microsoft.com/office/drawing/2014/main" id="{4DC2A27B-A6E1-4225-8E50-FE9050D75DD5}"/>
-              </a:ext>
-            </a:extLst>
-          </p:cNvPr>
-          <p:cNvCxnSpPr>
-            <a:cxnSpLocks/>
-            <a:stCxn id="92" idx="6"/>
-            <a:endCxn id="34" idx="1"/>
-          </p:cNvCxnSpPr>
-          <p:nvPr/>
-        </p:nvCxnSpPr>
-        <p:spPr>
-          <a:xfrm flipV="1">
-            <a:off x="6933605" y="5355432"/>
-            <a:ext cx="2506858" cy="188617"/>
-          </a:xfrm>
-          <a:prstGeom prst="line">
-            <a:avLst/>
-          </a:prstGeom>
-          <a:ln w="19050">
-            <a:solidFill>
-              <a:schemeClr val="accent6">
-                <a:lumMod val="75000"/>
-              </a:schemeClr>
-            </a:solidFill>
-          </a:ln>
-        </p:spPr>
-        <p:style>
-          <a:lnRef idx="1">
-            <a:schemeClr val="accent1"/>
-          </a:lnRef>
-          <a:fillRef idx="0">
-            <a:schemeClr val="accent1"/>
-          </a:fillRef>
-          <a:effectRef idx="0">
-            <a:schemeClr val="accent1"/>
-          </a:effectRef>
-          <a:fontRef idx="minor">
-            <a:schemeClr val="tx1"/>
-          </a:fontRef>
-        </p:style>
-      </p:cxnSp>
-      <p:cxnSp>
-        <p:nvCxnSpPr>
-          <p:cNvPr id="82" name="Gerader Verbinder 81">
-            <a:extLst>
-              <a:ext uri="{FF2B5EF4-FFF2-40B4-BE49-F238E27FC236}">
-                <a16:creationId xmlns:a16="http://schemas.microsoft.com/office/drawing/2014/main" id="{81C9513A-5356-491D-A210-86F489EB2343}"/>
-              </a:ext>
-            </a:extLst>
-          </p:cNvPr>
-          <p:cNvCxnSpPr>
-            <a:cxnSpLocks/>
-            <a:stCxn id="21" idx="1"/>
-            <a:endCxn id="92" idx="6"/>
-          </p:cNvCxnSpPr>
-          <p:nvPr/>
-        </p:nvCxnSpPr>
-        <p:spPr>
-          <a:xfrm flipH="1">
-            <a:off x="6933605" y="2515748"/>
-            <a:ext cx="2506856" cy="3028301"/>
-          </a:xfrm>
-          <a:prstGeom prst="line">
-            <a:avLst/>
-          </a:prstGeom>
-          <a:ln w="19050">
-            <a:solidFill>
-              <a:schemeClr val="accent6">
-                <a:lumMod val="75000"/>
-              </a:schemeClr>
-            </a:solidFill>
-          </a:ln>
-        </p:spPr>
-        <p:style>
-          <a:lnRef idx="1">
-            <a:schemeClr val="accent1"/>
-          </a:lnRef>
-          <a:fillRef idx="0">
-            <a:schemeClr val="accent1"/>
-          </a:fillRef>
-          <a:effectRef idx="0">
-            <a:schemeClr val="accent1"/>
-          </a:effectRef>
-          <a:fontRef idx="minor">
-            <a:schemeClr val="tx1"/>
-          </a:fontRef>
-        </p:style>
-      </p:cxnSp>
-      <p:sp>
-        <p:nvSpPr>
-          <p:cNvPr id="85" name="Textfeld 84">
-            <a:extLst>
-              <a:ext uri="{FF2B5EF4-FFF2-40B4-BE49-F238E27FC236}">
-                <a16:creationId xmlns:a16="http://schemas.microsoft.com/office/drawing/2014/main" id="{176E24C9-62AF-494D-BCEC-06EEE41B332B}"/>
-              </a:ext>
-            </a:extLst>
-          </p:cNvPr>
-          <p:cNvSpPr txBox="1"/>
-          <p:nvPr/>
-        </p:nvSpPr>
-        <p:spPr>
-          <a:xfrm>
-            <a:off x="296760" y="4032896"/>
-            <a:ext cx="3190877" cy="1754326"/>
-          </a:xfrm>
-          <a:prstGeom prst="rect">
-            <a:avLst/>
-          </a:prstGeom>
-        </p:spPr>
-        <p:style>
-          <a:lnRef idx="2">
-            <a:schemeClr val="dk1"/>
-          </a:lnRef>
-          <a:fillRef idx="1">
-            <a:schemeClr val="lt1"/>
-          </a:fillRef>
-          <a:effectRef idx="0">
-            <a:schemeClr val="dk1"/>
-          </a:effectRef>
-          <a:fontRef idx="minor">
-            <a:schemeClr val="dk1"/>
-          </a:fontRef>
-        </p:style>
-        <p:txBody>
-          <a:bodyPr wrap="square" rtlCol="0">
-            <a:spAutoFit/>
-          </a:bodyPr>
-          <a:lstStyle/>
-          <a:p>
-            <a:r>
-              <a:rPr lang="en-GB" dirty="0">
-                <a:solidFill>
-                  <a:schemeClr val="accent1"/>
-                </a:solidFill>
-              </a:rPr>
-              <a:t>Exploration Surface Shifting</a:t>
-            </a:r>
-            <a:br>
-              <a:rPr lang="en-GB" dirty="0">
-                <a:solidFill>
-                  <a:schemeClr val="accent1"/>
-                </a:solidFill>
-              </a:rPr>
-            </a:br>
-            <a:r>
-              <a:rPr lang="en-GB" dirty="0">
-                <a:solidFill>
-                  <a:schemeClr val="accent1"/>
-                </a:solidFill>
-              </a:rPr>
-              <a:t> - e.g. port shuffling</a:t>
-            </a:r>
-            <a:br>
-              <a:rPr lang="en-GB" dirty="0">
-                <a:solidFill>
-                  <a:schemeClr val="accent1"/>
-                </a:solidFill>
-              </a:rPr>
-            </a:br>
-            <a:r>
-              <a:rPr lang="en-GB" dirty="0">
-                <a:solidFill>
-                  <a:srgbClr val="FF0000"/>
-                </a:solidFill>
-              </a:rPr>
-              <a:t>Detection Surface Shifting</a:t>
-            </a:r>
-          </a:p>
-          <a:p>
-            <a:r>
-              <a:rPr lang="en-GB" dirty="0">
-                <a:solidFill>
-                  <a:srgbClr val="FF0000"/>
-                </a:solidFill>
-              </a:rPr>
-              <a:t> - e.g. multiple systems</a:t>
-            </a:r>
-            <a:br>
-              <a:rPr lang="en-GB" dirty="0">
-                <a:solidFill>
-                  <a:srgbClr val="FF0000"/>
-                </a:solidFill>
-              </a:rPr>
-            </a:br>
-            <a:r>
-              <a:rPr lang="en-GB" dirty="0">
-                <a:solidFill>
-                  <a:schemeClr val="accent6">
-                    <a:lumMod val="75000"/>
-                  </a:schemeClr>
-                </a:solidFill>
-              </a:rPr>
-              <a:t>Prevention Surface Shifting</a:t>
-            </a:r>
-            <a:br>
-              <a:rPr lang="en-GB" dirty="0">
-                <a:solidFill>
-                  <a:schemeClr val="accent6">
-                    <a:lumMod val="75000"/>
-                  </a:schemeClr>
-                </a:solidFill>
-              </a:rPr>
-            </a:br>
-            <a:r>
-              <a:rPr lang="en-GB" dirty="0">
-                <a:solidFill>
-                  <a:schemeClr val="accent6">
-                    <a:lumMod val="75000"/>
-                  </a:schemeClr>
-                </a:solidFill>
-              </a:rPr>
-              <a:t> - e.g. multiple systems</a:t>
-            </a:r>
-            <a:endParaRPr lang="en-GB" dirty="0">
-              <a:solidFill>
-                <a:schemeClr val="accent1"/>
-              </a:solidFill>
-            </a:endParaRPr>
-          </a:p>
-        </p:txBody>
-      </p:sp>
-      <p:sp>
-        <p:nvSpPr>
-          <p:cNvPr id="92" name="Ellipse 91">
-            <a:extLst>
-              <a:ext uri="{FF2B5EF4-FFF2-40B4-BE49-F238E27FC236}">
-                <a16:creationId xmlns:a16="http://schemas.microsoft.com/office/drawing/2014/main" id="{D26B05CD-4A42-4D96-A99C-4FB4AE333778}"/>
-              </a:ext>
-            </a:extLst>
-          </p:cNvPr>
-          <p:cNvSpPr/>
-          <p:nvPr/>
-        </p:nvSpPr>
-        <p:spPr>
-          <a:xfrm>
-            <a:off x="4695230" y="5022560"/>
-            <a:ext cx="2238375" cy="1042977"/>
-          </a:xfrm>
-          <a:prstGeom prst="ellipse">
-            <a:avLst/>
-          </a:prstGeom>
-          <a:solidFill>
-            <a:schemeClr val="accent6">
-              <a:lumMod val="75000"/>
-            </a:schemeClr>
-          </a:solidFill>
-          <a:ln>
-            <a:solidFill>
-              <a:schemeClr val="accent6">
-                <a:lumMod val="50000"/>
-              </a:schemeClr>
-            </a:solidFill>
-          </a:ln>
-        </p:spPr>
-        <p:style>
-          <a:lnRef idx="2">
-            <a:schemeClr val="accent1">
-              <a:shade val="50000"/>
-            </a:schemeClr>
-          </a:lnRef>
-          <a:fillRef idx="1">
-            <a:schemeClr val="accent1"/>
-          </a:fillRef>
-          <a:effectRef idx="0">
-            <a:schemeClr val="accent1"/>
-          </a:effectRef>
-          <a:fontRef idx="minor">
-            <a:schemeClr val="lt1"/>
-          </a:fontRef>
-        </p:style>
-        <p:txBody>
-          <a:bodyPr rtlCol="0" anchor="ctr"/>
-          <a:lstStyle/>
-          <a:p>
-            <a:pPr algn="ctr"/>
-            <a:r>
-              <a:rPr lang="en-GB" dirty="0"/>
-              <a:t>Prevention System 1</a:t>
-            </a:r>
-          </a:p>
-        </p:txBody>
-      </p:sp>
-      <p:sp>
-        <p:nvSpPr>
-          <p:cNvPr id="109" name="Textfeld 108">
-            <a:extLst>
-              <a:ext uri="{FF2B5EF4-FFF2-40B4-BE49-F238E27FC236}">
-                <a16:creationId xmlns:a16="http://schemas.microsoft.com/office/drawing/2014/main" id="{AEE4FCAE-083A-4869-9FAB-1D9E85AC0178}"/>
-              </a:ext>
-            </a:extLst>
-          </p:cNvPr>
-          <p:cNvSpPr txBox="1"/>
-          <p:nvPr/>
-        </p:nvSpPr>
-        <p:spPr>
-          <a:xfrm>
-            <a:off x="2817019" y="2115377"/>
-            <a:ext cx="506014" cy="369332"/>
-          </a:xfrm>
-          <a:prstGeom prst="rect">
-            <a:avLst/>
-          </a:prstGeom>
-          <a:noFill/>
-        </p:spPr>
-        <p:txBody>
-          <a:bodyPr wrap="square" rtlCol="0">
-            <a:spAutoFit/>
-          </a:bodyPr>
-          <a:lstStyle/>
-          <a:p>
-            <a:r>
-              <a:rPr lang="en-GB" dirty="0"/>
-              <a:t>p</a:t>
-            </a:r>
-            <a:r>
-              <a:rPr lang="en-GB" sz="1100" dirty="0"/>
-              <a:t>a</a:t>
-            </a:r>
-            <a:endParaRPr lang="en-GB" dirty="0"/>
-          </a:p>
-        </p:txBody>
-      </p:sp>
-      <p:sp>
-        <p:nvSpPr>
-          <p:cNvPr id="113" name="Textfeld 112">
-            <a:extLst>
-              <a:ext uri="{FF2B5EF4-FFF2-40B4-BE49-F238E27FC236}">
-                <a16:creationId xmlns:a16="http://schemas.microsoft.com/office/drawing/2014/main" id="{9AB2E638-FC49-49AC-B99F-BE8706B21177}"/>
-              </a:ext>
-            </a:extLst>
-          </p:cNvPr>
-          <p:cNvSpPr txBox="1"/>
-          <p:nvPr/>
-        </p:nvSpPr>
-        <p:spPr>
-          <a:xfrm>
-            <a:off x="5814417" y="2088169"/>
-            <a:ext cx="468510" cy="369332"/>
-          </a:xfrm>
-          <a:prstGeom prst="rect">
-            <a:avLst/>
-          </a:prstGeom>
-          <a:noFill/>
-        </p:spPr>
-        <p:txBody>
-          <a:bodyPr wrap="square" rtlCol="0">
-            <a:spAutoFit/>
-          </a:bodyPr>
-          <a:lstStyle/>
-          <a:p>
-            <a:r>
-              <a:rPr lang="en-GB" dirty="0"/>
-              <a:t>p</a:t>
-            </a:r>
-            <a:r>
-              <a:rPr lang="en-GB" sz="1100" dirty="0"/>
-              <a:t>p</a:t>
-            </a:r>
-            <a:endParaRPr lang="en-GB" dirty="0"/>
-          </a:p>
-        </p:txBody>
-      </p:sp>
-      <p:sp>
-        <p:nvSpPr>
-          <p:cNvPr id="115" name="Textfeld 114">
-            <a:extLst>
-              <a:ext uri="{FF2B5EF4-FFF2-40B4-BE49-F238E27FC236}">
-                <a16:creationId xmlns:a16="http://schemas.microsoft.com/office/drawing/2014/main" id="{403F6413-E98B-4D0E-AEDA-0D0183BE148D}"/>
-              </a:ext>
-            </a:extLst>
-          </p:cNvPr>
-          <p:cNvSpPr txBox="1"/>
-          <p:nvPr/>
-        </p:nvSpPr>
-        <p:spPr>
-          <a:xfrm>
-            <a:off x="5673031" y="1273424"/>
-            <a:ext cx="468510" cy="369332"/>
-          </a:xfrm>
-          <a:prstGeom prst="rect">
-            <a:avLst/>
-          </a:prstGeom>
-          <a:noFill/>
-        </p:spPr>
-        <p:txBody>
-          <a:bodyPr wrap="square" rtlCol="0">
-            <a:spAutoFit/>
-          </a:bodyPr>
-          <a:lstStyle/>
-          <a:p>
-            <a:r>
-              <a:rPr lang="en-GB" dirty="0" err="1"/>
-              <a:t>p</a:t>
-            </a:r>
-            <a:r>
-              <a:rPr lang="en-GB" sz="1100" dirty="0" err="1"/>
-              <a:t>pH</a:t>
-            </a:r>
-            <a:endParaRPr lang="en-GB" dirty="0"/>
-          </a:p>
-        </p:txBody>
-      </p:sp>
-      <p:sp>
-        <p:nvSpPr>
-          <p:cNvPr id="117" name="Textfeld 116">
-            <a:extLst>
-              <a:ext uri="{FF2B5EF4-FFF2-40B4-BE49-F238E27FC236}">
-                <a16:creationId xmlns:a16="http://schemas.microsoft.com/office/drawing/2014/main" id="{DBD721CA-B4A1-4937-A9F4-DF3323D20A8A}"/>
-              </a:ext>
-            </a:extLst>
-          </p:cNvPr>
-          <p:cNvSpPr txBox="1"/>
-          <p:nvPr/>
-        </p:nvSpPr>
-        <p:spPr>
-          <a:xfrm>
-            <a:off x="8826995" y="2146416"/>
-            <a:ext cx="547985" cy="369332"/>
-          </a:xfrm>
-          <a:prstGeom prst="rect">
-            <a:avLst/>
-          </a:prstGeom>
-          <a:noFill/>
-        </p:spPr>
-        <p:txBody>
-          <a:bodyPr wrap="square" rtlCol="0">
-            <a:spAutoFit/>
-          </a:bodyPr>
-          <a:lstStyle/>
-          <a:p>
-            <a:r>
-              <a:rPr lang="en-GB" dirty="0"/>
-              <a:t>p</a:t>
-            </a:r>
-            <a:r>
-              <a:rPr lang="en-GB" sz="1100" dirty="0"/>
-              <a:t>db1</a:t>
-            </a:r>
-            <a:endParaRPr lang="en-GB" dirty="0"/>
-          </a:p>
-        </p:txBody>
-      </p:sp>
-      <p:sp>
-        <p:nvSpPr>
-          <p:cNvPr id="119" name="Textfeld 118">
-            <a:extLst>
-              <a:ext uri="{FF2B5EF4-FFF2-40B4-BE49-F238E27FC236}">
-                <a16:creationId xmlns:a16="http://schemas.microsoft.com/office/drawing/2014/main" id="{8F9D588F-4FDF-4B80-A27E-632877DD6624}"/>
-              </a:ext>
-            </a:extLst>
-          </p:cNvPr>
-          <p:cNvSpPr txBox="1"/>
-          <p:nvPr/>
-        </p:nvSpPr>
-        <p:spPr>
-          <a:xfrm>
-            <a:off x="9030070" y="3059077"/>
-            <a:ext cx="547985" cy="369332"/>
-          </a:xfrm>
-          <a:prstGeom prst="rect">
-            <a:avLst/>
-          </a:prstGeom>
-          <a:noFill/>
-        </p:spPr>
-        <p:txBody>
-          <a:bodyPr wrap="square" rtlCol="0">
-            <a:spAutoFit/>
-          </a:bodyPr>
-          <a:lstStyle/>
-          <a:p>
-            <a:r>
-              <a:rPr lang="en-GB" dirty="0"/>
-              <a:t>p</a:t>
-            </a:r>
-            <a:r>
-              <a:rPr lang="en-GB" sz="1100" dirty="0"/>
-              <a:t>db2</a:t>
-            </a:r>
-            <a:endParaRPr lang="en-GB" dirty="0"/>
-          </a:p>
-        </p:txBody>
-      </p:sp>
-      <p:sp>
-        <p:nvSpPr>
-          <p:cNvPr id="121" name="Textfeld 120">
-            <a:extLst>
-              <a:ext uri="{FF2B5EF4-FFF2-40B4-BE49-F238E27FC236}">
-                <a16:creationId xmlns:a16="http://schemas.microsoft.com/office/drawing/2014/main" id="{D6509A33-8CAD-451D-87C6-2AB897B32115}"/>
-              </a:ext>
-            </a:extLst>
-          </p:cNvPr>
-          <p:cNvSpPr txBox="1"/>
-          <p:nvPr/>
-        </p:nvSpPr>
-        <p:spPr>
-          <a:xfrm>
-            <a:off x="9167661" y="4437452"/>
-            <a:ext cx="547985" cy="369332"/>
-          </a:xfrm>
-          <a:prstGeom prst="rect">
-            <a:avLst/>
-          </a:prstGeom>
-          <a:noFill/>
-        </p:spPr>
-        <p:txBody>
-          <a:bodyPr wrap="square" rtlCol="0">
-            <a:spAutoFit/>
-          </a:bodyPr>
-          <a:lstStyle/>
-          <a:p>
-            <a:r>
-              <a:rPr lang="en-GB" dirty="0"/>
-              <a:t>p</a:t>
-            </a:r>
-            <a:r>
-              <a:rPr lang="en-GB" sz="1100" dirty="0"/>
-              <a:t>db3</a:t>
-            </a:r>
-            <a:endParaRPr lang="en-GB" dirty="0"/>
-          </a:p>
-        </p:txBody>
-      </p:sp>
-      <p:sp>
-        <p:nvSpPr>
-          <p:cNvPr id="123" name="Textfeld 122">
-            <a:extLst>
-              <a:ext uri="{FF2B5EF4-FFF2-40B4-BE49-F238E27FC236}">
-                <a16:creationId xmlns:a16="http://schemas.microsoft.com/office/drawing/2014/main" id="{466EEEB3-3AF2-49D5-A90A-D3FB55EB97F3}"/>
-              </a:ext>
-            </a:extLst>
-          </p:cNvPr>
-          <p:cNvSpPr txBox="1"/>
-          <p:nvPr/>
-        </p:nvSpPr>
-        <p:spPr>
-          <a:xfrm>
-            <a:off x="8701380" y="1082239"/>
-            <a:ext cx="547985" cy="369332"/>
-          </a:xfrm>
-          <a:prstGeom prst="rect">
-            <a:avLst/>
-          </a:prstGeom>
-          <a:noFill/>
-        </p:spPr>
-        <p:txBody>
-          <a:bodyPr wrap="square" rtlCol="0">
-            <a:spAutoFit/>
-          </a:bodyPr>
-          <a:lstStyle/>
-          <a:p>
-            <a:r>
-              <a:rPr lang="en-GB" dirty="0" err="1"/>
-              <a:t>p</a:t>
-            </a:r>
-            <a:r>
-              <a:rPr lang="en-GB" sz="1100" dirty="0" err="1"/>
-              <a:t>dbH</a:t>
-            </a:r>
-            <a:endParaRPr lang="en-GB" dirty="0"/>
-          </a:p>
-        </p:txBody>
-      </p:sp>
-      <p:sp>
-        <p:nvSpPr>
-          <p:cNvPr id="125" name="Textfeld 124">
-            <a:extLst>
-              <a:ext uri="{FF2B5EF4-FFF2-40B4-BE49-F238E27FC236}">
-                <a16:creationId xmlns:a16="http://schemas.microsoft.com/office/drawing/2014/main" id="{D99F967A-DFBC-4695-8EFE-B1656EF2BFDA}"/>
-              </a:ext>
-            </a:extLst>
-          </p:cNvPr>
-          <p:cNvSpPr txBox="1"/>
-          <p:nvPr/>
-        </p:nvSpPr>
-        <p:spPr>
-          <a:xfrm>
-            <a:off x="5240943" y="3160881"/>
-            <a:ext cx="678250" cy="369332"/>
-          </a:xfrm>
-          <a:prstGeom prst="rect">
-            <a:avLst/>
-          </a:prstGeom>
-          <a:noFill/>
-        </p:spPr>
-        <p:txBody>
-          <a:bodyPr wrap="square" rtlCol="0">
-            <a:spAutoFit/>
-          </a:bodyPr>
-          <a:lstStyle/>
-          <a:p>
-            <a:r>
-              <a:rPr lang="en-GB" dirty="0"/>
-              <a:t>p</a:t>
-            </a:r>
-            <a:r>
-              <a:rPr lang="en-GB" sz="1100" dirty="0"/>
-              <a:t>aIDS1</a:t>
-            </a:r>
-            <a:endParaRPr lang="en-GB" dirty="0"/>
-          </a:p>
-        </p:txBody>
-      </p:sp>
-      <p:sp>
-        <p:nvSpPr>
-          <p:cNvPr id="127" name="Textfeld 126">
-            <a:extLst>
-              <a:ext uri="{FF2B5EF4-FFF2-40B4-BE49-F238E27FC236}">
-                <a16:creationId xmlns:a16="http://schemas.microsoft.com/office/drawing/2014/main" id="{7D144FC0-B702-4850-AE94-9CA3EA76433C}"/>
-              </a:ext>
-            </a:extLst>
-          </p:cNvPr>
-          <p:cNvSpPr txBox="1"/>
-          <p:nvPr/>
-        </p:nvSpPr>
-        <p:spPr>
-          <a:xfrm>
-            <a:off x="6891483" y="3201000"/>
-            <a:ext cx="678250" cy="369332"/>
-          </a:xfrm>
-          <a:prstGeom prst="rect">
-            <a:avLst/>
-          </a:prstGeom>
-          <a:noFill/>
-        </p:spPr>
-        <p:txBody>
-          <a:bodyPr wrap="square" rtlCol="0">
-            <a:spAutoFit/>
-          </a:bodyPr>
-          <a:lstStyle/>
-          <a:p>
-            <a:r>
-              <a:rPr lang="en-GB" dirty="0"/>
-              <a:t>p</a:t>
-            </a:r>
-            <a:r>
-              <a:rPr lang="en-GB" sz="1100" dirty="0"/>
-              <a:t>pIDS1</a:t>
-            </a:r>
-            <a:endParaRPr lang="en-GB" dirty="0"/>
-          </a:p>
-        </p:txBody>
-      </p:sp>
-      <p:sp>
-        <p:nvSpPr>
-          <p:cNvPr id="129" name="Textfeld 128">
-            <a:extLst>
-              <a:ext uri="{FF2B5EF4-FFF2-40B4-BE49-F238E27FC236}">
-                <a16:creationId xmlns:a16="http://schemas.microsoft.com/office/drawing/2014/main" id="{EA7DA8FB-4689-4517-80F1-C93368AD9298}"/>
-              </a:ext>
-            </a:extLst>
-          </p:cNvPr>
-          <p:cNvSpPr txBox="1"/>
-          <p:nvPr/>
-        </p:nvSpPr>
-        <p:spPr>
-          <a:xfrm>
-            <a:off x="7542106" y="3717219"/>
-            <a:ext cx="678250" cy="369332"/>
-          </a:xfrm>
-          <a:prstGeom prst="rect">
-            <a:avLst/>
-          </a:prstGeom>
-          <a:noFill/>
-        </p:spPr>
-        <p:txBody>
-          <a:bodyPr wrap="square" rtlCol="0">
-            <a:spAutoFit/>
-          </a:bodyPr>
-          <a:lstStyle/>
-          <a:p>
-            <a:r>
-              <a:rPr lang="en-GB" dirty="0"/>
-              <a:t>p</a:t>
-            </a:r>
-            <a:r>
-              <a:rPr lang="en-GB" sz="1100" dirty="0"/>
-              <a:t>dbPS1</a:t>
-            </a:r>
-            <a:endParaRPr lang="en-GB" dirty="0"/>
-          </a:p>
-        </p:txBody>
-      </p:sp>
-      <p:sp>
-        <p:nvSpPr>
-          <p:cNvPr id="131" name="Textfeld 130">
-            <a:extLst>
-              <a:ext uri="{FF2B5EF4-FFF2-40B4-BE49-F238E27FC236}">
-                <a16:creationId xmlns:a16="http://schemas.microsoft.com/office/drawing/2014/main" id="{CA986CCA-BF55-47F5-90EC-0FEB8AE46D11}"/>
-              </a:ext>
-            </a:extLst>
-          </p:cNvPr>
-          <p:cNvSpPr txBox="1"/>
-          <p:nvPr/>
-        </p:nvSpPr>
-        <p:spPr>
-          <a:xfrm>
-            <a:off x="7933727" y="4251788"/>
-            <a:ext cx="678250" cy="369332"/>
-          </a:xfrm>
-          <a:prstGeom prst="rect">
-            <a:avLst/>
-          </a:prstGeom>
-          <a:noFill/>
-        </p:spPr>
-        <p:txBody>
-          <a:bodyPr wrap="square" rtlCol="0">
-            <a:spAutoFit/>
-          </a:bodyPr>
-          <a:lstStyle/>
-          <a:p>
-            <a:r>
-              <a:rPr lang="en-GB" dirty="0"/>
-              <a:t>p</a:t>
-            </a:r>
-            <a:r>
-              <a:rPr lang="en-GB" sz="1100" dirty="0"/>
-              <a:t>dbPS1</a:t>
-            </a:r>
-            <a:endParaRPr lang="en-GB" dirty="0"/>
-          </a:p>
-        </p:txBody>
-      </p:sp>
-      <p:sp>
-        <p:nvSpPr>
-          <p:cNvPr id="133" name="Textfeld 132">
-            <a:extLst>
-              <a:ext uri="{FF2B5EF4-FFF2-40B4-BE49-F238E27FC236}">
-                <a16:creationId xmlns:a16="http://schemas.microsoft.com/office/drawing/2014/main" id="{08AF89BD-FA3F-43B8-9A26-DE35C7786CBB}"/>
-              </a:ext>
-            </a:extLst>
-          </p:cNvPr>
-          <p:cNvSpPr txBox="1"/>
-          <p:nvPr/>
-        </p:nvSpPr>
-        <p:spPr>
-          <a:xfrm>
-            <a:off x="8112618" y="5132512"/>
-            <a:ext cx="678250" cy="369332"/>
-          </a:xfrm>
-          <a:prstGeom prst="rect">
-            <a:avLst/>
-          </a:prstGeom>
-          <a:noFill/>
-        </p:spPr>
-        <p:txBody>
-          <a:bodyPr wrap="square" rtlCol="0">
-            <a:spAutoFit/>
-          </a:bodyPr>
-          <a:lstStyle/>
-          <a:p>
-            <a:r>
-              <a:rPr lang="en-GB" dirty="0"/>
-              <a:t>p</a:t>
-            </a:r>
-            <a:r>
-              <a:rPr lang="en-GB" sz="1100" dirty="0"/>
-              <a:t>dbPS1</a:t>
-            </a:r>
-            <a:endParaRPr lang="en-GB" dirty="0"/>
+          <p:cNvPr id="2" name="Title 1">
+            <a:extLst>
+              <a:ext uri="{FF2B5EF4-FFF2-40B4-BE49-F238E27FC236}">
+                <a16:creationId xmlns:a16="http://schemas.microsoft.com/office/drawing/2014/main" id="{3060C146-5A6D-4B28-A5A0-9A920D32AFB9}"/>
+              </a:ext>
+            </a:extLst>
+          </p:cNvPr>
+          <p:cNvSpPr>
+            <a:spLocks noGrp="1"/>
+          </p:cNvSpPr>
+          <p:nvPr>
+            <p:ph type="ctrTitle"/>
+          </p:nvPr>
+        </p:nvSpPr>
+        <p:spPr/>
+        <p:txBody>
+          <a:bodyPr/>
+          <a:lstStyle/>
+          <a:p>
+            <a:r>
+              <a:rPr lang="en-GB"/>
+              <a:t>Model</a:t>
+            </a:r>
+          </a:p>
+        </p:txBody>
+      </p:sp>
+      <p:sp>
+        <p:nvSpPr>
+          <p:cNvPr id="3" name="Subtitle 2">
+            <a:extLst>
+              <a:ext uri="{FF2B5EF4-FFF2-40B4-BE49-F238E27FC236}">
+                <a16:creationId xmlns:a16="http://schemas.microsoft.com/office/drawing/2014/main" id="{A44C3FDB-A1BC-4A94-B28F-27C03E129576}"/>
+              </a:ext>
+            </a:extLst>
+          </p:cNvPr>
+          <p:cNvSpPr>
+            <a:spLocks noGrp="1"/>
+          </p:cNvSpPr>
+          <p:nvPr>
+            <p:ph type="subTitle" idx="1"/>
+          </p:nvPr>
+        </p:nvSpPr>
+        <p:spPr/>
+        <p:txBody>
+          <a:bodyPr/>
+          <a:lstStyle/>
+          <a:p>
+            <a:r>
+              <a:rPr lang="en-GB"/>
+              <a:t>v1.0</a:t>
+            </a:r>
           </a:p>
         </p:txBody>
       </p:sp>
     </p:spTree>
     <p:extLst>
       <p:ext uri="{BB962C8B-B14F-4D97-AF65-F5344CB8AC3E}">
-        <p14:creationId xmlns:p14="http://schemas.microsoft.com/office/powerpoint/2010/main" val="1577499883"/>
+        <p14:creationId xmlns:p14="http://schemas.microsoft.com/office/powerpoint/2010/main" val="1141403919"/>
+      </p:ext>
+    </p:extLst>
+  </p:cSld>
+  <p:clrMapOvr>
+    <a:masterClrMapping/>
+  </p:clrMapOvr>
+</p:sld>
+</file>
+
+<file path=ppt/slides/slide10.xml><?xml version="1.0" encoding="utf-8"?>
+<p:sld xmlns:a="http://schemas.openxmlformats.org/drawingml/2006/main" xmlns:r="http://schemas.openxmlformats.org/officeDocument/2006/relationships" xmlns:p="http://schemas.openxmlformats.org/presentationml/2006/main">
+  <p:cSld>
+    <p:spTree>
+      <p:nvGrpSpPr>
+        <p:cNvPr id="1" name=""/>
+        <p:cNvGrpSpPr/>
+        <p:nvPr/>
+      </p:nvGrpSpPr>
+      <p:grpSpPr>
+        <a:xfrm>
+          <a:off x="0" y="0"/>
+          <a:ext cx="0" cy="0"/>
+          <a:chOff x="0" y="0"/>
+          <a:chExt cx="0" cy="0"/>
+        </a:xfrm>
+      </p:grpSpPr>
+      <p:sp>
+        <p:nvSpPr>
+          <p:cNvPr id="2" name="Title 1">
+            <a:extLst>
+              <a:ext uri="{FF2B5EF4-FFF2-40B4-BE49-F238E27FC236}">
+                <a16:creationId xmlns:a16="http://schemas.microsoft.com/office/drawing/2014/main" id="{3060C146-5A6D-4B28-A5A0-9A920D32AFB9}"/>
+              </a:ext>
+            </a:extLst>
+          </p:cNvPr>
+          <p:cNvSpPr>
+            <a:spLocks noGrp="1"/>
+          </p:cNvSpPr>
+          <p:nvPr>
+            <p:ph type="ctrTitle"/>
+          </p:nvPr>
+        </p:nvSpPr>
+        <p:spPr/>
+        <p:txBody>
+          <a:bodyPr/>
+          <a:lstStyle/>
+          <a:p>
+            <a:r>
+              <a:rPr lang="en-GB"/>
+              <a:t>Attacks</a:t>
+            </a:r>
+          </a:p>
+        </p:txBody>
+      </p:sp>
+      <p:sp>
+        <p:nvSpPr>
+          <p:cNvPr id="3" name="Subtitle 2">
+            <a:extLst>
+              <a:ext uri="{FF2B5EF4-FFF2-40B4-BE49-F238E27FC236}">
+                <a16:creationId xmlns:a16="http://schemas.microsoft.com/office/drawing/2014/main" id="{A44C3FDB-A1BC-4A94-B28F-27C03E129576}"/>
+              </a:ext>
+            </a:extLst>
+          </p:cNvPr>
+          <p:cNvSpPr>
+            <a:spLocks noGrp="1"/>
+          </p:cNvSpPr>
+          <p:nvPr>
+            <p:ph type="subTitle" idx="1"/>
+          </p:nvPr>
+        </p:nvSpPr>
+        <p:spPr/>
+        <p:txBody>
+          <a:bodyPr/>
+          <a:lstStyle/>
+          <a:p>
+            <a:r>
+              <a:rPr lang="en-GB"/>
+              <a:t>v1.0</a:t>
+            </a:r>
+          </a:p>
+        </p:txBody>
+      </p:sp>
+    </p:spTree>
+    <p:extLst>
+      <p:ext uri="{BB962C8B-B14F-4D97-AF65-F5344CB8AC3E}">
+        <p14:creationId xmlns:p14="http://schemas.microsoft.com/office/powerpoint/2010/main" val="2250793587"/>
+      </p:ext>
+    </p:extLst>
+  </p:cSld>
+  <p:clrMapOvr>
+    <a:masterClrMapping/>
+  </p:clrMapOvr>
+</p:sld>
+</file>
+
+<file path=ppt/slides/slide11.xml><?xml version="1.0" encoding="utf-8"?>
+<p:sld xmlns:a="http://schemas.openxmlformats.org/drawingml/2006/main" xmlns:r="http://schemas.openxmlformats.org/officeDocument/2006/relationships" xmlns:p="http://schemas.openxmlformats.org/presentationml/2006/main">
+  <p:cSld>
+    <p:spTree>
+      <p:nvGrpSpPr>
+        <p:cNvPr id="1" name=""/>
+        <p:cNvGrpSpPr/>
+        <p:nvPr/>
+      </p:nvGrpSpPr>
+      <p:grpSpPr>
+        <a:xfrm>
+          <a:off x="0" y="0"/>
+          <a:ext cx="0" cy="0"/>
+          <a:chOff x="0" y="0"/>
+          <a:chExt cx="0" cy="0"/>
+        </a:xfrm>
+      </p:grpSpPr>
+      <p:sp>
+        <p:nvSpPr>
+          <p:cNvPr id="2" name="Title 1">
+            <a:extLst>
+              <a:ext uri="{FF2B5EF4-FFF2-40B4-BE49-F238E27FC236}">
+                <a16:creationId xmlns:a16="http://schemas.microsoft.com/office/drawing/2014/main" id="{62452B2C-DF0F-41EC-961C-1CDDC319D02B}"/>
+              </a:ext>
+            </a:extLst>
+          </p:cNvPr>
+          <p:cNvSpPr>
+            <a:spLocks noGrp="1"/>
+          </p:cNvSpPr>
+          <p:nvPr>
+            <p:ph type="title"/>
+          </p:nvPr>
+        </p:nvSpPr>
+        <p:spPr/>
+        <p:txBody>
+          <a:bodyPr/>
+          <a:lstStyle/>
+          <a:p>
+            <a:r>
+              <a:rPr lang="en-GB"/>
+              <a:t>Initial Probabilities of events</a:t>
+            </a:r>
+          </a:p>
+        </p:txBody>
+      </p:sp>
+      <p:sp>
+        <p:nvSpPr>
+          <p:cNvPr id="7" name="Inhaltsplatzhalter 2">
+            <a:extLst>
+              <a:ext uri="{FF2B5EF4-FFF2-40B4-BE49-F238E27FC236}">
+                <a16:creationId xmlns:a16="http://schemas.microsoft.com/office/drawing/2014/main" id="{079254DA-3F55-482E-AA20-86046555BB22}"/>
+              </a:ext>
+            </a:extLst>
+          </p:cNvPr>
+          <p:cNvSpPr>
+            <a:spLocks noGrp="1"/>
+          </p:cNvSpPr>
+          <p:nvPr>
+            <p:ph idx="1"/>
+          </p:nvPr>
+        </p:nvSpPr>
+        <p:spPr>
+          <a:xfrm>
+            <a:off x="838200" y="1825625"/>
+            <a:ext cx="10515600" cy="4351338"/>
+          </a:xfrm>
+        </p:spPr>
+        <p:txBody>
+          <a:bodyPr>
+            <a:normAutofit/>
+          </a:bodyPr>
+          <a:lstStyle/>
+          <a:p>
+            <a:pPr>
+              <a:buFont typeface="Courier New" panose="02070309020205020404" pitchFamily="49" charset="0"/>
+              <a:buChar char="o"/>
+            </a:pPr>
+            <a:r>
+              <a:rPr lang="en-GB" sz="1400" dirty="0"/>
+              <a:t>pa 0 	= </a:t>
+            </a:r>
+          </a:p>
+          <a:p>
+            <a:pPr>
+              <a:buFont typeface="Courier New" panose="02070309020205020404" pitchFamily="49" charset="0"/>
+              <a:buChar char="o"/>
+            </a:pPr>
+            <a:r>
+              <a:rPr lang="en-GB" sz="1400" dirty="0"/>
+              <a:t>pp 0 	=</a:t>
+            </a:r>
+          </a:p>
+          <a:p>
+            <a:pPr>
+              <a:buFont typeface="Courier New" panose="02070309020205020404" pitchFamily="49" charset="0"/>
+              <a:buChar char="o"/>
+            </a:pPr>
+            <a:r>
+              <a:rPr lang="en-GB" sz="1400" dirty="0"/>
+              <a:t>pdb1 0 	= </a:t>
+            </a:r>
+          </a:p>
+          <a:p>
+            <a:pPr>
+              <a:buFont typeface="Courier New" panose="02070309020205020404" pitchFamily="49" charset="0"/>
+              <a:buChar char="o"/>
+            </a:pPr>
+            <a:r>
+              <a:rPr lang="en-GB" sz="1400" dirty="0"/>
+              <a:t>pdb2 0 	= </a:t>
+            </a:r>
+          </a:p>
+          <a:p>
+            <a:pPr>
+              <a:buFont typeface="Courier New" panose="02070309020205020404" pitchFamily="49" charset="0"/>
+              <a:buChar char="o"/>
+            </a:pPr>
+            <a:r>
+              <a:rPr lang="en-GB" sz="1400" dirty="0"/>
+              <a:t>pdb3 0 	= </a:t>
+            </a:r>
+          </a:p>
+          <a:p>
+            <a:pPr>
+              <a:buFont typeface="Courier New" panose="02070309020205020404" pitchFamily="49" charset="0"/>
+              <a:buChar char="o"/>
+            </a:pPr>
+            <a:endParaRPr lang="en-GB" sz="1400" dirty="0"/>
+          </a:p>
+          <a:p>
+            <a:pPr>
+              <a:buFont typeface="Courier New" panose="02070309020205020404" pitchFamily="49" charset="0"/>
+              <a:buChar char="o"/>
+            </a:pPr>
+            <a:r>
+              <a:rPr lang="en-GB" sz="1400" dirty="0" err="1"/>
+              <a:t>pah</a:t>
+            </a:r>
+            <a:r>
+              <a:rPr lang="en-GB" sz="1400" dirty="0"/>
+              <a:t> 0 	=</a:t>
+            </a:r>
+          </a:p>
+          <a:p>
+            <a:pPr>
+              <a:buFont typeface="Courier New" panose="02070309020205020404" pitchFamily="49" charset="0"/>
+              <a:buChar char="o"/>
+            </a:pPr>
+            <a:r>
+              <a:rPr lang="en-GB" sz="1400" dirty="0" err="1"/>
+              <a:t>pha</a:t>
+            </a:r>
+            <a:r>
+              <a:rPr lang="en-GB" sz="1400" dirty="0"/>
+              <a:t> 0 	=</a:t>
+            </a:r>
+          </a:p>
+          <a:p>
+            <a:pPr>
+              <a:buFont typeface="Courier New" panose="02070309020205020404" pitchFamily="49" charset="0"/>
+              <a:buChar char="o"/>
+            </a:pPr>
+            <a:r>
+              <a:rPr lang="en-GB" sz="1400" dirty="0" err="1"/>
+              <a:t>pph</a:t>
+            </a:r>
+            <a:r>
+              <a:rPr lang="en-GB" sz="1400" dirty="0"/>
+              <a:t> 0 	=</a:t>
+            </a:r>
+          </a:p>
+          <a:p>
+            <a:pPr>
+              <a:buFont typeface="Courier New" panose="02070309020205020404" pitchFamily="49" charset="0"/>
+              <a:buChar char="o"/>
+            </a:pPr>
+            <a:r>
+              <a:rPr lang="en-GB" sz="1400"/>
+              <a:t>php </a:t>
+            </a:r>
+            <a:r>
+              <a:rPr lang="en-GB" sz="1400" dirty="0"/>
+              <a:t>0 	=</a:t>
+            </a:r>
+          </a:p>
+          <a:p>
+            <a:pPr marL="0" indent="0">
+              <a:buNone/>
+            </a:pPr>
+            <a:endParaRPr lang="en-GB" sz="1400" dirty="0"/>
+          </a:p>
+          <a:p>
+            <a:pPr>
+              <a:buFont typeface="Courier New" panose="02070309020205020404" pitchFamily="49" charset="0"/>
+              <a:buChar char="o"/>
+            </a:pPr>
+            <a:r>
+              <a:rPr lang="en-GB" sz="1400" dirty="0" err="1"/>
+              <a:t>pIDS</a:t>
+            </a:r>
+            <a:r>
+              <a:rPr lang="en-GB" sz="1400" dirty="0"/>
+              <a:t> 0 	=</a:t>
+            </a:r>
+          </a:p>
+          <a:p>
+            <a:pPr>
+              <a:buFont typeface="Courier New" panose="02070309020205020404" pitchFamily="49" charset="0"/>
+              <a:buChar char="o"/>
+            </a:pPr>
+            <a:r>
+              <a:rPr lang="en-GB" sz="1400" dirty="0" err="1"/>
+              <a:t>pPS</a:t>
+            </a:r>
+            <a:r>
+              <a:rPr lang="en-GB" sz="1400" dirty="0"/>
+              <a:t> 0 	=</a:t>
+            </a:r>
+          </a:p>
+        </p:txBody>
+      </p:sp>
+    </p:spTree>
+    <p:extLst>
+      <p:ext uri="{BB962C8B-B14F-4D97-AF65-F5344CB8AC3E}">
+        <p14:creationId xmlns:p14="http://schemas.microsoft.com/office/powerpoint/2010/main" val="2127717544"/>
+      </p:ext>
+    </p:extLst>
+  </p:cSld>
+  <p:clrMapOvr>
+    <a:masterClrMapping/>
+  </p:clrMapOvr>
+</p:sld>
+</file>
+
+<file path=ppt/slides/slide12.xml><?xml version="1.0" encoding="utf-8"?>
+<p:sld xmlns:a="http://schemas.openxmlformats.org/drawingml/2006/main" xmlns:r="http://schemas.openxmlformats.org/officeDocument/2006/relationships" xmlns:p="http://schemas.openxmlformats.org/presentationml/2006/main">
+  <p:cSld>
+    <p:spTree>
+      <p:nvGrpSpPr>
+        <p:cNvPr id="1" name=""/>
+        <p:cNvGrpSpPr/>
+        <p:nvPr/>
+      </p:nvGrpSpPr>
+      <p:grpSpPr>
+        <a:xfrm>
+          <a:off x="0" y="0"/>
+          <a:ext cx="0" cy="0"/>
+          <a:chOff x="0" y="0"/>
+          <a:chExt cx="0" cy="0"/>
+        </a:xfrm>
+      </p:grpSpPr>
+      <p:sp>
+        <p:nvSpPr>
+          <p:cNvPr id="2" name="Title 1">
+            <a:extLst>
+              <a:ext uri="{FF2B5EF4-FFF2-40B4-BE49-F238E27FC236}">
+                <a16:creationId xmlns:a16="http://schemas.microsoft.com/office/drawing/2014/main" id="{62452B2C-DF0F-41EC-961C-1CDDC319D02B}"/>
+              </a:ext>
+            </a:extLst>
+          </p:cNvPr>
+          <p:cNvSpPr>
+            <a:spLocks noGrp="1"/>
+          </p:cNvSpPr>
+          <p:nvPr>
+            <p:ph type="title"/>
+          </p:nvPr>
+        </p:nvSpPr>
+        <p:spPr/>
+        <p:txBody>
+          <a:bodyPr/>
+          <a:lstStyle/>
+          <a:p>
+            <a:r>
+              <a:rPr lang="en-GB"/>
+              <a:t>Change in probabilities of events each timestep</a:t>
+            </a:r>
+          </a:p>
+        </p:txBody>
+      </p:sp>
+      <p:sp>
+        <p:nvSpPr>
+          <p:cNvPr id="7" name="Inhaltsplatzhalter 2">
+            <a:extLst>
+              <a:ext uri="{FF2B5EF4-FFF2-40B4-BE49-F238E27FC236}">
+                <a16:creationId xmlns:a16="http://schemas.microsoft.com/office/drawing/2014/main" id="{079254DA-3F55-482E-AA20-86046555BB22}"/>
+              </a:ext>
+            </a:extLst>
+          </p:cNvPr>
+          <p:cNvSpPr>
+            <a:spLocks noGrp="1"/>
+          </p:cNvSpPr>
+          <p:nvPr>
+            <p:ph idx="1"/>
+          </p:nvPr>
+        </p:nvSpPr>
+        <p:spPr>
+          <a:xfrm>
+            <a:off x="838200" y="1825625"/>
+            <a:ext cx="10515600" cy="4351338"/>
+          </a:xfrm>
+        </p:spPr>
+        <p:txBody>
+          <a:bodyPr>
+            <a:normAutofit lnSpcReduction="10000"/>
+          </a:bodyPr>
+          <a:lstStyle/>
+          <a:p>
+            <a:pPr>
+              <a:buFont typeface="Courier New" panose="02070309020205020404" pitchFamily="49" charset="0"/>
+              <a:buChar char="o"/>
+            </a:pPr>
+            <a:r>
+              <a:rPr lang="en-GB" sz="1400" dirty="0" err="1"/>
+              <a:t>dpa</a:t>
+            </a:r>
+            <a:r>
+              <a:rPr lang="en-GB" sz="1400" dirty="0"/>
+              <a:t> 	= </a:t>
+            </a:r>
+          </a:p>
+          <a:p>
+            <a:pPr>
+              <a:buFont typeface="Courier New" panose="02070309020205020404" pitchFamily="49" charset="0"/>
+              <a:buChar char="o"/>
+            </a:pPr>
+            <a:r>
+              <a:rPr lang="en-GB" sz="1400" dirty="0" err="1"/>
+              <a:t>dpp</a:t>
+            </a:r>
+            <a:r>
+              <a:rPr lang="en-GB" sz="1400" dirty="0"/>
+              <a:t> 	=</a:t>
+            </a:r>
+          </a:p>
+          <a:p>
+            <a:pPr>
+              <a:buFont typeface="Courier New" panose="02070309020205020404" pitchFamily="49" charset="0"/>
+              <a:buChar char="o"/>
+            </a:pPr>
+            <a:r>
+              <a:rPr lang="en-GB" sz="1400" dirty="0"/>
+              <a:t>dpdb1 	= </a:t>
+            </a:r>
+          </a:p>
+          <a:p>
+            <a:pPr>
+              <a:buFont typeface="Courier New" panose="02070309020205020404" pitchFamily="49" charset="0"/>
+              <a:buChar char="o"/>
+            </a:pPr>
+            <a:r>
+              <a:rPr lang="en-GB" sz="1400" dirty="0"/>
+              <a:t>dpdb2 	= </a:t>
+            </a:r>
+          </a:p>
+          <a:p>
+            <a:pPr>
+              <a:buFont typeface="Courier New" panose="02070309020205020404" pitchFamily="49" charset="0"/>
+              <a:buChar char="o"/>
+            </a:pPr>
+            <a:r>
+              <a:rPr lang="en-GB" sz="1400" dirty="0"/>
+              <a:t>dpdb3 	= </a:t>
+            </a:r>
+          </a:p>
+          <a:p>
+            <a:pPr>
+              <a:buFont typeface="Courier New" panose="02070309020205020404" pitchFamily="49" charset="0"/>
+              <a:buChar char="o"/>
+            </a:pPr>
+            <a:endParaRPr lang="en-GB" sz="1400" dirty="0"/>
+          </a:p>
+          <a:p>
+            <a:pPr>
+              <a:buFont typeface="Courier New" panose="02070309020205020404" pitchFamily="49" charset="0"/>
+              <a:buChar char="o"/>
+            </a:pPr>
+            <a:r>
+              <a:rPr lang="en-GB" sz="1400" dirty="0" err="1"/>
+              <a:t>dpah</a:t>
+            </a:r>
+            <a:r>
+              <a:rPr lang="en-GB" sz="1400" dirty="0"/>
+              <a:t> 	=</a:t>
+            </a:r>
+          </a:p>
+          <a:p>
+            <a:pPr>
+              <a:buFont typeface="Courier New" panose="02070309020205020404" pitchFamily="49" charset="0"/>
+              <a:buChar char="o"/>
+            </a:pPr>
+            <a:r>
+              <a:rPr lang="en-GB" sz="1400" dirty="0" err="1"/>
+              <a:t>dpha</a:t>
+            </a:r>
+            <a:r>
+              <a:rPr lang="en-GB" sz="1400" dirty="0"/>
+              <a:t> 	=</a:t>
+            </a:r>
+          </a:p>
+          <a:p>
+            <a:pPr>
+              <a:buFont typeface="Courier New" panose="02070309020205020404" pitchFamily="49" charset="0"/>
+              <a:buChar char="o"/>
+            </a:pPr>
+            <a:endParaRPr lang="en-GB" sz="1400" dirty="0"/>
+          </a:p>
+          <a:p>
+            <a:pPr>
+              <a:buFont typeface="Courier New" panose="02070309020205020404" pitchFamily="49" charset="0"/>
+              <a:buChar char="o"/>
+            </a:pPr>
+            <a:r>
+              <a:rPr lang="en-GB" sz="1400" dirty="0" err="1"/>
+              <a:t>dpph</a:t>
+            </a:r>
+            <a:r>
+              <a:rPr lang="en-GB" sz="1400" dirty="0"/>
+              <a:t> 	=</a:t>
+            </a:r>
+          </a:p>
+          <a:p>
+            <a:pPr>
+              <a:buFont typeface="Courier New" panose="02070309020205020404" pitchFamily="49" charset="0"/>
+              <a:buChar char="o"/>
+            </a:pPr>
+            <a:r>
+              <a:rPr lang="en-GB" sz="1400" dirty="0" err="1"/>
+              <a:t>dphp</a:t>
+            </a:r>
+            <a:r>
+              <a:rPr lang="en-GB" sz="1400" dirty="0"/>
+              <a:t> 	=</a:t>
+            </a:r>
+          </a:p>
+          <a:p>
+            <a:pPr>
+              <a:buFont typeface="Courier New" panose="02070309020205020404" pitchFamily="49" charset="0"/>
+              <a:buChar char="o"/>
+            </a:pPr>
+            <a:endParaRPr lang="en-GB" sz="1400" dirty="0"/>
+          </a:p>
+          <a:p>
+            <a:pPr>
+              <a:buFont typeface="Courier New" panose="02070309020205020404" pitchFamily="49" charset="0"/>
+              <a:buChar char="o"/>
+            </a:pPr>
+            <a:r>
+              <a:rPr lang="en-GB" sz="1400" dirty="0" err="1"/>
+              <a:t>dpIDS</a:t>
+            </a:r>
+            <a:r>
+              <a:rPr lang="en-GB" sz="1400" dirty="0"/>
+              <a:t> 	=</a:t>
+            </a:r>
+          </a:p>
+          <a:p>
+            <a:pPr>
+              <a:buFont typeface="Courier New" panose="02070309020205020404" pitchFamily="49" charset="0"/>
+              <a:buChar char="o"/>
+            </a:pPr>
+            <a:r>
+              <a:rPr lang="en-GB" sz="1400" dirty="0" err="1"/>
+              <a:t>dpPS</a:t>
+            </a:r>
+            <a:r>
+              <a:rPr lang="en-GB" sz="1400" dirty="0"/>
+              <a:t> 	=</a:t>
+            </a:r>
+          </a:p>
+        </p:txBody>
+      </p:sp>
+    </p:spTree>
+    <p:extLst>
+      <p:ext uri="{BB962C8B-B14F-4D97-AF65-F5344CB8AC3E}">
+        <p14:creationId xmlns:p14="http://schemas.microsoft.com/office/powerpoint/2010/main" val="1269014700"/>
       </p:ext>
     </p:extLst>
   </p:cSld>
@@ -5633,204 +3626,1936 @@
       </p:grpSpPr>
       <p:sp>
         <p:nvSpPr>
-          <p:cNvPr id="2" name="Titel 1">
-            <a:extLst>
-              <a:ext uri="{FF2B5EF4-FFF2-40B4-BE49-F238E27FC236}">
-                <a16:creationId xmlns:a16="http://schemas.microsoft.com/office/drawing/2014/main" id="{1A195801-25AE-42BD-BC00-72346510CE73}"/>
-              </a:ext>
-            </a:extLst>
-          </p:cNvPr>
-          <p:cNvSpPr>
-            <a:spLocks noGrp="1"/>
-          </p:cNvSpPr>
-          <p:nvPr>
-            <p:ph type="title"/>
-          </p:nvPr>
-        </p:nvSpPr>
-        <p:spPr/>
-        <p:txBody>
-          <a:bodyPr/>
-          <a:lstStyle/>
-          <a:p>
-            <a:r>
-              <a:rPr lang="en-GB" dirty="0"/>
+          <p:cNvPr id="104" name="Ellipse 103">
+            <a:extLst>
+              <a:ext uri="{FF2B5EF4-FFF2-40B4-BE49-F238E27FC236}">
+                <a16:creationId xmlns:a16="http://schemas.microsoft.com/office/drawing/2014/main" id="{CE56F5FE-26C8-4926-984A-5082B2557605}"/>
+              </a:ext>
+            </a:extLst>
+          </p:cNvPr>
+          <p:cNvSpPr/>
+          <p:nvPr/>
+        </p:nvSpPr>
+        <p:spPr>
+          <a:xfrm>
+            <a:off x="4680940" y="5355436"/>
+            <a:ext cx="2238375" cy="1042977"/>
+          </a:xfrm>
+          <a:prstGeom prst="ellipse">
+            <a:avLst/>
+          </a:prstGeom>
+          <a:solidFill>
+            <a:schemeClr val="accent6">
+              <a:lumMod val="75000"/>
+            </a:schemeClr>
+          </a:solidFill>
+          <a:ln>
+            <a:solidFill>
+              <a:schemeClr val="accent6">
+                <a:lumMod val="50000"/>
+              </a:schemeClr>
+            </a:solidFill>
+          </a:ln>
+        </p:spPr>
+        <p:style>
+          <a:lnRef idx="2">
+            <a:schemeClr val="accent1">
+              <a:shade val="50000"/>
+            </a:schemeClr>
+          </a:lnRef>
+          <a:fillRef idx="1">
+            <a:schemeClr val="accent1"/>
+          </a:fillRef>
+          <a:effectRef idx="0">
+            <a:schemeClr val="accent1"/>
+          </a:effectRef>
+          <a:fontRef idx="minor">
+            <a:schemeClr val="lt1"/>
+          </a:fontRef>
+        </p:style>
+        <p:txBody>
+          <a:bodyPr rtlCol="0" anchor="ctr"/>
+          <a:lstStyle/>
+          <a:p>
+            <a:pPr algn="ctr"/>
+            <a:r>
+              <a:rPr lang="en-GB"/>
+              <a:t>Prevention System 1</a:t>
+            </a:r>
+          </a:p>
+        </p:txBody>
+      </p:sp>
+      <p:sp>
+        <p:nvSpPr>
+          <p:cNvPr id="106" name="Ellipse 105">
+            <a:extLst>
+              <a:ext uri="{FF2B5EF4-FFF2-40B4-BE49-F238E27FC236}">
+                <a16:creationId xmlns:a16="http://schemas.microsoft.com/office/drawing/2014/main" id="{63C6DB85-BA9F-4DD9-8E00-31644AE3DC6E}"/>
+              </a:ext>
+            </a:extLst>
+          </p:cNvPr>
+          <p:cNvSpPr/>
+          <p:nvPr/>
+        </p:nvSpPr>
+        <p:spPr>
+          <a:xfrm>
+            <a:off x="4680940" y="5212117"/>
+            <a:ext cx="2238375" cy="1042977"/>
+          </a:xfrm>
+          <a:prstGeom prst="ellipse">
+            <a:avLst/>
+          </a:prstGeom>
+          <a:solidFill>
+            <a:schemeClr val="accent6">
+              <a:lumMod val="75000"/>
+            </a:schemeClr>
+          </a:solidFill>
+          <a:ln>
+            <a:solidFill>
+              <a:schemeClr val="accent6">
+                <a:lumMod val="50000"/>
+              </a:schemeClr>
+            </a:solidFill>
+          </a:ln>
+        </p:spPr>
+        <p:style>
+          <a:lnRef idx="2">
+            <a:schemeClr val="accent1">
+              <a:shade val="50000"/>
+            </a:schemeClr>
+          </a:lnRef>
+          <a:fillRef idx="1">
+            <a:schemeClr val="accent1"/>
+          </a:fillRef>
+          <a:effectRef idx="0">
+            <a:schemeClr val="accent1"/>
+          </a:effectRef>
+          <a:fontRef idx="minor">
+            <a:schemeClr val="lt1"/>
+          </a:fontRef>
+        </p:style>
+        <p:txBody>
+          <a:bodyPr rtlCol="0" anchor="ctr"/>
+          <a:lstStyle/>
+          <a:p>
+            <a:pPr algn="ctr"/>
+            <a:r>
+              <a:rPr lang="en-GB"/>
+              <a:t>Prevention System 1</a:t>
+            </a:r>
+          </a:p>
+        </p:txBody>
+      </p:sp>
+      <p:sp>
+        <p:nvSpPr>
+          <p:cNvPr id="102" name="Ellipse 101">
+            <a:extLst>
+              <a:ext uri="{FF2B5EF4-FFF2-40B4-BE49-F238E27FC236}">
+                <a16:creationId xmlns:a16="http://schemas.microsoft.com/office/drawing/2014/main" id="{76E9CD59-FAD2-4C07-8921-4BBD152A98BF}"/>
+              </a:ext>
+            </a:extLst>
+          </p:cNvPr>
+          <p:cNvSpPr/>
+          <p:nvPr/>
+        </p:nvSpPr>
+        <p:spPr>
+          <a:xfrm>
+            <a:off x="5083671" y="3790959"/>
+            <a:ext cx="2238375" cy="1042977"/>
+          </a:xfrm>
+          <a:prstGeom prst="ellipse">
+            <a:avLst/>
+          </a:prstGeom>
+          <a:solidFill>
+            <a:srgbClr val="FF0000"/>
+          </a:solidFill>
+          <a:ln>
+            <a:solidFill>
+              <a:srgbClr val="860000"/>
+            </a:solidFill>
+          </a:ln>
+        </p:spPr>
+        <p:style>
+          <a:lnRef idx="2">
+            <a:schemeClr val="accent1">
+              <a:shade val="50000"/>
+            </a:schemeClr>
+          </a:lnRef>
+          <a:fillRef idx="1">
+            <a:schemeClr val="accent1"/>
+          </a:fillRef>
+          <a:effectRef idx="0">
+            <a:schemeClr val="accent1"/>
+          </a:effectRef>
+          <a:fontRef idx="minor">
+            <a:schemeClr val="lt1"/>
+          </a:fontRef>
+        </p:style>
+        <p:txBody>
+          <a:bodyPr rtlCol="0" anchor="ctr"/>
+          <a:lstStyle/>
+          <a:p>
+            <a:pPr algn="ctr"/>
+            <a:r>
+              <a:rPr lang="en-GB"/>
+              <a:t>Intrusion Detection System 1</a:t>
+            </a:r>
+          </a:p>
+        </p:txBody>
+      </p:sp>
+      <p:sp>
+        <p:nvSpPr>
+          <p:cNvPr id="100" name="Ellipse 99">
+            <a:extLst>
+              <a:ext uri="{FF2B5EF4-FFF2-40B4-BE49-F238E27FC236}">
+                <a16:creationId xmlns:a16="http://schemas.microsoft.com/office/drawing/2014/main" id="{B01BD9C4-88B9-4F1B-A0A0-D678182E2E99}"/>
+              </a:ext>
+            </a:extLst>
+          </p:cNvPr>
+          <p:cNvSpPr/>
+          <p:nvPr/>
+        </p:nvSpPr>
+        <p:spPr>
+          <a:xfrm>
+            <a:off x="4904780" y="3790960"/>
+            <a:ext cx="2238375" cy="1042977"/>
+          </a:xfrm>
+          <a:prstGeom prst="ellipse">
+            <a:avLst/>
+          </a:prstGeom>
+          <a:solidFill>
+            <a:srgbClr val="FF0000"/>
+          </a:solidFill>
+          <a:ln>
+            <a:solidFill>
+              <a:srgbClr val="860000"/>
+            </a:solidFill>
+          </a:ln>
+        </p:spPr>
+        <p:style>
+          <a:lnRef idx="2">
+            <a:schemeClr val="accent1">
+              <a:shade val="50000"/>
+            </a:schemeClr>
+          </a:lnRef>
+          <a:fillRef idx="1">
+            <a:schemeClr val="accent1"/>
+          </a:fillRef>
+          <a:effectRef idx="0">
+            <a:schemeClr val="accent1"/>
+          </a:effectRef>
+          <a:fontRef idx="minor">
+            <a:schemeClr val="lt1"/>
+          </a:fontRef>
+        </p:style>
+        <p:txBody>
+          <a:bodyPr rtlCol="0" anchor="ctr"/>
+          <a:lstStyle/>
+          <a:p>
+            <a:pPr algn="ctr"/>
+            <a:r>
+              <a:rPr lang="en-GB"/>
+              <a:t>Intrusion Detection System 1</a:t>
+            </a:r>
+          </a:p>
+        </p:txBody>
+      </p:sp>
+      <p:sp>
+        <p:nvSpPr>
+          <p:cNvPr id="15" name="Rechteck 14">
+            <a:extLst>
+              <a:ext uri="{FF2B5EF4-FFF2-40B4-BE49-F238E27FC236}">
+                <a16:creationId xmlns:a16="http://schemas.microsoft.com/office/drawing/2014/main" id="{E6EE8A90-1209-42C5-B9E3-ACF6771CBB0A}"/>
+              </a:ext>
+            </a:extLst>
+          </p:cNvPr>
+          <p:cNvSpPr/>
+          <p:nvPr/>
+        </p:nvSpPr>
+        <p:spPr>
+          <a:xfrm>
+            <a:off x="578644" y="2000249"/>
+            <a:ext cx="2028825" cy="1042987"/>
+          </a:xfrm>
+          <a:prstGeom prst="rect">
+            <a:avLst/>
+          </a:prstGeom>
+          <a:solidFill>
+            <a:schemeClr val="bg1">
+              <a:lumMod val="65000"/>
+            </a:schemeClr>
+          </a:solidFill>
+          <a:ln>
+            <a:solidFill>
+              <a:schemeClr val="bg1">
+                <a:lumMod val="50000"/>
+              </a:schemeClr>
+            </a:solidFill>
+          </a:ln>
+        </p:spPr>
+        <p:style>
+          <a:lnRef idx="2">
+            <a:schemeClr val="accent1">
+              <a:shade val="50000"/>
+            </a:schemeClr>
+          </a:lnRef>
+          <a:fillRef idx="1">
+            <a:schemeClr val="accent1"/>
+          </a:fillRef>
+          <a:effectRef idx="0">
+            <a:schemeClr val="accent1"/>
+          </a:effectRef>
+          <a:fontRef idx="minor">
+            <a:schemeClr val="lt1"/>
+          </a:fontRef>
+        </p:style>
+        <p:txBody>
+          <a:bodyPr rtlCol="0" anchor="ctr"/>
+          <a:lstStyle/>
+          <a:p>
+            <a:pPr algn="ctr"/>
+            <a:r>
+              <a:rPr lang="en-GB">
+                <a:solidFill>
+                  <a:schemeClr val="bg1"/>
+                </a:solidFill>
+              </a:rPr>
+              <a:t>Internet</a:t>
+            </a:r>
+          </a:p>
+        </p:txBody>
+      </p:sp>
+      <p:sp>
+        <p:nvSpPr>
+          <p:cNvPr id="17" name="Rechteck 16">
+            <a:extLst>
+              <a:ext uri="{FF2B5EF4-FFF2-40B4-BE49-F238E27FC236}">
+                <a16:creationId xmlns:a16="http://schemas.microsoft.com/office/drawing/2014/main" id="{F2ABD230-251D-4185-B776-1848115E557B}"/>
+              </a:ext>
+            </a:extLst>
+          </p:cNvPr>
+          <p:cNvSpPr/>
+          <p:nvPr/>
+        </p:nvSpPr>
+        <p:spPr>
+          <a:xfrm>
+            <a:off x="3532584" y="2000250"/>
+            <a:ext cx="2028825" cy="1042987"/>
+          </a:xfrm>
+          <a:prstGeom prst="rect">
+            <a:avLst/>
+          </a:prstGeom>
+        </p:spPr>
+        <p:style>
+          <a:lnRef idx="2">
+            <a:schemeClr val="accent1">
+              <a:shade val="50000"/>
+            </a:schemeClr>
+          </a:lnRef>
+          <a:fillRef idx="1">
+            <a:schemeClr val="accent1"/>
+          </a:fillRef>
+          <a:effectRef idx="0">
+            <a:schemeClr val="accent1"/>
+          </a:effectRef>
+          <a:fontRef idx="minor">
+            <a:schemeClr val="lt1"/>
+          </a:fontRef>
+        </p:style>
+        <p:txBody>
+          <a:bodyPr rtlCol="0" anchor="ctr"/>
+          <a:lstStyle/>
+          <a:p>
+            <a:pPr algn="ctr"/>
+            <a:r>
+              <a:rPr lang="en-GB"/>
+              <a:t>Authorizer</a:t>
+            </a:r>
+          </a:p>
+        </p:txBody>
+      </p:sp>
+      <p:sp>
+        <p:nvSpPr>
+          <p:cNvPr id="19" name="Rechteck 18">
+            <a:extLst>
+              <a:ext uri="{FF2B5EF4-FFF2-40B4-BE49-F238E27FC236}">
+                <a16:creationId xmlns:a16="http://schemas.microsoft.com/office/drawing/2014/main" id="{DA62029E-9012-4587-983E-893CE516FEAB}"/>
+              </a:ext>
+            </a:extLst>
+          </p:cNvPr>
+          <p:cNvSpPr/>
+          <p:nvPr/>
+        </p:nvSpPr>
+        <p:spPr>
+          <a:xfrm>
+            <a:off x="6486524" y="2000250"/>
+            <a:ext cx="2028825" cy="1042987"/>
+          </a:xfrm>
+          <a:prstGeom prst="rect">
+            <a:avLst/>
+          </a:prstGeom>
+        </p:spPr>
+        <p:style>
+          <a:lnRef idx="2">
+            <a:schemeClr val="accent1">
+              <a:shade val="50000"/>
+            </a:schemeClr>
+          </a:lnRef>
+          <a:fillRef idx="1">
+            <a:schemeClr val="accent1"/>
+          </a:fillRef>
+          <a:effectRef idx="0">
+            <a:schemeClr val="accent1"/>
+          </a:effectRef>
+          <a:fontRef idx="minor">
+            <a:schemeClr val="lt1"/>
+          </a:fontRef>
+        </p:style>
+        <p:txBody>
+          <a:bodyPr rtlCol="0" anchor="ctr"/>
+          <a:lstStyle/>
+          <a:p>
+            <a:pPr algn="ctr"/>
+            <a:r>
+              <a:rPr lang="en-GB"/>
+              <a:t>Planner</a:t>
+            </a:r>
+          </a:p>
+        </p:txBody>
+      </p:sp>
+      <p:sp>
+        <p:nvSpPr>
+          <p:cNvPr id="21" name="Rechteck 20">
+            <a:extLst>
+              <a:ext uri="{FF2B5EF4-FFF2-40B4-BE49-F238E27FC236}">
+                <a16:creationId xmlns:a16="http://schemas.microsoft.com/office/drawing/2014/main" id="{31688287-23C5-4893-948D-F33DA982DA6D}"/>
+              </a:ext>
+            </a:extLst>
+          </p:cNvPr>
+          <p:cNvSpPr/>
+          <p:nvPr/>
+        </p:nvSpPr>
+        <p:spPr>
+          <a:xfrm>
+            <a:off x="9440461" y="1994254"/>
+            <a:ext cx="2028825" cy="1042987"/>
+          </a:xfrm>
+          <a:prstGeom prst="rect">
+            <a:avLst/>
+          </a:prstGeom>
+        </p:spPr>
+        <p:style>
+          <a:lnRef idx="2">
+            <a:schemeClr val="accent1">
+              <a:shade val="50000"/>
+            </a:schemeClr>
+          </a:lnRef>
+          <a:fillRef idx="1">
+            <a:schemeClr val="accent1"/>
+          </a:fillRef>
+          <a:effectRef idx="0">
+            <a:schemeClr val="accent1"/>
+          </a:effectRef>
+          <a:fontRef idx="minor">
+            <a:schemeClr val="lt1"/>
+          </a:fontRef>
+        </p:style>
+        <p:txBody>
+          <a:bodyPr rtlCol="0" anchor="ctr"/>
+          <a:lstStyle/>
+          <a:p>
+            <a:pPr algn="ctr"/>
+            <a:r>
+              <a:rPr lang="en-GB"/>
+              <a:t>DB 1</a:t>
+            </a:r>
+          </a:p>
+        </p:txBody>
+      </p:sp>
+      <p:cxnSp>
+        <p:nvCxnSpPr>
+          <p:cNvPr id="23" name="Gerade Verbindung mit Pfeil 22">
+            <a:extLst>
+              <a:ext uri="{FF2B5EF4-FFF2-40B4-BE49-F238E27FC236}">
+                <a16:creationId xmlns:a16="http://schemas.microsoft.com/office/drawing/2014/main" id="{E4582BCB-6FC7-480B-9157-13D074B86D92}"/>
+              </a:ext>
+            </a:extLst>
+          </p:cNvPr>
+          <p:cNvCxnSpPr>
+            <a:cxnSpLocks/>
+            <a:stCxn id="15" idx="3"/>
+            <a:endCxn id="17" idx="1"/>
+          </p:cNvCxnSpPr>
+          <p:nvPr/>
+        </p:nvCxnSpPr>
+        <p:spPr>
+          <a:xfrm>
+            <a:off x="2607469" y="2521743"/>
+            <a:ext cx="925115" cy="1"/>
+          </a:xfrm>
+          <a:prstGeom prst="straightConnector1">
+            <a:avLst/>
+          </a:prstGeom>
+          <a:ln w="19050">
+            <a:tailEnd type="triangle"/>
+          </a:ln>
+        </p:spPr>
+        <p:style>
+          <a:lnRef idx="1">
+            <a:schemeClr val="accent1"/>
+          </a:lnRef>
+          <a:fillRef idx="0">
+            <a:schemeClr val="accent1"/>
+          </a:fillRef>
+          <a:effectRef idx="0">
+            <a:schemeClr val="accent1"/>
+          </a:effectRef>
+          <a:fontRef idx="minor">
+            <a:schemeClr val="tx1"/>
+          </a:fontRef>
+        </p:style>
+      </p:cxnSp>
+      <p:cxnSp>
+        <p:nvCxnSpPr>
+          <p:cNvPr id="25" name="Gerade Verbindung mit Pfeil 24">
+            <a:extLst>
+              <a:ext uri="{FF2B5EF4-FFF2-40B4-BE49-F238E27FC236}">
+                <a16:creationId xmlns:a16="http://schemas.microsoft.com/office/drawing/2014/main" id="{963C7D06-C6A3-4355-975C-7AD5BFD09D64}"/>
+              </a:ext>
+            </a:extLst>
+          </p:cNvPr>
+          <p:cNvCxnSpPr>
+            <a:cxnSpLocks/>
+            <a:stCxn id="17" idx="3"/>
+            <a:endCxn id="19" idx="1"/>
+          </p:cNvCxnSpPr>
+          <p:nvPr/>
+        </p:nvCxnSpPr>
+        <p:spPr>
+          <a:xfrm>
+            <a:off x="5561409" y="2521744"/>
+            <a:ext cx="925115" cy="0"/>
+          </a:xfrm>
+          <a:prstGeom prst="straightConnector1">
+            <a:avLst/>
+          </a:prstGeom>
+          <a:ln w="19050">
+            <a:tailEnd type="triangle"/>
+          </a:ln>
+        </p:spPr>
+        <p:style>
+          <a:lnRef idx="1">
+            <a:schemeClr val="accent1"/>
+          </a:lnRef>
+          <a:fillRef idx="0">
+            <a:schemeClr val="accent1"/>
+          </a:fillRef>
+          <a:effectRef idx="0">
+            <a:schemeClr val="accent1"/>
+          </a:effectRef>
+          <a:fontRef idx="minor">
+            <a:schemeClr val="tx1"/>
+          </a:fontRef>
+        </p:style>
+      </p:cxnSp>
+      <p:cxnSp>
+        <p:nvCxnSpPr>
+          <p:cNvPr id="28" name="Gerade Verbindung mit Pfeil 27">
+            <a:extLst>
+              <a:ext uri="{FF2B5EF4-FFF2-40B4-BE49-F238E27FC236}">
+                <a16:creationId xmlns:a16="http://schemas.microsoft.com/office/drawing/2014/main" id="{37C6D71E-B8D1-4586-96EB-BD2261E65586}"/>
+              </a:ext>
+            </a:extLst>
+          </p:cNvPr>
+          <p:cNvCxnSpPr>
+            <a:cxnSpLocks/>
+            <a:stCxn id="19" idx="3"/>
+            <a:endCxn id="21" idx="1"/>
+          </p:cNvCxnSpPr>
+          <p:nvPr/>
+        </p:nvCxnSpPr>
+        <p:spPr>
+          <a:xfrm flipV="1">
+            <a:off x="8515349" y="2515748"/>
+            <a:ext cx="925112" cy="5996"/>
+          </a:xfrm>
+          <a:prstGeom prst="straightConnector1">
+            <a:avLst/>
+          </a:prstGeom>
+          <a:ln w="19050">
+            <a:tailEnd type="triangle"/>
+          </a:ln>
+        </p:spPr>
+        <p:style>
+          <a:lnRef idx="1">
+            <a:schemeClr val="accent1"/>
+          </a:lnRef>
+          <a:fillRef idx="0">
+            <a:schemeClr val="accent1"/>
+          </a:fillRef>
+          <a:effectRef idx="0">
+            <a:schemeClr val="accent1"/>
+          </a:effectRef>
+          <a:fontRef idx="minor">
+            <a:schemeClr val="tx1"/>
+          </a:fontRef>
+        </p:style>
+      </p:cxnSp>
+      <p:sp>
+        <p:nvSpPr>
+          <p:cNvPr id="32" name="Rechteck 31">
+            <a:extLst>
+              <a:ext uri="{FF2B5EF4-FFF2-40B4-BE49-F238E27FC236}">
+                <a16:creationId xmlns:a16="http://schemas.microsoft.com/office/drawing/2014/main" id="{F6B9584F-3778-44B5-A486-AC33301B6B5E}"/>
+              </a:ext>
+            </a:extLst>
+          </p:cNvPr>
+          <p:cNvSpPr/>
+          <p:nvPr/>
+        </p:nvSpPr>
+        <p:spPr>
+          <a:xfrm>
+            <a:off x="9440462" y="3417094"/>
+            <a:ext cx="2028825" cy="1042987"/>
+          </a:xfrm>
+          <a:prstGeom prst="rect">
+            <a:avLst/>
+          </a:prstGeom>
+        </p:spPr>
+        <p:style>
+          <a:lnRef idx="2">
+            <a:schemeClr val="accent1">
+              <a:shade val="50000"/>
+            </a:schemeClr>
+          </a:lnRef>
+          <a:fillRef idx="1">
+            <a:schemeClr val="accent1"/>
+          </a:fillRef>
+          <a:effectRef idx="0">
+            <a:schemeClr val="accent1"/>
+          </a:effectRef>
+          <a:fontRef idx="minor">
+            <a:schemeClr val="lt1"/>
+          </a:fontRef>
+        </p:style>
+        <p:txBody>
+          <a:bodyPr rtlCol="0" anchor="ctr"/>
+          <a:lstStyle/>
+          <a:p>
+            <a:pPr algn="ctr"/>
+            <a:r>
+              <a:rPr lang="en-GB"/>
+              <a:t>DB 2</a:t>
+            </a:r>
+          </a:p>
+        </p:txBody>
+      </p:sp>
+      <p:sp>
+        <p:nvSpPr>
+          <p:cNvPr id="34" name="Rechteck 33">
+            <a:extLst>
+              <a:ext uri="{FF2B5EF4-FFF2-40B4-BE49-F238E27FC236}">
+                <a16:creationId xmlns:a16="http://schemas.microsoft.com/office/drawing/2014/main" id="{D1378224-8AF5-467A-8602-BC37A638FD39}"/>
+              </a:ext>
+            </a:extLst>
+          </p:cNvPr>
+          <p:cNvSpPr/>
+          <p:nvPr/>
+        </p:nvSpPr>
+        <p:spPr>
+          <a:xfrm>
+            <a:off x="9440463" y="4833938"/>
+            <a:ext cx="2028825" cy="1042987"/>
+          </a:xfrm>
+          <a:prstGeom prst="rect">
+            <a:avLst/>
+          </a:prstGeom>
+        </p:spPr>
+        <p:style>
+          <a:lnRef idx="2">
+            <a:schemeClr val="accent1">
+              <a:shade val="50000"/>
+            </a:schemeClr>
+          </a:lnRef>
+          <a:fillRef idx="1">
+            <a:schemeClr val="accent1"/>
+          </a:fillRef>
+          <a:effectRef idx="0">
+            <a:schemeClr val="accent1"/>
+          </a:effectRef>
+          <a:fontRef idx="minor">
+            <a:schemeClr val="lt1"/>
+          </a:fontRef>
+        </p:style>
+        <p:txBody>
+          <a:bodyPr rtlCol="0" anchor="ctr"/>
+          <a:lstStyle/>
+          <a:p>
+            <a:pPr algn="ctr"/>
+            <a:r>
+              <a:rPr lang="en-GB"/>
+              <a:t>DB 3</a:t>
+            </a:r>
+          </a:p>
+        </p:txBody>
+      </p:sp>
+      <p:cxnSp>
+        <p:nvCxnSpPr>
+          <p:cNvPr id="35" name="Gerade Verbindung mit Pfeil 34">
+            <a:extLst>
+              <a:ext uri="{FF2B5EF4-FFF2-40B4-BE49-F238E27FC236}">
+                <a16:creationId xmlns:a16="http://schemas.microsoft.com/office/drawing/2014/main" id="{D387B75D-9DEC-4499-AF4B-BB4ECF8657E7}"/>
+              </a:ext>
+            </a:extLst>
+          </p:cNvPr>
+          <p:cNvCxnSpPr>
+            <a:cxnSpLocks/>
+            <a:stCxn id="19" idx="3"/>
+            <a:endCxn id="32" idx="1"/>
+          </p:cNvCxnSpPr>
+          <p:nvPr/>
+        </p:nvCxnSpPr>
+        <p:spPr>
+          <a:xfrm>
+            <a:off x="8515349" y="2521744"/>
+            <a:ext cx="925113" cy="1416844"/>
+          </a:xfrm>
+          <a:prstGeom prst="straightConnector1">
+            <a:avLst/>
+          </a:prstGeom>
+          <a:ln w="19050">
+            <a:tailEnd type="triangle"/>
+          </a:ln>
+        </p:spPr>
+        <p:style>
+          <a:lnRef idx="1">
+            <a:schemeClr val="accent1"/>
+          </a:lnRef>
+          <a:fillRef idx="0">
+            <a:schemeClr val="accent1"/>
+          </a:fillRef>
+          <a:effectRef idx="0">
+            <a:schemeClr val="accent1"/>
+          </a:effectRef>
+          <a:fontRef idx="minor">
+            <a:schemeClr val="tx1"/>
+          </a:fontRef>
+        </p:style>
+      </p:cxnSp>
+      <p:cxnSp>
+        <p:nvCxnSpPr>
+          <p:cNvPr id="36" name="Gerade Verbindung mit Pfeil 35">
+            <a:extLst>
+              <a:ext uri="{FF2B5EF4-FFF2-40B4-BE49-F238E27FC236}">
+                <a16:creationId xmlns:a16="http://schemas.microsoft.com/office/drawing/2014/main" id="{CE5A6BE2-6788-4626-8BE0-01E1F09B71DB}"/>
+              </a:ext>
+            </a:extLst>
+          </p:cNvPr>
+          <p:cNvCxnSpPr>
+            <a:cxnSpLocks/>
+            <a:stCxn id="19" idx="3"/>
+            <a:endCxn id="34" idx="1"/>
+          </p:cNvCxnSpPr>
+          <p:nvPr/>
+        </p:nvCxnSpPr>
+        <p:spPr>
+          <a:xfrm>
+            <a:off x="8515349" y="2521744"/>
+            <a:ext cx="925114" cy="2833688"/>
+          </a:xfrm>
+          <a:prstGeom prst="straightConnector1">
+            <a:avLst/>
+          </a:prstGeom>
+          <a:ln w="19050">
+            <a:tailEnd type="triangle"/>
+          </a:ln>
+        </p:spPr>
+        <p:style>
+          <a:lnRef idx="1">
+            <a:schemeClr val="accent1"/>
+          </a:lnRef>
+          <a:fillRef idx="0">
+            <a:schemeClr val="accent1"/>
+          </a:fillRef>
+          <a:effectRef idx="0">
+            <a:schemeClr val="accent1"/>
+          </a:effectRef>
+          <a:fontRef idx="minor">
+            <a:schemeClr val="tx1"/>
+          </a:fontRef>
+        </p:style>
+      </p:cxnSp>
+      <p:sp>
+        <p:nvSpPr>
+          <p:cNvPr id="47" name="Rechteck 46">
+            <a:extLst>
+              <a:ext uri="{FF2B5EF4-FFF2-40B4-BE49-F238E27FC236}">
+                <a16:creationId xmlns:a16="http://schemas.microsoft.com/office/drawing/2014/main" id="{553F77CF-436F-4E51-BAD3-9380F544D931}"/>
+              </a:ext>
+            </a:extLst>
+          </p:cNvPr>
+          <p:cNvSpPr/>
+          <p:nvPr/>
+        </p:nvSpPr>
+        <p:spPr>
+          <a:xfrm>
+            <a:off x="6486523" y="583407"/>
+            <a:ext cx="2028825" cy="1042987"/>
+          </a:xfrm>
+          <a:prstGeom prst="rect">
+            <a:avLst/>
+          </a:prstGeom>
+          <a:solidFill>
+            <a:schemeClr val="accent4"/>
+          </a:solidFill>
+          <a:ln>
+            <a:solidFill>
+              <a:schemeClr val="accent2"/>
+            </a:solidFill>
+          </a:ln>
+        </p:spPr>
+        <p:style>
+          <a:lnRef idx="2">
+            <a:schemeClr val="accent1">
+              <a:shade val="50000"/>
+            </a:schemeClr>
+          </a:lnRef>
+          <a:fillRef idx="1">
+            <a:schemeClr val="accent1"/>
+          </a:fillRef>
+          <a:effectRef idx="0">
+            <a:schemeClr val="accent1"/>
+          </a:effectRef>
+          <a:fontRef idx="minor">
+            <a:schemeClr val="lt1"/>
+          </a:fontRef>
+        </p:style>
+        <p:txBody>
+          <a:bodyPr rtlCol="0" anchor="ctr"/>
+          <a:lstStyle/>
+          <a:p>
+            <a:pPr algn="ctr"/>
+            <a:r>
+              <a:rPr lang="en-GB"/>
+              <a:t>Honeypot</a:t>
+            </a:r>
+          </a:p>
+        </p:txBody>
+      </p:sp>
+      <p:sp>
+        <p:nvSpPr>
+          <p:cNvPr id="49" name="Rechteck 48">
+            <a:extLst>
+              <a:ext uri="{FF2B5EF4-FFF2-40B4-BE49-F238E27FC236}">
+                <a16:creationId xmlns:a16="http://schemas.microsoft.com/office/drawing/2014/main" id="{C31825AE-3BF2-44BC-815C-A6A2AC3697E7}"/>
+              </a:ext>
+            </a:extLst>
+          </p:cNvPr>
+          <p:cNvSpPr/>
+          <p:nvPr/>
+        </p:nvSpPr>
+        <p:spPr>
+          <a:xfrm>
+            <a:off x="9440461" y="583406"/>
+            <a:ext cx="2028825" cy="1042987"/>
+          </a:xfrm>
+          <a:prstGeom prst="rect">
+            <a:avLst/>
+          </a:prstGeom>
+          <a:solidFill>
+            <a:schemeClr val="accent4"/>
+          </a:solidFill>
+          <a:ln>
+            <a:solidFill>
+              <a:schemeClr val="accent2"/>
+            </a:solidFill>
+          </a:ln>
+        </p:spPr>
+        <p:style>
+          <a:lnRef idx="2">
+            <a:schemeClr val="accent1">
+              <a:shade val="50000"/>
+            </a:schemeClr>
+          </a:lnRef>
+          <a:fillRef idx="1">
+            <a:schemeClr val="accent1"/>
+          </a:fillRef>
+          <a:effectRef idx="0">
+            <a:schemeClr val="accent1"/>
+          </a:effectRef>
+          <a:fontRef idx="minor">
+            <a:schemeClr val="lt1"/>
+          </a:fontRef>
+        </p:style>
+        <p:txBody>
+          <a:bodyPr rtlCol="0" anchor="ctr"/>
+          <a:lstStyle/>
+          <a:p>
+            <a:pPr algn="ctr"/>
+            <a:r>
+              <a:rPr lang="en-GB"/>
+              <a:t>Honeypot</a:t>
+            </a:r>
+          </a:p>
+        </p:txBody>
+      </p:sp>
+      <p:cxnSp>
+        <p:nvCxnSpPr>
+          <p:cNvPr id="53" name="Gerade Verbindung mit Pfeil 52">
+            <a:extLst>
+              <a:ext uri="{FF2B5EF4-FFF2-40B4-BE49-F238E27FC236}">
+                <a16:creationId xmlns:a16="http://schemas.microsoft.com/office/drawing/2014/main" id="{6501BB28-65DC-4AA1-B922-E5B3E9DD4D5E}"/>
+              </a:ext>
+            </a:extLst>
+          </p:cNvPr>
+          <p:cNvCxnSpPr>
+            <a:cxnSpLocks/>
+            <a:stCxn id="17" idx="3"/>
+            <a:endCxn id="47" idx="1"/>
+          </p:cNvCxnSpPr>
+          <p:nvPr/>
+        </p:nvCxnSpPr>
+        <p:spPr>
+          <a:xfrm flipV="1">
+            <a:off x="5561409" y="1104901"/>
+            <a:ext cx="925114" cy="1416843"/>
+          </a:xfrm>
+          <a:prstGeom prst="straightConnector1">
+            <a:avLst/>
+          </a:prstGeom>
+          <a:ln w="19050">
+            <a:solidFill>
+              <a:schemeClr val="accent4"/>
+            </a:solidFill>
+            <a:tailEnd type="triangle"/>
+          </a:ln>
+        </p:spPr>
+        <p:style>
+          <a:lnRef idx="1">
+            <a:schemeClr val="accent1"/>
+          </a:lnRef>
+          <a:fillRef idx="0">
+            <a:schemeClr val="accent1"/>
+          </a:fillRef>
+          <a:effectRef idx="0">
+            <a:schemeClr val="accent1"/>
+          </a:effectRef>
+          <a:fontRef idx="minor">
+            <a:schemeClr val="tx1"/>
+          </a:fontRef>
+        </p:style>
+      </p:cxnSp>
+      <p:cxnSp>
+        <p:nvCxnSpPr>
+          <p:cNvPr id="56" name="Gerade Verbindung mit Pfeil 55">
+            <a:extLst>
+              <a:ext uri="{FF2B5EF4-FFF2-40B4-BE49-F238E27FC236}">
+                <a16:creationId xmlns:a16="http://schemas.microsoft.com/office/drawing/2014/main" id="{BB6CFE5F-4392-4C66-A3B3-52B476B03324}"/>
+              </a:ext>
+            </a:extLst>
+          </p:cNvPr>
+          <p:cNvCxnSpPr>
+            <a:cxnSpLocks/>
+            <a:stCxn id="19" idx="3"/>
+            <a:endCxn id="49" idx="1"/>
+          </p:cNvCxnSpPr>
+          <p:nvPr/>
+        </p:nvCxnSpPr>
+        <p:spPr>
+          <a:xfrm flipV="1">
+            <a:off x="8515349" y="1104900"/>
+            <a:ext cx="925112" cy="1416844"/>
+          </a:xfrm>
+          <a:prstGeom prst="straightConnector1">
+            <a:avLst/>
+          </a:prstGeom>
+          <a:ln w="19050">
+            <a:solidFill>
+              <a:schemeClr val="accent4"/>
+            </a:solidFill>
+            <a:tailEnd type="triangle"/>
+          </a:ln>
+        </p:spPr>
+        <p:style>
+          <a:lnRef idx="1">
+            <a:schemeClr val="accent1"/>
+          </a:lnRef>
+          <a:fillRef idx="0">
+            <a:schemeClr val="accent1"/>
+          </a:fillRef>
+          <a:effectRef idx="0">
+            <a:schemeClr val="accent1"/>
+          </a:effectRef>
+          <a:fontRef idx="minor">
+            <a:schemeClr val="tx1"/>
+          </a:fontRef>
+        </p:style>
+      </p:cxnSp>
+      <p:sp>
+        <p:nvSpPr>
+          <p:cNvPr id="59" name="Ellipse 58">
+            <a:extLst>
+              <a:ext uri="{FF2B5EF4-FFF2-40B4-BE49-F238E27FC236}">
+                <a16:creationId xmlns:a16="http://schemas.microsoft.com/office/drawing/2014/main" id="{C9598AB5-CC3A-4FA6-8662-AE9A4B2657DC}"/>
+              </a:ext>
+            </a:extLst>
+          </p:cNvPr>
+          <p:cNvSpPr/>
+          <p:nvPr/>
+        </p:nvSpPr>
+        <p:spPr>
+          <a:xfrm>
+            <a:off x="4680940" y="3790961"/>
+            <a:ext cx="2238375" cy="1042977"/>
+          </a:xfrm>
+          <a:prstGeom prst="ellipse">
+            <a:avLst/>
+          </a:prstGeom>
+          <a:solidFill>
+            <a:srgbClr val="FF0000"/>
+          </a:solidFill>
+          <a:ln>
+            <a:solidFill>
+              <a:srgbClr val="860000"/>
+            </a:solidFill>
+          </a:ln>
+        </p:spPr>
+        <p:style>
+          <a:lnRef idx="2">
+            <a:schemeClr val="accent1">
+              <a:shade val="50000"/>
+            </a:schemeClr>
+          </a:lnRef>
+          <a:fillRef idx="1">
+            <a:schemeClr val="accent1"/>
+          </a:fillRef>
+          <a:effectRef idx="0">
+            <a:schemeClr val="accent1"/>
+          </a:effectRef>
+          <a:fontRef idx="minor">
+            <a:schemeClr val="lt1"/>
+          </a:fontRef>
+        </p:style>
+        <p:txBody>
+          <a:bodyPr rtlCol="0" anchor="ctr"/>
+          <a:lstStyle/>
+          <a:p>
+            <a:pPr algn="ctr"/>
+            <a:r>
+              <a:rPr lang="en-GB"/>
+              <a:t>Intrusion Detection System 1</a:t>
+            </a:r>
+          </a:p>
+        </p:txBody>
+      </p:sp>
+      <p:cxnSp>
+        <p:nvCxnSpPr>
+          <p:cNvPr id="61" name="Gerader Verbinder 60">
+            <a:extLst>
+              <a:ext uri="{FF2B5EF4-FFF2-40B4-BE49-F238E27FC236}">
+                <a16:creationId xmlns:a16="http://schemas.microsoft.com/office/drawing/2014/main" id="{DD860BE4-A8FE-4530-9481-5FBCFC3B0055}"/>
+              </a:ext>
+            </a:extLst>
+          </p:cNvPr>
+          <p:cNvCxnSpPr>
+            <a:stCxn id="59" idx="0"/>
+            <a:endCxn id="17" idx="2"/>
+          </p:cNvCxnSpPr>
+          <p:nvPr/>
+        </p:nvCxnSpPr>
+        <p:spPr>
+          <a:xfrm flipH="1" flipV="1">
+            <a:off x="4546997" y="3043237"/>
+            <a:ext cx="1253131" cy="747724"/>
+          </a:xfrm>
+          <a:prstGeom prst="line">
+            <a:avLst/>
+          </a:prstGeom>
+          <a:ln w="19050">
+            <a:solidFill>
+              <a:srgbClr val="FF0000"/>
+            </a:solidFill>
+          </a:ln>
+        </p:spPr>
+        <p:style>
+          <a:lnRef idx="1">
+            <a:schemeClr val="accent1"/>
+          </a:lnRef>
+          <a:fillRef idx="0">
+            <a:schemeClr val="accent1"/>
+          </a:fillRef>
+          <a:effectRef idx="0">
+            <a:schemeClr val="accent1"/>
+          </a:effectRef>
+          <a:fontRef idx="minor">
+            <a:schemeClr val="tx1"/>
+          </a:fontRef>
+        </p:style>
+      </p:cxnSp>
+      <p:cxnSp>
+        <p:nvCxnSpPr>
+          <p:cNvPr id="63" name="Gerader Verbinder 62">
+            <a:extLst>
+              <a:ext uri="{FF2B5EF4-FFF2-40B4-BE49-F238E27FC236}">
+                <a16:creationId xmlns:a16="http://schemas.microsoft.com/office/drawing/2014/main" id="{C324A5F3-19D3-4AE1-9133-AB656A729791}"/>
+              </a:ext>
+            </a:extLst>
+          </p:cNvPr>
+          <p:cNvCxnSpPr>
+            <a:cxnSpLocks/>
+            <a:stCxn id="32" idx="1"/>
+            <a:endCxn id="92" idx="6"/>
+          </p:cNvCxnSpPr>
+          <p:nvPr/>
+        </p:nvCxnSpPr>
+        <p:spPr>
+          <a:xfrm flipH="1">
+            <a:off x="6933605" y="3938588"/>
+            <a:ext cx="2506857" cy="1605461"/>
+          </a:xfrm>
+          <a:prstGeom prst="line">
+            <a:avLst/>
+          </a:prstGeom>
+          <a:ln w="19050">
+            <a:solidFill>
+              <a:schemeClr val="accent6">
+                <a:lumMod val="75000"/>
+              </a:schemeClr>
+            </a:solidFill>
+          </a:ln>
+        </p:spPr>
+        <p:style>
+          <a:lnRef idx="1">
+            <a:schemeClr val="accent1"/>
+          </a:lnRef>
+          <a:fillRef idx="0">
+            <a:schemeClr val="accent1"/>
+          </a:fillRef>
+          <a:effectRef idx="0">
+            <a:schemeClr val="accent1"/>
+          </a:effectRef>
+          <a:fontRef idx="minor">
+            <a:schemeClr val="tx1"/>
+          </a:fontRef>
+        </p:style>
+      </p:cxnSp>
+      <p:cxnSp>
+        <p:nvCxnSpPr>
+          <p:cNvPr id="64" name="Gerader Verbinder 63">
+            <a:extLst>
+              <a:ext uri="{FF2B5EF4-FFF2-40B4-BE49-F238E27FC236}">
+                <a16:creationId xmlns:a16="http://schemas.microsoft.com/office/drawing/2014/main" id="{C1B21033-D65E-49F1-B642-D64E80B9A13B}"/>
+              </a:ext>
+            </a:extLst>
+          </p:cNvPr>
+          <p:cNvCxnSpPr>
+            <a:cxnSpLocks/>
+            <a:stCxn id="59" idx="0"/>
+            <a:endCxn id="19" idx="2"/>
+          </p:cNvCxnSpPr>
+          <p:nvPr/>
+        </p:nvCxnSpPr>
+        <p:spPr>
+          <a:xfrm flipV="1">
+            <a:off x="5800128" y="3043237"/>
+            <a:ext cx="1700809" cy="747724"/>
+          </a:xfrm>
+          <a:prstGeom prst="line">
+            <a:avLst/>
+          </a:prstGeom>
+          <a:ln w="19050">
+            <a:solidFill>
+              <a:srgbClr val="FF0000"/>
+            </a:solidFill>
+          </a:ln>
+        </p:spPr>
+        <p:style>
+          <a:lnRef idx="1">
+            <a:schemeClr val="accent1"/>
+          </a:lnRef>
+          <a:fillRef idx="0">
+            <a:schemeClr val="accent1"/>
+          </a:fillRef>
+          <a:effectRef idx="0">
+            <a:schemeClr val="accent1"/>
+          </a:effectRef>
+          <a:fontRef idx="minor">
+            <a:schemeClr val="tx1"/>
+          </a:fontRef>
+        </p:style>
+      </p:cxnSp>
+      <p:cxnSp>
+        <p:nvCxnSpPr>
+          <p:cNvPr id="65" name="Gerader Verbinder 64">
+            <a:extLst>
+              <a:ext uri="{FF2B5EF4-FFF2-40B4-BE49-F238E27FC236}">
+                <a16:creationId xmlns:a16="http://schemas.microsoft.com/office/drawing/2014/main" id="{4DC2A27B-A6E1-4225-8E50-FE9050D75DD5}"/>
+              </a:ext>
+            </a:extLst>
+          </p:cNvPr>
+          <p:cNvCxnSpPr>
+            <a:cxnSpLocks/>
+            <a:stCxn id="92" idx="6"/>
+            <a:endCxn id="34" idx="1"/>
+          </p:cNvCxnSpPr>
+          <p:nvPr/>
+        </p:nvCxnSpPr>
+        <p:spPr>
+          <a:xfrm flipV="1">
+            <a:off x="6933605" y="5355432"/>
+            <a:ext cx="2506858" cy="188617"/>
+          </a:xfrm>
+          <a:prstGeom prst="line">
+            <a:avLst/>
+          </a:prstGeom>
+          <a:ln w="19050">
+            <a:solidFill>
+              <a:schemeClr val="accent6">
+                <a:lumMod val="75000"/>
+              </a:schemeClr>
+            </a:solidFill>
+          </a:ln>
+        </p:spPr>
+        <p:style>
+          <a:lnRef idx="1">
+            <a:schemeClr val="accent1"/>
+          </a:lnRef>
+          <a:fillRef idx="0">
+            <a:schemeClr val="accent1"/>
+          </a:fillRef>
+          <a:effectRef idx="0">
+            <a:schemeClr val="accent1"/>
+          </a:effectRef>
+          <a:fontRef idx="minor">
+            <a:schemeClr val="tx1"/>
+          </a:fontRef>
+        </p:style>
+      </p:cxnSp>
+      <p:cxnSp>
+        <p:nvCxnSpPr>
+          <p:cNvPr id="82" name="Gerader Verbinder 81">
+            <a:extLst>
+              <a:ext uri="{FF2B5EF4-FFF2-40B4-BE49-F238E27FC236}">
+                <a16:creationId xmlns:a16="http://schemas.microsoft.com/office/drawing/2014/main" id="{81C9513A-5356-491D-A210-86F489EB2343}"/>
+              </a:ext>
+            </a:extLst>
+          </p:cNvPr>
+          <p:cNvCxnSpPr>
+            <a:cxnSpLocks/>
+            <a:stCxn id="21" idx="1"/>
+            <a:endCxn id="92" idx="6"/>
+          </p:cNvCxnSpPr>
+          <p:nvPr/>
+        </p:nvCxnSpPr>
+        <p:spPr>
+          <a:xfrm flipH="1">
+            <a:off x="6933605" y="2515748"/>
+            <a:ext cx="2506856" cy="3028301"/>
+          </a:xfrm>
+          <a:prstGeom prst="line">
+            <a:avLst/>
+          </a:prstGeom>
+          <a:ln w="19050">
+            <a:solidFill>
+              <a:schemeClr val="accent6">
+                <a:lumMod val="75000"/>
+              </a:schemeClr>
+            </a:solidFill>
+          </a:ln>
+        </p:spPr>
+        <p:style>
+          <a:lnRef idx="1">
+            <a:schemeClr val="accent1"/>
+          </a:lnRef>
+          <a:fillRef idx="0">
+            <a:schemeClr val="accent1"/>
+          </a:fillRef>
+          <a:effectRef idx="0">
+            <a:schemeClr val="accent1"/>
+          </a:effectRef>
+          <a:fontRef idx="minor">
+            <a:schemeClr val="tx1"/>
+          </a:fontRef>
+        </p:style>
+      </p:cxnSp>
+      <p:sp>
+        <p:nvSpPr>
+          <p:cNvPr id="85" name="Textfeld 84">
+            <a:extLst>
+              <a:ext uri="{FF2B5EF4-FFF2-40B4-BE49-F238E27FC236}">
+                <a16:creationId xmlns:a16="http://schemas.microsoft.com/office/drawing/2014/main" id="{176E24C9-62AF-494D-BCEC-06EEE41B332B}"/>
+              </a:ext>
+            </a:extLst>
+          </p:cNvPr>
+          <p:cNvSpPr txBox="1"/>
+          <p:nvPr/>
+        </p:nvSpPr>
+        <p:spPr>
+          <a:xfrm>
+            <a:off x="296760" y="4032896"/>
+            <a:ext cx="3190877" cy="1754326"/>
+          </a:xfrm>
+          <a:prstGeom prst="rect">
+            <a:avLst/>
+          </a:prstGeom>
+        </p:spPr>
+        <p:style>
+          <a:lnRef idx="2">
+            <a:schemeClr val="dk1"/>
+          </a:lnRef>
+          <a:fillRef idx="1">
+            <a:schemeClr val="lt1"/>
+          </a:fillRef>
+          <a:effectRef idx="0">
+            <a:schemeClr val="dk1"/>
+          </a:effectRef>
+          <a:fontRef idx="minor">
+            <a:schemeClr val="dk1"/>
+          </a:fontRef>
+        </p:style>
+        <p:txBody>
+          <a:bodyPr wrap="square" rtlCol="0">
+            <a:spAutoFit/>
+          </a:bodyPr>
+          <a:lstStyle/>
+          <a:p>
+            <a:r>
+              <a:rPr lang="en-GB">
+                <a:solidFill>
+                  <a:schemeClr val="accent1"/>
+                </a:solidFill>
+              </a:rPr>
+              <a:t>Exploration Surface Shifting</a:t>
+            </a:r>
+            <a:br>
+              <a:rPr lang="en-GB">
+                <a:solidFill>
+                  <a:schemeClr val="accent1"/>
+                </a:solidFill>
+              </a:rPr>
+            </a:br>
+            <a:r>
+              <a:rPr lang="en-GB">
+                <a:solidFill>
+                  <a:schemeClr val="accent1"/>
+                </a:solidFill>
+              </a:rPr>
+              <a:t> - e.g. port shuffling</a:t>
+            </a:r>
+            <a:br>
+              <a:rPr lang="en-GB">
+                <a:solidFill>
+                  <a:schemeClr val="accent1"/>
+                </a:solidFill>
+              </a:rPr>
+            </a:br>
+            <a:r>
+              <a:rPr lang="en-GB">
+                <a:solidFill>
+                  <a:srgbClr val="FF0000"/>
+                </a:solidFill>
+              </a:rPr>
+              <a:t>Detection Surface Shifting</a:t>
+            </a:r>
+          </a:p>
+          <a:p>
+            <a:r>
+              <a:rPr lang="en-GB">
+                <a:solidFill>
+                  <a:srgbClr val="FF0000"/>
+                </a:solidFill>
+              </a:rPr>
+              <a:t> - e.g. multiple systems</a:t>
+            </a:r>
+            <a:br>
+              <a:rPr lang="en-GB">
+                <a:solidFill>
+                  <a:srgbClr val="FF0000"/>
+                </a:solidFill>
+              </a:rPr>
+            </a:br>
+            <a:r>
+              <a:rPr lang="en-GB">
+                <a:solidFill>
+                  <a:schemeClr val="accent6">
+                    <a:lumMod val="75000"/>
+                  </a:schemeClr>
+                </a:solidFill>
+              </a:rPr>
+              <a:t>Prevention Surface Shifting</a:t>
+            </a:r>
+            <a:br>
+              <a:rPr lang="en-GB">
+                <a:solidFill>
+                  <a:schemeClr val="accent6">
+                    <a:lumMod val="75000"/>
+                  </a:schemeClr>
+                </a:solidFill>
+              </a:rPr>
+            </a:br>
+            <a:r>
+              <a:rPr lang="en-GB">
+                <a:solidFill>
+                  <a:schemeClr val="accent6">
+                    <a:lumMod val="75000"/>
+                  </a:schemeClr>
+                </a:solidFill>
+              </a:rPr>
+              <a:t> - e.g. multiple systems</a:t>
+            </a:r>
+            <a:endParaRPr lang="en-GB">
+              <a:solidFill>
+                <a:schemeClr val="accent1"/>
+              </a:solidFill>
+            </a:endParaRPr>
+          </a:p>
+        </p:txBody>
+      </p:sp>
+      <p:sp>
+        <p:nvSpPr>
+          <p:cNvPr id="92" name="Ellipse 91">
+            <a:extLst>
+              <a:ext uri="{FF2B5EF4-FFF2-40B4-BE49-F238E27FC236}">
+                <a16:creationId xmlns:a16="http://schemas.microsoft.com/office/drawing/2014/main" id="{D26B05CD-4A42-4D96-A99C-4FB4AE333778}"/>
+              </a:ext>
+            </a:extLst>
+          </p:cNvPr>
+          <p:cNvSpPr/>
+          <p:nvPr/>
+        </p:nvSpPr>
+        <p:spPr>
+          <a:xfrm>
+            <a:off x="4695230" y="5022560"/>
+            <a:ext cx="2238375" cy="1042977"/>
+          </a:xfrm>
+          <a:prstGeom prst="ellipse">
+            <a:avLst/>
+          </a:prstGeom>
+          <a:solidFill>
+            <a:schemeClr val="accent6">
+              <a:lumMod val="75000"/>
+            </a:schemeClr>
+          </a:solidFill>
+          <a:ln>
+            <a:solidFill>
+              <a:schemeClr val="accent6">
+                <a:lumMod val="50000"/>
+              </a:schemeClr>
+            </a:solidFill>
+          </a:ln>
+        </p:spPr>
+        <p:style>
+          <a:lnRef idx="2">
+            <a:schemeClr val="accent1">
+              <a:shade val="50000"/>
+            </a:schemeClr>
+          </a:lnRef>
+          <a:fillRef idx="1">
+            <a:schemeClr val="accent1"/>
+          </a:fillRef>
+          <a:effectRef idx="0">
+            <a:schemeClr val="accent1"/>
+          </a:effectRef>
+          <a:fontRef idx="minor">
+            <a:schemeClr val="lt1"/>
+          </a:fontRef>
+        </p:style>
+        <p:txBody>
+          <a:bodyPr rtlCol="0" anchor="ctr"/>
+          <a:lstStyle/>
+          <a:p>
+            <a:pPr algn="ctr"/>
+            <a:r>
+              <a:rPr lang="en-GB"/>
+              <a:t>Prevention System 1</a:t>
+            </a:r>
+          </a:p>
+        </p:txBody>
+      </p:sp>
+      <p:sp>
+        <p:nvSpPr>
+          <p:cNvPr id="109" name="Textfeld 108">
+            <a:extLst>
+              <a:ext uri="{FF2B5EF4-FFF2-40B4-BE49-F238E27FC236}">
+                <a16:creationId xmlns:a16="http://schemas.microsoft.com/office/drawing/2014/main" id="{AEE4FCAE-083A-4869-9FAB-1D9E85AC0178}"/>
+              </a:ext>
+            </a:extLst>
+          </p:cNvPr>
+          <p:cNvSpPr txBox="1"/>
+          <p:nvPr/>
+        </p:nvSpPr>
+        <p:spPr>
+          <a:xfrm>
+            <a:off x="2822974" y="2131764"/>
+            <a:ext cx="506014" cy="369332"/>
+          </a:xfrm>
+          <a:prstGeom prst="rect">
+            <a:avLst/>
+          </a:prstGeom>
+          <a:noFill/>
+        </p:spPr>
+        <p:txBody>
+          <a:bodyPr wrap="square" rtlCol="0">
+            <a:spAutoFit/>
+          </a:bodyPr>
+          <a:lstStyle/>
+          <a:p>
+            <a:r>
+              <a:rPr lang="en-GB"/>
               <a:t>p</a:t>
             </a:r>
             <a:r>
-              <a:rPr lang="en-GB" sz="2000" dirty="0"/>
-              <a:t>x </a:t>
-            </a:r>
-            <a:r>
-              <a:rPr lang="en-GB" dirty="0"/>
-              <a:t> - Probability of event x after time t</a:t>
-            </a:r>
-          </a:p>
-        </p:txBody>
-      </p:sp>
-      <p:sp>
-        <p:nvSpPr>
-          <p:cNvPr id="3" name="Inhaltsplatzhalter 2">
-            <a:extLst>
-              <a:ext uri="{FF2B5EF4-FFF2-40B4-BE49-F238E27FC236}">
-                <a16:creationId xmlns:a16="http://schemas.microsoft.com/office/drawing/2014/main" id="{62BBC4CF-AEEA-4CBC-86F6-DA80B8B3D155}"/>
-              </a:ext>
-            </a:extLst>
-          </p:cNvPr>
-          <p:cNvSpPr>
-            <a:spLocks noGrp="1"/>
-          </p:cNvSpPr>
-          <p:nvPr>
-            <p:ph idx="1"/>
-          </p:nvPr>
-        </p:nvSpPr>
-        <p:spPr/>
-        <p:txBody>
-          <a:bodyPr>
-            <a:normAutofit/>
+              <a:rPr lang="en-GB" sz="1100"/>
+              <a:t>a</a:t>
+            </a:r>
+            <a:endParaRPr lang="en-GB"/>
+          </a:p>
+        </p:txBody>
+      </p:sp>
+      <p:sp>
+        <p:nvSpPr>
+          <p:cNvPr id="113" name="Textfeld 112">
+            <a:extLst>
+              <a:ext uri="{FF2B5EF4-FFF2-40B4-BE49-F238E27FC236}">
+                <a16:creationId xmlns:a16="http://schemas.microsoft.com/office/drawing/2014/main" id="{9AB2E638-FC49-49AC-B99F-BE8706B21177}"/>
+              </a:ext>
+            </a:extLst>
+          </p:cNvPr>
+          <p:cNvSpPr txBox="1"/>
+          <p:nvPr/>
+        </p:nvSpPr>
+        <p:spPr>
+          <a:xfrm>
+            <a:off x="5814417" y="2088169"/>
+            <a:ext cx="468510" cy="369332"/>
+          </a:xfrm>
+          <a:prstGeom prst="rect">
+            <a:avLst/>
+          </a:prstGeom>
+          <a:noFill/>
+        </p:spPr>
+        <p:txBody>
+          <a:bodyPr wrap="square" rtlCol="0">
+            <a:spAutoFit/>
           </a:bodyPr>
           <a:lstStyle/>
           <a:p>
-            <a:pPr>
-              <a:buFont typeface="Courier New" panose="02070309020205020404" pitchFamily="49" charset="0"/>
-              <a:buChar char="o"/>
-            </a:pPr>
-            <a:r>
-              <a:rPr lang="en-GB" sz="1400" dirty="0"/>
-              <a:t>pa: attacker gaining control of Authorizer</a:t>
-            </a:r>
-          </a:p>
-          <a:p>
-            <a:pPr>
-              <a:buFont typeface="Courier New" panose="02070309020205020404" pitchFamily="49" charset="0"/>
-              <a:buChar char="o"/>
-            </a:pPr>
-            <a:r>
-              <a:rPr lang="en-GB" sz="1400" dirty="0"/>
-              <a:t>pp: attacker gaining control of Planner</a:t>
-            </a:r>
-          </a:p>
-          <a:p>
-            <a:pPr>
-              <a:buFont typeface="Courier New" panose="02070309020205020404" pitchFamily="49" charset="0"/>
-              <a:buChar char="o"/>
-            </a:pPr>
-            <a:r>
-              <a:rPr lang="en-GB" sz="1400" dirty="0"/>
-              <a:t>pdb1:  attacker gaining control of DB1</a:t>
-            </a:r>
-          </a:p>
-          <a:p>
-            <a:pPr>
-              <a:buFont typeface="Courier New" panose="02070309020205020404" pitchFamily="49" charset="0"/>
-              <a:buChar char="o"/>
-            </a:pPr>
-            <a:r>
-              <a:rPr lang="en-GB" sz="1400" dirty="0"/>
-              <a:t>pdb2:  attacker gaining control of DB2</a:t>
-            </a:r>
-          </a:p>
-          <a:p>
-            <a:pPr>
-              <a:buFont typeface="Courier New" panose="02070309020205020404" pitchFamily="49" charset="0"/>
-              <a:buChar char="o"/>
-            </a:pPr>
-            <a:r>
-              <a:rPr lang="en-GB" sz="1400" dirty="0"/>
-              <a:t>pdb3:  attacker gaining control of DB3</a:t>
-            </a:r>
-          </a:p>
-          <a:p>
-            <a:pPr>
-              <a:buFont typeface="Courier New" panose="02070309020205020404" pitchFamily="49" charset="0"/>
-              <a:buChar char="o"/>
-            </a:pPr>
-            <a:endParaRPr lang="en-GB" sz="1400" dirty="0"/>
-          </a:p>
-          <a:p>
-            <a:pPr>
-              <a:buFont typeface="Courier New" panose="02070309020205020404" pitchFamily="49" charset="0"/>
-              <a:buChar char="o"/>
-            </a:pPr>
-            <a:r>
-              <a:rPr lang="en-GB" sz="1400" dirty="0" err="1"/>
-              <a:t>ppH</a:t>
-            </a:r>
-            <a:r>
-              <a:rPr lang="en-GB" sz="1400" dirty="0"/>
-              <a:t>: attacker getting into Honeypot instead of Planner</a:t>
-            </a:r>
-          </a:p>
-          <a:p>
-            <a:pPr>
-              <a:buFont typeface="Courier New" panose="02070309020205020404" pitchFamily="49" charset="0"/>
-              <a:buChar char="o"/>
-            </a:pPr>
-            <a:r>
-              <a:rPr lang="en-GB" sz="1400" dirty="0" err="1"/>
-              <a:t>pdbH</a:t>
-            </a:r>
-            <a:r>
-              <a:rPr lang="en-GB" sz="1400" dirty="0"/>
-              <a:t>: attacker getting into Honeypot instead of DBs</a:t>
-            </a:r>
-          </a:p>
-          <a:p>
-            <a:pPr>
-              <a:buFont typeface="Courier New" panose="02070309020205020404" pitchFamily="49" charset="0"/>
-              <a:buChar char="o"/>
-            </a:pPr>
-            <a:endParaRPr lang="en-GB" sz="1400" dirty="0"/>
-          </a:p>
-          <a:p>
-            <a:pPr>
-              <a:buFont typeface="Courier New" panose="02070309020205020404" pitchFamily="49" charset="0"/>
-              <a:buChar char="o"/>
-            </a:pPr>
-            <a:r>
-              <a:rPr lang="en-GB" sz="1400" dirty="0"/>
-              <a:t>paIDS1: Intrusion Detection System 1 detecting attacker at Authorizer</a:t>
-            </a:r>
-          </a:p>
-          <a:p>
-            <a:pPr>
-              <a:buFont typeface="Courier New" panose="02070309020205020404" pitchFamily="49" charset="0"/>
-              <a:buChar char="o"/>
-            </a:pPr>
-            <a:r>
-              <a:rPr lang="en-GB" sz="1400" dirty="0"/>
-              <a:t>ppIDS2: Intrusion Detection System 1 detecting attacker at Planner</a:t>
-            </a:r>
-          </a:p>
-          <a:p>
-            <a:pPr>
-              <a:buFont typeface="Courier New" panose="02070309020205020404" pitchFamily="49" charset="0"/>
-              <a:buChar char="o"/>
-            </a:pPr>
-            <a:endParaRPr lang="en-GB" sz="1400" dirty="0"/>
-          </a:p>
-          <a:p>
-            <a:pPr>
-              <a:buFont typeface="Courier New" panose="02070309020205020404" pitchFamily="49" charset="0"/>
-              <a:buChar char="o"/>
-            </a:pPr>
-            <a:r>
-              <a:rPr lang="en-GB" sz="1400" dirty="0"/>
-              <a:t>pdbPS1: Prevention System 1 detecting attacker in DBs</a:t>
-            </a:r>
-          </a:p>
-          <a:p>
-            <a:pPr>
-              <a:buFont typeface="Courier New" panose="02070309020205020404" pitchFamily="49" charset="0"/>
-              <a:buChar char="o"/>
-            </a:pPr>
-            <a:endParaRPr lang="en-GB" sz="1400" dirty="0"/>
+            <a:r>
+              <a:rPr lang="en-GB"/>
+              <a:t>p</a:t>
+            </a:r>
+            <a:r>
+              <a:rPr lang="en-GB" sz="1100"/>
+              <a:t>p</a:t>
+            </a:r>
+            <a:endParaRPr lang="en-GB"/>
+          </a:p>
+        </p:txBody>
+      </p:sp>
+      <p:sp>
+        <p:nvSpPr>
+          <p:cNvPr id="115" name="Textfeld 114">
+            <a:extLst>
+              <a:ext uri="{FF2B5EF4-FFF2-40B4-BE49-F238E27FC236}">
+                <a16:creationId xmlns:a16="http://schemas.microsoft.com/office/drawing/2014/main" id="{403F6413-E98B-4D0E-AEDA-0D0183BE148D}"/>
+              </a:ext>
+            </a:extLst>
+          </p:cNvPr>
+          <p:cNvSpPr txBox="1"/>
+          <p:nvPr/>
+        </p:nvSpPr>
+        <p:spPr>
+          <a:xfrm>
+            <a:off x="5673031" y="1273424"/>
+            <a:ext cx="468510" cy="369332"/>
+          </a:xfrm>
+          <a:prstGeom prst="rect">
+            <a:avLst/>
+          </a:prstGeom>
+          <a:noFill/>
+        </p:spPr>
+        <p:txBody>
+          <a:bodyPr wrap="square" rtlCol="0">
+            <a:spAutoFit/>
+          </a:bodyPr>
+          <a:lstStyle/>
+          <a:p>
+            <a:r>
+              <a:rPr lang="en-GB" err="1"/>
+              <a:t>p</a:t>
+            </a:r>
+            <a:r>
+              <a:rPr lang="en-GB" sz="1100" err="1"/>
+              <a:t>pH</a:t>
+            </a:r>
+            <a:endParaRPr lang="en-GB"/>
+          </a:p>
+        </p:txBody>
+      </p:sp>
+      <p:sp>
+        <p:nvSpPr>
+          <p:cNvPr id="117" name="Textfeld 116">
+            <a:extLst>
+              <a:ext uri="{FF2B5EF4-FFF2-40B4-BE49-F238E27FC236}">
+                <a16:creationId xmlns:a16="http://schemas.microsoft.com/office/drawing/2014/main" id="{DBD721CA-B4A1-4937-A9F4-DF3323D20A8A}"/>
+              </a:ext>
+            </a:extLst>
+          </p:cNvPr>
+          <p:cNvSpPr txBox="1"/>
+          <p:nvPr/>
+        </p:nvSpPr>
+        <p:spPr>
+          <a:xfrm>
+            <a:off x="8826995" y="2146416"/>
+            <a:ext cx="547985" cy="369332"/>
+          </a:xfrm>
+          <a:prstGeom prst="rect">
+            <a:avLst/>
+          </a:prstGeom>
+          <a:noFill/>
+        </p:spPr>
+        <p:txBody>
+          <a:bodyPr wrap="square" rtlCol="0">
+            <a:spAutoFit/>
+          </a:bodyPr>
+          <a:lstStyle/>
+          <a:p>
+            <a:r>
+              <a:rPr lang="en-GB"/>
+              <a:t>p</a:t>
+            </a:r>
+            <a:r>
+              <a:rPr lang="en-GB" sz="1100"/>
+              <a:t>db1</a:t>
+            </a:r>
+            <a:endParaRPr lang="en-GB"/>
+          </a:p>
+        </p:txBody>
+      </p:sp>
+      <p:sp>
+        <p:nvSpPr>
+          <p:cNvPr id="119" name="Textfeld 118">
+            <a:extLst>
+              <a:ext uri="{FF2B5EF4-FFF2-40B4-BE49-F238E27FC236}">
+                <a16:creationId xmlns:a16="http://schemas.microsoft.com/office/drawing/2014/main" id="{8F9D588F-4FDF-4B80-A27E-632877DD6624}"/>
+              </a:ext>
+            </a:extLst>
+          </p:cNvPr>
+          <p:cNvSpPr txBox="1"/>
+          <p:nvPr/>
+        </p:nvSpPr>
+        <p:spPr>
+          <a:xfrm>
+            <a:off x="9030070" y="3059077"/>
+            <a:ext cx="547985" cy="369332"/>
+          </a:xfrm>
+          <a:prstGeom prst="rect">
+            <a:avLst/>
+          </a:prstGeom>
+          <a:noFill/>
+        </p:spPr>
+        <p:txBody>
+          <a:bodyPr wrap="square" rtlCol="0">
+            <a:spAutoFit/>
+          </a:bodyPr>
+          <a:lstStyle/>
+          <a:p>
+            <a:r>
+              <a:rPr lang="en-GB"/>
+              <a:t>p</a:t>
+            </a:r>
+            <a:r>
+              <a:rPr lang="en-GB" sz="1100"/>
+              <a:t>db2</a:t>
+            </a:r>
+            <a:endParaRPr lang="en-GB"/>
+          </a:p>
+        </p:txBody>
+      </p:sp>
+      <p:sp>
+        <p:nvSpPr>
+          <p:cNvPr id="121" name="Textfeld 120">
+            <a:extLst>
+              <a:ext uri="{FF2B5EF4-FFF2-40B4-BE49-F238E27FC236}">
+                <a16:creationId xmlns:a16="http://schemas.microsoft.com/office/drawing/2014/main" id="{D6509A33-8CAD-451D-87C6-2AB897B32115}"/>
+              </a:ext>
+            </a:extLst>
+          </p:cNvPr>
+          <p:cNvSpPr txBox="1"/>
+          <p:nvPr/>
+        </p:nvSpPr>
+        <p:spPr>
+          <a:xfrm>
+            <a:off x="9167661" y="4437452"/>
+            <a:ext cx="547985" cy="369332"/>
+          </a:xfrm>
+          <a:prstGeom prst="rect">
+            <a:avLst/>
+          </a:prstGeom>
+          <a:noFill/>
+        </p:spPr>
+        <p:txBody>
+          <a:bodyPr wrap="square" rtlCol="0">
+            <a:spAutoFit/>
+          </a:bodyPr>
+          <a:lstStyle/>
+          <a:p>
+            <a:r>
+              <a:rPr lang="en-GB"/>
+              <a:t>p</a:t>
+            </a:r>
+            <a:r>
+              <a:rPr lang="en-GB" sz="1100"/>
+              <a:t>db3</a:t>
+            </a:r>
+            <a:endParaRPr lang="en-GB"/>
+          </a:p>
+        </p:txBody>
+      </p:sp>
+      <p:sp>
+        <p:nvSpPr>
+          <p:cNvPr id="123" name="Textfeld 122">
+            <a:extLst>
+              <a:ext uri="{FF2B5EF4-FFF2-40B4-BE49-F238E27FC236}">
+                <a16:creationId xmlns:a16="http://schemas.microsoft.com/office/drawing/2014/main" id="{466EEEB3-3AF2-49D5-A90A-D3FB55EB97F3}"/>
+              </a:ext>
+            </a:extLst>
+          </p:cNvPr>
+          <p:cNvSpPr txBox="1"/>
+          <p:nvPr/>
+        </p:nvSpPr>
+        <p:spPr>
+          <a:xfrm>
+            <a:off x="8701380" y="1082239"/>
+            <a:ext cx="547985" cy="369332"/>
+          </a:xfrm>
+          <a:prstGeom prst="rect">
+            <a:avLst/>
+          </a:prstGeom>
+          <a:noFill/>
+        </p:spPr>
+        <p:txBody>
+          <a:bodyPr wrap="square" rtlCol="0">
+            <a:spAutoFit/>
+          </a:bodyPr>
+          <a:lstStyle/>
+          <a:p>
+            <a:r>
+              <a:rPr lang="en-GB" err="1"/>
+              <a:t>p</a:t>
+            </a:r>
+            <a:r>
+              <a:rPr lang="en-GB" sz="1100" err="1"/>
+              <a:t>dbH</a:t>
+            </a:r>
+            <a:endParaRPr lang="en-GB"/>
+          </a:p>
+        </p:txBody>
+      </p:sp>
+      <p:sp>
+        <p:nvSpPr>
+          <p:cNvPr id="125" name="Textfeld 124">
+            <a:extLst>
+              <a:ext uri="{FF2B5EF4-FFF2-40B4-BE49-F238E27FC236}">
+                <a16:creationId xmlns:a16="http://schemas.microsoft.com/office/drawing/2014/main" id="{D99F967A-DFBC-4695-8EFE-B1656EF2BFDA}"/>
+              </a:ext>
+            </a:extLst>
+          </p:cNvPr>
+          <p:cNvSpPr txBox="1"/>
+          <p:nvPr/>
+        </p:nvSpPr>
+        <p:spPr>
+          <a:xfrm>
+            <a:off x="5240943" y="3160881"/>
+            <a:ext cx="678250" cy="369332"/>
+          </a:xfrm>
+          <a:prstGeom prst="rect">
+            <a:avLst/>
+          </a:prstGeom>
+          <a:noFill/>
+        </p:spPr>
+        <p:txBody>
+          <a:bodyPr wrap="square" rtlCol="0">
+            <a:spAutoFit/>
+          </a:bodyPr>
+          <a:lstStyle/>
+          <a:p>
+            <a:r>
+              <a:rPr lang="en-GB"/>
+              <a:t>p</a:t>
+            </a:r>
+            <a:r>
+              <a:rPr lang="en-GB" sz="1100"/>
+              <a:t>aIDS1</a:t>
+            </a:r>
+            <a:endParaRPr lang="en-GB"/>
+          </a:p>
+        </p:txBody>
+      </p:sp>
+      <p:sp>
+        <p:nvSpPr>
+          <p:cNvPr id="127" name="Textfeld 126">
+            <a:extLst>
+              <a:ext uri="{FF2B5EF4-FFF2-40B4-BE49-F238E27FC236}">
+                <a16:creationId xmlns:a16="http://schemas.microsoft.com/office/drawing/2014/main" id="{7D144FC0-B702-4850-AE94-9CA3EA76433C}"/>
+              </a:ext>
+            </a:extLst>
+          </p:cNvPr>
+          <p:cNvSpPr txBox="1"/>
+          <p:nvPr/>
+        </p:nvSpPr>
+        <p:spPr>
+          <a:xfrm>
+            <a:off x="6891483" y="3201000"/>
+            <a:ext cx="678250" cy="369332"/>
+          </a:xfrm>
+          <a:prstGeom prst="rect">
+            <a:avLst/>
+          </a:prstGeom>
+          <a:noFill/>
+        </p:spPr>
+        <p:txBody>
+          <a:bodyPr wrap="square" rtlCol="0">
+            <a:spAutoFit/>
+          </a:bodyPr>
+          <a:lstStyle/>
+          <a:p>
+            <a:r>
+              <a:rPr lang="en-GB"/>
+              <a:t>p</a:t>
+            </a:r>
+            <a:r>
+              <a:rPr lang="en-GB" sz="1100"/>
+              <a:t>pIDS1</a:t>
+            </a:r>
+            <a:endParaRPr lang="en-GB"/>
+          </a:p>
+        </p:txBody>
+      </p:sp>
+      <p:sp>
+        <p:nvSpPr>
+          <p:cNvPr id="129" name="Textfeld 128">
+            <a:extLst>
+              <a:ext uri="{FF2B5EF4-FFF2-40B4-BE49-F238E27FC236}">
+                <a16:creationId xmlns:a16="http://schemas.microsoft.com/office/drawing/2014/main" id="{EA7DA8FB-4689-4517-80F1-C93368AD9298}"/>
+              </a:ext>
+            </a:extLst>
+          </p:cNvPr>
+          <p:cNvSpPr txBox="1"/>
+          <p:nvPr/>
+        </p:nvSpPr>
+        <p:spPr>
+          <a:xfrm>
+            <a:off x="7542106" y="3717219"/>
+            <a:ext cx="678250" cy="369332"/>
+          </a:xfrm>
+          <a:prstGeom prst="rect">
+            <a:avLst/>
+          </a:prstGeom>
+          <a:noFill/>
+        </p:spPr>
+        <p:txBody>
+          <a:bodyPr wrap="square" rtlCol="0">
+            <a:spAutoFit/>
+          </a:bodyPr>
+          <a:lstStyle/>
+          <a:p>
+            <a:r>
+              <a:rPr lang="en-GB"/>
+              <a:t>p</a:t>
+            </a:r>
+            <a:r>
+              <a:rPr lang="en-GB" sz="1100"/>
+              <a:t>dbPS1</a:t>
+            </a:r>
+            <a:endParaRPr lang="en-GB"/>
+          </a:p>
+        </p:txBody>
+      </p:sp>
+      <p:sp>
+        <p:nvSpPr>
+          <p:cNvPr id="131" name="Textfeld 130">
+            <a:extLst>
+              <a:ext uri="{FF2B5EF4-FFF2-40B4-BE49-F238E27FC236}">
+                <a16:creationId xmlns:a16="http://schemas.microsoft.com/office/drawing/2014/main" id="{CA986CCA-BF55-47F5-90EC-0FEB8AE46D11}"/>
+              </a:ext>
+            </a:extLst>
+          </p:cNvPr>
+          <p:cNvSpPr txBox="1"/>
+          <p:nvPr/>
+        </p:nvSpPr>
+        <p:spPr>
+          <a:xfrm>
+            <a:off x="7933727" y="4251788"/>
+            <a:ext cx="678250" cy="369332"/>
+          </a:xfrm>
+          <a:prstGeom prst="rect">
+            <a:avLst/>
+          </a:prstGeom>
+          <a:noFill/>
+        </p:spPr>
+        <p:txBody>
+          <a:bodyPr wrap="square" rtlCol="0">
+            <a:spAutoFit/>
+          </a:bodyPr>
+          <a:lstStyle/>
+          <a:p>
+            <a:r>
+              <a:rPr lang="en-GB"/>
+              <a:t>p</a:t>
+            </a:r>
+            <a:r>
+              <a:rPr lang="en-GB" sz="1100"/>
+              <a:t>dbPS1</a:t>
+            </a:r>
+            <a:endParaRPr lang="en-GB"/>
+          </a:p>
+        </p:txBody>
+      </p:sp>
+      <p:sp>
+        <p:nvSpPr>
+          <p:cNvPr id="133" name="Textfeld 132">
+            <a:extLst>
+              <a:ext uri="{FF2B5EF4-FFF2-40B4-BE49-F238E27FC236}">
+                <a16:creationId xmlns:a16="http://schemas.microsoft.com/office/drawing/2014/main" id="{08AF89BD-FA3F-43B8-9A26-DE35C7786CBB}"/>
+              </a:ext>
+            </a:extLst>
+          </p:cNvPr>
+          <p:cNvSpPr txBox="1"/>
+          <p:nvPr/>
+        </p:nvSpPr>
+        <p:spPr>
+          <a:xfrm>
+            <a:off x="8112618" y="5132512"/>
+            <a:ext cx="678250" cy="369332"/>
+          </a:xfrm>
+          <a:prstGeom prst="rect">
+            <a:avLst/>
+          </a:prstGeom>
+          <a:noFill/>
+        </p:spPr>
+        <p:txBody>
+          <a:bodyPr wrap="square" rtlCol="0">
+            <a:spAutoFit/>
+          </a:bodyPr>
+          <a:lstStyle/>
+          <a:p>
+            <a:r>
+              <a:rPr lang="en-GB"/>
+              <a:t>p</a:t>
+            </a:r>
+            <a:r>
+              <a:rPr lang="en-GB" sz="1100"/>
+              <a:t>dbPS1</a:t>
+            </a:r>
+            <a:endParaRPr lang="en-GB"/>
           </a:p>
         </p:txBody>
       </p:sp>
     </p:spTree>
     <p:extLst>
       <p:ext uri="{BB962C8B-B14F-4D97-AF65-F5344CB8AC3E}">
-        <p14:creationId xmlns:p14="http://schemas.microsoft.com/office/powerpoint/2010/main" val="3106414305"/>
+        <p14:creationId xmlns:p14="http://schemas.microsoft.com/office/powerpoint/2010/main" val="1577499883"/>
       </p:ext>
     </p:extLst>
   </p:cSld>
@@ -5862,7 +5587,7 @@
           <p:cNvPr id="2" name="Titel 1">
             <a:extLst>
               <a:ext uri="{FF2B5EF4-FFF2-40B4-BE49-F238E27FC236}">
-                <a16:creationId xmlns:a16="http://schemas.microsoft.com/office/drawing/2014/main" id="{8F12EA4F-4753-4197-9177-4F0452E07642}"/>
+                <a16:creationId xmlns:a16="http://schemas.microsoft.com/office/drawing/2014/main" id="{1A195801-25AE-42BD-BC00-72346510CE73}"/>
               </a:ext>
             </a:extLst>
           </p:cNvPr>
@@ -5879,8 +5604,16 @@
           <a:lstStyle/>
           <a:p>
             <a:r>
-              <a:rPr lang="en-GB" dirty="0"/>
-              <a:t>Idea of modelling attack graph</a:t>
+              <a:rPr lang="en-GB"/>
+              <a:t>p</a:t>
+            </a:r>
+            <a:r>
+              <a:rPr lang="en-GB" sz="2000"/>
+              <a:t>x </a:t>
+            </a:r>
+            <a:r>
+              <a:rPr lang="en-GB"/>
+              <a:t> - Probability of event x after time t</a:t>
             </a:r>
           </a:p>
         </p:txBody>
@@ -5890,7 +5623,7 @@
           <p:cNvPr id="3" name="Inhaltsplatzhalter 2">
             <a:extLst>
               <a:ext uri="{FF2B5EF4-FFF2-40B4-BE49-F238E27FC236}">
-                <a16:creationId xmlns:a16="http://schemas.microsoft.com/office/drawing/2014/main" id="{E4208D71-FB65-4D7B-86D8-DBF5101240DA}"/>
+                <a16:creationId xmlns:a16="http://schemas.microsoft.com/office/drawing/2014/main" id="{62BBC4CF-AEEA-4CBC-86F6-DA80B8B3D155}"/>
               </a:ext>
             </a:extLst>
           </p:cNvPr>
@@ -5903,61 +5636,279 @@
         </p:nvSpPr>
         <p:spPr/>
         <p:txBody>
+          <a:bodyPr>
+            <a:normAutofit/>
+          </a:bodyPr>
+          <a:lstStyle/>
+          <a:p>
+            <a:pPr>
+              <a:buFont typeface="Courier New" panose="02070309020205020404" pitchFamily="49" charset="0"/>
+              <a:buChar char="o"/>
+            </a:pPr>
+            <a:r>
+              <a:rPr lang="en-GB" sz="1400"/>
+              <a:t>pa: attacker gaining control of Authorizer</a:t>
+            </a:r>
+          </a:p>
+          <a:p>
+            <a:pPr>
+              <a:buFont typeface="Courier New" panose="02070309020205020404" pitchFamily="49" charset="0"/>
+              <a:buChar char="o"/>
+            </a:pPr>
+            <a:r>
+              <a:rPr lang="en-GB" sz="1400"/>
+              <a:t>pp: attacker gaining control of Planner</a:t>
+            </a:r>
+          </a:p>
+          <a:p>
+            <a:pPr>
+              <a:buFont typeface="Courier New" panose="02070309020205020404" pitchFamily="49" charset="0"/>
+              <a:buChar char="o"/>
+            </a:pPr>
+            <a:r>
+              <a:rPr lang="en-GB" sz="1400"/>
+              <a:t>pdb1:  attacker gaining control of DB1</a:t>
+            </a:r>
+          </a:p>
+          <a:p>
+            <a:pPr>
+              <a:buFont typeface="Courier New" panose="02070309020205020404" pitchFamily="49" charset="0"/>
+              <a:buChar char="o"/>
+            </a:pPr>
+            <a:r>
+              <a:rPr lang="en-GB" sz="1400"/>
+              <a:t>pdb2:  attacker gaining control of DB2</a:t>
+            </a:r>
+          </a:p>
+          <a:p>
+            <a:pPr>
+              <a:buFont typeface="Courier New" panose="02070309020205020404" pitchFamily="49" charset="0"/>
+              <a:buChar char="o"/>
+            </a:pPr>
+            <a:r>
+              <a:rPr lang="en-GB" sz="1400"/>
+              <a:t>pdb3:  attacker gaining control of DB3</a:t>
+            </a:r>
+          </a:p>
+          <a:p>
+            <a:pPr>
+              <a:buFont typeface="Courier New" panose="02070309020205020404" pitchFamily="49" charset="0"/>
+              <a:buChar char="o"/>
+            </a:pPr>
+            <a:endParaRPr lang="en-GB" sz="1400"/>
+          </a:p>
+          <a:p>
+            <a:pPr>
+              <a:buFont typeface="Courier New" panose="02070309020205020404" pitchFamily="49" charset="0"/>
+              <a:buChar char="o"/>
+            </a:pPr>
+            <a:r>
+              <a:rPr lang="en-GB" sz="1400" err="1"/>
+              <a:t>ppH</a:t>
+            </a:r>
+            <a:r>
+              <a:rPr lang="en-GB" sz="1400"/>
+              <a:t>: attacker getting into Honeypot instead of Planner</a:t>
+            </a:r>
+          </a:p>
+          <a:p>
+            <a:pPr>
+              <a:buFont typeface="Courier New" panose="02070309020205020404" pitchFamily="49" charset="0"/>
+              <a:buChar char="o"/>
+            </a:pPr>
+            <a:r>
+              <a:rPr lang="en-GB" sz="1400" err="1"/>
+              <a:t>pdbH</a:t>
+            </a:r>
+            <a:r>
+              <a:rPr lang="en-GB" sz="1400"/>
+              <a:t>: attacker getting into Honeypot instead of DBs</a:t>
+            </a:r>
+          </a:p>
+          <a:p>
+            <a:pPr>
+              <a:buFont typeface="Courier New" panose="02070309020205020404" pitchFamily="49" charset="0"/>
+              <a:buChar char="o"/>
+            </a:pPr>
+            <a:endParaRPr lang="en-GB" sz="1400"/>
+          </a:p>
+          <a:p>
+            <a:pPr>
+              <a:buFont typeface="Courier New" panose="02070309020205020404" pitchFamily="49" charset="0"/>
+              <a:buChar char="o"/>
+            </a:pPr>
+            <a:r>
+              <a:rPr lang="en-GB" sz="1400"/>
+              <a:t>paIDS1: Intrusion Detection System 1 detecting attacker at Authorizer</a:t>
+            </a:r>
+          </a:p>
+          <a:p>
+            <a:pPr>
+              <a:buFont typeface="Courier New" panose="02070309020205020404" pitchFamily="49" charset="0"/>
+              <a:buChar char="o"/>
+            </a:pPr>
+            <a:r>
+              <a:rPr lang="en-GB" sz="1400"/>
+              <a:t>ppIDS2: Intrusion Detection System 1 detecting attacker at Planner</a:t>
+            </a:r>
+          </a:p>
+          <a:p>
+            <a:pPr>
+              <a:buFont typeface="Courier New" panose="02070309020205020404" pitchFamily="49" charset="0"/>
+              <a:buChar char="o"/>
+            </a:pPr>
+            <a:endParaRPr lang="en-GB" sz="1400"/>
+          </a:p>
+          <a:p>
+            <a:pPr>
+              <a:buFont typeface="Courier New" panose="02070309020205020404" pitchFamily="49" charset="0"/>
+              <a:buChar char="o"/>
+            </a:pPr>
+            <a:r>
+              <a:rPr lang="en-GB" sz="1400"/>
+              <a:t>pdbPS1: Prevention System 1 detecting attacker in DBs</a:t>
+            </a:r>
+          </a:p>
+          <a:p>
+            <a:pPr>
+              <a:buFont typeface="Courier New" panose="02070309020205020404" pitchFamily="49" charset="0"/>
+              <a:buChar char="o"/>
+            </a:pPr>
+            <a:endParaRPr lang="en-GB" sz="1400"/>
+          </a:p>
+        </p:txBody>
+      </p:sp>
+    </p:spTree>
+    <p:extLst>
+      <p:ext uri="{BB962C8B-B14F-4D97-AF65-F5344CB8AC3E}">
+        <p14:creationId xmlns:p14="http://schemas.microsoft.com/office/powerpoint/2010/main" val="3106414305"/>
+      </p:ext>
+    </p:extLst>
+  </p:cSld>
+  <p:clrMapOvr>
+    <a:masterClrMapping/>
+  </p:clrMapOvr>
+</p:sld>
+</file>
+
+<file path=ppt/slides/slide4.xml><?xml version="1.0" encoding="utf-8"?>
+<p:sld xmlns:a="http://schemas.openxmlformats.org/drawingml/2006/main" xmlns:r="http://schemas.openxmlformats.org/officeDocument/2006/relationships" xmlns:p="http://schemas.openxmlformats.org/presentationml/2006/main">
+  <p:cSld>
+    <p:spTree>
+      <p:nvGrpSpPr>
+        <p:cNvPr id="1" name=""/>
+        <p:cNvGrpSpPr/>
+        <p:nvPr/>
+      </p:nvGrpSpPr>
+      <p:grpSpPr>
+        <a:xfrm>
+          <a:off x="0" y="0"/>
+          <a:ext cx="0" cy="0"/>
+          <a:chOff x="0" y="0"/>
+          <a:chExt cx="0" cy="0"/>
+        </a:xfrm>
+      </p:grpSpPr>
+      <p:sp>
+        <p:nvSpPr>
+          <p:cNvPr id="2" name="Titel 1">
+            <a:extLst>
+              <a:ext uri="{FF2B5EF4-FFF2-40B4-BE49-F238E27FC236}">
+                <a16:creationId xmlns:a16="http://schemas.microsoft.com/office/drawing/2014/main" id="{8F12EA4F-4753-4197-9177-4F0452E07642}"/>
+              </a:ext>
+            </a:extLst>
+          </p:cNvPr>
+          <p:cNvSpPr>
+            <a:spLocks noGrp="1"/>
+          </p:cNvSpPr>
+          <p:nvPr>
+            <p:ph type="title"/>
+          </p:nvPr>
+        </p:nvSpPr>
+        <p:spPr/>
+        <p:txBody>
+          <a:bodyPr/>
+          <a:lstStyle/>
+          <a:p>
+            <a:r>
+              <a:rPr lang="en-GB"/>
+              <a:t>Idea of modelling attack graph</a:t>
+            </a:r>
+          </a:p>
+        </p:txBody>
+      </p:sp>
+      <p:sp>
+        <p:nvSpPr>
+          <p:cNvPr id="3" name="Inhaltsplatzhalter 2">
+            <a:extLst>
+              <a:ext uri="{FF2B5EF4-FFF2-40B4-BE49-F238E27FC236}">
+                <a16:creationId xmlns:a16="http://schemas.microsoft.com/office/drawing/2014/main" id="{E4208D71-FB65-4D7B-86D8-DBF5101240DA}"/>
+              </a:ext>
+            </a:extLst>
+          </p:cNvPr>
+          <p:cNvSpPr>
+            <a:spLocks noGrp="1"/>
+          </p:cNvSpPr>
+          <p:nvPr>
+            <p:ph idx="1"/>
+          </p:nvPr>
+        </p:nvSpPr>
+        <p:spPr/>
+        <p:txBody>
           <a:bodyPr vert="horz" lIns="91440" tIns="45720" rIns="91440" bIns="45720" rtlCol="0" anchor="t">
             <a:normAutofit/>
           </a:bodyPr>
           <a:lstStyle/>
           <a:p>
             <a:r>
-              <a:rPr lang="en-GB" sz="2400" dirty="0"/>
+              <a:rPr lang="en-GB" sz="2400"/>
               <a:t>create own attack graph for a specified network</a:t>
             </a:r>
-            <a:endParaRPr lang="en-GB" sz="2400" dirty="0">
+            <a:endParaRPr lang="en-GB" sz="2400">
               <a:cs typeface="Calibri"/>
             </a:endParaRPr>
           </a:p>
           <a:p>
             <a:r>
-              <a:rPr lang="en-GB" sz="2400" dirty="0"/>
+              <a:rPr lang="en-GB" sz="2400"/>
               <a:t>our paper focuses on shown graph, with RL find optimal solution for a specific model and attack(s)</a:t>
             </a:r>
-            <a:endParaRPr lang="en-GB" sz="2400" dirty="0">
+            <a:endParaRPr lang="en-GB" sz="2400">
               <a:cs typeface="Calibri"/>
             </a:endParaRPr>
           </a:p>
           <a:p>
             <a:r>
-              <a:rPr lang="en-GB" sz="2400" dirty="0"/>
+              <a:rPr lang="en-GB" sz="2400"/>
               <a:t>basically any graph possible to model with </a:t>
             </a:r>
-            <a:endParaRPr lang="en-GB" sz="2400" dirty="0">
+            <a:endParaRPr lang="en-GB" sz="2400">
               <a:cs typeface="Calibri"/>
             </a:endParaRPr>
           </a:p>
           <a:p>
             <a:pPr lvl="1"/>
             <a:r>
-              <a:rPr lang="en-GB" sz="2000" dirty="0"/>
+              <a:rPr lang="en-GB" sz="2000"/>
               <a:t>nodes = services</a:t>
             </a:r>
-            <a:endParaRPr lang="en-GB" sz="2000" dirty="0">
+            <a:endParaRPr lang="en-GB" sz="2000">
               <a:cs typeface="Calibri"/>
             </a:endParaRPr>
           </a:p>
           <a:p>
             <a:pPr lvl="1"/>
             <a:r>
-              <a:rPr lang="en-GB" sz="2000" dirty="0"/>
+              <a:rPr lang="en-GB" sz="2000"/>
               <a:t>edges = probability of gaining control / catching attacker</a:t>
             </a:r>
-            <a:endParaRPr lang="en-GB" sz="2000" dirty="0">
+            <a:endParaRPr lang="en-GB" sz="2000">
               <a:cs typeface="Calibri"/>
             </a:endParaRPr>
           </a:p>
           <a:p>
             <a:pPr lvl="1"/>
             <a:r>
-              <a:rPr lang="en-GB" sz="2000" dirty="0">
+              <a:rPr lang="en-GB" sz="2000">
                 <a:cs typeface="Calibri"/>
               </a:rPr>
               <a:t>modelling different attack types</a:t>
@@ -5969,6 +5920,3662 @@
     <p:extLst>
       <p:ext uri="{BB962C8B-B14F-4D97-AF65-F5344CB8AC3E}">
         <p14:creationId xmlns:p14="http://schemas.microsoft.com/office/powerpoint/2010/main" val="3032443653"/>
+      </p:ext>
+    </p:extLst>
+  </p:cSld>
+  <p:clrMapOvr>
+    <a:masterClrMapping/>
+  </p:clrMapOvr>
+</p:sld>
+</file>
+
+<file path=ppt/slides/slide5.xml><?xml version="1.0" encoding="utf-8"?>
+<p:sld xmlns:a="http://schemas.openxmlformats.org/drawingml/2006/main" xmlns:r="http://schemas.openxmlformats.org/officeDocument/2006/relationships" xmlns:p="http://schemas.openxmlformats.org/presentationml/2006/main">
+  <p:cSld>
+    <p:spTree>
+      <p:nvGrpSpPr>
+        <p:cNvPr id="1" name=""/>
+        <p:cNvGrpSpPr/>
+        <p:nvPr/>
+      </p:nvGrpSpPr>
+      <p:grpSpPr>
+        <a:xfrm>
+          <a:off x="0" y="0"/>
+          <a:ext cx="0" cy="0"/>
+          <a:chOff x="0" y="0"/>
+          <a:chExt cx="0" cy="0"/>
+        </a:xfrm>
+      </p:grpSpPr>
+      <p:sp>
+        <p:nvSpPr>
+          <p:cNvPr id="2" name="Title 1">
+            <a:extLst>
+              <a:ext uri="{FF2B5EF4-FFF2-40B4-BE49-F238E27FC236}">
+                <a16:creationId xmlns:a16="http://schemas.microsoft.com/office/drawing/2014/main" id="{3060C146-5A6D-4B28-A5A0-9A920D32AFB9}"/>
+              </a:ext>
+            </a:extLst>
+          </p:cNvPr>
+          <p:cNvSpPr>
+            <a:spLocks noGrp="1"/>
+          </p:cNvSpPr>
+          <p:nvPr>
+            <p:ph type="ctrTitle"/>
+          </p:nvPr>
+        </p:nvSpPr>
+        <p:spPr/>
+        <p:txBody>
+          <a:bodyPr/>
+          <a:lstStyle/>
+          <a:p>
+            <a:r>
+              <a:rPr lang="en-GB"/>
+              <a:t>Model</a:t>
+            </a:r>
+          </a:p>
+        </p:txBody>
+      </p:sp>
+      <p:sp>
+        <p:nvSpPr>
+          <p:cNvPr id="3" name="Subtitle 2">
+            <a:extLst>
+              <a:ext uri="{FF2B5EF4-FFF2-40B4-BE49-F238E27FC236}">
+                <a16:creationId xmlns:a16="http://schemas.microsoft.com/office/drawing/2014/main" id="{A44C3FDB-A1BC-4A94-B28F-27C03E129576}"/>
+              </a:ext>
+            </a:extLst>
+          </p:cNvPr>
+          <p:cNvSpPr>
+            <a:spLocks noGrp="1"/>
+          </p:cNvSpPr>
+          <p:nvPr>
+            <p:ph type="subTitle" idx="1"/>
+          </p:nvPr>
+        </p:nvSpPr>
+        <p:spPr/>
+        <p:txBody>
+          <a:bodyPr/>
+          <a:lstStyle/>
+          <a:p>
+            <a:r>
+              <a:rPr lang="en-GB" dirty="0"/>
+              <a:t>v2.1</a:t>
+            </a:r>
+          </a:p>
+        </p:txBody>
+      </p:sp>
+    </p:spTree>
+    <p:extLst>
+      <p:ext uri="{BB962C8B-B14F-4D97-AF65-F5344CB8AC3E}">
+        <p14:creationId xmlns:p14="http://schemas.microsoft.com/office/powerpoint/2010/main" val="3474697765"/>
+      </p:ext>
+    </p:extLst>
+  </p:cSld>
+  <p:clrMapOvr>
+    <a:masterClrMapping/>
+  </p:clrMapOvr>
+</p:sld>
+</file>
+
+<file path=ppt/slides/slide6.xml><?xml version="1.0" encoding="utf-8"?>
+<p:sld xmlns:a="http://schemas.openxmlformats.org/drawingml/2006/main" xmlns:r="http://schemas.openxmlformats.org/officeDocument/2006/relationships" xmlns:p="http://schemas.openxmlformats.org/presentationml/2006/main">
+  <p:cSld>
+    <p:spTree>
+      <p:nvGrpSpPr>
+        <p:cNvPr id="1" name=""/>
+        <p:cNvGrpSpPr/>
+        <p:nvPr/>
+      </p:nvGrpSpPr>
+      <p:grpSpPr>
+        <a:xfrm>
+          <a:off x="0" y="0"/>
+          <a:ext cx="0" cy="0"/>
+          <a:chOff x="0" y="0"/>
+          <a:chExt cx="0" cy="0"/>
+        </a:xfrm>
+      </p:grpSpPr>
+      <p:sp>
+        <p:nvSpPr>
+          <p:cNvPr id="34" name="Rechteck 33">
+            <a:extLst>
+              <a:ext uri="{FF2B5EF4-FFF2-40B4-BE49-F238E27FC236}">
+                <a16:creationId xmlns:a16="http://schemas.microsoft.com/office/drawing/2014/main" id="{D1378224-8AF5-467A-8602-BC37A638FD39}"/>
+              </a:ext>
+            </a:extLst>
+          </p:cNvPr>
+          <p:cNvSpPr/>
+          <p:nvPr/>
+        </p:nvSpPr>
+        <p:spPr>
+          <a:xfrm>
+            <a:off x="9619820" y="3609485"/>
+            <a:ext cx="2028825" cy="1042987"/>
+          </a:xfrm>
+          <a:prstGeom prst="rect">
+            <a:avLst/>
+          </a:prstGeom>
+        </p:spPr>
+        <p:style>
+          <a:lnRef idx="2">
+            <a:schemeClr val="accent1">
+              <a:shade val="50000"/>
+            </a:schemeClr>
+          </a:lnRef>
+          <a:fillRef idx="1">
+            <a:schemeClr val="accent1"/>
+          </a:fillRef>
+          <a:effectRef idx="0">
+            <a:schemeClr val="accent1"/>
+          </a:effectRef>
+          <a:fontRef idx="minor">
+            <a:schemeClr val="lt1"/>
+          </a:fontRef>
+        </p:style>
+        <p:txBody>
+          <a:bodyPr rtlCol="0" anchor="ctr"/>
+          <a:lstStyle/>
+          <a:p>
+            <a:pPr algn="ctr"/>
+            <a:r>
+              <a:rPr lang="en-GB"/>
+              <a:t>DB 3</a:t>
+            </a:r>
+          </a:p>
+        </p:txBody>
+      </p:sp>
+      <p:sp>
+        <p:nvSpPr>
+          <p:cNvPr id="32" name="Rechteck 31">
+            <a:extLst>
+              <a:ext uri="{FF2B5EF4-FFF2-40B4-BE49-F238E27FC236}">
+                <a16:creationId xmlns:a16="http://schemas.microsoft.com/office/drawing/2014/main" id="{F6B9584F-3778-44B5-A486-AC33301B6B5E}"/>
+              </a:ext>
+            </a:extLst>
+          </p:cNvPr>
+          <p:cNvSpPr/>
+          <p:nvPr/>
+        </p:nvSpPr>
+        <p:spPr>
+          <a:xfrm>
+            <a:off x="9530140" y="2929943"/>
+            <a:ext cx="2028825" cy="1042987"/>
+          </a:xfrm>
+          <a:prstGeom prst="rect">
+            <a:avLst/>
+          </a:prstGeom>
+        </p:spPr>
+        <p:style>
+          <a:lnRef idx="2">
+            <a:schemeClr val="accent1">
+              <a:shade val="50000"/>
+            </a:schemeClr>
+          </a:lnRef>
+          <a:fillRef idx="1">
+            <a:schemeClr val="accent1"/>
+          </a:fillRef>
+          <a:effectRef idx="0">
+            <a:schemeClr val="accent1"/>
+          </a:effectRef>
+          <a:fontRef idx="minor">
+            <a:schemeClr val="lt1"/>
+          </a:fontRef>
+        </p:style>
+        <p:txBody>
+          <a:bodyPr rtlCol="0" anchor="ctr"/>
+          <a:lstStyle/>
+          <a:p>
+            <a:pPr algn="ctr"/>
+            <a:r>
+              <a:rPr lang="en-GB"/>
+              <a:t>DB 2</a:t>
+            </a:r>
+          </a:p>
+        </p:txBody>
+      </p:sp>
+      <p:sp>
+        <p:nvSpPr>
+          <p:cNvPr id="104" name="Ellipse 103">
+            <a:extLst>
+              <a:ext uri="{FF2B5EF4-FFF2-40B4-BE49-F238E27FC236}">
+                <a16:creationId xmlns:a16="http://schemas.microsoft.com/office/drawing/2014/main" id="{CE56F5FE-26C8-4926-984A-5082B2557605}"/>
+              </a:ext>
+            </a:extLst>
+          </p:cNvPr>
+          <p:cNvSpPr/>
+          <p:nvPr/>
+        </p:nvSpPr>
+        <p:spPr>
+          <a:xfrm>
+            <a:off x="6651906" y="5642338"/>
+            <a:ext cx="2238375" cy="1042977"/>
+          </a:xfrm>
+          <a:prstGeom prst="ellipse">
+            <a:avLst/>
+          </a:prstGeom>
+          <a:solidFill>
+            <a:schemeClr val="accent6">
+              <a:lumMod val="75000"/>
+            </a:schemeClr>
+          </a:solidFill>
+          <a:ln>
+            <a:solidFill>
+              <a:schemeClr val="accent6">
+                <a:lumMod val="50000"/>
+              </a:schemeClr>
+            </a:solidFill>
+          </a:ln>
+        </p:spPr>
+        <p:style>
+          <a:lnRef idx="2">
+            <a:schemeClr val="accent1">
+              <a:shade val="50000"/>
+            </a:schemeClr>
+          </a:lnRef>
+          <a:fillRef idx="1">
+            <a:schemeClr val="accent1"/>
+          </a:fillRef>
+          <a:effectRef idx="0">
+            <a:schemeClr val="accent1"/>
+          </a:effectRef>
+          <a:fontRef idx="minor">
+            <a:schemeClr val="lt1"/>
+          </a:fontRef>
+        </p:style>
+        <p:txBody>
+          <a:bodyPr rtlCol="0" anchor="ctr"/>
+          <a:lstStyle/>
+          <a:p>
+            <a:pPr algn="ctr"/>
+            <a:r>
+              <a:rPr lang="en-GB"/>
+              <a:t>Prevention System 1</a:t>
+            </a:r>
+          </a:p>
+        </p:txBody>
+      </p:sp>
+      <p:sp>
+        <p:nvSpPr>
+          <p:cNvPr id="106" name="Ellipse 105">
+            <a:extLst>
+              <a:ext uri="{FF2B5EF4-FFF2-40B4-BE49-F238E27FC236}">
+                <a16:creationId xmlns:a16="http://schemas.microsoft.com/office/drawing/2014/main" id="{63C6DB85-BA9F-4DD9-8E00-31644AE3DC6E}"/>
+              </a:ext>
+            </a:extLst>
+          </p:cNvPr>
+          <p:cNvSpPr/>
+          <p:nvPr/>
+        </p:nvSpPr>
+        <p:spPr>
+          <a:xfrm>
+            <a:off x="6651906" y="5499019"/>
+            <a:ext cx="2238375" cy="1042977"/>
+          </a:xfrm>
+          <a:prstGeom prst="ellipse">
+            <a:avLst/>
+          </a:prstGeom>
+          <a:solidFill>
+            <a:schemeClr val="accent6">
+              <a:lumMod val="75000"/>
+            </a:schemeClr>
+          </a:solidFill>
+          <a:ln>
+            <a:solidFill>
+              <a:schemeClr val="accent6">
+                <a:lumMod val="50000"/>
+              </a:schemeClr>
+            </a:solidFill>
+          </a:ln>
+        </p:spPr>
+        <p:style>
+          <a:lnRef idx="2">
+            <a:schemeClr val="accent1">
+              <a:shade val="50000"/>
+            </a:schemeClr>
+          </a:lnRef>
+          <a:fillRef idx="1">
+            <a:schemeClr val="accent1"/>
+          </a:fillRef>
+          <a:effectRef idx="0">
+            <a:schemeClr val="accent1"/>
+          </a:effectRef>
+          <a:fontRef idx="minor">
+            <a:schemeClr val="lt1"/>
+          </a:fontRef>
+        </p:style>
+        <p:txBody>
+          <a:bodyPr rtlCol="0" anchor="ctr"/>
+          <a:lstStyle/>
+          <a:p>
+            <a:pPr algn="ctr"/>
+            <a:r>
+              <a:rPr lang="en-GB"/>
+              <a:t>Prevention System 1</a:t>
+            </a:r>
+          </a:p>
+        </p:txBody>
+      </p:sp>
+      <p:sp>
+        <p:nvSpPr>
+          <p:cNvPr id="102" name="Ellipse 101">
+            <a:extLst>
+              <a:ext uri="{FF2B5EF4-FFF2-40B4-BE49-F238E27FC236}">
+                <a16:creationId xmlns:a16="http://schemas.microsoft.com/office/drawing/2014/main" id="{76E9CD59-FAD2-4C07-8921-4BBD152A98BF}"/>
+              </a:ext>
+            </a:extLst>
+          </p:cNvPr>
+          <p:cNvSpPr/>
+          <p:nvPr/>
+        </p:nvSpPr>
+        <p:spPr>
+          <a:xfrm>
+            <a:off x="5083670" y="3971444"/>
+            <a:ext cx="2238375" cy="1042977"/>
+          </a:xfrm>
+          <a:prstGeom prst="ellipse">
+            <a:avLst/>
+          </a:prstGeom>
+          <a:solidFill>
+            <a:srgbClr val="FF0000"/>
+          </a:solidFill>
+          <a:ln>
+            <a:solidFill>
+              <a:srgbClr val="860000"/>
+            </a:solidFill>
+          </a:ln>
+        </p:spPr>
+        <p:style>
+          <a:lnRef idx="2">
+            <a:schemeClr val="accent1">
+              <a:shade val="50000"/>
+            </a:schemeClr>
+          </a:lnRef>
+          <a:fillRef idx="1">
+            <a:schemeClr val="accent1"/>
+          </a:fillRef>
+          <a:effectRef idx="0">
+            <a:schemeClr val="accent1"/>
+          </a:effectRef>
+          <a:fontRef idx="minor">
+            <a:schemeClr val="lt1"/>
+          </a:fontRef>
+        </p:style>
+        <p:txBody>
+          <a:bodyPr rtlCol="0" anchor="ctr"/>
+          <a:lstStyle/>
+          <a:p>
+            <a:pPr algn="ctr"/>
+            <a:r>
+              <a:rPr lang="en-GB"/>
+              <a:t>Intrusion Detection System 1</a:t>
+            </a:r>
+          </a:p>
+        </p:txBody>
+      </p:sp>
+      <p:sp>
+        <p:nvSpPr>
+          <p:cNvPr id="100" name="Ellipse 99">
+            <a:extLst>
+              <a:ext uri="{FF2B5EF4-FFF2-40B4-BE49-F238E27FC236}">
+                <a16:creationId xmlns:a16="http://schemas.microsoft.com/office/drawing/2014/main" id="{B01BD9C4-88B9-4F1B-A0A0-D678182E2E99}"/>
+              </a:ext>
+            </a:extLst>
+          </p:cNvPr>
+          <p:cNvSpPr/>
+          <p:nvPr/>
+        </p:nvSpPr>
+        <p:spPr>
+          <a:xfrm>
+            <a:off x="4904779" y="3971445"/>
+            <a:ext cx="2238375" cy="1042977"/>
+          </a:xfrm>
+          <a:prstGeom prst="ellipse">
+            <a:avLst/>
+          </a:prstGeom>
+          <a:solidFill>
+            <a:srgbClr val="FF0000"/>
+          </a:solidFill>
+          <a:ln>
+            <a:solidFill>
+              <a:srgbClr val="860000"/>
+            </a:solidFill>
+          </a:ln>
+        </p:spPr>
+        <p:style>
+          <a:lnRef idx="2">
+            <a:schemeClr val="accent1">
+              <a:shade val="50000"/>
+            </a:schemeClr>
+          </a:lnRef>
+          <a:fillRef idx="1">
+            <a:schemeClr val="accent1"/>
+          </a:fillRef>
+          <a:effectRef idx="0">
+            <a:schemeClr val="accent1"/>
+          </a:effectRef>
+          <a:fontRef idx="minor">
+            <a:schemeClr val="lt1"/>
+          </a:fontRef>
+        </p:style>
+        <p:txBody>
+          <a:bodyPr rtlCol="0" anchor="ctr"/>
+          <a:lstStyle/>
+          <a:p>
+            <a:pPr algn="ctr"/>
+            <a:r>
+              <a:rPr lang="en-GB"/>
+              <a:t>Intrusion Detection System 1</a:t>
+            </a:r>
+          </a:p>
+        </p:txBody>
+      </p:sp>
+      <p:sp>
+        <p:nvSpPr>
+          <p:cNvPr id="15" name="Rechteck 14">
+            <a:extLst>
+              <a:ext uri="{FF2B5EF4-FFF2-40B4-BE49-F238E27FC236}">
+                <a16:creationId xmlns:a16="http://schemas.microsoft.com/office/drawing/2014/main" id="{E6EE8A90-1209-42C5-B9E3-ACF6771CBB0A}"/>
+              </a:ext>
+            </a:extLst>
+          </p:cNvPr>
+          <p:cNvSpPr/>
+          <p:nvPr/>
+        </p:nvSpPr>
+        <p:spPr>
+          <a:xfrm>
+            <a:off x="578643" y="2180734"/>
+            <a:ext cx="2028825" cy="1042987"/>
+          </a:xfrm>
+          <a:prstGeom prst="rect">
+            <a:avLst/>
+          </a:prstGeom>
+          <a:solidFill>
+            <a:schemeClr val="bg1">
+              <a:lumMod val="65000"/>
+            </a:schemeClr>
+          </a:solidFill>
+          <a:ln>
+            <a:solidFill>
+              <a:schemeClr val="bg1">
+                <a:lumMod val="50000"/>
+              </a:schemeClr>
+            </a:solidFill>
+          </a:ln>
+        </p:spPr>
+        <p:style>
+          <a:lnRef idx="2">
+            <a:schemeClr val="accent1">
+              <a:shade val="50000"/>
+            </a:schemeClr>
+          </a:lnRef>
+          <a:fillRef idx="1">
+            <a:schemeClr val="accent1"/>
+          </a:fillRef>
+          <a:effectRef idx="0">
+            <a:schemeClr val="accent1"/>
+          </a:effectRef>
+          <a:fontRef idx="minor">
+            <a:schemeClr val="lt1"/>
+          </a:fontRef>
+        </p:style>
+        <p:txBody>
+          <a:bodyPr rtlCol="0" anchor="ctr"/>
+          <a:lstStyle/>
+          <a:p>
+            <a:pPr algn="ctr"/>
+            <a:r>
+              <a:rPr lang="en-GB">
+                <a:solidFill>
+                  <a:schemeClr val="bg1"/>
+                </a:solidFill>
+              </a:rPr>
+              <a:t>Internet</a:t>
+            </a:r>
+          </a:p>
+        </p:txBody>
+      </p:sp>
+      <p:sp>
+        <p:nvSpPr>
+          <p:cNvPr id="17" name="Rechteck 16">
+            <a:extLst>
+              <a:ext uri="{FF2B5EF4-FFF2-40B4-BE49-F238E27FC236}">
+                <a16:creationId xmlns:a16="http://schemas.microsoft.com/office/drawing/2014/main" id="{F2ABD230-251D-4185-B776-1848115E557B}"/>
+              </a:ext>
+            </a:extLst>
+          </p:cNvPr>
+          <p:cNvSpPr/>
+          <p:nvPr/>
+        </p:nvSpPr>
+        <p:spPr>
+          <a:xfrm>
+            <a:off x="3532583" y="2180735"/>
+            <a:ext cx="2028825" cy="1042987"/>
+          </a:xfrm>
+          <a:prstGeom prst="rect">
+            <a:avLst/>
+          </a:prstGeom>
+        </p:spPr>
+        <p:style>
+          <a:lnRef idx="2">
+            <a:schemeClr val="accent1">
+              <a:shade val="50000"/>
+            </a:schemeClr>
+          </a:lnRef>
+          <a:fillRef idx="1">
+            <a:schemeClr val="accent1"/>
+          </a:fillRef>
+          <a:effectRef idx="0">
+            <a:schemeClr val="accent1"/>
+          </a:effectRef>
+          <a:fontRef idx="minor">
+            <a:schemeClr val="lt1"/>
+          </a:fontRef>
+        </p:style>
+        <p:txBody>
+          <a:bodyPr rtlCol="0" anchor="ctr"/>
+          <a:lstStyle/>
+          <a:p>
+            <a:pPr algn="ctr"/>
+            <a:r>
+              <a:rPr lang="en-GB"/>
+              <a:t>Authorizer</a:t>
+            </a:r>
+          </a:p>
+        </p:txBody>
+      </p:sp>
+      <p:sp>
+        <p:nvSpPr>
+          <p:cNvPr id="19" name="Rechteck 18">
+            <a:extLst>
+              <a:ext uri="{FF2B5EF4-FFF2-40B4-BE49-F238E27FC236}">
+                <a16:creationId xmlns:a16="http://schemas.microsoft.com/office/drawing/2014/main" id="{DA62029E-9012-4587-983E-893CE516FEAB}"/>
+              </a:ext>
+            </a:extLst>
+          </p:cNvPr>
+          <p:cNvSpPr/>
+          <p:nvPr/>
+        </p:nvSpPr>
+        <p:spPr>
+          <a:xfrm>
+            <a:off x="6486523" y="2180735"/>
+            <a:ext cx="2028825" cy="1042987"/>
+          </a:xfrm>
+          <a:prstGeom prst="rect">
+            <a:avLst/>
+          </a:prstGeom>
+        </p:spPr>
+        <p:style>
+          <a:lnRef idx="2">
+            <a:schemeClr val="accent1">
+              <a:shade val="50000"/>
+            </a:schemeClr>
+          </a:lnRef>
+          <a:fillRef idx="1">
+            <a:schemeClr val="accent1"/>
+          </a:fillRef>
+          <a:effectRef idx="0">
+            <a:schemeClr val="accent1"/>
+          </a:effectRef>
+          <a:fontRef idx="minor">
+            <a:schemeClr val="lt1"/>
+          </a:fontRef>
+        </p:style>
+        <p:txBody>
+          <a:bodyPr rtlCol="0" anchor="ctr"/>
+          <a:lstStyle/>
+          <a:p>
+            <a:pPr algn="ctr"/>
+            <a:r>
+              <a:rPr lang="en-GB"/>
+              <a:t>Planner</a:t>
+            </a:r>
+          </a:p>
+        </p:txBody>
+      </p:sp>
+      <p:sp>
+        <p:nvSpPr>
+          <p:cNvPr id="21" name="Rechteck 20">
+            <a:extLst>
+              <a:ext uri="{FF2B5EF4-FFF2-40B4-BE49-F238E27FC236}">
+                <a16:creationId xmlns:a16="http://schemas.microsoft.com/office/drawing/2014/main" id="{31688287-23C5-4893-948D-F33DA982DA6D}"/>
+              </a:ext>
+            </a:extLst>
+          </p:cNvPr>
+          <p:cNvSpPr/>
+          <p:nvPr/>
+        </p:nvSpPr>
+        <p:spPr>
+          <a:xfrm>
+            <a:off x="9440460" y="2174739"/>
+            <a:ext cx="2028825" cy="1042987"/>
+          </a:xfrm>
+          <a:prstGeom prst="rect">
+            <a:avLst/>
+          </a:prstGeom>
+        </p:spPr>
+        <p:style>
+          <a:lnRef idx="2">
+            <a:schemeClr val="accent1">
+              <a:shade val="50000"/>
+            </a:schemeClr>
+          </a:lnRef>
+          <a:fillRef idx="1">
+            <a:schemeClr val="accent1"/>
+          </a:fillRef>
+          <a:effectRef idx="0">
+            <a:schemeClr val="accent1"/>
+          </a:effectRef>
+          <a:fontRef idx="minor">
+            <a:schemeClr val="lt1"/>
+          </a:fontRef>
+        </p:style>
+        <p:txBody>
+          <a:bodyPr rtlCol="0" anchor="ctr"/>
+          <a:lstStyle/>
+          <a:p>
+            <a:pPr algn="ctr"/>
+            <a:r>
+              <a:rPr lang="en-GB"/>
+              <a:t>DB 1</a:t>
+            </a:r>
+          </a:p>
+        </p:txBody>
+      </p:sp>
+      <p:cxnSp>
+        <p:nvCxnSpPr>
+          <p:cNvPr id="23" name="Gerade Verbindung mit Pfeil 22">
+            <a:extLst>
+              <a:ext uri="{FF2B5EF4-FFF2-40B4-BE49-F238E27FC236}">
+                <a16:creationId xmlns:a16="http://schemas.microsoft.com/office/drawing/2014/main" id="{E4582BCB-6FC7-480B-9157-13D074B86D92}"/>
+              </a:ext>
+            </a:extLst>
+          </p:cNvPr>
+          <p:cNvCxnSpPr>
+            <a:cxnSpLocks/>
+          </p:cNvCxnSpPr>
+          <p:nvPr/>
+        </p:nvCxnSpPr>
+        <p:spPr>
+          <a:xfrm>
+            <a:off x="2607465" y="2326653"/>
+            <a:ext cx="925115" cy="1"/>
+          </a:xfrm>
+          <a:prstGeom prst="straightConnector1">
+            <a:avLst/>
+          </a:prstGeom>
+          <a:ln w="19050">
+            <a:tailEnd type="triangle"/>
+          </a:ln>
+        </p:spPr>
+        <p:style>
+          <a:lnRef idx="1">
+            <a:schemeClr val="accent1"/>
+          </a:lnRef>
+          <a:fillRef idx="0">
+            <a:schemeClr val="accent1"/>
+          </a:fillRef>
+          <a:effectRef idx="0">
+            <a:schemeClr val="accent1"/>
+          </a:effectRef>
+          <a:fontRef idx="minor">
+            <a:schemeClr val="tx1"/>
+          </a:fontRef>
+        </p:style>
+      </p:cxnSp>
+      <p:cxnSp>
+        <p:nvCxnSpPr>
+          <p:cNvPr id="25" name="Gerade Verbindung mit Pfeil 24">
+            <a:extLst>
+              <a:ext uri="{FF2B5EF4-FFF2-40B4-BE49-F238E27FC236}">
+                <a16:creationId xmlns:a16="http://schemas.microsoft.com/office/drawing/2014/main" id="{963C7D06-C6A3-4355-975C-7AD5BFD09D64}"/>
+              </a:ext>
+            </a:extLst>
+          </p:cNvPr>
+          <p:cNvCxnSpPr>
+            <a:cxnSpLocks/>
+          </p:cNvCxnSpPr>
+          <p:nvPr/>
+        </p:nvCxnSpPr>
+        <p:spPr>
+          <a:xfrm>
+            <a:off x="5561408" y="2326901"/>
+            <a:ext cx="925115" cy="0"/>
+          </a:xfrm>
+          <a:prstGeom prst="straightConnector1">
+            <a:avLst/>
+          </a:prstGeom>
+          <a:ln w="19050">
+            <a:tailEnd type="triangle"/>
+          </a:ln>
+        </p:spPr>
+        <p:style>
+          <a:lnRef idx="1">
+            <a:schemeClr val="accent1"/>
+          </a:lnRef>
+          <a:fillRef idx="0">
+            <a:schemeClr val="accent1"/>
+          </a:fillRef>
+          <a:effectRef idx="0">
+            <a:schemeClr val="accent1"/>
+          </a:effectRef>
+          <a:fontRef idx="minor">
+            <a:schemeClr val="tx1"/>
+          </a:fontRef>
+        </p:style>
+      </p:cxnSp>
+      <p:cxnSp>
+        <p:nvCxnSpPr>
+          <p:cNvPr id="28" name="Gerade Verbindung mit Pfeil 27">
+            <a:extLst>
+              <a:ext uri="{FF2B5EF4-FFF2-40B4-BE49-F238E27FC236}">
+                <a16:creationId xmlns:a16="http://schemas.microsoft.com/office/drawing/2014/main" id="{37C6D71E-B8D1-4586-96EB-BD2261E65586}"/>
+              </a:ext>
+            </a:extLst>
+          </p:cNvPr>
+          <p:cNvCxnSpPr>
+            <a:cxnSpLocks/>
+          </p:cNvCxnSpPr>
+          <p:nvPr/>
+        </p:nvCxnSpPr>
+        <p:spPr>
+          <a:xfrm flipV="1">
+            <a:off x="8496720" y="2343435"/>
+            <a:ext cx="925112" cy="5996"/>
+          </a:xfrm>
+          <a:prstGeom prst="straightConnector1">
+            <a:avLst/>
+          </a:prstGeom>
+          <a:ln w="19050">
+            <a:tailEnd type="triangle"/>
+          </a:ln>
+        </p:spPr>
+        <p:style>
+          <a:lnRef idx="1">
+            <a:schemeClr val="accent1"/>
+          </a:lnRef>
+          <a:fillRef idx="0">
+            <a:schemeClr val="accent1"/>
+          </a:fillRef>
+          <a:effectRef idx="0">
+            <a:schemeClr val="accent1"/>
+          </a:effectRef>
+          <a:fontRef idx="minor">
+            <a:schemeClr val="tx1"/>
+          </a:fontRef>
+        </p:style>
+      </p:cxnSp>
+      <p:sp>
+        <p:nvSpPr>
+          <p:cNvPr id="47" name="Rechteck 46">
+            <a:extLst>
+              <a:ext uri="{FF2B5EF4-FFF2-40B4-BE49-F238E27FC236}">
+                <a16:creationId xmlns:a16="http://schemas.microsoft.com/office/drawing/2014/main" id="{553F77CF-436F-4E51-BAD3-9380F544D931}"/>
+              </a:ext>
+            </a:extLst>
+          </p:cNvPr>
+          <p:cNvSpPr/>
+          <p:nvPr/>
+        </p:nvSpPr>
+        <p:spPr>
+          <a:xfrm>
+            <a:off x="3532580" y="226661"/>
+            <a:ext cx="2028825" cy="1042987"/>
+          </a:xfrm>
+          <a:prstGeom prst="rect">
+            <a:avLst/>
+          </a:prstGeom>
+          <a:solidFill>
+            <a:schemeClr val="accent4"/>
+          </a:solidFill>
+          <a:ln>
+            <a:solidFill>
+              <a:schemeClr val="accent2"/>
+            </a:solidFill>
+          </a:ln>
+        </p:spPr>
+        <p:style>
+          <a:lnRef idx="2">
+            <a:schemeClr val="accent1">
+              <a:shade val="50000"/>
+            </a:schemeClr>
+          </a:lnRef>
+          <a:fillRef idx="1">
+            <a:schemeClr val="accent1"/>
+          </a:fillRef>
+          <a:effectRef idx="0">
+            <a:schemeClr val="accent1"/>
+          </a:effectRef>
+          <a:fontRef idx="minor">
+            <a:schemeClr val="lt1"/>
+          </a:fontRef>
+        </p:style>
+        <p:txBody>
+          <a:bodyPr rtlCol="0" anchor="ctr"/>
+          <a:lstStyle/>
+          <a:p>
+            <a:pPr algn="ctr"/>
+            <a:r>
+              <a:rPr lang="en-GB"/>
+              <a:t>Honeypot</a:t>
+            </a:r>
+          </a:p>
+        </p:txBody>
+      </p:sp>
+      <p:sp>
+        <p:nvSpPr>
+          <p:cNvPr id="59" name="Ellipse 58">
+            <a:extLst>
+              <a:ext uri="{FF2B5EF4-FFF2-40B4-BE49-F238E27FC236}">
+                <a16:creationId xmlns:a16="http://schemas.microsoft.com/office/drawing/2014/main" id="{C9598AB5-CC3A-4FA6-8662-AE9A4B2657DC}"/>
+              </a:ext>
+            </a:extLst>
+          </p:cNvPr>
+          <p:cNvSpPr/>
+          <p:nvPr/>
+        </p:nvSpPr>
+        <p:spPr>
+          <a:xfrm>
+            <a:off x="4680939" y="3971446"/>
+            <a:ext cx="2238375" cy="1042977"/>
+          </a:xfrm>
+          <a:prstGeom prst="ellipse">
+            <a:avLst/>
+          </a:prstGeom>
+          <a:solidFill>
+            <a:srgbClr val="FF0000"/>
+          </a:solidFill>
+          <a:ln>
+            <a:solidFill>
+              <a:srgbClr val="860000"/>
+            </a:solidFill>
+          </a:ln>
+        </p:spPr>
+        <p:style>
+          <a:lnRef idx="2">
+            <a:schemeClr val="accent1">
+              <a:shade val="50000"/>
+            </a:schemeClr>
+          </a:lnRef>
+          <a:fillRef idx="1">
+            <a:schemeClr val="accent1"/>
+          </a:fillRef>
+          <a:effectRef idx="0">
+            <a:schemeClr val="accent1"/>
+          </a:effectRef>
+          <a:fontRef idx="minor">
+            <a:schemeClr val="lt1"/>
+          </a:fontRef>
+        </p:style>
+        <p:txBody>
+          <a:bodyPr rtlCol="0" anchor="ctr"/>
+          <a:lstStyle/>
+          <a:p>
+            <a:pPr algn="ctr"/>
+            <a:r>
+              <a:rPr lang="en-GB"/>
+              <a:t>Intrusion Detection System 1</a:t>
+            </a:r>
+          </a:p>
+        </p:txBody>
+      </p:sp>
+      <p:cxnSp>
+        <p:nvCxnSpPr>
+          <p:cNvPr id="53" name="Gerade Verbindung mit Pfeil 52">
+            <a:extLst>
+              <a:ext uri="{FF2B5EF4-FFF2-40B4-BE49-F238E27FC236}">
+                <a16:creationId xmlns:a16="http://schemas.microsoft.com/office/drawing/2014/main" id="{6501BB28-65DC-4AA1-B922-E5B3E9DD4D5E}"/>
+              </a:ext>
+            </a:extLst>
+          </p:cNvPr>
+          <p:cNvCxnSpPr>
+            <a:cxnSpLocks/>
+          </p:cNvCxnSpPr>
+          <p:nvPr/>
+        </p:nvCxnSpPr>
+        <p:spPr>
+          <a:xfrm flipH="1" flipV="1">
+            <a:off x="4429152" y="1269648"/>
+            <a:ext cx="3" cy="911087"/>
+          </a:xfrm>
+          <a:prstGeom prst="straightConnector1">
+            <a:avLst/>
+          </a:prstGeom>
+          <a:ln w="19050">
+            <a:solidFill>
+              <a:schemeClr val="accent4"/>
+            </a:solidFill>
+            <a:tailEnd type="triangle"/>
+          </a:ln>
+        </p:spPr>
+        <p:style>
+          <a:lnRef idx="1">
+            <a:schemeClr val="accent1"/>
+          </a:lnRef>
+          <a:fillRef idx="0">
+            <a:schemeClr val="accent1"/>
+          </a:fillRef>
+          <a:effectRef idx="0">
+            <a:schemeClr val="accent1"/>
+          </a:effectRef>
+          <a:fontRef idx="minor">
+            <a:schemeClr val="tx1"/>
+          </a:fontRef>
+        </p:style>
+      </p:cxnSp>
+      <p:cxnSp>
+        <p:nvCxnSpPr>
+          <p:cNvPr id="61" name="Gerader Verbinder 60">
+            <a:extLst>
+              <a:ext uri="{FF2B5EF4-FFF2-40B4-BE49-F238E27FC236}">
+                <a16:creationId xmlns:a16="http://schemas.microsoft.com/office/drawing/2014/main" id="{DD860BE4-A8FE-4530-9481-5FBCFC3B0055}"/>
+              </a:ext>
+            </a:extLst>
+          </p:cNvPr>
+          <p:cNvCxnSpPr>
+            <a:cxnSpLocks/>
+            <a:stCxn id="59" idx="1"/>
+          </p:cNvCxnSpPr>
+          <p:nvPr/>
+        </p:nvCxnSpPr>
+        <p:spPr>
+          <a:xfrm rot="16200000" flipV="1">
+            <a:off x="3276574" y="2392019"/>
+            <a:ext cx="1801951" cy="1662384"/>
+          </a:xfrm>
+          <a:prstGeom prst="bentConnector3">
+            <a:avLst>
+              <a:gd name="adj1" fmla="val 8910"/>
+            </a:avLst>
+          </a:prstGeom>
+          <a:ln w="19050">
+            <a:solidFill>
+              <a:srgbClr val="FF0000"/>
+            </a:solidFill>
+            <a:headEnd type="none" w="med" len="med"/>
+            <a:tailEnd type="arrow" w="med" len="med"/>
+          </a:ln>
+        </p:spPr>
+        <p:style>
+          <a:lnRef idx="1">
+            <a:schemeClr val="accent1"/>
+          </a:lnRef>
+          <a:fillRef idx="0">
+            <a:schemeClr val="accent1"/>
+          </a:fillRef>
+          <a:effectRef idx="0">
+            <a:schemeClr val="accent1"/>
+          </a:effectRef>
+          <a:fontRef idx="minor">
+            <a:schemeClr val="tx1"/>
+          </a:fontRef>
+        </p:style>
+      </p:cxnSp>
+      <p:cxnSp>
+        <p:nvCxnSpPr>
+          <p:cNvPr id="82" name="Gerader Verbinder 81">
+            <a:extLst>
+              <a:ext uri="{FF2B5EF4-FFF2-40B4-BE49-F238E27FC236}">
+                <a16:creationId xmlns:a16="http://schemas.microsoft.com/office/drawing/2014/main" id="{81C9513A-5356-491D-A210-86F489EB2343}"/>
+              </a:ext>
+            </a:extLst>
+          </p:cNvPr>
+          <p:cNvCxnSpPr>
+            <a:cxnSpLocks/>
+            <a:endCxn id="92" idx="6"/>
+          </p:cNvCxnSpPr>
+          <p:nvPr/>
+        </p:nvCxnSpPr>
+        <p:spPr>
+          <a:xfrm rot="10800000" flipV="1">
+            <a:off x="8898759" y="5353773"/>
+            <a:ext cx="1192241" cy="521489"/>
+          </a:xfrm>
+          <a:prstGeom prst="bentConnector3">
+            <a:avLst>
+              <a:gd name="adj1" fmla="val 90174"/>
+            </a:avLst>
+          </a:prstGeom>
+          <a:ln w="19050">
+            <a:solidFill>
+              <a:schemeClr val="accent6">
+                <a:lumMod val="75000"/>
+              </a:schemeClr>
+            </a:solidFill>
+            <a:headEnd type="arrow" w="med" len="med"/>
+            <a:tailEnd type="none" w="med" len="med"/>
+          </a:ln>
+        </p:spPr>
+        <p:style>
+          <a:lnRef idx="1">
+            <a:schemeClr val="accent1"/>
+          </a:lnRef>
+          <a:fillRef idx="0">
+            <a:schemeClr val="accent1"/>
+          </a:fillRef>
+          <a:effectRef idx="0">
+            <a:schemeClr val="accent1"/>
+          </a:effectRef>
+          <a:fontRef idx="minor">
+            <a:schemeClr val="tx1"/>
+          </a:fontRef>
+        </p:style>
+      </p:cxnSp>
+      <p:sp>
+        <p:nvSpPr>
+          <p:cNvPr id="92" name="Ellipse 91">
+            <a:extLst>
+              <a:ext uri="{FF2B5EF4-FFF2-40B4-BE49-F238E27FC236}">
+                <a16:creationId xmlns:a16="http://schemas.microsoft.com/office/drawing/2014/main" id="{D26B05CD-4A42-4D96-A99C-4FB4AE333778}"/>
+              </a:ext>
+            </a:extLst>
+          </p:cNvPr>
+          <p:cNvSpPr/>
+          <p:nvPr/>
+        </p:nvSpPr>
+        <p:spPr>
+          <a:xfrm>
+            <a:off x="6660383" y="5353774"/>
+            <a:ext cx="2238375" cy="1042977"/>
+          </a:xfrm>
+          <a:prstGeom prst="ellipse">
+            <a:avLst/>
+          </a:prstGeom>
+          <a:solidFill>
+            <a:schemeClr val="accent6">
+              <a:lumMod val="75000"/>
+            </a:schemeClr>
+          </a:solidFill>
+          <a:ln>
+            <a:solidFill>
+              <a:schemeClr val="accent6">
+                <a:lumMod val="50000"/>
+              </a:schemeClr>
+            </a:solidFill>
+          </a:ln>
+        </p:spPr>
+        <p:style>
+          <a:lnRef idx="2">
+            <a:schemeClr val="accent1">
+              <a:shade val="50000"/>
+            </a:schemeClr>
+          </a:lnRef>
+          <a:fillRef idx="1">
+            <a:schemeClr val="accent1"/>
+          </a:fillRef>
+          <a:effectRef idx="0">
+            <a:schemeClr val="accent1"/>
+          </a:effectRef>
+          <a:fontRef idx="minor">
+            <a:schemeClr val="lt1"/>
+          </a:fontRef>
+        </p:style>
+        <p:txBody>
+          <a:bodyPr rtlCol="0" anchor="ctr"/>
+          <a:lstStyle/>
+          <a:p>
+            <a:pPr algn="ctr"/>
+            <a:r>
+              <a:rPr lang="en-GB"/>
+              <a:t>Prevention System 1</a:t>
+            </a:r>
+          </a:p>
+        </p:txBody>
+      </p:sp>
+      <p:sp>
+        <p:nvSpPr>
+          <p:cNvPr id="109" name="Textfeld 108">
+            <a:extLst>
+              <a:ext uri="{FF2B5EF4-FFF2-40B4-BE49-F238E27FC236}">
+                <a16:creationId xmlns:a16="http://schemas.microsoft.com/office/drawing/2014/main" id="{AEE4FCAE-083A-4869-9FAB-1D9E85AC0178}"/>
+              </a:ext>
+            </a:extLst>
+          </p:cNvPr>
+          <p:cNvSpPr txBox="1"/>
+          <p:nvPr/>
+        </p:nvSpPr>
+        <p:spPr>
+          <a:xfrm>
+            <a:off x="2615025" y="1697104"/>
+            <a:ext cx="806295" cy="646331"/>
+          </a:xfrm>
+          <a:prstGeom prst="rect">
+            <a:avLst/>
+          </a:prstGeom>
+          <a:noFill/>
+        </p:spPr>
+        <p:txBody>
+          <a:bodyPr wrap="square" rtlCol="0">
+            <a:spAutoFit/>
+          </a:bodyPr>
+          <a:lstStyle/>
+          <a:p>
+            <a:r>
+              <a:rPr lang="en-GB" dirty="0"/>
+              <a:t>p</a:t>
+            </a:r>
+            <a:r>
+              <a:rPr lang="en-GB" sz="1100" dirty="0"/>
+              <a:t>a 0</a:t>
+            </a:r>
+            <a:br>
+              <a:rPr lang="en-GB" sz="1100" dirty="0"/>
+            </a:br>
+            <a:r>
+              <a:rPr lang="en-GB" dirty="0" err="1"/>
+              <a:t>d</a:t>
+            </a:r>
+            <a:r>
+              <a:rPr lang="en-GB" sz="1400" dirty="0" err="1"/>
+              <a:t>p</a:t>
+            </a:r>
+            <a:r>
+              <a:rPr lang="en-GB" sz="1100" dirty="0" err="1"/>
+              <a:t>a</a:t>
+            </a:r>
+            <a:r>
+              <a:rPr lang="en-GB" dirty="0"/>
+              <a:t>/dt</a:t>
+            </a:r>
+          </a:p>
+        </p:txBody>
+      </p:sp>
+      <p:sp>
+        <p:nvSpPr>
+          <p:cNvPr id="115" name="Textfeld 114">
+            <a:extLst>
+              <a:ext uri="{FF2B5EF4-FFF2-40B4-BE49-F238E27FC236}">
+                <a16:creationId xmlns:a16="http://schemas.microsoft.com/office/drawing/2014/main" id="{403F6413-E98B-4D0E-AEDA-0D0183BE148D}"/>
+              </a:ext>
+            </a:extLst>
+          </p:cNvPr>
+          <p:cNvSpPr txBox="1"/>
+          <p:nvPr/>
+        </p:nvSpPr>
+        <p:spPr>
+          <a:xfrm>
+            <a:off x="3669325" y="1391909"/>
+            <a:ext cx="867165" cy="646331"/>
+          </a:xfrm>
+          <a:prstGeom prst="rect">
+            <a:avLst/>
+          </a:prstGeom>
+          <a:noFill/>
+        </p:spPr>
+        <p:txBody>
+          <a:bodyPr wrap="square" rtlCol="0">
+            <a:spAutoFit/>
+          </a:bodyPr>
+          <a:lstStyle/>
+          <a:p>
+            <a:r>
+              <a:rPr lang="en-GB" dirty="0" err="1"/>
+              <a:t>p</a:t>
+            </a:r>
+            <a:r>
+              <a:rPr lang="en-GB" sz="1100" dirty="0" err="1"/>
+              <a:t>ah</a:t>
+            </a:r>
+            <a:r>
+              <a:rPr lang="en-GB" sz="1100" dirty="0"/>
+              <a:t> 0</a:t>
+            </a:r>
+            <a:br>
+              <a:rPr lang="en-GB" sz="1100" dirty="0"/>
+            </a:br>
+            <a:r>
+              <a:rPr lang="en-GB" dirty="0" err="1"/>
+              <a:t>d</a:t>
+            </a:r>
+            <a:r>
+              <a:rPr lang="en-GB" sz="1400" dirty="0" err="1"/>
+              <a:t>p</a:t>
+            </a:r>
+            <a:r>
+              <a:rPr lang="en-GB" sz="1200" dirty="0" err="1"/>
+              <a:t>a</a:t>
+            </a:r>
+            <a:r>
+              <a:rPr lang="en-GB" sz="1100" dirty="0" err="1"/>
+              <a:t>h</a:t>
+            </a:r>
+            <a:r>
+              <a:rPr lang="en-GB" sz="1400" dirty="0"/>
+              <a:t>/</a:t>
+            </a:r>
+            <a:r>
+              <a:rPr lang="en-GB" dirty="0"/>
+              <a:t>dt</a:t>
+            </a:r>
+          </a:p>
+        </p:txBody>
+      </p:sp>
+      <p:sp>
+        <p:nvSpPr>
+          <p:cNvPr id="117" name="Textfeld 116">
+            <a:extLst>
+              <a:ext uri="{FF2B5EF4-FFF2-40B4-BE49-F238E27FC236}">
+                <a16:creationId xmlns:a16="http://schemas.microsoft.com/office/drawing/2014/main" id="{DBD721CA-B4A1-4937-A9F4-DF3323D20A8A}"/>
+              </a:ext>
+            </a:extLst>
+          </p:cNvPr>
+          <p:cNvSpPr txBox="1"/>
+          <p:nvPr/>
+        </p:nvSpPr>
+        <p:spPr>
+          <a:xfrm>
+            <a:off x="8556495" y="1715075"/>
+            <a:ext cx="1075451" cy="646331"/>
+          </a:xfrm>
+          <a:prstGeom prst="rect">
+            <a:avLst/>
+          </a:prstGeom>
+          <a:noFill/>
+        </p:spPr>
+        <p:txBody>
+          <a:bodyPr wrap="square" rtlCol="0">
+            <a:spAutoFit/>
+          </a:bodyPr>
+          <a:lstStyle/>
+          <a:p>
+            <a:r>
+              <a:rPr lang="en-GB" err="1"/>
+              <a:t>p</a:t>
+            </a:r>
+            <a:r>
+              <a:rPr lang="en-GB" sz="1100" err="1"/>
+              <a:t>db</a:t>
+            </a:r>
+            <a:r>
+              <a:rPr lang="en-GB" sz="1100"/>
+              <a:t> 0</a:t>
+            </a:r>
+            <a:br>
+              <a:rPr lang="en-GB" sz="1100"/>
+            </a:br>
+            <a:r>
+              <a:rPr lang="en-GB" err="1"/>
+              <a:t>d</a:t>
+            </a:r>
+            <a:r>
+              <a:rPr lang="en-GB" sz="1400" err="1"/>
+              <a:t>p</a:t>
+            </a:r>
+            <a:r>
+              <a:rPr lang="en-GB" sz="1100" err="1"/>
+              <a:t>db</a:t>
+            </a:r>
+            <a:r>
+              <a:rPr lang="en-GB"/>
+              <a:t>/dt</a:t>
+            </a:r>
+          </a:p>
+        </p:txBody>
+      </p:sp>
+      <p:sp>
+        <p:nvSpPr>
+          <p:cNvPr id="125" name="Textfeld 124">
+            <a:extLst>
+              <a:ext uri="{FF2B5EF4-FFF2-40B4-BE49-F238E27FC236}">
+                <a16:creationId xmlns:a16="http://schemas.microsoft.com/office/drawing/2014/main" id="{D99F967A-DFBC-4695-8EFE-B1656EF2BFDA}"/>
+              </a:ext>
+            </a:extLst>
+          </p:cNvPr>
+          <p:cNvSpPr txBox="1"/>
+          <p:nvPr/>
+        </p:nvSpPr>
+        <p:spPr>
+          <a:xfrm>
+            <a:off x="3345133" y="3292804"/>
+            <a:ext cx="1017225" cy="646331"/>
+          </a:xfrm>
+          <a:prstGeom prst="rect">
+            <a:avLst/>
+          </a:prstGeom>
+          <a:noFill/>
+        </p:spPr>
+        <p:txBody>
+          <a:bodyPr wrap="square" rtlCol="0">
+            <a:spAutoFit/>
+          </a:bodyPr>
+          <a:lstStyle/>
+          <a:p>
+            <a:r>
+              <a:rPr lang="en-GB"/>
+              <a:t>p</a:t>
+            </a:r>
+            <a:r>
+              <a:rPr lang="en-GB" sz="1100"/>
+              <a:t>IDS1 0</a:t>
+            </a:r>
+            <a:br>
+              <a:rPr lang="en-GB" sz="1100"/>
+            </a:br>
+            <a:r>
+              <a:rPr lang="en-GB"/>
+              <a:t>d</a:t>
+            </a:r>
+            <a:r>
+              <a:rPr lang="en-GB" sz="1400"/>
+              <a:t>p</a:t>
+            </a:r>
+            <a:r>
+              <a:rPr lang="en-GB" sz="1100"/>
+              <a:t>IDS1</a:t>
+            </a:r>
+            <a:r>
+              <a:rPr lang="en-GB"/>
+              <a:t>/dt</a:t>
+            </a:r>
+          </a:p>
+        </p:txBody>
+      </p:sp>
+      <p:sp>
+        <p:nvSpPr>
+          <p:cNvPr id="127" name="Textfeld 126">
+            <a:extLst>
+              <a:ext uri="{FF2B5EF4-FFF2-40B4-BE49-F238E27FC236}">
+                <a16:creationId xmlns:a16="http://schemas.microsoft.com/office/drawing/2014/main" id="{7D144FC0-B702-4850-AE94-9CA3EA76433C}"/>
+              </a:ext>
+            </a:extLst>
+          </p:cNvPr>
+          <p:cNvSpPr txBox="1"/>
+          <p:nvPr/>
+        </p:nvSpPr>
+        <p:spPr>
+          <a:xfrm>
+            <a:off x="7863930" y="3400660"/>
+            <a:ext cx="1027060" cy="646331"/>
+          </a:xfrm>
+          <a:prstGeom prst="rect">
+            <a:avLst/>
+          </a:prstGeom>
+          <a:noFill/>
+        </p:spPr>
+        <p:txBody>
+          <a:bodyPr wrap="square" rtlCol="0">
+            <a:spAutoFit/>
+          </a:bodyPr>
+          <a:lstStyle/>
+          <a:p>
+            <a:r>
+              <a:rPr lang="en-GB"/>
+              <a:t>p</a:t>
+            </a:r>
+            <a:r>
+              <a:rPr lang="en-GB" sz="1100"/>
+              <a:t>IDS1 0</a:t>
+            </a:r>
+            <a:br>
+              <a:rPr lang="en-GB" sz="1100"/>
+            </a:br>
+            <a:r>
+              <a:rPr lang="en-GB"/>
+              <a:t>d</a:t>
+            </a:r>
+            <a:r>
+              <a:rPr lang="en-GB" sz="1400"/>
+              <a:t>p</a:t>
+            </a:r>
+            <a:r>
+              <a:rPr lang="en-GB" sz="1100"/>
+              <a:t>IDS1</a:t>
+            </a:r>
+            <a:r>
+              <a:rPr lang="en-GB"/>
+              <a:t>/dt</a:t>
+            </a:r>
+          </a:p>
+        </p:txBody>
+      </p:sp>
+      <p:sp>
+        <p:nvSpPr>
+          <p:cNvPr id="129" name="Textfeld 128">
+            <a:extLst>
+              <a:ext uri="{FF2B5EF4-FFF2-40B4-BE49-F238E27FC236}">
+                <a16:creationId xmlns:a16="http://schemas.microsoft.com/office/drawing/2014/main" id="{EA7DA8FB-4689-4517-80F1-C93368AD9298}"/>
+              </a:ext>
+            </a:extLst>
+          </p:cNvPr>
+          <p:cNvSpPr txBox="1"/>
+          <p:nvPr/>
+        </p:nvSpPr>
+        <p:spPr>
+          <a:xfrm>
+            <a:off x="8588337" y="4683729"/>
+            <a:ext cx="1220815" cy="646331"/>
+          </a:xfrm>
+          <a:prstGeom prst="rect">
+            <a:avLst/>
+          </a:prstGeom>
+          <a:noFill/>
+        </p:spPr>
+        <p:txBody>
+          <a:bodyPr wrap="square" rtlCol="0">
+            <a:spAutoFit/>
+          </a:bodyPr>
+          <a:lstStyle/>
+          <a:p>
+            <a:r>
+              <a:rPr lang="en-GB" dirty="0"/>
+              <a:t>p</a:t>
+            </a:r>
+            <a:r>
+              <a:rPr lang="en-GB" sz="1100" dirty="0"/>
+              <a:t>PS1 0</a:t>
+            </a:r>
+            <a:br>
+              <a:rPr lang="en-GB" sz="1100" dirty="0"/>
+            </a:br>
+            <a:r>
+              <a:rPr lang="en-GB" dirty="0"/>
+              <a:t>d</a:t>
+            </a:r>
+            <a:r>
+              <a:rPr lang="en-GB" sz="1400" dirty="0"/>
+              <a:t>p</a:t>
+            </a:r>
+            <a:r>
+              <a:rPr lang="en-GB" sz="1100" dirty="0"/>
+              <a:t>PS1</a:t>
+            </a:r>
+            <a:r>
+              <a:rPr lang="en-GB" dirty="0"/>
+              <a:t>/dt</a:t>
+            </a:r>
+          </a:p>
+        </p:txBody>
+      </p:sp>
+      <p:cxnSp>
+        <p:nvCxnSpPr>
+          <p:cNvPr id="3" name="Straight Arrow Connector 2">
+            <a:extLst>
+              <a:ext uri="{FF2B5EF4-FFF2-40B4-BE49-F238E27FC236}">
+                <a16:creationId xmlns:a16="http://schemas.microsoft.com/office/drawing/2014/main" id="{8557AB4A-086D-484E-B3F2-8F0E17C28731}"/>
+              </a:ext>
+            </a:extLst>
+          </p:cNvPr>
+          <p:cNvCxnSpPr/>
+          <p:nvPr/>
+        </p:nvCxnSpPr>
+        <p:spPr>
+          <a:xfrm flipH="1">
+            <a:off x="2607464" y="3036896"/>
+            <a:ext cx="925116" cy="0"/>
+          </a:xfrm>
+          <a:prstGeom prst="straightConnector1">
+            <a:avLst/>
+          </a:prstGeom>
+          <a:ln w="19050">
+            <a:prstDash val="dash"/>
+            <a:tailEnd type="triangle"/>
+          </a:ln>
+        </p:spPr>
+        <p:style>
+          <a:lnRef idx="1">
+            <a:schemeClr val="accent1"/>
+          </a:lnRef>
+          <a:fillRef idx="0">
+            <a:schemeClr val="accent1"/>
+          </a:fillRef>
+          <a:effectRef idx="0">
+            <a:schemeClr val="accent1"/>
+          </a:effectRef>
+          <a:fontRef idx="minor">
+            <a:schemeClr val="tx1"/>
+          </a:fontRef>
+        </p:style>
+      </p:cxnSp>
+      <p:sp>
+        <p:nvSpPr>
+          <p:cNvPr id="4" name="Textfeld 108">
+            <a:extLst>
+              <a:ext uri="{FF2B5EF4-FFF2-40B4-BE49-F238E27FC236}">
+                <a16:creationId xmlns:a16="http://schemas.microsoft.com/office/drawing/2014/main" id="{DD7717BC-3477-4C3D-8CEC-FCC8E96B1BE0}"/>
+              </a:ext>
+            </a:extLst>
+          </p:cNvPr>
+          <p:cNvSpPr txBox="1"/>
+          <p:nvPr/>
+        </p:nvSpPr>
+        <p:spPr>
+          <a:xfrm>
+            <a:off x="2637023" y="2575231"/>
+            <a:ext cx="806295" cy="461665"/>
+          </a:xfrm>
+          <a:prstGeom prst="rect">
+            <a:avLst/>
+          </a:prstGeom>
+          <a:noFill/>
+        </p:spPr>
+        <p:txBody>
+          <a:bodyPr wrap="square" rtlCol="0">
+            <a:spAutoFit/>
+          </a:bodyPr>
+          <a:lstStyle/>
+          <a:p>
+            <a:r>
+              <a:rPr lang="en-GB" sz="1400"/>
+              <a:t>Restart</a:t>
+            </a:r>
+            <a:endParaRPr lang="en-GB" sz="1000"/>
+          </a:p>
+          <a:p>
+            <a:r>
+              <a:rPr lang="en-GB" sz="1000"/>
+              <a:t>Authorizer</a:t>
+            </a:r>
+            <a:endParaRPr lang="en-GB" sz="1400"/>
+          </a:p>
+        </p:txBody>
+      </p:sp>
+      <p:sp>
+        <p:nvSpPr>
+          <p:cNvPr id="6" name="Textfeld 108">
+            <a:extLst>
+              <a:ext uri="{FF2B5EF4-FFF2-40B4-BE49-F238E27FC236}">
+                <a16:creationId xmlns:a16="http://schemas.microsoft.com/office/drawing/2014/main" id="{E57F7460-6C57-4B65-A73B-757155B330D7}"/>
+              </a:ext>
+            </a:extLst>
+          </p:cNvPr>
+          <p:cNvSpPr txBox="1"/>
+          <p:nvPr/>
+        </p:nvSpPr>
+        <p:spPr>
+          <a:xfrm>
+            <a:off x="5573602" y="1726053"/>
+            <a:ext cx="806295" cy="646331"/>
+          </a:xfrm>
+          <a:prstGeom prst="rect">
+            <a:avLst/>
+          </a:prstGeom>
+          <a:noFill/>
+        </p:spPr>
+        <p:txBody>
+          <a:bodyPr wrap="square" rtlCol="0">
+            <a:spAutoFit/>
+          </a:bodyPr>
+          <a:lstStyle/>
+          <a:p>
+            <a:r>
+              <a:rPr lang="en-GB" dirty="0"/>
+              <a:t>p</a:t>
+            </a:r>
+            <a:r>
+              <a:rPr lang="en-GB" sz="1100" dirty="0"/>
+              <a:t>p 0</a:t>
+            </a:r>
+            <a:br>
+              <a:rPr lang="en-GB" sz="1100" dirty="0"/>
+            </a:br>
+            <a:r>
+              <a:rPr lang="en-GB" dirty="0" err="1"/>
+              <a:t>d</a:t>
+            </a:r>
+            <a:r>
+              <a:rPr lang="en-GB" sz="1400" dirty="0" err="1"/>
+              <a:t>p</a:t>
+            </a:r>
+            <a:r>
+              <a:rPr lang="en-GB" sz="1100" dirty="0" err="1"/>
+              <a:t>p</a:t>
+            </a:r>
+            <a:r>
+              <a:rPr lang="en-GB" dirty="0"/>
+              <a:t>/dt</a:t>
+            </a:r>
+          </a:p>
+        </p:txBody>
+      </p:sp>
+      <p:cxnSp>
+        <p:nvCxnSpPr>
+          <p:cNvPr id="48" name="Straight Arrow Connector 47">
+            <a:extLst>
+              <a:ext uri="{FF2B5EF4-FFF2-40B4-BE49-F238E27FC236}">
+                <a16:creationId xmlns:a16="http://schemas.microsoft.com/office/drawing/2014/main" id="{88DDE6EA-82A1-4DE9-9B08-4610FF692F34}"/>
+              </a:ext>
+            </a:extLst>
+          </p:cNvPr>
+          <p:cNvCxnSpPr/>
+          <p:nvPr/>
+        </p:nvCxnSpPr>
+        <p:spPr>
+          <a:xfrm flipH="1">
+            <a:off x="5556966" y="3036896"/>
+            <a:ext cx="925116" cy="0"/>
+          </a:xfrm>
+          <a:prstGeom prst="straightConnector1">
+            <a:avLst/>
+          </a:prstGeom>
+          <a:ln w="19050">
+            <a:prstDash val="dash"/>
+            <a:tailEnd type="triangle"/>
+          </a:ln>
+        </p:spPr>
+        <p:style>
+          <a:lnRef idx="1">
+            <a:schemeClr val="accent1"/>
+          </a:lnRef>
+          <a:fillRef idx="0">
+            <a:schemeClr val="accent1"/>
+          </a:fillRef>
+          <a:effectRef idx="0">
+            <a:schemeClr val="accent1"/>
+          </a:effectRef>
+          <a:fontRef idx="minor">
+            <a:schemeClr val="tx1"/>
+          </a:fontRef>
+        </p:style>
+      </p:cxnSp>
+      <p:cxnSp>
+        <p:nvCxnSpPr>
+          <p:cNvPr id="62" name="Straight Arrow Connector 61">
+            <a:extLst>
+              <a:ext uri="{FF2B5EF4-FFF2-40B4-BE49-F238E27FC236}">
+                <a16:creationId xmlns:a16="http://schemas.microsoft.com/office/drawing/2014/main" id="{D7843F42-E0B2-44BA-A261-1B1657424439}"/>
+              </a:ext>
+            </a:extLst>
+          </p:cNvPr>
+          <p:cNvCxnSpPr>
+            <a:cxnSpLocks/>
+            <a:stCxn id="59" idx="2"/>
+            <a:endCxn id="15" idx="2"/>
+          </p:cNvCxnSpPr>
+          <p:nvPr/>
+        </p:nvCxnSpPr>
+        <p:spPr>
+          <a:xfrm rot="10800000">
+            <a:off x="1593057" y="3223721"/>
+            <a:ext cx="3087883" cy="1269214"/>
+          </a:xfrm>
+          <a:prstGeom prst="bentConnector2">
+            <a:avLst/>
+          </a:prstGeom>
+          <a:ln w="19050">
+            <a:solidFill>
+              <a:srgbClr val="FF0000"/>
+            </a:solidFill>
+            <a:prstDash val="dash"/>
+            <a:tailEnd type="triangle"/>
+          </a:ln>
+        </p:spPr>
+        <p:style>
+          <a:lnRef idx="1">
+            <a:schemeClr val="accent1"/>
+          </a:lnRef>
+          <a:fillRef idx="0">
+            <a:schemeClr val="accent1"/>
+          </a:fillRef>
+          <a:effectRef idx="0">
+            <a:schemeClr val="accent1"/>
+          </a:effectRef>
+          <a:fontRef idx="minor">
+            <a:schemeClr val="tx1"/>
+          </a:fontRef>
+        </p:style>
+      </p:cxnSp>
+      <p:sp>
+        <p:nvSpPr>
+          <p:cNvPr id="26" name="Textfeld 108">
+            <a:extLst>
+              <a:ext uri="{FF2B5EF4-FFF2-40B4-BE49-F238E27FC236}">
+                <a16:creationId xmlns:a16="http://schemas.microsoft.com/office/drawing/2014/main" id="{C1495459-B908-4DC7-AC34-5806BA12510D}"/>
+              </a:ext>
+            </a:extLst>
+          </p:cNvPr>
+          <p:cNvSpPr txBox="1"/>
+          <p:nvPr/>
+        </p:nvSpPr>
+        <p:spPr>
+          <a:xfrm>
+            <a:off x="1855557" y="4182074"/>
+            <a:ext cx="1296684" cy="307777"/>
+          </a:xfrm>
+          <a:prstGeom prst="rect">
+            <a:avLst/>
+          </a:prstGeom>
+          <a:noFill/>
+        </p:spPr>
+        <p:txBody>
+          <a:bodyPr wrap="square" rtlCol="0">
+            <a:spAutoFit/>
+          </a:bodyPr>
+          <a:lstStyle/>
+          <a:p>
+            <a:r>
+              <a:rPr lang="en-GB" sz="1400"/>
+              <a:t>Catch Attacker</a:t>
+            </a:r>
+          </a:p>
+        </p:txBody>
+      </p:sp>
+      <p:sp>
+        <p:nvSpPr>
+          <p:cNvPr id="27" name="Textfeld 108">
+            <a:extLst>
+              <a:ext uri="{FF2B5EF4-FFF2-40B4-BE49-F238E27FC236}">
+                <a16:creationId xmlns:a16="http://schemas.microsoft.com/office/drawing/2014/main" id="{9F63BB38-7747-4B24-9790-8A1D5AD54178}"/>
+              </a:ext>
+            </a:extLst>
+          </p:cNvPr>
+          <p:cNvSpPr txBox="1"/>
+          <p:nvPr/>
+        </p:nvSpPr>
+        <p:spPr>
+          <a:xfrm>
+            <a:off x="5618931" y="2572233"/>
+            <a:ext cx="806295" cy="461665"/>
+          </a:xfrm>
+          <a:prstGeom prst="rect">
+            <a:avLst/>
+          </a:prstGeom>
+          <a:noFill/>
+        </p:spPr>
+        <p:txBody>
+          <a:bodyPr wrap="square" rtlCol="0">
+            <a:spAutoFit/>
+          </a:bodyPr>
+          <a:lstStyle/>
+          <a:p>
+            <a:r>
+              <a:rPr lang="en-GB" sz="1400"/>
+              <a:t>Restart</a:t>
+            </a:r>
+            <a:endParaRPr lang="en-GB" sz="1000"/>
+          </a:p>
+          <a:p>
+            <a:r>
+              <a:rPr lang="en-GB" sz="1000"/>
+              <a:t>Planner</a:t>
+            </a:r>
+            <a:endParaRPr lang="en-GB" sz="1400"/>
+          </a:p>
+        </p:txBody>
+      </p:sp>
+      <p:sp>
+        <p:nvSpPr>
+          <p:cNvPr id="29" name="Textfeld 108">
+            <a:extLst>
+              <a:ext uri="{FF2B5EF4-FFF2-40B4-BE49-F238E27FC236}">
+                <a16:creationId xmlns:a16="http://schemas.microsoft.com/office/drawing/2014/main" id="{399C33C2-8BE5-4D09-9FA4-E16955011FC6}"/>
+              </a:ext>
+            </a:extLst>
+          </p:cNvPr>
+          <p:cNvSpPr txBox="1"/>
+          <p:nvPr/>
+        </p:nvSpPr>
+        <p:spPr>
+          <a:xfrm>
+            <a:off x="8575129" y="2581909"/>
+            <a:ext cx="806295" cy="461665"/>
+          </a:xfrm>
+          <a:prstGeom prst="rect">
+            <a:avLst/>
+          </a:prstGeom>
+          <a:noFill/>
+        </p:spPr>
+        <p:txBody>
+          <a:bodyPr wrap="square" rtlCol="0">
+            <a:spAutoFit/>
+          </a:bodyPr>
+          <a:lstStyle/>
+          <a:p>
+            <a:r>
+              <a:rPr lang="en-GB" sz="1400"/>
+              <a:t>Restart</a:t>
+            </a:r>
+            <a:endParaRPr lang="en-GB" sz="1000"/>
+          </a:p>
+          <a:p>
+            <a:r>
+              <a:rPr lang="en-GB" sz="1000"/>
+              <a:t>DB</a:t>
+            </a:r>
+            <a:endParaRPr lang="en-GB" sz="1400"/>
+          </a:p>
+        </p:txBody>
+      </p:sp>
+      <p:cxnSp>
+        <p:nvCxnSpPr>
+          <p:cNvPr id="70" name="Straight Arrow Connector 69">
+            <a:extLst>
+              <a:ext uri="{FF2B5EF4-FFF2-40B4-BE49-F238E27FC236}">
+                <a16:creationId xmlns:a16="http://schemas.microsoft.com/office/drawing/2014/main" id="{0D5C2229-0A15-4190-928A-DA9CD6E1856D}"/>
+              </a:ext>
+            </a:extLst>
+          </p:cNvPr>
+          <p:cNvCxnSpPr/>
+          <p:nvPr/>
+        </p:nvCxnSpPr>
+        <p:spPr>
+          <a:xfrm flipH="1">
+            <a:off x="8510907" y="3064378"/>
+            <a:ext cx="925116" cy="0"/>
+          </a:xfrm>
+          <a:prstGeom prst="straightConnector1">
+            <a:avLst/>
+          </a:prstGeom>
+          <a:ln w="19050">
+            <a:prstDash val="dash"/>
+            <a:tailEnd type="triangle"/>
+          </a:ln>
+        </p:spPr>
+        <p:style>
+          <a:lnRef idx="1">
+            <a:schemeClr val="accent1"/>
+          </a:lnRef>
+          <a:fillRef idx="0">
+            <a:schemeClr val="accent1"/>
+          </a:fillRef>
+          <a:effectRef idx="0">
+            <a:schemeClr val="accent1"/>
+          </a:effectRef>
+          <a:fontRef idx="minor">
+            <a:schemeClr val="tx1"/>
+          </a:fontRef>
+        </p:style>
+      </p:cxnSp>
+      <p:sp>
+        <p:nvSpPr>
+          <p:cNvPr id="30" name="Rechteck 14">
+            <a:extLst>
+              <a:ext uri="{FF2B5EF4-FFF2-40B4-BE49-F238E27FC236}">
+                <a16:creationId xmlns:a16="http://schemas.microsoft.com/office/drawing/2014/main" id="{551E137A-CF93-44AE-8EC1-8F192A50FF83}"/>
+              </a:ext>
+            </a:extLst>
+          </p:cNvPr>
+          <p:cNvSpPr/>
+          <p:nvPr/>
+        </p:nvSpPr>
+        <p:spPr>
+          <a:xfrm>
+            <a:off x="9619819" y="5618869"/>
+            <a:ext cx="2028825" cy="1042987"/>
+          </a:xfrm>
+          <a:prstGeom prst="rect">
+            <a:avLst/>
+          </a:prstGeom>
+          <a:solidFill>
+            <a:schemeClr val="bg1">
+              <a:lumMod val="65000"/>
+            </a:schemeClr>
+          </a:solidFill>
+          <a:ln>
+            <a:solidFill>
+              <a:schemeClr val="bg1">
+                <a:lumMod val="50000"/>
+              </a:schemeClr>
+            </a:solidFill>
+          </a:ln>
+        </p:spPr>
+        <p:style>
+          <a:lnRef idx="2">
+            <a:schemeClr val="accent1">
+              <a:shade val="50000"/>
+            </a:schemeClr>
+          </a:lnRef>
+          <a:fillRef idx="1">
+            <a:schemeClr val="accent1"/>
+          </a:fillRef>
+          <a:effectRef idx="0">
+            <a:schemeClr val="accent1"/>
+          </a:effectRef>
+          <a:fontRef idx="minor">
+            <a:schemeClr val="lt1"/>
+          </a:fontRef>
+        </p:style>
+        <p:txBody>
+          <a:bodyPr rtlCol="0" anchor="ctr"/>
+          <a:lstStyle/>
+          <a:p>
+            <a:pPr algn="ctr"/>
+            <a:r>
+              <a:rPr lang="en-GB">
+                <a:solidFill>
+                  <a:schemeClr val="bg1"/>
+                </a:solidFill>
+              </a:rPr>
+              <a:t>Extract Data</a:t>
+            </a:r>
+          </a:p>
+        </p:txBody>
+      </p:sp>
+      <p:sp>
+        <p:nvSpPr>
+          <p:cNvPr id="31" name="Textfeld 108">
+            <a:extLst>
+              <a:ext uri="{FF2B5EF4-FFF2-40B4-BE49-F238E27FC236}">
+                <a16:creationId xmlns:a16="http://schemas.microsoft.com/office/drawing/2014/main" id="{80FD64CF-6A2D-424F-A1AE-6CEB6F6C8FE0}"/>
+              </a:ext>
+            </a:extLst>
+          </p:cNvPr>
+          <p:cNvSpPr txBox="1"/>
+          <p:nvPr/>
+        </p:nvSpPr>
+        <p:spPr>
+          <a:xfrm>
+            <a:off x="10165050" y="4789271"/>
+            <a:ext cx="1940935" cy="707886"/>
+          </a:xfrm>
+          <a:prstGeom prst="rect">
+            <a:avLst/>
+          </a:prstGeom>
+          <a:noFill/>
+          <a:ln w="12700">
+            <a:solidFill>
+              <a:schemeClr val="tx1"/>
+            </a:solidFill>
+          </a:ln>
+        </p:spPr>
+        <p:txBody>
+          <a:bodyPr wrap="square" rtlCol="0">
+            <a:spAutoFit/>
+          </a:bodyPr>
+          <a:lstStyle/>
+          <a:p>
+            <a:r>
+              <a:rPr lang="en-GB" sz="1400" dirty="0"/>
+              <a:t>Extract Data</a:t>
+            </a:r>
+            <a:br>
+              <a:rPr lang="en-GB" sz="1400" dirty="0"/>
+            </a:br>
+            <a:r>
+              <a:rPr lang="en-GB" sz="1100" dirty="0"/>
+              <a:t>p = 100% unless PS detects it</a:t>
+            </a:r>
+            <a:br>
+              <a:rPr lang="en-GB" sz="1400" dirty="0"/>
+            </a:br>
+            <a:r>
+              <a:rPr lang="en-GB" sz="1400" b="1" dirty="0"/>
+              <a:t>-&gt;</a:t>
+            </a:r>
+            <a:r>
+              <a:rPr lang="en-GB" sz="1400" dirty="0"/>
+              <a:t> </a:t>
+            </a:r>
+            <a:r>
+              <a:rPr lang="en-GB" sz="1400" b="1" dirty="0"/>
+              <a:t>Attacker wins</a:t>
+            </a:r>
+          </a:p>
+        </p:txBody>
+      </p:sp>
+      <p:cxnSp>
+        <p:nvCxnSpPr>
+          <p:cNvPr id="75" name="Straight Arrow Connector 74">
+            <a:extLst>
+              <a:ext uri="{FF2B5EF4-FFF2-40B4-BE49-F238E27FC236}">
+                <a16:creationId xmlns:a16="http://schemas.microsoft.com/office/drawing/2014/main" id="{F32DCC88-8773-48C6-9123-00BA3CA008FB}"/>
+              </a:ext>
+            </a:extLst>
+          </p:cNvPr>
+          <p:cNvCxnSpPr>
+            <a:cxnSpLocks/>
+          </p:cNvCxnSpPr>
+          <p:nvPr/>
+        </p:nvCxnSpPr>
+        <p:spPr>
+          <a:xfrm flipH="1">
+            <a:off x="10090999" y="4660016"/>
+            <a:ext cx="1" cy="966397"/>
+          </a:xfrm>
+          <a:prstGeom prst="straightConnector1">
+            <a:avLst/>
+          </a:prstGeom>
+          <a:ln w="19050">
+            <a:tailEnd type="triangle"/>
+          </a:ln>
+        </p:spPr>
+        <p:style>
+          <a:lnRef idx="1">
+            <a:schemeClr val="accent1"/>
+          </a:lnRef>
+          <a:fillRef idx="0">
+            <a:schemeClr val="accent1"/>
+          </a:fillRef>
+          <a:effectRef idx="0">
+            <a:schemeClr val="accent1"/>
+          </a:effectRef>
+          <a:fontRef idx="minor">
+            <a:schemeClr val="tx1"/>
+          </a:fontRef>
+        </p:style>
+      </p:cxnSp>
+      <p:sp>
+        <p:nvSpPr>
+          <p:cNvPr id="101" name="Textfeld 108">
+            <a:extLst>
+              <a:ext uri="{FF2B5EF4-FFF2-40B4-BE49-F238E27FC236}">
+                <a16:creationId xmlns:a16="http://schemas.microsoft.com/office/drawing/2014/main" id="{248FEF9D-1BF3-4060-9E18-3DD2F08E8D45}"/>
+              </a:ext>
+            </a:extLst>
+          </p:cNvPr>
+          <p:cNvSpPr txBox="1"/>
+          <p:nvPr/>
+        </p:nvSpPr>
+        <p:spPr>
+          <a:xfrm>
+            <a:off x="10454873" y="226661"/>
+            <a:ext cx="1575066" cy="738664"/>
+          </a:xfrm>
+          <a:prstGeom prst="rect">
+            <a:avLst/>
+          </a:prstGeom>
+          <a:noFill/>
+          <a:ln w="12700">
+            <a:solidFill>
+              <a:schemeClr val="tx1"/>
+            </a:solidFill>
+          </a:ln>
+        </p:spPr>
+        <p:txBody>
+          <a:bodyPr wrap="square" rtlCol="0">
+            <a:spAutoFit/>
+          </a:bodyPr>
+          <a:lstStyle/>
+          <a:p>
+            <a:r>
+              <a:rPr lang="en-GB" sz="1400"/>
+              <a:t>x time steps without extraction</a:t>
+            </a:r>
+            <a:br>
+              <a:rPr lang="en-GB" sz="1400"/>
+            </a:br>
+            <a:r>
+              <a:rPr lang="en-GB" sz="1400" b="1"/>
+              <a:t>-&gt; MTD wins</a:t>
+            </a:r>
+          </a:p>
+        </p:txBody>
+      </p:sp>
+      <p:sp>
+        <p:nvSpPr>
+          <p:cNvPr id="122" name="Arrow: Curved Left 121">
+            <a:extLst>
+              <a:ext uri="{FF2B5EF4-FFF2-40B4-BE49-F238E27FC236}">
+                <a16:creationId xmlns:a16="http://schemas.microsoft.com/office/drawing/2014/main" id="{635D48B9-5D8F-47A5-AAF3-B9F5CEDA8165}"/>
+              </a:ext>
+            </a:extLst>
+          </p:cNvPr>
+          <p:cNvSpPr/>
+          <p:nvPr/>
+        </p:nvSpPr>
+        <p:spPr>
+          <a:xfrm rot="10800000">
+            <a:off x="3204166" y="469992"/>
+            <a:ext cx="328414" cy="556327"/>
+          </a:xfrm>
+          <a:prstGeom prst="curvedLeftArrow">
+            <a:avLst/>
+          </a:prstGeom>
+          <a:solidFill>
+            <a:schemeClr val="accent4"/>
+          </a:solidFill>
+          <a:ln>
+            <a:solidFill>
+              <a:schemeClr val="accent2"/>
+            </a:solidFill>
+          </a:ln>
+        </p:spPr>
+        <p:style>
+          <a:lnRef idx="2">
+            <a:schemeClr val="accent1">
+              <a:shade val="50000"/>
+            </a:schemeClr>
+          </a:lnRef>
+          <a:fillRef idx="1">
+            <a:schemeClr val="accent1"/>
+          </a:fillRef>
+          <a:effectRef idx="0">
+            <a:schemeClr val="accent1"/>
+          </a:effectRef>
+          <a:fontRef idx="minor">
+            <a:schemeClr val="lt1"/>
+          </a:fontRef>
+        </p:style>
+        <p:txBody>
+          <a:bodyPr rtlCol="0" anchor="ctr"/>
+          <a:lstStyle/>
+          <a:p>
+            <a:pPr algn="ctr"/>
+            <a:endParaRPr lang="en-GB">
+              <a:solidFill>
+                <a:schemeClr val="tx1"/>
+              </a:solidFill>
+            </a:endParaRPr>
+          </a:p>
+        </p:txBody>
+      </p:sp>
+      <p:sp>
+        <p:nvSpPr>
+          <p:cNvPr id="124" name="Textfeld 124">
+            <a:extLst>
+              <a:ext uri="{FF2B5EF4-FFF2-40B4-BE49-F238E27FC236}">
+                <a16:creationId xmlns:a16="http://schemas.microsoft.com/office/drawing/2014/main" id="{B1A55122-A358-40AE-9997-493E7FA8E47B}"/>
+              </a:ext>
+            </a:extLst>
+          </p:cNvPr>
+          <p:cNvSpPr txBox="1"/>
+          <p:nvPr/>
+        </p:nvSpPr>
+        <p:spPr>
+          <a:xfrm>
+            <a:off x="2307685" y="555019"/>
+            <a:ext cx="1017225" cy="369332"/>
+          </a:xfrm>
+          <a:prstGeom prst="rect">
+            <a:avLst/>
+          </a:prstGeom>
+          <a:noFill/>
+        </p:spPr>
+        <p:txBody>
+          <a:bodyPr wrap="square" rtlCol="0">
+            <a:spAutoFit/>
+          </a:bodyPr>
+          <a:lstStyle/>
+          <a:p>
+            <a:r>
+              <a:rPr lang="en-GB" dirty="0" err="1"/>
+              <a:t>d</a:t>
+            </a:r>
+            <a:r>
+              <a:rPr lang="en-GB" sz="1400" dirty="0" err="1"/>
+              <a:t>p</a:t>
+            </a:r>
+            <a:r>
+              <a:rPr lang="en-GB" sz="1100" dirty="0" err="1"/>
+              <a:t>IDS</a:t>
+            </a:r>
+            <a:r>
+              <a:rPr lang="en-GB" dirty="0"/>
+              <a:t>/dt</a:t>
+            </a:r>
+          </a:p>
+        </p:txBody>
+      </p:sp>
+      <p:cxnSp>
+        <p:nvCxnSpPr>
+          <p:cNvPr id="135" name="Straight Arrow Connector 61">
+            <a:extLst>
+              <a:ext uri="{FF2B5EF4-FFF2-40B4-BE49-F238E27FC236}">
+                <a16:creationId xmlns:a16="http://schemas.microsoft.com/office/drawing/2014/main" id="{4625B27E-97F9-4385-9FFC-1DA457AB7E04}"/>
+              </a:ext>
+            </a:extLst>
+          </p:cNvPr>
+          <p:cNvCxnSpPr>
+            <a:cxnSpLocks/>
+          </p:cNvCxnSpPr>
+          <p:nvPr/>
+        </p:nvCxnSpPr>
+        <p:spPr>
+          <a:xfrm rot="10800000">
+            <a:off x="1412244" y="3229410"/>
+            <a:ext cx="5245239" cy="2657533"/>
+          </a:xfrm>
+          <a:prstGeom prst="bentConnector3">
+            <a:avLst>
+              <a:gd name="adj1" fmla="val 99974"/>
+            </a:avLst>
+          </a:prstGeom>
+          <a:ln w="19050">
+            <a:solidFill>
+              <a:schemeClr val="accent6">
+                <a:lumMod val="75000"/>
+              </a:schemeClr>
+            </a:solidFill>
+            <a:prstDash val="dash"/>
+            <a:tailEnd type="triangle"/>
+          </a:ln>
+        </p:spPr>
+        <p:style>
+          <a:lnRef idx="1">
+            <a:schemeClr val="accent1"/>
+          </a:lnRef>
+          <a:fillRef idx="0">
+            <a:schemeClr val="accent1"/>
+          </a:fillRef>
+          <a:effectRef idx="0">
+            <a:schemeClr val="accent1"/>
+          </a:effectRef>
+          <a:fontRef idx="minor">
+            <a:schemeClr val="tx1"/>
+          </a:fontRef>
+        </p:style>
+      </p:cxnSp>
+      <p:sp>
+        <p:nvSpPr>
+          <p:cNvPr id="136" name="Textfeld 108">
+            <a:extLst>
+              <a:ext uri="{FF2B5EF4-FFF2-40B4-BE49-F238E27FC236}">
+                <a16:creationId xmlns:a16="http://schemas.microsoft.com/office/drawing/2014/main" id="{AB2BF8EF-D967-41A2-B425-3C2D5322F9F8}"/>
+              </a:ext>
+            </a:extLst>
+          </p:cNvPr>
+          <p:cNvSpPr txBox="1"/>
+          <p:nvPr/>
+        </p:nvSpPr>
+        <p:spPr>
+          <a:xfrm>
+            <a:off x="1593055" y="5561803"/>
+            <a:ext cx="1296684" cy="307777"/>
+          </a:xfrm>
+          <a:prstGeom prst="rect">
+            <a:avLst/>
+          </a:prstGeom>
+          <a:noFill/>
+        </p:spPr>
+        <p:txBody>
+          <a:bodyPr wrap="square" rtlCol="0">
+            <a:spAutoFit/>
+          </a:bodyPr>
+          <a:lstStyle/>
+          <a:p>
+            <a:r>
+              <a:rPr lang="en-GB" sz="1400"/>
+              <a:t>Catch Attacker</a:t>
+            </a:r>
+          </a:p>
+        </p:txBody>
+      </p:sp>
+      <p:cxnSp>
+        <p:nvCxnSpPr>
+          <p:cNvPr id="58" name="Gerader Verbinder 60">
+            <a:extLst>
+              <a:ext uri="{FF2B5EF4-FFF2-40B4-BE49-F238E27FC236}">
+                <a16:creationId xmlns:a16="http://schemas.microsoft.com/office/drawing/2014/main" id="{426C1DBB-E682-47B8-8BF4-5AF302628E29}"/>
+              </a:ext>
+            </a:extLst>
+          </p:cNvPr>
+          <p:cNvCxnSpPr>
+            <a:cxnSpLocks/>
+          </p:cNvCxnSpPr>
+          <p:nvPr/>
+        </p:nvCxnSpPr>
+        <p:spPr>
+          <a:xfrm rot="5400000" flipH="1" flipV="1">
+            <a:off x="7264911" y="2354554"/>
+            <a:ext cx="2010129" cy="1987895"/>
+          </a:xfrm>
+          <a:prstGeom prst="bentConnector3">
+            <a:avLst>
+              <a:gd name="adj1" fmla="val 14574"/>
+            </a:avLst>
+          </a:prstGeom>
+          <a:ln w="19050">
+            <a:solidFill>
+              <a:srgbClr val="FF0000"/>
+            </a:solidFill>
+            <a:headEnd type="none" w="med" len="med"/>
+            <a:tailEnd type="arrow" w="med" len="med"/>
+          </a:ln>
+        </p:spPr>
+        <p:style>
+          <a:lnRef idx="1">
+            <a:schemeClr val="accent1"/>
+          </a:lnRef>
+          <a:fillRef idx="0">
+            <a:schemeClr val="accent1"/>
+          </a:fillRef>
+          <a:effectRef idx="0">
+            <a:schemeClr val="accent1"/>
+          </a:effectRef>
+          <a:fontRef idx="minor">
+            <a:schemeClr val="tx1"/>
+          </a:fontRef>
+        </p:style>
+      </p:cxnSp>
+      <p:cxnSp>
+        <p:nvCxnSpPr>
+          <p:cNvPr id="69" name="Gerader Verbinder 60">
+            <a:extLst>
+              <a:ext uri="{FF2B5EF4-FFF2-40B4-BE49-F238E27FC236}">
+                <a16:creationId xmlns:a16="http://schemas.microsoft.com/office/drawing/2014/main" id="{3F5FB109-462E-4B7C-9AE9-492F4A788A0F}"/>
+              </a:ext>
+            </a:extLst>
+          </p:cNvPr>
+          <p:cNvCxnSpPr>
+            <a:cxnSpLocks/>
+          </p:cNvCxnSpPr>
+          <p:nvPr/>
+        </p:nvCxnSpPr>
+        <p:spPr>
+          <a:xfrm flipV="1">
+            <a:off x="6326632" y="2320036"/>
+            <a:ext cx="0" cy="1645722"/>
+          </a:xfrm>
+          <a:prstGeom prst="straightConnector1">
+            <a:avLst/>
+          </a:prstGeom>
+          <a:ln w="19050">
+            <a:solidFill>
+              <a:srgbClr val="FF0000"/>
+            </a:solidFill>
+            <a:headEnd type="none" w="med" len="med"/>
+            <a:tailEnd type="arrow" w="med" len="med"/>
+          </a:ln>
+        </p:spPr>
+        <p:style>
+          <a:lnRef idx="1">
+            <a:schemeClr val="accent1"/>
+          </a:lnRef>
+          <a:fillRef idx="0">
+            <a:schemeClr val="accent1"/>
+          </a:fillRef>
+          <a:effectRef idx="0">
+            <a:schemeClr val="accent1"/>
+          </a:effectRef>
+          <a:fontRef idx="minor">
+            <a:schemeClr val="tx1"/>
+          </a:fontRef>
+        </p:style>
+      </p:cxnSp>
+      <p:sp>
+        <p:nvSpPr>
+          <p:cNvPr id="71" name="Textfeld 124">
+            <a:extLst>
+              <a:ext uri="{FF2B5EF4-FFF2-40B4-BE49-F238E27FC236}">
+                <a16:creationId xmlns:a16="http://schemas.microsoft.com/office/drawing/2014/main" id="{8A6A626B-EFDA-4161-9049-A488689E57F1}"/>
+              </a:ext>
+            </a:extLst>
+          </p:cNvPr>
+          <p:cNvSpPr txBox="1"/>
+          <p:nvPr/>
+        </p:nvSpPr>
+        <p:spPr>
+          <a:xfrm>
+            <a:off x="5423430" y="3282902"/>
+            <a:ext cx="1017225" cy="646331"/>
+          </a:xfrm>
+          <a:prstGeom prst="rect">
+            <a:avLst/>
+          </a:prstGeom>
+          <a:noFill/>
+        </p:spPr>
+        <p:txBody>
+          <a:bodyPr wrap="square" rtlCol="0">
+            <a:spAutoFit/>
+          </a:bodyPr>
+          <a:lstStyle/>
+          <a:p>
+            <a:r>
+              <a:rPr lang="en-GB"/>
+              <a:t>p</a:t>
+            </a:r>
+            <a:r>
+              <a:rPr lang="en-GB" sz="1100"/>
+              <a:t>IDS1 0</a:t>
+            </a:r>
+            <a:br>
+              <a:rPr lang="en-GB" sz="1100"/>
+            </a:br>
+            <a:r>
+              <a:rPr lang="en-GB"/>
+              <a:t>d</a:t>
+            </a:r>
+            <a:r>
+              <a:rPr lang="en-GB" sz="1400"/>
+              <a:t>p</a:t>
+            </a:r>
+            <a:r>
+              <a:rPr lang="en-GB" sz="1100"/>
+              <a:t>IDS1</a:t>
+            </a:r>
+            <a:r>
+              <a:rPr lang="en-GB"/>
+              <a:t>/dt</a:t>
+            </a:r>
+          </a:p>
+        </p:txBody>
+      </p:sp>
+      <p:cxnSp>
+        <p:nvCxnSpPr>
+          <p:cNvPr id="72" name="Gerade Verbindung mit Pfeil 52">
+            <a:extLst>
+              <a:ext uri="{FF2B5EF4-FFF2-40B4-BE49-F238E27FC236}">
+                <a16:creationId xmlns:a16="http://schemas.microsoft.com/office/drawing/2014/main" id="{F7697315-E27E-44E3-994E-07B37CBBCAD5}"/>
+              </a:ext>
+            </a:extLst>
+          </p:cNvPr>
+          <p:cNvCxnSpPr>
+            <a:cxnSpLocks/>
+          </p:cNvCxnSpPr>
+          <p:nvPr/>
+        </p:nvCxnSpPr>
+        <p:spPr>
+          <a:xfrm flipH="1" flipV="1">
+            <a:off x="4643826" y="1282206"/>
+            <a:ext cx="4871" cy="897068"/>
+          </a:xfrm>
+          <a:prstGeom prst="straightConnector1">
+            <a:avLst/>
+          </a:prstGeom>
+          <a:ln w="19050">
+            <a:solidFill>
+              <a:schemeClr val="accent4"/>
+            </a:solidFill>
+            <a:prstDash val="dash"/>
+            <a:headEnd type="triangle" w="med" len="med"/>
+            <a:tailEnd type="none" w="med" len="med"/>
+          </a:ln>
+        </p:spPr>
+        <p:style>
+          <a:lnRef idx="1">
+            <a:schemeClr val="accent1"/>
+          </a:lnRef>
+          <a:fillRef idx="0">
+            <a:schemeClr val="accent1"/>
+          </a:fillRef>
+          <a:effectRef idx="0">
+            <a:schemeClr val="accent1"/>
+          </a:effectRef>
+          <a:fontRef idx="minor">
+            <a:schemeClr val="tx1"/>
+          </a:fontRef>
+        </p:style>
+      </p:cxnSp>
+      <p:sp>
+        <p:nvSpPr>
+          <p:cNvPr id="39" name="Textfeld 108">
+            <a:extLst>
+              <a:ext uri="{FF2B5EF4-FFF2-40B4-BE49-F238E27FC236}">
+                <a16:creationId xmlns:a16="http://schemas.microsoft.com/office/drawing/2014/main" id="{868F2A36-4652-4E06-BF24-4E7B7EBE927B}"/>
+              </a:ext>
+            </a:extLst>
+          </p:cNvPr>
+          <p:cNvSpPr txBox="1"/>
+          <p:nvPr/>
+        </p:nvSpPr>
+        <p:spPr>
+          <a:xfrm>
+            <a:off x="4658995" y="1391909"/>
+            <a:ext cx="845922" cy="646331"/>
+          </a:xfrm>
+          <a:prstGeom prst="rect">
+            <a:avLst/>
+          </a:prstGeom>
+          <a:noFill/>
+        </p:spPr>
+        <p:txBody>
+          <a:bodyPr wrap="square" rtlCol="0">
+            <a:spAutoFit/>
+          </a:bodyPr>
+          <a:lstStyle/>
+          <a:p>
+            <a:r>
+              <a:rPr lang="en-GB" dirty="0" err="1"/>
+              <a:t>p</a:t>
+            </a:r>
+            <a:r>
+              <a:rPr lang="en-GB" sz="1100" dirty="0" err="1"/>
+              <a:t>ha</a:t>
+            </a:r>
+            <a:r>
+              <a:rPr lang="en-GB" sz="1100" dirty="0"/>
+              <a:t> 0</a:t>
+            </a:r>
+            <a:br>
+              <a:rPr lang="en-GB" sz="1100" dirty="0"/>
+            </a:br>
+            <a:r>
+              <a:rPr lang="en-GB" dirty="0" err="1"/>
+              <a:t>d</a:t>
+            </a:r>
+            <a:r>
+              <a:rPr lang="en-GB" sz="1400" dirty="0" err="1"/>
+              <a:t>p</a:t>
+            </a:r>
+            <a:r>
+              <a:rPr lang="en-GB" sz="1100" dirty="0" err="1"/>
+              <a:t>ha</a:t>
+            </a:r>
+            <a:r>
+              <a:rPr lang="en-GB" dirty="0"/>
+              <a:t>/dt</a:t>
+            </a:r>
+          </a:p>
+        </p:txBody>
+      </p:sp>
+      <p:sp>
+        <p:nvSpPr>
+          <p:cNvPr id="76" name="Rechteck 46">
+            <a:extLst>
+              <a:ext uri="{FF2B5EF4-FFF2-40B4-BE49-F238E27FC236}">
+                <a16:creationId xmlns:a16="http://schemas.microsoft.com/office/drawing/2014/main" id="{490B521F-9CAF-4D67-AB4C-2EFFD460F438}"/>
+              </a:ext>
+            </a:extLst>
+          </p:cNvPr>
+          <p:cNvSpPr/>
+          <p:nvPr/>
+        </p:nvSpPr>
+        <p:spPr>
+          <a:xfrm>
+            <a:off x="6490770" y="218195"/>
+            <a:ext cx="2028825" cy="1042987"/>
+          </a:xfrm>
+          <a:prstGeom prst="rect">
+            <a:avLst/>
+          </a:prstGeom>
+          <a:solidFill>
+            <a:schemeClr val="accent4"/>
+          </a:solidFill>
+          <a:ln>
+            <a:solidFill>
+              <a:schemeClr val="accent2"/>
+            </a:solidFill>
+          </a:ln>
+        </p:spPr>
+        <p:style>
+          <a:lnRef idx="2">
+            <a:schemeClr val="accent1">
+              <a:shade val="50000"/>
+            </a:schemeClr>
+          </a:lnRef>
+          <a:fillRef idx="1">
+            <a:schemeClr val="accent1"/>
+          </a:fillRef>
+          <a:effectRef idx="0">
+            <a:schemeClr val="accent1"/>
+          </a:effectRef>
+          <a:fontRef idx="minor">
+            <a:schemeClr val="lt1"/>
+          </a:fontRef>
+        </p:style>
+        <p:txBody>
+          <a:bodyPr rtlCol="0" anchor="ctr"/>
+          <a:lstStyle/>
+          <a:p>
+            <a:pPr algn="ctr"/>
+            <a:r>
+              <a:rPr lang="en-GB"/>
+              <a:t>Honeypot</a:t>
+            </a:r>
+          </a:p>
+        </p:txBody>
+      </p:sp>
+      <p:cxnSp>
+        <p:nvCxnSpPr>
+          <p:cNvPr id="77" name="Gerade Verbindung mit Pfeil 52">
+            <a:extLst>
+              <a:ext uri="{FF2B5EF4-FFF2-40B4-BE49-F238E27FC236}">
+                <a16:creationId xmlns:a16="http://schemas.microsoft.com/office/drawing/2014/main" id="{F9A88276-1FF4-425B-B5EF-E0C6800175F0}"/>
+              </a:ext>
+            </a:extLst>
+          </p:cNvPr>
+          <p:cNvCxnSpPr>
+            <a:cxnSpLocks/>
+          </p:cNvCxnSpPr>
+          <p:nvPr/>
+        </p:nvCxnSpPr>
+        <p:spPr>
+          <a:xfrm flipH="1" flipV="1">
+            <a:off x="7387342" y="1261182"/>
+            <a:ext cx="3" cy="911087"/>
+          </a:xfrm>
+          <a:prstGeom prst="straightConnector1">
+            <a:avLst/>
+          </a:prstGeom>
+          <a:ln w="19050">
+            <a:solidFill>
+              <a:schemeClr val="accent4"/>
+            </a:solidFill>
+            <a:tailEnd type="triangle"/>
+          </a:ln>
+        </p:spPr>
+        <p:style>
+          <a:lnRef idx="1">
+            <a:schemeClr val="accent1"/>
+          </a:lnRef>
+          <a:fillRef idx="0">
+            <a:schemeClr val="accent1"/>
+          </a:fillRef>
+          <a:effectRef idx="0">
+            <a:schemeClr val="accent1"/>
+          </a:effectRef>
+          <a:fontRef idx="minor">
+            <a:schemeClr val="tx1"/>
+          </a:fontRef>
+        </p:style>
+      </p:cxnSp>
+      <p:sp>
+        <p:nvSpPr>
+          <p:cNvPr id="78" name="Textfeld 114">
+            <a:extLst>
+              <a:ext uri="{FF2B5EF4-FFF2-40B4-BE49-F238E27FC236}">
+                <a16:creationId xmlns:a16="http://schemas.microsoft.com/office/drawing/2014/main" id="{4F1C77E5-2DD1-4414-B150-90277D7C483E}"/>
+              </a:ext>
+            </a:extLst>
+          </p:cNvPr>
+          <p:cNvSpPr txBox="1"/>
+          <p:nvPr/>
+        </p:nvSpPr>
+        <p:spPr>
+          <a:xfrm>
+            <a:off x="6627515" y="1383443"/>
+            <a:ext cx="867165" cy="646331"/>
+          </a:xfrm>
+          <a:prstGeom prst="rect">
+            <a:avLst/>
+          </a:prstGeom>
+          <a:noFill/>
+        </p:spPr>
+        <p:txBody>
+          <a:bodyPr wrap="square" rtlCol="0">
+            <a:spAutoFit/>
+          </a:bodyPr>
+          <a:lstStyle/>
+          <a:p>
+            <a:r>
+              <a:rPr lang="en-GB" dirty="0" err="1"/>
+              <a:t>p</a:t>
+            </a:r>
+            <a:r>
+              <a:rPr lang="en-GB" sz="1100" dirty="0" err="1"/>
+              <a:t>ph</a:t>
+            </a:r>
+            <a:r>
+              <a:rPr lang="en-GB" sz="1100" dirty="0"/>
+              <a:t> 0</a:t>
+            </a:r>
+            <a:br>
+              <a:rPr lang="en-GB" sz="1100" dirty="0"/>
+            </a:br>
+            <a:r>
+              <a:rPr lang="en-GB" dirty="0" err="1"/>
+              <a:t>d</a:t>
+            </a:r>
+            <a:r>
+              <a:rPr lang="en-GB" sz="1400" dirty="0" err="1"/>
+              <a:t>p</a:t>
+            </a:r>
+            <a:r>
+              <a:rPr lang="en-GB" sz="1200" dirty="0" err="1"/>
+              <a:t>p</a:t>
+            </a:r>
+            <a:r>
+              <a:rPr lang="en-GB" sz="1100" dirty="0" err="1"/>
+              <a:t>h</a:t>
+            </a:r>
+            <a:r>
+              <a:rPr lang="en-GB" sz="1400" dirty="0"/>
+              <a:t>/</a:t>
+            </a:r>
+            <a:r>
+              <a:rPr lang="en-GB" dirty="0"/>
+              <a:t>dt</a:t>
+            </a:r>
+          </a:p>
+        </p:txBody>
+      </p:sp>
+      <p:sp>
+        <p:nvSpPr>
+          <p:cNvPr id="79" name="Arrow: Curved Left 78">
+            <a:extLst>
+              <a:ext uri="{FF2B5EF4-FFF2-40B4-BE49-F238E27FC236}">
+                <a16:creationId xmlns:a16="http://schemas.microsoft.com/office/drawing/2014/main" id="{00D88B11-605E-4E6D-9794-F747155A7C35}"/>
+              </a:ext>
+            </a:extLst>
+          </p:cNvPr>
+          <p:cNvSpPr/>
+          <p:nvPr/>
+        </p:nvSpPr>
+        <p:spPr>
+          <a:xfrm rot="10800000" flipH="1">
+            <a:off x="8515348" y="471301"/>
+            <a:ext cx="328414" cy="556327"/>
+          </a:xfrm>
+          <a:prstGeom prst="curvedLeftArrow">
+            <a:avLst/>
+          </a:prstGeom>
+          <a:solidFill>
+            <a:schemeClr val="accent4"/>
+          </a:solidFill>
+          <a:ln>
+            <a:solidFill>
+              <a:schemeClr val="accent2"/>
+            </a:solidFill>
+          </a:ln>
+        </p:spPr>
+        <p:style>
+          <a:lnRef idx="2">
+            <a:schemeClr val="accent1">
+              <a:shade val="50000"/>
+            </a:schemeClr>
+          </a:lnRef>
+          <a:fillRef idx="1">
+            <a:schemeClr val="accent1"/>
+          </a:fillRef>
+          <a:effectRef idx="0">
+            <a:schemeClr val="accent1"/>
+          </a:effectRef>
+          <a:fontRef idx="minor">
+            <a:schemeClr val="lt1"/>
+          </a:fontRef>
+        </p:style>
+        <p:txBody>
+          <a:bodyPr rtlCol="0" anchor="ctr"/>
+          <a:lstStyle/>
+          <a:p>
+            <a:pPr algn="ctr"/>
+            <a:endParaRPr lang="en-GB">
+              <a:solidFill>
+                <a:schemeClr val="tx1"/>
+              </a:solidFill>
+            </a:endParaRPr>
+          </a:p>
+        </p:txBody>
+      </p:sp>
+      <p:sp>
+        <p:nvSpPr>
+          <p:cNvPr id="80" name="Textfeld 124">
+            <a:extLst>
+              <a:ext uri="{FF2B5EF4-FFF2-40B4-BE49-F238E27FC236}">
+                <a16:creationId xmlns:a16="http://schemas.microsoft.com/office/drawing/2014/main" id="{9D24FE16-6295-4811-A685-5AC90A5CA705}"/>
+              </a:ext>
+            </a:extLst>
+          </p:cNvPr>
+          <p:cNvSpPr txBox="1"/>
+          <p:nvPr/>
+        </p:nvSpPr>
+        <p:spPr>
+          <a:xfrm>
+            <a:off x="8811341" y="550305"/>
+            <a:ext cx="1017225" cy="369332"/>
+          </a:xfrm>
+          <a:prstGeom prst="rect">
+            <a:avLst/>
+          </a:prstGeom>
+          <a:noFill/>
+        </p:spPr>
+        <p:txBody>
+          <a:bodyPr wrap="square" rtlCol="0">
+            <a:spAutoFit/>
+          </a:bodyPr>
+          <a:lstStyle/>
+          <a:p>
+            <a:r>
+              <a:rPr lang="en-GB" dirty="0" err="1"/>
+              <a:t>d</a:t>
+            </a:r>
+            <a:r>
+              <a:rPr lang="en-GB" sz="1400" dirty="0" err="1"/>
+              <a:t>p</a:t>
+            </a:r>
+            <a:r>
+              <a:rPr lang="en-GB" sz="1100" dirty="0" err="1"/>
+              <a:t>IDS</a:t>
+            </a:r>
+            <a:r>
+              <a:rPr lang="en-GB" dirty="0"/>
+              <a:t>/dt</a:t>
+            </a:r>
+          </a:p>
+        </p:txBody>
+      </p:sp>
+      <p:cxnSp>
+        <p:nvCxnSpPr>
+          <p:cNvPr id="81" name="Gerade Verbindung mit Pfeil 52">
+            <a:extLst>
+              <a:ext uri="{FF2B5EF4-FFF2-40B4-BE49-F238E27FC236}">
+                <a16:creationId xmlns:a16="http://schemas.microsoft.com/office/drawing/2014/main" id="{A0A0CC5B-063E-4526-85BD-330567B57ABA}"/>
+              </a:ext>
+            </a:extLst>
+          </p:cNvPr>
+          <p:cNvCxnSpPr>
+            <a:cxnSpLocks/>
+          </p:cNvCxnSpPr>
+          <p:nvPr/>
+        </p:nvCxnSpPr>
+        <p:spPr>
+          <a:xfrm flipH="1" flipV="1">
+            <a:off x="7602016" y="1273740"/>
+            <a:ext cx="4871" cy="897068"/>
+          </a:xfrm>
+          <a:prstGeom prst="straightConnector1">
+            <a:avLst/>
+          </a:prstGeom>
+          <a:ln w="19050">
+            <a:solidFill>
+              <a:schemeClr val="accent4"/>
+            </a:solidFill>
+            <a:prstDash val="dash"/>
+            <a:headEnd type="triangle" w="med" len="med"/>
+            <a:tailEnd type="none" w="med" len="med"/>
+          </a:ln>
+        </p:spPr>
+        <p:style>
+          <a:lnRef idx="1">
+            <a:schemeClr val="accent1"/>
+          </a:lnRef>
+          <a:fillRef idx="0">
+            <a:schemeClr val="accent1"/>
+          </a:fillRef>
+          <a:effectRef idx="0">
+            <a:schemeClr val="accent1"/>
+          </a:effectRef>
+          <a:fontRef idx="minor">
+            <a:schemeClr val="tx1"/>
+          </a:fontRef>
+        </p:style>
+      </p:cxnSp>
+      <p:sp>
+        <p:nvSpPr>
+          <p:cNvPr id="83" name="Textfeld 108">
+            <a:extLst>
+              <a:ext uri="{FF2B5EF4-FFF2-40B4-BE49-F238E27FC236}">
+                <a16:creationId xmlns:a16="http://schemas.microsoft.com/office/drawing/2014/main" id="{BE5637B4-E968-4400-9962-68BCB40434EA}"/>
+              </a:ext>
+            </a:extLst>
+          </p:cNvPr>
+          <p:cNvSpPr txBox="1"/>
+          <p:nvPr/>
+        </p:nvSpPr>
+        <p:spPr>
+          <a:xfrm>
+            <a:off x="7617185" y="1383443"/>
+            <a:ext cx="845922" cy="646331"/>
+          </a:xfrm>
+          <a:prstGeom prst="rect">
+            <a:avLst/>
+          </a:prstGeom>
+          <a:noFill/>
+        </p:spPr>
+        <p:txBody>
+          <a:bodyPr wrap="square" rtlCol="0">
+            <a:spAutoFit/>
+          </a:bodyPr>
+          <a:lstStyle/>
+          <a:p>
+            <a:r>
+              <a:rPr lang="en-GB" dirty="0"/>
+              <a:t>p</a:t>
+            </a:r>
+            <a:r>
+              <a:rPr lang="en-GB" sz="1100" dirty="0"/>
+              <a:t>hp 0</a:t>
+            </a:r>
+            <a:br>
+              <a:rPr lang="en-GB" sz="1100" dirty="0"/>
+            </a:br>
+            <a:r>
+              <a:rPr lang="en-GB" dirty="0" err="1"/>
+              <a:t>d</a:t>
+            </a:r>
+            <a:r>
+              <a:rPr lang="en-GB" sz="1400" dirty="0" err="1"/>
+              <a:t>p</a:t>
+            </a:r>
+            <a:r>
+              <a:rPr lang="en-GB" sz="1100" dirty="0" err="1"/>
+              <a:t>hp</a:t>
+            </a:r>
+            <a:r>
+              <a:rPr lang="en-GB" dirty="0"/>
+              <a:t>/dt</a:t>
+            </a:r>
+          </a:p>
+        </p:txBody>
+      </p:sp>
+    </p:spTree>
+    <p:extLst>
+      <p:ext uri="{BB962C8B-B14F-4D97-AF65-F5344CB8AC3E}">
+        <p14:creationId xmlns:p14="http://schemas.microsoft.com/office/powerpoint/2010/main" val="2866984572"/>
+      </p:ext>
+    </p:extLst>
+  </p:cSld>
+  <p:clrMapOvr>
+    <a:masterClrMapping/>
+  </p:clrMapOvr>
+</p:sld>
+</file>
+
+<file path=ppt/slides/slide7.xml><?xml version="1.0" encoding="utf-8"?>
+<p:sld xmlns:a="http://schemas.openxmlformats.org/drawingml/2006/main" xmlns:r="http://schemas.openxmlformats.org/officeDocument/2006/relationships" xmlns:p="http://schemas.openxmlformats.org/presentationml/2006/main">
+  <p:cSld>
+    <p:spTree>
+      <p:nvGrpSpPr>
+        <p:cNvPr id="1" name=""/>
+        <p:cNvGrpSpPr/>
+        <p:nvPr/>
+      </p:nvGrpSpPr>
+      <p:grpSpPr>
+        <a:xfrm>
+          <a:off x="0" y="0"/>
+          <a:ext cx="0" cy="0"/>
+          <a:chOff x="0" y="0"/>
+          <a:chExt cx="0" cy="0"/>
+        </a:xfrm>
+      </p:grpSpPr>
+      <p:sp>
+        <p:nvSpPr>
+          <p:cNvPr id="2" name="Titel 1">
+            <a:extLst>
+              <a:ext uri="{FF2B5EF4-FFF2-40B4-BE49-F238E27FC236}">
+                <a16:creationId xmlns:a16="http://schemas.microsoft.com/office/drawing/2014/main" id="{1A195801-25AE-42BD-BC00-72346510CE73}"/>
+              </a:ext>
+            </a:extLst>
+          </p:cNvPr>
+          <p:cNvSpPr>
+            <a:spLocks noGrp="1"/>
+          </p:cNvSpPr>
+          <p:nvPr>
+            <p:ph type="title"/>
+          </p:nvPr>
+        </p:nvSpPr>
+        <p:spPr/>
+        <p:txBody>
+          <a:bodyPr/>
+          <a:lstStyle/>
+          <a:p>
+            <a:r>
+              <a:rPr lang="en-GB"/>
+              <a:t>Fixed Events (no probability)</a:t>
+            </a:r>
+          </a:p>
+        </p:txBody>
+      </p:sp>
+      <p:sp>
+        <p:nvSpPr>
+          <p:cNvPr id="3" name="Inhaltsplatzhalter 2">
+            <a:extLst>
+              <a:ext uri="{FF2B5EF4-FFF2-40B4-BE49-F238E27FC236}">
+                <a16:creationId xmlns:a16="http://schemas.microsoft.com/office/drawing/2014/main" id="{62BBC4CF-AEEA-4CBC-86F6-DA80B8B3D155}"/>
+              </a:ext>
+            </a:extLst>
+          </p:cNvPr>
+          <p:cNvSpPr>
+            <a:spLocks noGrp="1"/>
+          </p:cNvSpPr>
+          <p:nvPr>
+            <p:ph idx="1"/>
+          </p:nvPr>
+        </p:nvSpPr>
+        <p:spPr/>
+        <p:txBody>
+          <a:bodyPr>
+            <a:normAutofit/>
+          </a:bodyPr>
+          <a:lstStyle/>
+          <a:p>
+            <a:pPr>
+              <a:buFont typeface="Courier New" panose="02070309020205020404" pitchFamily="49" charset="0"/>
+              <a:buChar char="o"/>
+            </a:pPr>
+            <a:r>
+              <a:rPr lang="en-GB" sz="1400"/>
+              <a:t>Restart / Swap Authorizer: 	kick attacker out of authorizer, set pa to pa 0</a:t>
+            </a:r>
+          </a:p>
+          <a:p>
+            <a:pPr>
+              <a:buFont typeface="Courier New" panose="02070309020205020404" pitchFamily="49" charset="0"/>
+              <a:buChar char="o"/>
+            </a:pPr>
+            <a:r>
+              <a:rPr lang="en-GB" sz="1400"/>
+              <a:t>Restart / Swap Planner: 	kick attacker out of planner, set pp to pp 0</a:t>
+            </a:r>
+          </a:p>
+          <a:p>
+            <a:pPr>
+              <a:buFont typeface="Courier New" panose="02070309020205020404" pitchFamily="49" charset="0"/>
+              <a:buChar char="o"/>
+            </a:pPr>
+            <a:r>
+              <a:rPr lang="en-GB" sz="1400"/>
+              <a:t>Restart / Swap DB: 		kick attacker out of DB, set </a:t>
+            </a:r>
+            <a:r>
+              <a:rPr lang="en-GB" sz="1400" err="1"/>
+              <a:t>pdb</a:t>
+            </a:r>
+            <a:r>
+              <a:rPr lang="en-GB" sz="1400"/>
+              <a:t> to </a:t>
+            </a:r>
+            <a:r>
+              <a:rPr lang="en-GB" sz="1400" err="1"/>
+              <a:t>pdb</a:t>
+            </a:r>
+            <a:r>
+              <a:rPr lang="en-GB" sz="1400"/>
+              <a:t> 0</a:t>
+            </a:r>
+          </a:p>
+          <a:p>
+            <a:pPr>
+              <a:buFont typeface="Courier New" panose="02070309020205020404" pitchFamily="49" charset="0"/>
+              <a:buChar char="o"/>
+            </a:pPr>
+            <a:endParaRPr lang="en-GB" sz="1400"/>
+          </a:p>
+          <a:p>
+            <a:pPr>
+              <a:buFont typeface="Courier New" panose="02070309020205020404" pitchFamily="49" charset="0"/>
+              <a:buChar char="o"/>
+            </a:pPr>
+            <a:r>
+              <a:rPr lang="en-GB" sz="1400"/>
+              <a:t>Swap IPS:	reset </a:t>
+            </a:r>
+            <a:r>
+              <a:rPr lang="en-GB" sz="1400" err="1"/>
+              <a:t>pIDS</a:t>
+            </a:r>
+            <a:r>
+              <a:rPr lang="en-GB" sz="1400"/>
+              <a:t> to </a:t>
+            </a:r>
+            <a:r>
+              <a:rPr lang="en-GB" sz="1400" err="1"/>
+              <a:t>pIDS</a:t>
+            </a:r>
+            <a:r>
+              <a:rPr lang="en-GB" sz="1400"/>
+              <a:t> 0</a:t>
+            </a:r>
+          </a:p>
+          <a:p>
+            <a:pPr>
+              <a:buFont typeface="Courier New" panose="02070309020205020404" pitchFamily="49" charset="0"/>
+              <a:buChar char="o"/>
+            </a:pPr>
+            <a:r>
+              <a:rPr lang="en-GB" sz="1400"/>
+              <a:t>Swap PS:		reset </a:t>
+            </a:r>
+            <a:r>
+              <a:rPr lang="en-GB" sz="1400" err="1"/>
+              <a:t>pPS</a:t>
+            </a:r>
+            <a:r>
+              <a:rPr lang="en-GB" sz="1400"/>
+              <a:t> to </a:t>
+            </a:r>
+            <a:r>
+              <a:rPr lang="en-GB" sz="1400" err="1"/>
+              <a:t>pPS</a:t>
+            </a:r>
+            <a:r>
+              <a:rPr lang="en-GB" sz="1400"/>
+              <a:t> 0</a:t>
+            </a:r>
+          </a:p>
+          <a:p>
+            <a:pPr>
+              <a:buFont typeface="Courier New" panose="02070309020205020404" pitchFamily="49" charset="0"/>
+              <a:buChar char="o"/>
+            </a:pPr>
+            <a:endParaRPr lang="en-GB" sz="1400"/>
+          </a:p>
+          <a:p>
+            <a:pPr>
+              <a:buFont typeface="Courier New" panose="02070309020205020404" pitchFamily="49" charset="0"/>
+              <a:buChar char="o"/>
+            </a:pPr>
+            <a:r>
+              <a:rPr lang="en-GB" sz="1400"/>
+              <a:t>Catch Attacker: 	kick attacker out of System</a:t>
+            </a:r>
+          </a:p>
+          <a:p>
+            <a:pPr>
+              <a:buFont typeface="Courier New" panose="02070309020205020404" pitchFamily="49" charset="0"/>
+              <a:buChar char="o"/>
+            </a:pPr>
+            <a:endParaRPr lang="en-GB" sz="1400"/>
+          </a:p>
+          <a:p>
+            <a:pPr>
+              <a:buFont typeface="Courier New" panose="02070309020205020404" pitchFamily="49" charset="0"/>
+              <a:buChar char="o"/>
+            </a:pPr>
+            <a:r>
+              <a:rPr lang="en-GB" sz="1400"/>
+              <a:t>Data extracted:			Attacker wins</a:t>
+            </a:r>
+          </a:p>
+          <a:p>
+            <a:pPr>
+              <a:buFont typeface="Courier New" panose="02070309020205020404" pitchFamily="49" charset="0"/>
+              <a:buChar char="o"/>
+            </a:pPr>
+            <a:r>
+              <a:rPr lang="en-GB" sz="1400"/>
+              <a:t>x time steps passed w/out extraction:	MTD wins</a:t>
+            </a:r>
+          </a:p>
+          <a:p>
+            <a:pPr>
+              <a:buFont typeface="Courier New" panose="02070309020205020404" pitchFamily="49" charset="0"/>
+              <a:buChar char="o"/>
+            </a:pPr>
+            <a:endParaRPr lang="en-GB" sz="1400"/>
+          </a:p>
+          <a:p>
+            <a:pPr>
+              <a:buFont typeface="Courier New" panose="02070309020205020404" pitchFamily="49" charset="0"/>
+              <a:buChar char="o"/>
+            </a:pPr>
+            <a:r>
+              <a:rPr lang="en-GB" sz="1400"/>
+              <a:t>all probabilities change over time (x attacks per timestep)</a:t>
+            </a:r>
+          </a:p>
+          <a:p>
+            <a:pPr>
+              <a:buFont typeface="Courier New" panose="02070309020205020404" pitchFamily="49" charset="0"/>
+              <a:buChar char="o"/>
+            </a:pPr>
+            <a:endParaRPr lang="en-GB" sz="1400"/>
+          </a:p>
+        </p:txBody>
+      </p:sp>
+    </p:spTree>
+    <p:extLst>
+      <p:ext uri="{BB962C8B-B14F-4D97-AF65-F5344CB8AC3E}">
+        <p14:creationId xmlns:p14="http://schemas.microsoft.com/office/powerpoint/2010/main" val="4044897784"/>
+      </p:ext>
+    </p:extLst>
+  </p:cSld>
+  <p:clrMapOvr>
+    <a:masterClrMapping/>
+  </p:clrMapOvr>
+</p:sld>
+</file>
+
+<file path=ppt/slides/slide8.xml><?xml version="1.0" encoding="utf-8"?>
+<p:sld xmlns:a="http://schemas.openxmlformats.org/drawingml/2006/main" xmlns:r="http://schemas.openxmlformats.org/officeDocument/2006/relationships" xmlns:p="http://schemas.openxmlformats.org/presentationml/2006/main">
+  <p:cSld>
+    <p:spTree>
+      <p:nvGrpSpPr>
+        <p:cNvPr id="1" name=""/>
+        <p:cNvGrpSpPr/>
+        <p:nvPr/>
+      </p:nvGrpSpPr>
+      <p:grpSpPr>
+        <a:xfrm>
+          <a:off x="0" y="0"/>
+          <a:ext cx="0" cy="0"/>
+          <a:chOff x="0" y="0"/>
+          <a:chExt cx="0" cy="0"/>
+        </a:xfrm>
+      </p:grpSpPr>
+      <p:sp>
+        <p:nvSpPr>
+          <p:cNvPr id="2" name="Titel 1">
+            <a:extLst>
+              <a:ext uri="{FF2B5EF4-FFF2-40B4-BE49-F238E27FC236}">
+                <a16:creationId xmlns:a16="http://schemas.microsoft.com/office/drawing/2014/main" id="{1A195801-25AE-42BD-BC00-72346510CE73}"/>
+              </a:ext>
+            </a:extLst>
+          </p:cNvPr>
+          <p:cNvSpPr>
+            <a:spLocks noGrp="1"/>
+          </p:cNvSpPr>
+          <p:nvPr>
+            <p:ph type="title"/>
+          </p:nvPr>
+        </p:nvSpPr>
+        <p:spPr>
+          <a:xfrm>
+            <a:off x="838200" y="365125"/>
+            <a:ext cx="10515600" cy="1764121"/>
+          </a:xfrm>
+        </p:spPr>
+        <p:txBody>
+          <a:bodyPr>
+            <a:normAutofit/>
+          </a:bodyPr>
+          <a:lstStyle/>
+          <a:p>
+            <a:r>
+              <a:rPr lang="en-GB"/>
+              <a:t>p</a:t>
+            </a:r>
+            <a:r>
+              <a:rPr lang="en-GB" sz="2000"/>
+              <a:t>x </a:t>
+            </a:r>
+            <a:r>
+              <a:rPr lang="en-GB"/>
+              <a:t> - Probability of event x at time t</a:t>
+            </a:r>
+            <a:br>
+              <a:rPr lang="en-GB"/>
+            </a:br>
+            <a:br>
+              <a:rPr lang="en-GB" sz="1600"/>
+            </a:br>
+            <a:r>
+              <a:rPr lang="en-GB" sz="2800"/>
+              <a:t>p</a:t>
+            </a:r>
+            <a:r>
+              <a:rPr lang="en-GB" sz="1400"/>
+              <a:t>x0</a:t>
+            </a:r>
+            <a:r>
+              <a:rPr lang="en-GB" sz="2800"/>
+              <a:t> – Probability of event x at time t = 0</a:t>
+            </a:r>
+            <a:br>
+              <a:rPr lang="en-GB" sz="2800"/>
+            </a:br>
+            <a:r>
+              <a:rPr lang="en-GB" sz="2700" err="1"/>
+              <a:t>d</a:t>
+            </a:r>
+            <a:r>
+              <a:rPr lang="en-GB" sz="2000" err="1"/>
+              <a:t>p</a:t>
+            </a:r>
+            <a:r>
+              <a:rPr lang="en-GB" sz="1200" err="1"/>
+              <a:t>x</a:t>
+            </a:r>
+            <a:r>
+              <a:rPr lang="en-GB" sz="2700"/>
+              <a:t>/dt</a:t>
+            </a:r>
+            <a:r>
+              <a:rPr lang="en-GB" sz="1200"/>
+              <a:t> </a:t>
+            </a:r>
+            <a:r>
+              <a:rPr lang="en-GB" sz="2700"/>
+              <a:t> - Change in Probability after time t</a:t>
+            </a:r>
+            <a:endParaRPr lang="en-GB"/>
+          </a:p>
+        </p:txBody>
+      </p:sp>
+      <p:sp>
+        <p:nvSpPr>
+          <p:cNvPr id="3" name="Inhaltsplatzhalter 2">
+            <a:extLst>
+              <a:ext uri="{FF2B5EF4-FFF2-40B4-BE49-F238E27FC236}">
+                <a16:creationId xmlns:a16="http://schemas.microsoft.com/office/drawing/2014/main" id="{62BBC4CF-AEEA-4CBC-86F6-DA80B8B3D155}"/>
+              </a:ext>
+            </a:extLst>
+          </p:cNvPr>
+          <p:cNvSpPr>
+            <a:spLocks noGrp="1"/>
+          </p:cNvSpPr>
+          <p:nvPr>
+            <p:ph idx="1"/>
+          </p:nvPr>
+        </p:nvSpPr>
+        <p:spPr>
+          <a:xfrm>
+            <a:off x="838200" y="2329543"/>
+            <a:ext cx="10515600" cy="3847420"/>
+          </a:xfrm>
+        </p:spPr>
+        <p:txBody>
+          <a:bodyPr>
+            <a:normAutofit fontScale="92500" lnSpcReduction="20000"/>
+          </a:bodyPr>
+          <a:lstStyle/>
+          <a:p>
+            <a:pPr>
+              <a:buFont typeface="Courier New" panose="02070309020205020404" pitchFamily="49" charset="0"/>
+              <a:buChar char="o"/>
+            </a:pPr>
+            <a:r>
+              <a:rPr lang="en-GB" sz="1400" dirty="0"/>
+              <a:t>pa: attacker gaining control of Authorizer</a:t>
+            </a:r>
+          </a:p>
+          <a:p>
+            <a:pPr>
+              <a:buFont typeface="Courier New" panose="02070309020205020404" pitchFamily="49" charset="0"/>
+              <a:buChar char="o"/>
+            </a:pPr>
+            <a:r>
+              <a:rPr lang="en-GB" sz="1400" dirty="0"/>
+              <a:t>pp: attacker gaining control of Planner</a:t>
+            </a:r>
+          </a:p>
+          <a:p>
+            <a:pPr>
+              <a:buFont typeface="Courier New" panose="02070309020205020404" pitchFamily="49" charset="0"/>
+              <a:buChar char="o"/>
+            </a:pPr>
+            <a:r>
+              <a:rPr lang="en-GB" sz="1400" dirty="0"/>
+              <a:t>pdb1:  attacker gaining control of DB1</a:t>
+            </a:r>
+          </a:p>
+          <a:p>
+            <a:pPr>
+              <a:buFont typeface="Courier New" panose="02070309020205020404" pitchFamily="49" charset="0"/>
+              <a:buChar char="o"/>
+            </a:pPr>
+            <a:r>
+              <a:rPr lang="en-GB" sz="1400" dirty="0"/>
+              <a:t>pdb2:  attacker gaining control of DB2</a:t>
+            </a:r>
+          </a:p>
+          <a:p>
+            <a:pPr>
+              <a:buFont typeface="Courier New" panose="02070309020205020404" pitchFamily="49" charset="0"/>
+              <a:buChar char="o"/>
+            </a:pPr>
+            <a:r>
+              <a:rPr lang="en-GB" sz="1400" dirty="0"/>
+              <a:t>pdb3:  attacker gaining control of DB3</a:t>
+            </a:r>
+          </a:p>
+          <a:p>
+            <a:pPr>
+              <a:buFont typeface="Courier New" panose="02070309020205020404" pitchFamily="49" charset="0"/>
+              <a:buChar char="o"/>
+            </a:pPr>
+            <a:endParaRPr lang="en-GB" sz="1400" dirty="0"/>
+          </a:p>
+          <a:p>
+            <a:pPr>
+              <a:buFont typeface="Courier New" panose="02070309020205020404" pitchFamily="49" charset="0"/>
+              <a:buChar char="o"/>
+            </a:pPr>
+            <a:r>
+              <a:rPr lang="en-GB" sz="1400" dirty="0" err="1"/>
+              <a:t>pah</a:t>
+            </a:r>
+            <a:r>
+              <a:rPr lang="en-GB" sz="1400" dirty="0"/>
+              <a:t>: attacker getting into Honeypot from authorizer</a:t>
+            </a:r>
+          </a:p>
+          <a:p>
+            <a:pPr>
+              <a:buFont typeface="Courier New" panose="02070309020205020404" pitchFamily="49" charset="0"/>
+              <a:buChar char="o"/>
+            </a:pPr>
+            <a:r>
+              <a:rPr lang="en-GB" sz="1400" dirty="0" err="1"/>
+              <a:t>pha</a:t>
+            </a:r>
+            <a:r>
+              <a:rPr lang="en-GB" sz="1400" dirty="0"/>
+              <a:t>: attacker getting from Honeypot back to authorizer</a:t>
+            </a:r>
+          </a:p>
+          <a:p>
+            <a:pPr>
+              <a:buFont typeface="Courier New" panose="02070309020205020404" pitchFamily="49" charset="0"/>
+              <a:buChar char="o"/>
+            </a:pPr>
+            <a:r>
+              <a:rPr lang="en-GB" sz="1400" dirty="0" err="1"/>
+              <a:t>pph</a:t>
+            </a:r>
+            <a:r>
+              <a:rPr lang="en-GB" sz="1400" dirty="0"/>
+              <a:t>: attacker getting into Honeypot from planer</a:t>
+            </a:r>
+          </a:p>
+          <a:p>
+            <a:pPr>
+              <a:buFont typeface="Courier New" panose="02070309020205020404" pitchFamily="49" charset="0"/>
+              <a:buChar char="o"/>
+            </a:pPr>
+            <a:r>
+              <a:rPr lang="en-GB" sz="1400" dirty="0"/>
+              <a:t>php: attacker getting from Honeypot back to planner</a:t>
+            </a:r>
+          </a:p>
+          <a:p>
+            <a:pPr>
+              <a:buFont typeface="Courier New" panose="02070309020205020404" pitchFamily="49" charset="0"/>
+              <a:buChar char="o"/>
+            </a:pPr>
+            <a:endParaRPr lang="en-GB" sz="1400" dirty="0"/>
+          </a:p>
+          <a:p>
+            <a:pPr>
+              <a:buFont typeface="Courier New" panose="02070309020205020404" pitchFamily="49" charset="0"/>
+              <a:buChar char="o"/>
+            </a:pPr>
+            <a:r>
+              <a:rPr lang="en-GB" sz="1400" dirty="0"/>
+              <a:t>pIDS1: Intrusion Detection System 1 detecting attacker before Authorizer, Planner or DB</a:t>
+            </a:r>
+          </a:p>
+          <a:p>
+            <a:pPr marL="0" indent="0">
+              <a:buNone/>
+            </a:pPr>
+            <a:endParaRPr lang="en-GB" sz="1400" dirty="0"/>
+          </a:p>
+          <a:p>
+            <a:pPr>
+              <a:buFont typeface="Courier New" panose="02070309020205020404" pitchFamily="49" charset="0"/>
+              <a:buChar char="o"/>
+            </a:pPr>
+            <a:r>
+              <a:rPr lang="en-GB" sz="1400" dirty="0"/>
+              <a:t>pPS1: Prevention System 1 detecting attacker before extracting data</a:t>
+            </a:r>
+          </a:p>
+          <a:p>
+            <a:pPr>
+              <a:buFont typeface="Courier New" panose="02070309020205020404" pitchFamily="49" charset="0"/>
+              <a:buChar char="o"/>
+            </a:pPr>
+            <a:endParaRPr lang="en-GB" sz="1400" dirty="0"/>
+          </a:p>
+        </p:txBody>
+      </p:sp>
+    </p:spTree>
+    <p:extLst>
+      <p:ext uri="{BB962C8B-B14F-4D97-AF65-F5344CB8AC3E}">
+        <p14:creationId xmlns:p14="http://schemas.microsoft.com/office/powerpoint/2010/main" val="3797663175"/>
+      </p:ext>
+    </p:extLst>
+  </p:cSld>
+  <p:clrMapOvr>
+    <a:masterClrMapping/>
+  </p:clrMapOvr>
+</p:sld>
+</file>
+
+<file path=ppt/slides/slide9.xml><?xml version="1.0" encoding="utf-8"?>
+<p:sld xmlns:a="http://schemas.openxmlformats.org/drawingml/2006/main" xmlns:r="http://schemas.openxmlformats.org/officeDocument/2006/relationships" xmlns:p="http://schemas.openxmlformats.org/presentationml/2006/main">
+  <p:cSld>
+    <p:spTree>
+      <p:nvGrpSpPr>
+        <p:cNvPr id="1" name=""/>
+        <p:cNvGrpSpPr/>
+        <p:nvPr/>
+      </p:nvGrpSpPr>
+      <p:grpSpPr>
+        <a:xfrm>
+          <a:off x="0" y="0"/>
+          <a:ext cx="0" cy="0"/>
+          <a:chOff x="0" y="0"/>
+          <a:chExt cx="0" cy="0"/>
+        </a:xfrm>
+      </p:grpSpPr>
+      <p:sp>
+        <p:nvSpPr>
+          <p:cNvPr id="2" name="Title 1">
+            <a:extLst>
+              <a:ext uri="{FF2B5EF4-FFF2-40B4-BE49-F238E27FC236}">
+                <a16:creationId xmlns:a16="http://schemas.microsoft.com/office/drawing/2014/main" id="{62452B2C-DF0F-41EC-961C-1CDDC319D02B}"/>
+              </a:ext>
+            </a:extLst>
+          </p:cNvPr>
+          <p:cNvSpPr>
+            <a:spLocks noGrp="1"/>
+          </p:cNvSpPr>
+          <p:nvPr>
+            <p:ph type="title"/>
+          </p:nvPr>
+        </p:nvSpPr>
+        <p:spPr/>
+        <p:txBody>
+          <a:bodyPr/>
+          <a:lstStyle/>
+          <a:p>
+            <a:r>
+              <a:rPr lang="en-GB"/>
+              <a:t>Costs of MTD actions</a:t>
+            </a:r>
+          </a:p>
+        </p:txBody>
+      </p:sp>
+      <p:sp>
+        <p:nvSpPr>
+          <p:cNvPr id="4" name="Inhaltsplatzhalter 2">
+            <a:extLst>
+              <a:ext uri="{FF2B5EF4-FFF2-40B4-BE49-F238E27FC236}">
+                <a16:creationId xmlns:a16="http://schemas.microsoft.com/office/drawing/2014/main" id="{217765A3-09C5-4F51-B0B8-2C08C5FE4BA2}"/>
+              </a:ext>
+            </a:extLst>
+          </p:cNvPr>
+          <p:cNvSpPr>
+            <a:spLocks noGrp="1"/>
+          </p:cNvSpPr>
+          <p:nvPr>
+            <p:ph idx="1"/>
+          </p:nvPr>
+        </p:nvSpPr>
+        <p:spPr>
+          <a:xfrm>
+            <a:off x="838200" y="1825625"/>
+            <a:ext cx="10515600" cy="4351338"/>
+          </a:xfrm>
+        </p:spPr>
+        <p:txBody>
+          <a:bodyPr>
+            <a:normAutofit/>
+          </a:bodyPr>
+          <a:lstStyle/>
+          <a:p>
+            <a:pPr>
+              <a:buFont typeface="Courier New" panose="02070309020205020404" pitchFamily="49" charset="0"/>
+              <a:buChar char="o"/>
+            </a:pPr>
+            <a:r>
+              <a:rPr lang="en-GB" sz="1400" dirty="0"/>
+              <a:t>Restart / Swap Authorizer: 	5</a:t>
+            </a:r>
+          </a:p>
+          <a:p>
+            <a:pPr>
+              <a:buFont typeface="Courier New" panose="02070309020205020404" pitchFamily="49" charset="0"/>
+              <a:buChar char="o"/>
+            </a:pPr>
+            <a:r>
+              <a:rPr lang="en-GB" sz="1400" dirty="0"/>
+              <a:t>Restart / Swap Planner: 	5</a:t>
+            </a:r>
+          </a:p>
+          <a:p>
+            <a:pPr>
+              <a:buFont typeface="Courier New" panose="02070309020205020404" pitchFamily="49" charset="0"/>
+              <a:buChar char="o"/>
+            </a:pPr>
+            <a:r>
+              <a:rPr lang="en-GB" sz="1400" dirty="0"/>
+              <a:t>Restart / Swap DB: 		5</a:t>
+            </a:r>
+          </a:p>
+          <a:p>
+            <a:pPr>
+              <a:buFont typeface="Courier New" panose="02070309020205020404" pitchFamily="49" charset="0"/>
+              <a:buChar char="o"/>
+            </a:pPr>
+            <a:endParaRPr lang="en-GB" sz="1400" dirty="0"/>
+          </a:p>
+          <a:p>
+            <a:pPr>
+              <a:buFont typeface="Courier New" panose="02070309020205020404" pitchFamily="49" charset="0"/>
+              <a:buChar char="o"/>
+            </a:pPr>
+            <a:r>
+              <a:rPr lang="en-GB" sz="1400" dirty="0"/>
+              <a:t>Swap IDS:	2</a:t>
+            </a:r>
+          </a:p>
+          <a:p>
+            <a:pPr>
+              <a:buFont typeface="Courier New" panose="02070309020205020404" pitchFamily="49" charset="0"/>
+              <a:buChar char="o"/>
+            </a:pPr>
+            <a:r>
+              <a:rPr lang="en-GB" sz="1400" dirty="0"/>
+              <a:t>Swap PS:		2</a:t>
+            </a:r>
+          </a:p>
+          <a:p>
+            <a:pPr>
+              <a:buFont typeface="Courier New" panose="02070309020205020404" pitchFamily="49" charset="0"/>
+              <a:buChar char="o"/>
+            </a:pPr>
+            <a:endParaRPr lang="en-GB" sz="1400" dirty="0"/>
+          </a:p>
+          <a:p>
+            <a:pPr>
+              <a:buFont typeface="Courier New" panose="02070309020205020404" pitchFamily="49" charset="0"/>
+              <a:buChar char="o"/>
+            </a:pPr>
+            <a:r>
+              <a:rPr lang="en-GB" sz="1400" dirty="0"/>
+              <a:t>Honeypots logging &amp; learning:	0.1</a:t>
+            </a:r>
+          </a:p>
+          <a:p>
+            <a:pPr>
+              <a:buFont typeface="Courier New" panose="02070309020205020404" pitchFamily="49" charset="0"/>
+              <a:buChar char="o"/>
+            </a:pPr>
+            <a:endParaRPr lang="en-GB" sz="1400" dirty="0"/>
+          </a:p>
+          <a:p>
+            <a:pPr>
+              <a:buFont typeface="Courier New" panose="02070309020205020404" pitchFamily="49" charset="0"/>
+              <a:buChar char="o"/>
+            </a:pPr>
+            <a:r>
+              <a:rPr lang="en-GB" sz="1400" dirty="0"/>
+              <a:t>max costs or cost function:	7 per timestep, max 15 per </a:t>
+            </a:r>
+            <a:r>
+              <a:rPr lang="en-GB" sz="1400"/>
+              <a:t>10 timesteps</a:t>
+            </a:r>
+            <a:endParaRPr lang="en-GB" sz="1400" dirty="0"/>
+          </a:p>
+          <a:p>
+            <a:pPr>
+              <a:buFont typeface="Courier New" panose="02070309020205020404" pitchFamily="49" charset="0"/>
+              <a:buChar char="o"/>
+            </a:pPr>
+            <a:endParaRPr lang="en-GB" sz="1400" dirty="0"/>
+          </a:p>
+          <a:p>
+            <a:pPr>
+              <a:buFont typeface="Courier New" panose="02070309020205020404" pitchFamily="49" charset="0"/>
+              <a:buChar char="o"/>
+            </a:pPr>
+            <a:r>
+              <a:rPr lang="en-GB" sz="1400" dirty="0"/>
+              <a:t>attacker wins:		-1000</a:t>
+            </a:r>
+          </a:p>
+          <a:p>
+            <a:pPr>
+              <a:buFont typeface="Courier New" panose="02070309020205020404" pitchFamily="49" charset="0"/>
+              <a:buChar char="o"/>
+            </a:pPr>
+            <a:endParaRPr lang="en-GB" sz="1400" dirty="0"/>
+          </a:p>
+        </p:txBody>
+      </p:sp>
+    </p:spTree>
+    <p:extLst>
+      <p:ext uri="{BB962C8B-B14F-4D97-AF65-F5344CB8AC3E}">
+        <p14:creationId xmlns:p14="http://schemas.microsoft.com/office/powerpoint/2010/main" val="1384558664"/>
       </p:ext>
     </p:extLst>
   </p:cSld>
@@ -6240,17 +9847,14 @@
 </file>
 
 <file path=customXml/item1.xml><?xml version="1.0" encoding="utf-8"?>
-<?mso-contentType ?>
-<FormTemplates xmlns="http://schemas.microsoft.com/sharepoint/v3/contenttype/forms">
-  <Display>DocumentLibraryForm</Display>
-  <Edit>DocumentLibraryForm</Edit>
-  <New>DocumentLibraryForm</New>
-</FormTemplates>
+<p:properties xmlns:p="http://schemas.microsoft.com/office/2006/metadata/properties" xmlns:xsi="http://www.w3.org/2001/XMLSchema-instance" xmlns:pc="http://schemas.microsoft.com/office/infopath/2007/PartnerControls">
+  <documentManagement/>
+</p:properties>
 </file>
 
 <file path=customXml/item2.xml><?xml version="1.0" encoding="utf-8"?>
-<ct:contentTypeSchema xmlns:ct="http://schemas.microsoft.com/office/2006/metadata/contentType" xmlns:ma="http://schemas.microsoft.com/office/2006/metadata/properties/metaAttributes" ct:_="" ma:_="" ma:contentTypeName="Dokument" ma:contentTypeID="0x0101001F0CDA1EA804C64884D168FB83C7C7D2" ma:contentTypeVersion="2" ma:contentTypeDescription="Ein neues Dokument erstellen." ma:contentTypeScope="" ma:versionID="7fbdcd8fae04a9bdf6709f067a8f465a">
-  <xsd:schema xmlns:xsd="http://www.w3.org/2001/XMLSchema" xmlns:xs="http://www.w3.org/2001/XMLSchema" xmlns:p="http://schemas.microsoft.com/office/2006/metadata/properties" xmlns:ns2="0ca4519e-f7ae-4716-9300-8b80674a5553" targetNamespace="http://schemas.microsoft.com/office/2006/metadata/properties" ma:root="true" ma:fieldsID="da62a7fd844e2b02cd4ef9a77b136c1d" ns2:_="">
+<ct:contentTypeSchema xmlns:ct="http://schemas.microsoft.com/office/2006/metadata/contentType" xmlns:ma="http://schemas.microsoft.com/office/2006/metadata/properties/metaAttributes" ct:_="" ma:_="" ma:contentTypeName="Dokument" ma:contentTypeID="0x0101001F0CDA1EA804C64884D168FB83C7C7D2" ma:contentTypeVersion="4" ma:contentTypeDescription="Ein neues Dokument erstellen." ma:contentTypeScope="" ma:versionID="5d501b1b29eff67a1fc4718f7898caf1">
+  <xsd:schema xmlns:xsd="http://www.w3.org/2001/XMLSchema" xmlns:xs="http://www.w3.org/2001/XMLSchema" xmlns:p="http://schemas.microsoft.com/office/2006/metadata/properties" xmlns:ns2="0ca4519e-f7ae-4716-9300-8b80674a5553" targetNamespace="http://schemas.microsoft.com/office/2006/metadata/properties" ma:root="true" ma:fieldsID="8e44896f610e7114fd8e268ad3db45f6" ns2:_="">
     <xsd:import namespace="0ca4519e-f7ae-4716-9300-8b80674a5553"/>
     <xsd:element name="properties">
       <xsd:complexType>
@@ -6260,6 +9864,8 @@
               <xsd:all>
                 <xsd:element ref="ns2:MediaServiceMetadata" minOccurs="0"/>
                 <xsd:element ref="ns2:MediaServiceFastMetadata" minOccurs="0"/>
+                <xsd:element ref="ns2:MediaServiceAutoKeyPoints" minOccurs="0"/>
+                <xsd:element ref="ns2:MediaServiceKeyPoints" minOccurs="0"/>
               </xsd:all>
             </xsd:complexType>
           </xsd:element>
@@ -6278,6 +9884,18 @@
     <xsd:element name="MediaServiceFastMetadata" ma:index="9" nillable="true" ma:displayName="MediaServiceFastMetadata" ma:hidden="true" ma:internalName="MediaServiceFastMetadata" ma:readOnly="true">
       <xsd:simpleType>
         <xsd:restriction base="dms:Note"/>
+      </xsd:simpleType>
+    </xsd:element>
+    <xsd:element name="MediaServiceAutoKeyPoints" ma:index="10" nillable="true" ma:displayName="MediaServiceAutoKeyPoints" ma:hidden="true" ma:internalName="MediaServiceAutoKeyPoints" ma:readOnly="true">
+      <xsd:simpleType>
+        <xsd:restriction base="dms:Note"/>
+      </xsd:simpleType>
+    </xsd:element>
+    <xsd:element name="MediaServiceKeyPoints" ma:index="11" nillable="true" ma:displayName="KeyPoints" ma:internalName="MediaServiceKeyPoints" ma:readOnly="true">
+      <xsd:simpleType>
+        <xsd:restriction base="dms:Note">
+          <xsd:maxLength value="255"/>
+        </xsd:restriction>
       </xsd:simpleType>
     </xsd:element>
   </xsd:schema>
@@ -6381,49 +9999,52 @@
 </file>
 
 <file path=customXml/item3.xml><?xml version="1.0" encoding="utf-8"?>
-<p:properties xmlns:p="http://schemas.microsoft.com/office/2006/metadata/properties" xmlns:xsi="http://www.w3.org/2001/XMLSchema-instance" xmlns:pc="http://schemas.microsoft.com/office/infopath/2007/PartnerControls">
-  <documentManagement/>
-</p:properties>
+<?mso-contentType ?>
+<FormTemplates xmlns="http://schemas.microsoft.com/sharepoint/v3/contenttype/forms">
+  <Display>DocumentLibraryForm</Display>
+  <Edit>DocumentLibraryForm</Edit>
+  <New>DocumentLibraryForm</New>
+</FormTemplates>
 </file>
 
 <file path=customXml/itemProps1.xml><?xml version="1.0" encoding="utf-8"?>
+<ds:datastoreItem xmlns:ds="http://schemas.openxmlformats.org/officeDocument/2006/customXml" ds:itemID="{B111369F-841E-4499-8860-ACB5045CEC00}">
+  <ds:schemaRefs>
+    <ds:schemaRef ds:uri="http://schemas.microsoft.com/office/2006/metadata/properties"/>
+    <ds:schemaRef ds:uri="http://www.w3.org/XML/1998/namespace"/>
+    <ds:schemaRef ds:uri="0ca4519e-f7ae-4716-9300-8b80674a5553"/>
+    <ds:schemaRef ds:uri="http://schemas.openxmlformats.org/package/2006/metadata/core-properties"/>
+    <ds:schemaRef ds:uri="http://schemas.microsoft.com/office/infopath/2007/PartnerControls"/>
+    <ds:schemaRef ds:uri="http://schemas.microsoft.com/office/2006/documentManagement/types"/>
+    <ds:schemaRef ds:uri="http://purl.org/dc/dcmitype/"/>
+    <ds:schemaRef ds:uri="http://purl.org/dc/terms/"/>
+    <ds:schemaRef ds:uri="http://purl.org/dc/elements/1.1/"/>
+  </ds:schemaRefs>
+</ds:datastoreItem>
+</file>
+
+<file path=customXml/itemProps2.xml><?xml version="1.0" encoding="utf-8"?>
+<ds:datastoreItem xmlns:ds="http://schemas.openxmlformats.org/officeDocument/2006/customXml" ds:itemID="{2190103E-A2E7-46F2-8C48-3AA9B7AA065A}">
+  <ds:schemaRefs>
+    <ds:schemaRef ds:uri="0ca4519e-f7ae-4716-9300-8b80674a5553"/>
+    <ds:schemaRef ds:uri="http://purl.org/dc/elements/1.1/"/>
+    <ds:schemaRef ds:uri="http://purl.org/dc/terms/"/>
+    <ds:schemaRef ds:uri="http://schemas.microsoft.com/internal/obd"/>
+    <ds:schemaRef ds:uri="http://schemas.microsoft.com/office/2006/documentManagement/types"/>
+    <ds:schemaRef ds:uri="http://schemas.microsoft.com/office/2006/metadata/contentType"/>
+    <ds:schemaRef ds:uri="http://schemas.microsoft.com/office/2006/metadata/properties"/>
+    <ds:schemaRef ds:uri="http://schemas.microsoft.com/office/2006/metadata/properties/metaAttributes"/>
+    <ds:schemaRef ds:uri="http://schemas.microsoft.com/office/infopath/2007/PartnerControls"/>
+    <ds:schemaRef ds:uri="http://schemas.openxmlformats.org/package/2006/metadata/core-properties"/>
+    <ds:schemaRef ds:uri="http://www.w3.org/2001/XMLSchema"/>
+  </ds:schemaRefs>
+</ds:datastoreItem>
+</file>
+
+<file path=customXml/itemProps3.xml><?xml version="1.0" encoding="utf-8"?>
 <ds:datastoreItem xmlns:ds="http://schemas.openxmlformats.org/officeDocument/2006/customXml" ds:itemID="{4E70509A-51F1-449D-A20D-C92EB9A4F9DF}">
   <ds:schemaRefs>
     <ds:schemaRef ds:uri="http://schemas.microsoft.com/sharepoint/v3/contenttype/forms"/>
   </ds:schemaRefs>
 </ds:datastoreItem>
-</file>
-
-<file path=customXml/itemProps2.xml><?xml version="1.0" encoding="utf-8"?>
-<ds:datastoreItem xmlns:ds="http://schemas.openxmlformats.org/officeDocument/2006/customXml" ds:itemID="{038D5652-93B1-4FC1-B48D-BD27F5917315}">
-  <ds:schemaRefs>
-    <ds:schemaRef ds:uri="http://schemas.microsoft.com/office/2006/metadata/contentType"/>
-    <ds:schemaRef ds:uri="http://schemas.microsoft.com/office/2006/metadata/properties/metaAttributes"/>
-    <ds:schemaRef ds:uri="http://www.w3.org/2001/XMLSchema"/>
-    <ds:schemaRef ds:uri="http://schemas.microsoft.com/office/2006/metadata/properties"/>
-    <ds:schemaRef ds:uri="0ca4519e-f7ae-4716-9300-8b80674a5553"/>
-    <ds:schemaRef ds:uri="http://schemas.microsoft.com/office/2006/documentManagement/types"/>
-    <ds:schemaRef ds:uri="http://schemas.microsoft.com/office/infopath/2007/PartnerControls"/>
-    <ds:schemaRef ds:uri="http://schemas.openxmlformats.org/package/2006/metadata/core-properties"/>
-    <ds:schemaRef ds:uri="http://purl.org/dc/elements/1.1/"/>
-    <ds:schemaRef ds:uri="http://purl.org/dc/terms/"/>
-    <ds:schemaRef ds:uri="http://schemas.microsoft.com/internal/obd"/>
-  </ds:schemaRefs>
-</ds:datastoreItem>
-</file>
-
-<file path=customXml/itemProps3.xml><?xml version="1.0" encoding="utf-8"?>
-<ds:datastoreItem xmlns:ds="http://schemas.openxmlformats.org/officeDocument/2006/customXml" ds:itemID="{B111369F-841E-4499-8860-ACB5045CEC00}">
-  <ds:schemaRefs>
-    <ds:schemaRef ds:uri="http://schemas.microsoft.com/office/2006/metadata/properties"/>
-    <ds:schemaRef ds:uri="http://schemas.microsoft.com/office/2006/documentManagement/types"/>
-    <ds:schemaRef ds:uri="http://purl.org/dc/elements/1.1/"/>
-    <ds:schemaRef ds:uri="0ca4519e-f7ae-4716-9300-8b80674a5553"/>
-    <ds:schemaRef ds:uri="http://purl.org/dc/terms/"/>
-    <ds:schemaRef ds:uri="http://www.w3.org/XML/1998/namespace"/>
-    <ds:schemaRef ds:uri="http://schemas.microsoft.com/office/infopath/2007/PartnerControls"/>
-    <ds:schemaRef ds:uri="http://schemas.openxmlformats.org/package/2006/metadata/core-properties"/>
-    <ds:schemaRef ds:uri="http://purl.org/dc/dcmitype/"/>
-  </ds:schemaRefs>
-</ds:datastoreItem>
 </file>
--- a/Model.pptx
+++ b/Model.pptx
@@ -14,9 +14,8 @@
     <p:sldId id="264" r:id="rId11"/>
     <p:sldId id="263" r:id="rId12"/>
     <p:sldId id="265" r:id="rId13"/>
-    <p:sldId id="269" r:id="rId14"/>
-    <p:sldId id="266" r:id="rId15"/>
-    <p:sldId id="267" r:id="rId16"/>
+    <p:sldId id="270" r:id="rId14"/>
+    <p:sldId id="271" r:id="rId15"/>
   </p:sldIdLst>
   <p:sldSz cx="12192000" cy="6858000"/>
   <p:notesSz cx="6858000" cy="9144000"/>
@@ -123,15 +122,6 @@
 </p:presentation>
 </file>
 
-<file path=ppt/revisionInfo.xml><?xml version="1.0" encoding="utf-8"?>
-<p1510:revInfo xmlns:a="http://schemas.openxmlformats.org/drawingml/2006/main" xmlns:r="http://schemas.openxmlformats.org/officeDocument/2006/relationships" xmlns:p1510="http://schemas.microsoft.com/office/powerpoint/2015/10/main">
-  <p1510:revLst>
-    <p1510:client id="{4E0EA8AD-80DC-4D98-881E-C04A293A3A26}" v="4" dt="2020-10-20T14:08:23.550"/>
-    <p1510:client id="{66902E72-9218-483B-A768-DC3CA6CCA9BD}" v="8" dt="2020-10-23T11:04:10.115"/>
-  </p1510:revLst>
-</p1510:revInfo>
-</file>
-
 <file path=ppt/slideLayouts/slideLayout1.xml><?xml version="1.0" encoding="utf-8"?>
 <p:sldLayout xmlns:a="http://schemas.openxmlformats.org/drawingml/2006/main" xmlns:r="http://schemas.openxmlformats.org/officeDocument/2006/relationships" xmlns:p="http://schemas.openxmlformats.org/presentationml/2006/main" type="title" preserve="1">
   <p:cSld name="Titelfolie">
@@ -261,7 +251,7 @@
           <a:p>
             <a:fld id="{D3EB3054-B75A-4BD7-8B3E-8DC0F614FAF3}" type="datetimeFigureOut">
               <a:rPr lang="de-DE" smtClean="0"/>
-              <a:t>23.10.2020</a:t>
+              <a:t>24.10.2020</a:t>
             </a:fld>
             <a:endParaRPr lang="de-DE"/>
           </a:p>
@@ -429,7 +419,7 @@
           <a:p>
             <a:fld id="{D3EB3054-B75A-4BD7-8B3E-8DC0F614FAF3}" type="datetimeFigureOut">
               <a:rPr lang="de-DE" smtClean="0"/>
-              <a:t>23.10.2020</a:t>
+              <a:t>24.10.2020</a:t>
             </a:fld>
             <a:endParaRPr lang="de-DE"/>
           </a:p>
@@ -607,7 +597,7 @@
           <a:p>
             <a:fld id="{D3EB3054-B75A-4BD7-8B3E-8DC0F614FAF3}" type="datetimeFigureOut">
               <a:rPr lang="de-DE" smtClean="0"/>
-              <a:t>23.10.2020</a:t>
+              <a:t>24.10.2020</a:t>
             </a:fld>
             <a:endParaRPr lang="de-DE"/>
           </a:p>
@@ -775,7 +765,7 @@
           <a:p>
             <a:fld id="{D3EB3054-B75A-4BD7-8B3E-8DC0F614FAF3}" type="datetimeFigureOut">
               <a:rPr lang="de-DE" smtClean="0"/>
-              <a:t>23.10.2020</a:t>
+              <a:t>24.10.2020</a:t>
             </a:fld>
             <a:endParaRPr lang="de-DE"/>
           </a:p>
@@ -1020,7 +1010,7 @@
           <a:p>
             <a:fld id="{D3EB3054-B75A-4BD7-8B3E-8DC0F614FAF3}" type="datetimeFigureOut">
               <a:rPr lang="de-DE" smtClean="0"/>
-              <a:t>23.10.2020</a:t>
+              <a:t>24.10.2020</a:t>
             </a:fld>
             <a:endParaRPr lang="de-DE"/>
           </a:p>
@@ -1249,7 +1239,7 @@
           <a:p>
             <a:fld id="{D3EB3054-B75A-4BD7-8B3E-8DC0F614FAF3}" type="datetimeFigureOut">
               <a:rPr lang="de-DE" smtClean="0"/>
-              <a:t>23.10.2020</a:t>
+              <a:t>24.10.2020</a:t>
             </a:fld>
             <a:endParaRPr lang="de-DE"/>
           </a:p>
@@ -1613,7 +1603,7 @@
           <a:p>
             <a:fld id="{D3EB3054-B75A-4BD7-8B3E-8DC0F614FAF3}" type="datetimeFigureOut">
               <a:rPr lang="de-DE" smtClean="0"/>
-              <a:t>23.10.2020</a:t>
+              <a:t>24.10.2020</a:t>
             </a:fld>
             <a:endParaRPr lang="de-DE"/>
           </a:p>
@@ -1730,7 +1720,7 @@
           <a:p>
             <a:fld id="{D3EB3054-B75A-4BD7-8B3E-8DC0F614FAF3}" type="datetimeFigureOut">
               <a:rPr lang="de-DE" smtClean="0"/>
-              <a:t>23.10.2020</a:t>
+              <a:t>24.10.2020</a:t>
             </a:fld>
             <a:endParaRPr lang="de-DE"/>
           </a:p>
@@ -1825,7 +1815,7 @@
           <a:p>
             <a:fld id="{D3EB3054-B75A-4BD7-8B3E-8DC0F614FAF3}" type="datetimeFigureOut">
               <a:rPr lang="de-DE" smtClean="0"/>
-              <a:t>23.10.2020</a:t>
+              <a:t>24.10.2020</a:t>
             </a:fld>
             <a:endParaRPr lang="de-DE"/>
           </a:p>
@@ -2100,7 +2090,7 @@
           <a:p>
             <a:fld id="{D3EB3054-B75A-4BD7-8B3E-8DC0F614FAF3}" type="datetimeFigureOut">
               <a:rPr lang="de-DE" smtClean="0"/>
-              <a:t>23.10.2020</a:t>
+              <a:t>24.10.2020</a:t>
             </a:fld>
             <a:endParaRPr lang="de-DE"/>
           </a:p>
@@ -2352,7 +2342,7 @@
           <a:p>
             <a:fld id="{D3EB3054-B75A-4BD7-8B3E-8DC0F614FAF3}" type="datetimeFigureOut">
               <a:rPr lang="de-DE" smtClean="0"/>
-              <a:t>23.10.2020</a:t>
+              <a:t>24.10.2020</a:t>
             </a:fld>
             <a:endParaRPr lang="de-DE"/>
           </a:p>
@@ -2563,7 +2553,7 @@
           <a:p>
             <a:fld id="{D3EB3054-B75A-4BD7-8B3E-8DC0F614FAF3}" type="datetimeFigureOut">
               <a:rPr lang="de-DE" smtClean="0"/>
-              <a:t>23.10.2020</a:t>
+              <a:t>24.10.2020</a:t>
             </a:fld>
             <a:endParaRPr lang="de-DE"/>
           </a:p>
@@ -3076,8 +3066,8 @@
           <a:lstStyle/>
           <a:p>
             <a:r>
-              <a:rPr lang="en-GB"/>
-              <a:t>Attacks</a:t>
+              <a:rPr lang="en-GB" dirty="0"/>
+              <a:t>RL</a:t>
             </a:r>
           </a:p>
         </p:txBody>
@@ -3113,7 +3103,7 @@
     </p:spTree>
     <p:extLst>
       <p:ext uri="{BB962C8B-B14F-4D97-AF65-F5344CB8AC3E}">
-        <p14:creationId xmlns:p14="http://schemas.microsoft.com/office/powerpoint/2010/main" val="2250793587"/>
+        <p14:creationId xmlns:p14="http://schemas.microsoft.com/office/powerpoint/2010/main" val="491984014"/>
       </p:ext>
     </p:extLst>
   </p:cSld>
@@ -3158,446 +3148,1482 @@
         </p:nvSpPr>
         <p:spPr/>
         <p:txBody>
-          <a:bodyPr/>
-          <a:lstStyle/>
-          <a:p>
-            <a:r>
-              <a:rPr lang="en-GB"/>
-              <a:t>Initial Probabilities of events</a:t>
-            </a:r>
-          </a:p>
-        </p:txBody>
-      </p:sp>
-      <p:sp>
-        <p:nvSpPr>
-          <p:cNvPr id="7" name="Inhaltsplatzhalter 2">
-            <a:extLst>
-              <a:ext uri="{FF2B5EF4-FFF2-40B4-BE49-F238E27FC236}">
-                <a16:creationId xmlns:a16="http://schemas.microsoft.com/office/drawing/2014/main" id="{079254DA-3F55-482E-AA20-86046555BB22}"/>
-              </a:ext>
-            </a:extLst>
-          </p:cNvPr>
-          <p:cNvSpPr>
-            <a:spLocks noGrp="1"/>
-          </p:cNvSpPr>
-          <p:nvPr>
-            <p:ph idx="1"/>
-          </p:nvPr>
-        </p:nvSpPr>
-        <p:spPr>
-          <a:xfrm>
-            <a:off x="838200" y="1825625"/>
-            <a:ext cx="10515600" cy="4351338"/>
-          </a:xfrm>
-        </p:spPr>
-        <p:txBody>
           <a:bodyPr>
             <a:normAutofit/>
           </a:bodyPr>
           <a:lstStyle/>
           <a:p>
-            <a:pPr>
-              <a:buFont typeface="Courier New" panose="02070309020205020404" pitchFamily="49" charset="0"/>
-              <a:buChar char="o"/>
-            </a:pPr>
-            <a:r>
-              <a:rPr lang="en-GB" sz="1400" dirty="0"/>
-              <a:t>pa 0 	= </a:t>
-            </a:r>
-          </a:p>
-          <a:p>
-            <a:pPr>
-              <a:buFont typeface="Courier New" panose="02070309020205020404" pitchFamily="49" charset="0"/>
-              <a:buChar char="o"/>
-            </a:pPr>
-            <a:r>
-              <a:rPr lang="en-GB" sz="1400" dirty="0"/>
-              <a:t>pp 0 	=</a:t>
-            </a:r>
-          </a:p>
-          <a:p>
-            <a:pPr>
-              <a:buFont typeface="Courier New" panose="02070309020205020404" pitchFamily="49" charset="0"/>
-              <a:buChar char="o"/>
-            </a:pPr>
-            <a:r>
-              <a:rPr lang="en-GB" sz="1400" dirty="0"/>
-              <a:t>pdb1 0 	= </a:t>
-            </a:r>
-          </a:p>
-          <a:p>
-            <a:pPr>
-              <a:buFont typeface="Courier New" panose="02070309020205020404" pitchFamily="49" charset="0"/>
-              <a:buChar char="o"/>
-            </a:pPr>
-            <a:r>
-              <a:rPr lang="en-GB" sz="1400" dirty="0"/>
-              <a:t>pdb2 0 	= </a:t>
-            </a:r>
-          </a:p>
-          <a:p>
-            <a:pPr>
-              <a:buFont typeface="Courier New" panose="02070309020205020404" pitchFamily="49" charset="0"/>
-              <a:buChar char="o"/>
-            </a:pPr>
-            <a:r>
-              <a:rPr lang="en-GB" sz="1400" dirty="0"/>
-              <a:t>pdb3 0 	= </a:t>
-            </a:r>
-          </a:p>
-          <a:p>
-            <a:pPr>
-              <a:buFont typeface="Courier New" panose="02070309020205020404" pitchFamily="49" charset="0"/>
-              <a:buChar char="o"/>
-            </a:pPr>
-            <a:endParaRPr lang="en-GB" sz="1400" dirty="0"/>
-          </a:p>
-          <a:p>
-            <a:pPr>
-              <a:buFont typeface="Courier New" panose="02070309020205020404" pitchFamily="49" charset="0"/>
-              <a:buChar char="o"/>
-            </a:pPr>
-            <a:r>
-              <a:rPr lang="en-GB" sz="1400" dirty="0" err="1"/>
-              <a:t>pah</a:t>
-            </a:r>
-            <a:r>
-              <a:rPr lang="en-GB" sz="1400" dirty="0"/>
-              <a:t> 0 	=</a:t>
-            </a:r>
-          </a:p>
-          <a:p>
-            <a:pPr>
-              <a:buFont typeface="Courier New" panose="02070309020205020404" pitchFamily="49" charset="0"/>
-              <a:buChar char="o"/>
-            </a:pPr>
-            <a:r>
-              <a:rPr lang="en-GB" sz="1400" dirty="0" err="1"/>
-              <a:t>pha</a:t>
-            </a:r>
-            <a:r>
-              <a:rPr lang="en-GB" sz="1400" dirty="0"/>
-              <a:t> 0 	=</a:t>
-            </a:r>
-          </a:p>
-          <a:p>
-            <a:pPr>
-              <a:buFont typeface="Courier New" panose="02070309020205020404" pitchFamily="49" charset="0"/>
-              <a:buChar char="o"/>
-            </a:pPr>
-            <a:r>
-              <a:rPr lang="en-GB" sz="1400" dirty="0" err="1"/>
-              <a:t>pph</a:t>
-            </a:r>
-            <a:r>
-              <a:rPr lang="en-GB" sz="1400" dirty="0"/>
-              <a:t> 0 	=</a:t>
-            </a:r>
-          </a:p>
-          <a:p>
-            <a:pPr>
-              <a:buFont typeface="Courier New" panose="02070309020205020404" pitchFamily="49" charset="0"/>
-              <a:buChar char="o"/>
-            </a:pPr>
-            <a:r>
-              <a:rPr lang="en-GB" sz="1400"/>
-              <a:t>php </a:t>
-            </a:r>
-            <a:r>
-              <a:rPr lang="en-GB" sz="1400" dirty="0"/>
-              <a:t>0 	=</a:t>
-            </a:r>
-          </a:p>
-          <a:p>
-            <a:pPr marL="0" indent="0">
-              <a:buNone/>
-            </a:pPr>
-            <a:endParaRPr lang="en-GB" sz="1400" dirty="0"/>
-          </a:p>
-          <a:p>
-            <a:pPr>
-              <a:buFont typeface="Courier New" panose="02070309020205020404" pitchFamily="49" charset="0"/>
-              <a:buChar char="o"/>
-            </a:pPr>
-            <a:r>
-              <a:rPr lang="en-GB" sz="1400" dirty="0" err="1"/>
-              <a:t>pIDS</a:t>
-            </a:r>
-            <a:r>
-              <a:rPr lang="en-GB" sz="1400" dirty="0"/>
-              <a:t> 0 	=</a:t>
-            </a:r>
-          </a:p>
-          <a:p>
-            <a:pPr>
-              <a:buFont typeface="Courier New" panose="02070309020205020404" pitchFamily="49" charset="0"/>
-              <a:buChar char="o"/>
-            </a:pPr>
-            <a:r>
-              <a:rPr lang="en-GB" sz="1400" dirty="0" err="1"/>
-              <a:t>pPS</a:t>
-            </a:r>
-            <a:r>
-              <a:rPr lang="en-GB" sz="1400" dirty="0"/>
-              <a:t> 0 	=</a:t>
-            </a:r>
+            <a:r>
+              <a:rPr lang="en-GB" sz="4000" dirty="0"/>
+              <a:t>View from RL Controller (each timestep)</a:t>
+            </a:r>
+          </a:p>
+        </p:txBody>
+      </p:sp>
+      <p:sp>
+        <p:nvSpPr>
+          <p:cNvPr id="3" name="Rechteck 16">
+            <a:extLst>
+              <a:ext uri="{FF2B5EF4-FFF2-40B4-BE49-F238E27FC236}">
+                <a16:creationId xmlns:a16="http://schemas.microsoft.com/office/drawing/2014/main" id="{77AC1D8B-B606-4BD9-BB9E-55E7EB3F0D6D}"/>
+              </a:ext>
+            </a:extLst>
+          </p:cNvPr>
+          <p:cNvSpPr/>
+          <p:nvPr/>
+        </p:nvSpPr>
+        <p:spPr>
+          <a:xfrm>
+            <a:off x="944971" y="3264471"/>
+            <a:ext cx="1341966" cy="535382"/>
+          </a:xfrm>
+          <a:prstGeom prst="rect">
+            <a:avLst/>
+          </a:prstGeom>
+        </p:spPr>
+        <p:style>
+          <a:lnRef idx="2">
+            <a:schemeClr val="accent1">
+              <a:shade val="50000"/>
+            </a:schemeClr>
+          </a:lnRef>
+          <a:fillRef idx="1">
+            <a:schemeClr val="accent1"/>
+          </a:fillRef>
+          <a:effectRef idx="0">
+            <a:schemeClr val="accent1"/>
+          </a:effectRef>
+          <a:fontRef idx="minor">
+            <a:schemeClr val="lt1"/>
+          </a:fontRef>
+        </p:style>
+        <p:txBody>
+          <a:bodyPr rtlCol="0" anchor="ctr"/>
+          <a:lstStyle/>
+          <a:p>
+            <a:pPr algn="ctr"/>
+            <a:r>
+              <a:rPr lang="en-GB" dirty="0"/>
+              <a:t>Restart</a:t>
+            </a:r>
+            <a:br>
+              <a:rPr lang="en-GB" dirty="0"/>
+            </a:br>
+            <a:r>
+              <a:rPr lang="en-GB" sz="1200" dirty="0"/>
+              <a:t>1/0</a:t>
+            </a:r>
+            <a:endParaRPr lang="en-GB" dirty="0"/>
+          </a:p>
+        </p:txBody>
+      </p:sp>
+      <p:cxnSp>
+        <p:nvCxnSpPr>
+          <p:cNvPr id="6" name="Straight Connector 5">
+            <a:extLst>
+              <a:ext uri="{FF2B5EF4-FFF2-40B4-BE49-F238E27FC236}">
+                <a16:creationId xmlns:a16="http://schemas.microsoft.com/office/drawing/2014/main" id="{E54A09CB-E7D2-41FC-9929-42C43C614254}"/>
+              </a:ext>
+            </a:extLst>
+          </p:cNvPr>
+          <p:cNvCxnSpPr>
+            <a:cxnSpLocks/>
+          </p:cNvCxnSpPr>
+          <p:nvPr/>
+        </p:nvCxnSpPr>
+        <p:spPr>
+          <a:xfrm>
+            <a:off x="3132667" y="1953986"/>
+            <a:ext cx="0" cy="4313767"/>
+          </a:xfrm>
+          <a:prstGeom prst="line">
+            <a:avLst/>
+          </a:prstGeom>
+          <a:ln w="19050">
+            <a:solidFill>
+              <a:schemeClr val="tx1">
+                <a:lumMod val="75000"/>
+                <a:lumOff val="25000"/>
+              </a:schemeClr>
+            </a:solidFill>
+            <a:prstDash val="dash"/>
+          </a:ln>
+        </p:spPr>
+        <p:style>
+          <a:lnRef idx="1">
+            <a:schemeClr val="accent1"/>
+          </a:lnRef>
+          <a:fillRef idx="0">
+            <a:schemeClr val="accent1"/>
+          </a:fillRef>
+          <a:effectRef idx="0">
+            <a:schemeClr val="accent1"/>
+          </a:effectRef>
+          <a:fontRef idx="minor">
+            <a:schemeClr val="tx1"/>
+          </a:fontRef>
+        </p:style>
+      </p:cxnSp>
+      <p:sp>
+        <p:nvSpPr>
+          <p:cNvPr id="11" name="Rechteck 16">
+            <a:extLst>
+              <a:ext uri="{FF2B5EF4-FFF2-40B4-BE49-F238E27FC236}">
+                <a16:creationId xmlns:a16="http://schemas.microsoft.com/office/drawing/2014/main" id="{C17403CA-3DFE-466D-940D-33F5C687360B}"/>
+              </a:ext>
+            </a:extLst>
+          </p:cNvPr>
+          <p:cNvSpPr/>
+          <p:nvPr/>
+        </p:nvSpPr>
+        <p:spPr>
+          <a:xfrm>
+            <a:off x="3916749" y="1690688"/>
+            <a:ext cx="981511" cy="482101"/>
+          </a:xfrm>
+          <a:prstGeom prst="rect">
+            <a:avLst/>
+          </a:prstGeom>
+          <a:solidFill>
+            <a:schemeClr val="accent2">
+              <a:lumMod val="60000"/>
+              <a:lumOff val="40000"/>
+            </a:schemeClr>
+          </a:solidFill>
+          <a:ln>
+            <a:solidFill>
+              <a:schemeClr val="accent2">
+                <a:lumMod val="75000"/>
+              </a:schemeClr>
+            </a:solidFill>
+          </a:ln>
+        </p:spPr>
+        <p:style>
+          <a:lnRef idx="2">
+            <a:schemeClr val="accent1">
+              <a:shade val="50000"/>
+            </a:schemeClr>
+          </a:lnRef>
+          <a:fillRef idx="1">
+            <a:schemeClr val="accent1"/>
+          </a:fillRef>
+          <a:effectRef idx="0">
+            <a:schemeClr val="accent1"/>
+          </a:effectRef>
+          <a:fontRef idx="minor">
+            <a:schemeClr val="lt1"/>
+          </a:fontRef>
+        </p:style>
+        <p:txBody>
+          <a:bodyPr rtlCol="0" anchor="ctr"/>
+          <a:lstStyle/>
+          <a:p>
+            <a:pPr algn="ctr"/>
+            <a:r>
+              <a:rPr lang="en-GB" sz="1400" dirty="0">
+                <a:solidFill>
+                  <a:schemeClr val="bg1"/>
+                </a:solidFill>
+              </a:rPr>
+              <a:t>Services</a:t>
+            </a:r>
+          </a:p>
+        </p:txBody>
+      </p:sp>
+      <p:sp>
+        <p:nvSpPr>
+          <p:cNvPr id="13" name="Rechteck 16">
+            <a:extLst>
+              <a:ext uri="{FF2B5EF4-FFF2-40B4-BE49-F238E27FC236}">
+                <a16:creationId xmlns:a16="http://schemas.microsoft.com/office/drawing/2014/main" id="{7BCFEE62-DBEA-446A-9335-D8CF2CC585FA}"/>
+              </a:ext>
+            </a:extLst>
+          </p:cNvPr>
+          <p:cNvSpPr/>
+          <p:nvPr/>
+        </p:nvSpPr>
+        <p:spPr>
+          <a:xfrm>
+            <a:off x="3596230" y="2377811"/>
+            <a:ext cx="1617108" cy="396615"/>
+          </a:xfrm>
+          <a:prstGeom prst="rect">
+            <a:avLst/>
+          </a:prstGeom>
+          <a:solidFill>
+            <a:schemeClr val="accent2">
+              <a:lumMod val="75000"/>
+            </a:schemeClr>
+          </a:solidFill>
+          <a:ln>
+            <a:solidFill>
+              <a:schemeClr val="accent2">
+                <a:lumMod val="50000"/>
+              </a:schemeClr>
+            </a:solidFill>
+          </a:ln>
+        </p:spPr>
+        <p:style>
+          <a:lnRef idx="2">
+            <a:schemeClr val="accent1">
+              <a:shade val="50000"/>
+            </a:schemeClr>
+          </a:lnRef>
+          <a:fillRef idx="1">
+            <a:schemeClr val="accent1"/>
+          </a:fillRef>
+          <a:effectRef idx="0">
+            <a:schemeClr val="accent1"/>
+          </a:effectRef>
+          <a:fontRef idx="minor">
+            <a:schemeClr val="lt1"/>
+          </a:fontRef>
+        </p:style>
+        <p:txBody>
+          <a:bodyPr rtlCol="0" anchor="ctr"/>
+          <a:lstStyle/>
+          <a:p>
+            <a:pPr algn="ctr"/>
+            <a:r>
+              <a:rPr lang="en-GB" dirty="0"/>
+              <a:t>Authorizer</a:t>
+            </a:r>
+          </a:p>
+        </p:txBody>
+      </p:sp>
+      <p:sp>
+        <p:nvSpPr>
+          <p:cNvPr id="15" name="Rechteck 16">
+            <a:extLst>
+              <a:ext uri="{FF2B5EF4-FFF2-40B4-BE49-F238E27FC236}">
+                <a16:creationId xmlns:a16="http://schemas.microsoft.com/office/drawing/2014/main" id="{2A63B250-7B5F-44AE-A50F-E805088D0B08}"/>
+              </a:ext>
+            </a:extLst>
+          </p:cNvPr>
+          <p:cNvSpPr/>
+          <p:nvPr/>
+        </p:nvSpPr>
+        <p:spPr>
+          <a:xfrm>
+            <a:off x="3596230" y="2846777"/>
+            <a:ext cx="1617108" cy="396615"/>
+          </a:xfrm>
+          <a:prstGeom prst="rect">
+            <a:avLst/>
+          </a:prstGeom>
+          <a:solidFill>
+            <a:schemeClr val="accent2">
+              <a:lumMod val="75000"/>
+            </a:schemeClr>
+          </a:solidFill>
+          <a:ln>
+            <a:solidFill>
+              <a:schemeClr val="accent2">
+                <a:lumMod val="50000"/>
+              </a:schemeClr>
+            </a:solidFill>
+          </a:ln>
+        </p:spPr>
+        <p:style>
+          <a:lnRef idx="2">
+            <a:schemeClr val="accent1">
+              <a:shade val="50000"/>
+            </a:schemeClr>
+          </a:lnRef>
+          <a:fillRef idx="1">
+            <a:schemeClr val="accent1"/>
+          </a:fillRef>
+          <a:effectRef idx="0">
+            <a:schemeClr val="accent1"/>
+          </a:effectRef>
+          <a:fontRef idx="minor">
+            <a:schemeClr val="lt1"/>
+          </a:fontRef>
+        </p:style>
+        <p:txBody>
+          <a:bodyPr rtlCol="0" anchor="ctr"/>
+          <a:lstStyle/>
+          <a:p>
+            <a:pPr algn="ctr"/>
+            <a:r>
+              <a:rPr lang="en-GB" dirty="0"/>
+              <a:t>Planner</a:t>
+            </a:r>
+          </a:p>
+        </p:txBody>
+      </p:sp>
+      <p:sp>
+        <p:nvSpPr>
+          <p:cNvPr id="17" name="Rechteck 16">
+            <a:extLst>
+              <a:ext uri="{FF2B5EF4-FFF2-40B4-BE49-F238E27FC236}">
+                <a16:creationId xmlns:a16="http://schemas.microsoft.com/office/drawing/2014/main" id="{B8A47DB1-5672-4F76-816E-0E02AFC1C46F}"/>
+              </a:ext>
+            </a:extLst>
+          </p:cNvPr>
+          <p:cNvSpPr/>
+          <p:nvPr/>
+        </p:nvSpPr>
+        <p:spPr>
+          <a:xfrm>
+            <a:off x="3596230" y="3315743"/>
+            <a:ext cx="1617108" cy="396615"/>
+          </a:xfrm>
+          <a:prstGeom prst="rect">
+            <a:avLst/>
+          </a:prstGeom>
+          <a:solidFill>
+            <a:schemeClr val="accent2">
+              <a:lumMod val="75000"/>
+            </a:schemeClr>
+          </a:solidFill>
+          <a:ln>
+            <a:solidFill>
+              <a:schemeClr val="accent2">
+                <a:lumMod val="50000"/>
+              </a:schemeClr>
+            </a:solidFill>
+          </a:ln>
+        </p:spPr>
+        <p:style>
+          <a:lnRef idx="2">
+            <a:schemeClr val="accent1">
+              <a:shade val="50000"/>
+            </a:schemeClr>
+          </a:lnRef>
+          <a:fillRef idx="1">
+            <a:schemeClr val="accent1"/>
+          </a:fillRef>
+          <a:effectRef idx="0">
+            <a:schemeClr val="accent1"/>
+          </a:effectRef>
+          <a:fontRef idx="minor">
+            <a:schemeClr val="lt1"/>
+          </a:fontRef>
+        </p:style>
+        <p:txBody>
+          <a:bodyPr rtlCol="0" anchor="ctr"/>
+          <a:lstStyle/>
+          <a:p>
+            <a:pPr algn="ctr"/>
+            <a:r>
+              <a:rPr lang="en-GB" dirty="0"/>
+              <a:t>DB1</a:t>
+            </a:r>
+          </a:p>
+        </p:txBody>
+      </p:sp>
+      <p:sp>
+        <p:nvSpPr>
+          <p:cNvPr id="19" name="Rechteck 16">
+            <a:extLst>
+              <a:ext uri="{FF2B5EF4-FFF2-40B4-BE49-F238E27FC236}">
+                <a16:creationId xmlns:a16="http://schemas.microsoft.com/office/drawing/2014/main" id="{54B0346C-FB1C-4F0C-9D66-0EDB2DAC920A}"/>
+              </a:ext>
+            </a:extLst>
+          </p:cNvPr>
+          <p:cNvSpPr/>
+          <p:nvPr/>
+        </p:nvSpPr>
+        <p:spPr>
+          <a:xfrm>
+            <a:off x="3596230" y="3784709"/>
+            <a:ext cx="1617108" cy="396615"/>
+          </a:xfrm>
+          <a:prstGeom prst="rect">
+            <a:avLst/>
+          </a:prstGeom>
+          <a:solidFill>
+            <a:schemeClr val="accent2">
+              <a:lumMod val="75000"/>
+            </a:schemeClr>
+          </a:solidFill>
+          <a:ln>
+            <a:solidFill>
+              <a:schemeClr val="accent2">
+                <a:lumMod val="50000"/>
+              </a:schemeClr>
+            </a:solidFill>
+          </a:ln>
+        </p:spPr>
+        <p:style>
+          <a:lnRef idx="2">
+            <a:schemeClr val="accent1">
+              <a:shade val="50000"/>
+            </a:schemeClr>
+          </a:lnRef>
+          <a:fillRef idx="1">
+            <a:schemeClr val="accent1"/>
+          </a:fillRef>
+          <a:effectRef idx="0">
+            <a:schemeClr val="accent1"/>
+          </a:effectRef>
+          <a:fontRef idx="minor">
+            <a:schemeClr val="lt1"/>
+          </a:fontRef>
+        </p:style>
+        <p:txBody>
+          <a:bodyPr rtlCol="0" anchor="ctr"/>
+          <a:lstStyle/>
+          <a:p>
+            <a:pPr algn="ctr"/>
+            <a:r>
+              <a:rPr lang="en-GB" dirty="0"/>
+              <a:t>DB2</a:t>
+            </a:r>
+          </a:p>
+        </p:txBody>
+      </p:sp>
+      <p:sp>
+        <p:nvSpPr>
+          <p:cNvPr id="21" name="Rechteck 16">
+            <a:extLst>
+              <a:ext uri="{FF2B5EF4-FFF2-40B4-BE49-F238E27FC236}">
+                <a16:creationId xmlns:a16="http://schemas.microsoft.com/office/drawing/2014/main" id="{0F95FC9F-7F53-4818-9BC7-3966382C0DFD}"/>
+              </a:ext>
+            </a:extLst>
+          </p:cNvPr>
+          <p:cNvSpPr/>
+          <p:nvPr/>
+        </p:nvSpPr>
+        <p:spPr>
+          <a:xfrm>
+            <a:off x="3596230" y="4253675"/>
+            <a:ext cx="1617108" cy="396615"/>
+          </a:xfrm>
+          <a:prstGeom prst="rect">
+            <a:avLst/>
+          </a:prstGeom>
+          <a:solidFill>
+            <a:schemeClr val="accent2">
+              <a:lumMod val="75000"/>
+            </a:schemeClr>
+          </a:solidFill>
+          <a:ln>
+            <a:solidFill>
+              <a:schemeClr val="accent2">
+                <a:lumMod val="50000"/>
+              </a:schemeClr>
+            </a:solidFill>
+          </a:ln>
+        </p:spPr>
+        <p:style>
+          <a:lnRef idx="2">
+            <a:schemeClr val="accent1">
+              <a:shade val="50000"/>
+            </a:schemeClr>
+          </a:lnRef>
+          <a:fillRef idx="1">
+            <a:schemeClr val="accent1"/>
+          </a:fillRef>
+          <a:effectRef idx="0">
+            <a:schemeClr val="accent1"/>
+          </a:effectRef>
+          <a:fontRef idx="minor">
+            <a:schemeClr val="lt1"/>
+          </a:fontRef>
+        </p:style>
+        <p:txBody>
+          <a:bodyPr rtlCol="0" anchor="ctr"/>
+          <a:lstStyle/>
+          <a:p>
+            <a:pPr algn="ctr"/>
+            <a:r>
+              <a:rPr lang="en-GB" dirty="0"/>
+              <a:t>DB3</a:t>
+            </a:r>
+          </a:p>
+        </p:txBody>
+      </p:sp>
+      <p:sp>
+        <p:nvSpPr>
+          <p:cNvPr id="23" name="Rechteck 16">
+            <a:extLst>
+              <a:ext uri="{FF2B5EF4-FFF2-40B4-BE49-F238E27FC236}">
+                <a16:creationId xmlns:a16="http://schemas.microsoft.com/office/drawing/2014/main" id="{B855230B-16C9-4AB8-BA84-B181D15D23A7}"/>
+              </a:ext>
+            </a:extLst>
+          </p:cNvPr>
+          <p:cNvSpPr/>
+          <p:nvPr/>
+        </p:nvSpPr>
+        <p:spPr>
+          <a:xfrm>
+            <a:off x="3596230" y="5233427"/>
+            <a:ext cx="1617108" cy="396615"/>
+          </a:xfrm>
+          <a:prstGeom prst="rect">
+            <a:avLst/>
+          </a:prstGeom>
+          <a:solidFill>
+            <a:schemeClr val="accent2">
+              <a:lumMod val="75000"/>
+            </a:schemeClr>
+          </a:solidFill>
+          <a:ln>
+            <a:solidFill>
+              <a:schemeClr val="accent2">
+                <a:lumMod val="50000"/>
+              </a:schemeClr>
+            </a:solidFill>
+          </a:ln>
+        </p:spPr>
+        <p:style>
+          <a:lnRef idx="2">
+            <a:schemeClr val="accent1">
+              <a:shade val="50000"/>
+            </a:schemeClr>
+          </a:lnRef>
+          <a:fillRef idx="1">
+            <a:schemeClr val="accent1"/>
+          </a:fillRef>
+          <a:effectRef idx="0">
+            <a:schemeClr val="accent1"/>
+          </a:effectRef>
+          <a:fontRef idx="minor">
+            <a:schemeClr val="lt1"/>
+          </a:fontRef>
+        </p:style>
+        <p:txBody>
+          <a:bodyPr rtlCol="0" anchor="ctr"/>
+          <a:lstStyle/>
+          <a:p>
+            <a:pPr algn="ctr"/>
+            <a:r>
+              <a:rPr lang="en-GB" dirty="0"/>
+              <a:t>IDS</a:t>
+            </a:r>
+          </a:p>
+        </p:txBody>
+      </p:sp>
+      <p:sp>
+        <p:nvSpPr>
+          <p:cNvPr id="25" name="Rechteck 16">
+            <a:extLst>
+              <a:ext uri="{FF2B5EF4-FFF2-40B4-BE49-F238E27FC236}">
+                <a16:creationId xmlns:a16="http://schemas.microsoft.com/office/drawing/2014/main" id="{AF9AB3D9-D125-407D-A773-330895133DE8}"/>
+              </a:ext>
+            </a:extLst>
+          </p:cNvPr>
+          <p:cNvSpPr/>
+          <p:nvPr/>
+        </p:nvSpPr>
+        <p:spPr>
+          <a:xfrm>
+            <a:off x="3596230" y="5705775"/>
+            <a:ext cx="1617108" cy="396615"/>
+          </a:xfrm>
+          <a:prstGeom prst="rect">
+            <a:avLst/>
+          </a:prstGeom>
+          <a:solidFill>
+            <a:schemeClr val="accent2">
+              <a:lumMod val="75000"/>
+            </a:schemeClr>
+          </a:solidFill>
+          <a:ln>
+            <a:solidFill>
+              <a:schemeClr val="accent2">
+                <a:lumMod val="50000"/>
+              </a:schemeClr>
+            </a:solidFill>
+          </a:ln>
+        </p:spPr>
+        <p:style>
+          <a:lnRef idx="2">
+            <a:schemeClr val="accent1">
+              <a:shade val="50000"/>
+            </a:schemeClr>
+          </a:lnRef>
+          <a:fillRef idx="1">
+            <a:schemeClr val="accent1"/>
+          </a:fillRef>
+          <a:effectRef idx="0">
+            <a:schemeClr val="accent1"/>
+          </a:effectRef>
+          <a:fontRef idx="minor">
+            <a:schemeClr val="lt1"/>
+          </a:fontRef>
+        </p:style>
+        <p:txBody>
+          <a:bodyPr rtlCol="0" anchor="ctr"/>
+          <a:lstStyle/>
+          <a:p>
+            <a:pPr algn="ctr"/>
+            <a:r>
+              <a:rPr lang="en-GB" dirty="0"/>
+              <a:t>PS</a:t>
+            </a:r>
+          </a:p>
+        </p:txBody>
+      </p:sp>
+      <p:cxnSp>
+        <p:nvCxnSpPr>
+          <p:cNvPr id="27" name="Straight Arrow Connector 26">
+            <a:extLst>
+              <a:ext uri="{FF2B5EF4-FFF2-40B4-BE49-F238E27FC236}">
+                <a16:creationId xmlns:a16="http://schemas.microsoft.com/office/drawing/2014/main" id="{04D83565-D6F7-4E99-8C25-E76A50A2AA59}"/>
+              </a:ext>
+            </a:extLst>
+          </p:cNvPr>
+          <p:cNvCxnSpPr>
+            <a:cxnSpLocks/>
+            <a:stCxn id="3" idx="3"/>
+            <a:endCxn id="13" idx="1"/>
+          </p:cNvCxnSpPr>
+          <p:nvPr/>
+        </p:nvCxnSpPr>
+        <p:spPr>
+          <a:xfrm flipV="1">
+            <a:off x="2286937" y="2576119"/>
+            <a:ext cx="1309293" cy="956043"/>
+          </a:xfrm>
+          <a:prstGeom prst="straightConnector1">
+            <a:avLst/>
+          </a:prstGeom>
+          <a:ln w="12700">
+            <a:tailEnd type="triangle"/>
+          </a:ln>
+        </p:spPr>
+        <p:style>
+          <a:lnRef idx="1">
+            <a:schemeClr val="accent1"/>
+          </a:lnRef>
+          <a:fillRef idx="0">
+            <a:schemeClr val="accent1"/>
+          </a:fillRef>
+          <a:effectRef idx="0">
+            <a:schemeClr val="accent1"/>
+          </a:effectRef>
+          <a:fontRef idx="minor">
+            <a:schemeClr val="tx1"/>
+          </a:fontRef>
+        </p:style>
+      </p:cxnSp>
+      <p:cxnSp>
+        <p:nvCxnSpPr>
+          <p:cNvPr id="29" name="Straight Arrow Connector 28">
+            <a:extLst>
+              <a:ext uri="{FF2B5EF4-FFF2-40B4-BE49-F238E27FC236}">
+                <a16:creationId xmlns:a16="http://schemas.microsoft.com/office/drawing/2014/main" id="{AEA61847-19FD-486B-9C49-922A55F10D1D}"/>
+              </a:ext>
+            </a:extLst>
+          </p:cNvPr>
+          <p:cNvCxnSpPr>
+            <a:cxnSpLocks/>
+            <a:stCxn id="3" idx="3"/>
+            <a:endCxn id="15" idx="1"/>
+          </p:cNvCxnSpPr>
+          <p:nvPr/>
+        </p:nvCxnSpPr>
+        <p:spPr>
+          <a:xfrm flipV="1">
+            <a:off x="2286937" y="3045085"/>
+            <a:ext cx="1309293" cy="487077"/>
+          </a:xfrm>
+          <a:prstGeom prst="straightConnector1">
+            <a:avLst/>
+          </a:prstGeom>
+          <a:ln w="12700">
+            <a:tailEnd type="triangle"/>
+          </a:ln>
+        </p:spPr>
+        <p:style>
+          <a:lnRef idx="1">
+            <a:schemeClr val="accent1"/>
+          </a:lnRef>
+          <a:fillRef idx="0">
+            <a:schemeClr val="accent1"/>
+          </a:fillRef>
+          <a:effectRef idx="0">
+            <a:schemeClr val="accent1"/>
+          </a:effectRef>
+          <a:fontRef idx="minor">
+            <a:schemeClr val="tx1"/>
+          </a:fontRef>
+        </p:style>
+      </p:cxnSp>
+      <p:cxnSp>
+        <p:nvCxnSpPr>
+          <p:cNvPr id="31" name="Straight Arrow Connector 30">
+            <a:extLst>
+              <a:ext uri="{FF2B5EF4-FFF2-40B4-BE49-F238E27FC236}">
+                <a16:creationId xmlns:a16="http://schemas.microsoft.com/office/drawing/2014/main" id="{46266335-5E7D-4628-9320-D6DF2A47AB24}"/>
+              </a:ext>
+            </a:extLst>
+          </p:cNvPr>
+          <p:cNvCxnSpPr>
+            <a:cxnSpLocks/>
+            <a:stCxn id="3" idx="3"/>
+            <a:endCxn id="17" idx="1"/>
+          </p:cNvCxnSpPr>
+          <p:nvPr/>
+        </p:nvCxnSpPr>
+        <p:spPr>
+          <a:xfrm flipV="1">
+            <a:off x="2286937" y="3514051"/>
+            <a:ext cx="1309293" cy="18111"/>
+          </a:xfrm>
+          <a:prstGeom prst="straightConnector1">
+            <a:avLst/>
+          </a:prstGeom>
+          <a:ln w="12700">
+            <a:tailEnd type="triangle"/>
+          </a:ln>
+        </p:spPr>
+        <p:style>
+          <a:lnRef idx="1">
+            <a:schemeClr val="accent1"/>
+          </a:lnRef>
+          <a:fillRef idx="0">
+            <a:schemeClr val="accent1"/>
+          </a:fillRef>
+          <a:effectRef idx="0">
+            <a:schemeClr val="accent1"/>
+          </a:effectRef>
+          <a:fontRef idx="minor">
+            <a:schemeClr val="tx1"/>
+          </a:fontRef>
+        </p:style>
+      </p:cxnSp>
+      <p:cxnSp>
+        <p:nvCxnSpPr>
+          <p:cNvPr id="33" name="Straight Arrow Connector 32">
+            <a:extLst>
+              <a:ext uri="{FF2B5EF4-FFF2-40B4-BE49-F238E27FC236}">
+                <a16:creationId xmlns:a16="http://schemas.microsoft.com/office/drawing/2014/main" id="{CF8B420E-6067-4710-8591-846AE8ED16FD}"/>
+              </a:ext>
+            </a:extLst>
+          </p:cNvPr>
+          <p:cNvCxnSpPr>
+            <a:cxnSpLocks/>
+            <a:stCxn id="3" idx="3"/>
+            <a:endCxn id="19" idx="1"/>
+          </p:cNvCxnSpPr>
+          <p:nvPr/>
+        </p:nvCxnSpPr>
+        <p:spPr>
+          <a:xfrm>
+            <a:off x="2286937" y="3532162"/>
+            <a:ext cx="1309293" cy="450855"/>
+          </a:xfrm>
+          <a:prstGeom prst="straightConnector1">
+            <a:avLst/>
+          </a:prstGeom>
+          <a:ln w="12700">
+            <a:tailEnd type="triangle"/>
+          </a:ln>
+        </p:spPr>
+        <p:style>
+          <a:lnRef idx="1">
+            <a:schemeClr val="accent1"/>
+          </a:lnRef>
+          <a:fillRef idx="0">
+            <a:schemeClr val="accent1"/>
+          </a:fillRef>
+          <a:effectRef idx="0">
+            <a:schemeClr val="accent1"/>
+          </a:effectRef>
+          <a:fontRef idx="minor">
+            <a:schemeClr val="tx1"/>
+          </a:fontRef>
+        </p:style>
+      </p:cxnSp>
+      <p:cxnSp>
+        <p:nvCxnSpPr>
+          <p:cNvPr id="35" name="Straight Arrow Connector 34">
+            <a:extLst>
+              <a:ext uri="{FF2B5EF4-FFF2-40B4-BE49-F238E27FC236}">
+                <a16:creationId xmlns:a16="http://schemas.microsoft.com/office/drawing/2014/main" id="{C2829773-DEA6-4033-83D2-44ABCC9E57B8}"/>
+              </a:ext>
+            </a:extLst>
+          </p:cNvPr>
+          <p:cNvCxnSpPr>
+            <a:cxnSpLocks/>
+            <a:stCxn id="3" idx="3"/>
+            <a:endCxn id="21" idx="1"/>
+          </p:cNvCxnSpPr>
+          <p:nvPr/>
+        </p:nvCxnSpPr>
+        <p:spPr>
+          <a:xfrm>
+            <a:off x="2286937" y="3532162"/>
+            <a:ext cx="1309293" cy="919821"/>
+          </a:xfrm>
+          <a:prstGeom prst="straightConnector1">
+            <a:avLst/>
+          </a:prstGeom>
+          <a:ln w="12700">
+            <a:tailEnd type="triangle"/>
+          </a:ln>
+        </p:spPr>
+        <p:style>
+          <a:lnRef idx="1">
+            <a:schemeClr val="accent1"/>
+          </a:lnRef>
+          <a:fillRef idx="0">
+            <a:schemeClr val="accent1"/>
+          </a:fillRef>
+          <a:effectRef idx="0">
+            <a:schemeClr val="accent1"/>
+          </a:effectRef>
+          <a:fontRef idx="minor">
+            <a:schemeClr val="tx1"/>
+          </a:fontRef>
+        </p:style>
+      </p:cxnSp>
+      <p:cxnSp>
+        <p:nvCxnSpPr>
+          <p:cNvPr id="37" name="Straight Arrow Connector 36">
+            <a:extLst>
+              <a:ext uri="{FF2B5EF4-FFF2-40B4-BE49-F238E27FC236}">
+                <a16:creationId xmlns:a16="http://schemas.microsoft.com/office/drawing/2014/main" id="{9C334C96-98B6-4D77-8C05-17EE91BDDC11}"/>
+              </a:ext>
+            </a:extLst>
+          </p:cNvPr>
+          <p:cNvCxnSpPr>
+            <a:cxnSpLocks/>
+            <a:stCxn id="84" idx="3"/>
+            <a:endCxn id="23" idx="1"/>
+          </p:cNvCxnSpPr>
+          <p:nvPr/>
+        </p:nvCxnSpPr>
+        <p:spPr>
+          <a:xfrm flipV="1">
+            <a:off x="2277534" y="5431735"/>
+            <a:ext cx="1318696" cy="252547"/>
+          </a:xfrm>
+          <a:prstGeom prst="straightConnector1">
+            <a:avLst/>
+          </a:prstGeom>
+          <a:ln w="12700">
+            <a:tailEnd type="triangle"/>
+          </a:ln>
+        </p:spPr>
+        <p:style>
+          <a:lnRef idx="1">
+            <a:schemeClr val="accent1"/>
+          </a:lnRef>
+          <a:fillRef idx="0">
+            <a:schemeClr val="accent1"/>
+          </a:fillRef>
+          <a:effectRef idx="0">
+            <a:schemeClr val="accent1"/>
+          </a:effectRef>
+          <a:fontRef idx="minor">
+            <a:schemeClr val="tx1"/>
+          </a:fontRef>
+        </p:style>
+      </p:cxnSp>
+      <p:cxnSp>
+        <p:nvCxnSpPr>
+          <p:cNvPr id="39" name="Straight Arrow Connector 38">
+            <a:extLst>
+              <a:ext uri="{FF2B5EF4-FFF2-40B4-BE49-F238E27FC236}">
+                <a16:creationId xmlns:a16="http://schemas.microsoft.com/office/drawing/2014/main" id="{498D7E00-1FB2-4D8A-BB01-74A1ADFEC15A}"/>
+              </a:ext>
+            </a:extLst>
+          </p:cNvPr>
+          <p:cNvCxnSpPr>
+            <a:cxnSpLocks/>
+            <a:stCxn id="84" idx="3"/>
+            <a:endCxn id="25" idx="1"/>
+          </p:cNvCxnSpPr>
+          <p:nvPr/>
+        </p:nvCxnSpPr>
+        <p:spPr>
+          <a:xfrm>
+            <a:off x="2277534" y="5684282"/>
+            <a:ext cx="1318696" cy="219801"/>
+          </a:xfrm>
+          <a:prstGeom prst="straightConnector1">
+            <a:avLst/>
+          </a:prstGeom>
+          <a:ln w="12700">
+            <a:tailEnd type="triangle"/>
+          </a:ln>
+        </p:spPr>
+        <p:style>
+          <a:lnRef idx="1">
+            <a:schemeClr val="accent1"/>
+          </a:lnRef>
+          <a:fillRef idx="0">
+            <a:schemeClr val="accent1"/>
+          </a:fillRef>
+          <a:effectRef idx="0">
+            <a:schemeClr val="accent1"/>
+          </a:effectRef>
+          <a:fontRef idx="minor">
+            <a:schemeClr val="tx1"/>
+          </a:fontRef>
+        </p:style>
+      </p:cxnSp>
+      <p:cxnSp>
+        <p:nvCxnSpPr>
+          <p:cNvPr id="40" name="Straight Connector 39">
+            <a:extLst>
+              <a:ext uri="{FF2B5EF4-FFF2-40B4-BE49-F238E27FC236}">
+                <a16:creationId xmlns:a16="http://schemas.microsoft.com/office/drawing/2014/main" id="{869CB980-A97E-49C8-857F-1A053E439ADD}"/>
+              </a:ext>
+            </a:extLst>
+          </p:cNvPr>
+          <p:cNvCxnSpPr>
+            <a:cxnSpLocks/>
+          </p:cNvCxnSpPr>
+          <p:nvPr/>
+        </p:nvCxnSpPr>
+        <p:spPr>
+          <a:xfrm>
+            <a:off x="5682342" y="1953986"/>
+            <a:ext cx="0" cy="4313767"/>
+          </a:xfrm>
+          <a:prstGeom prst="line">
+            <a:avLst/>
+          </a:prstGeom>
+          <a:ln w="19050">
+            <a:solidFill>
+              <a:schemeClr val="tx1">
+                <a:lumMod val="75000"/>
+                <a:lumOff val="25000"/>
+              </a:schemeClr>
+            </a:solidFill>
+            <a:prstDash val="dash"/>
+          </a:ln>
+        </p:spPr>
+        <p:style>
+          <a:lnRef idx="1">
+            <a:schemeClr val="accent1"/>
+          </a:lnRef>
+          <a:fillRef idx="0">
+            <a:schemeClr val="accent1"/>
+          </a:fillRef>
+          <a:effectRef idx="0">
+            <a:schemeClr val="accent1"/>
+          </a:effectRef>
+          <a:fontRef idx="minor">
+            <a:schemeClr val="tx1"/>
+          </a:fontRef>
+        </p:style>
+      </p:cxnSp>
+      <p:sp>
+        <p:nvSpPr>
+          <p:cNvPr id="49" name="Rechteck 16">
+            <a:extLst>
+              <a:ext uri="{FF2B5EF4-FFF2-40B4-BE49-F238E27FC236}">
+                <a16:creationId xmlns:a16="http://schemas.microsoft.com/office/drawing/2014/main" id="{409E0539-6F39-4C63-9B14-AE96BBAFC4AB}"/>
+              </a:ext>
+            </a:extLst>
+          </p:cNvPr>
+          <p:cNvSpPr/>
+          <p:nvPr/>
+        </p:nvSpPr>
+        <p:spPr>
+          <a:xfrm>
+            <a:off x="6807208" y="1690688"/>
+            <a:ext cx="981511" cy="482101"/>
+          </a:xfrm>
+          <a:prstGeom prst="rect">
+            <a:avLst/>
+          </a:prstGeom>
+          <a:solidFill>
+            <a:schemeClr val="accent6">
+              <a:lumMod val="60000"/>
+              <a:lumOff val="40000"/>
+            </a:schemeClr>
+          </a:solidFill>
+          <a:ln>
+            <a:solidFill>
+              <a:schemeClr val="accent6">
+                <a:lumMod val="75000"/>
+              </a:schemeClr>
+            </a:solidFill>
+          </a:ln>
+        </p:spPr>
+        <p:style>
+          <a:lnRef idx="2">
+            <a:schemeClr val="accent1">
+              <a:shade val="50000"/>
+            </a:schemeClr>
+          </a:lnRef>
+          <a:fillRef idx="1">
+            <a:schemeClr val="accent1"/>
+          </a:fillRef>
+          <a:effectRef idx="0">
+            <a:schemeClr val="accent1"/>
+          </a:effectRef>
+          <a:fontRef idx="minor">
+            <a:schemeClr val="lt1"/>
+          </a:fontRef>
+        </p:style>
+        <p:txBody>
+          <a:bodyPr rtlCol="0" anchor="ctr"/>
+          <a:lstStyle/>
+          <a:p>
+            <a:pPr algn="ctr"/>
+            <a:r>
+              <a:rPr lang="en-GB" sz="1400" dirty="0">
+                <a:solidFill>
+                  <a:schemeClr val="bg1"/>
+                </a:solidFill>
+              </a:rPr>
+              <a:t>Simulation</a:t>
+            </a:r>
+          </a:p>
+        </p:txBody>
+      </p:sp>
+      <p:sp>
+        <p:nvSpPr>
+          <p:cNvPr id="50" name="Rectangle 49">
+            <a:extLst>
+              <a:ext uri="{FF2B5EF4-FFF2-40B4-BE49-F238E27FC236}">
+                <a16:creationId xmlns:a16="http://schemas.microsoft.com/office/drawing/2014/main" id="{BAB48ABE-E3BE-4293-9A3C-72D2FC5155ED}"/>
+              </a:ext>
+            </a:extLst>
+          </p:cNvPr>
+          <p:cNvSpPr/>
+          <p:nvPr/>
+        </p:nvSpPr>
+        <p:spPr>
+          <a:xfrm>
+            <a:off x="6199481" y="2377812"/>
+            <a:ext cx="2196966" cy="3445771"/>
+          </a:xfrm>
+          <a:prstGeom prst="rect">
+            <a:avLst/>
+          </a:prstGeom>
+          <a:solidFill>
+            <a:schemeClr val="accent6">
+              <a:lumMod val="75000"/>
+            </a:schemeClr>
+          </a:solidFill>
+          <a:ln>
+            <a:solidFill>
+              <a:schemeClr val="accent6">
+                <a:lumMod val="50000"/>
+              </a:schemeClr>
+            </a:solidFill>
+          </a:ln>
+        </p:spPr>
+        <p:style>
+          <a:lnRef idx="2">
+            <a:schemeClr val="accent1">
+              <a:shade val="50000"/>
+            </a:schemeClr>
+          </a:lnRef>
+          <a:fillRef idx="1">
+            <a:schemeClr val="accent1"/>
+          </a:fillRef>
+          <a:effectRef idx="0">
+            <a:schemeClr val="accent1"/>
+          </a:effectRef>
+          <a:fontRef idx="minor">
+            <a:schemeClr val="lt1"/>
+          </a:fontRef>
+        </p:style>
+        <p:txBody>
+          <a:bodyPr rtlCol="0" anchor="ctr"/>
+          <a:lstStyle/>
+          <a:p>
+            <a:pPr algn="ctr"/>
+            <a:r>
+              <a:rPr lang="en-GB" sz="8800" dirty="0"/>
+              <a:t>?</a:t>
+            </a:r>
+          </a:p>
+        </p:txBody>
+      </p:sp>
+      <p:cxnSp>
+        <p:nvCxnSpPr>
+          <p:cNvPr id="51" name="Straight Connector 50">
+            <a:extLst>
+              <a:ext uri="{FF2B5EF4-FFF2-40B4-BE49-F238E27FC236}">
+                <a16:creationId xmlns:a16="http://schemas.microsoft.com/office/drawing/2014/main" id="{0CB7B5C8-B04E-426D-872E-29FC63116D2B}"/>
+              </a:ext>
+            </a:extLst>
+          </p:cNvPr>
+          <p:cNvCxnSpPr>
+            <a:cxnSpLocks/>
+          </p:cNvCxnSpPr>
+          <p:nvPr/>
+        </p:nvCxnSpPr>
+        <p:spPr>
+          <a:xfrm>
+            <a:off x="8913585" y="1953986"/>
+            <a:ext cx="0" cy="4313767"/>
+          </a:xfrm>
+          <a:prstGeom prst="line">
+            <a:avLst/>
+          </a:prstGeom>
+          <a:ln w="19050">
+            <a:solidFill>
+              <a:schemeClr val="tx1">
+                <a:lumMod val="75000"/>
+                <a:lumOff val="25000"/>
+              </a:schemeClr>
+            </a:solidFill>
+            <a:prstDash val="dash"/>
+          </a:ln>
+        </p:spPr>
+        <p:style>
+          <a:lnRef idx="1">
+            <a:schemeClr val="accent1"/>
+          </a:lnRef>
+          <a:fillRef idx="0">
+            <a:schemeClr val="accent1"/>
+          </a:fillRef>
+          <a:effectRef idx="0">
+            <a:schemeClr val="accent1"/>
+          </a:effectRef>
+          <a:fontRef idx="minor">
+            <a:schemeClr val="tx1"/>
+          </a:fontRef>
+        </p:style>
+      </p:cxnSp>
+      <p:cxnSp>
+        <p:nvCxnSpPr>
+          <p:cNvPr id="52" name="Straight Arrow Connector 51">
+            <a:extLst>
+              <a:ext uri="{FF2B5EF4-FFF2-40B4-BE49-F238E27FC236}">
+                <a16:creationId xmlns:a16="http://schemas.microsoft.com/office/drawing/2014/main" id="{9D12DB19-7B14-4CFF-8D90-40AA804C6E71}"/>
+              </a:ext>
+            </a:extLst>
+          </p:cNvPr>
+          <p:cNvCxnSpPr>
+            <a:cxnSpLocks/>
+          </p:cNvCxnSpPr>
+          <p:nvPr/>
+        </p:nvCxnSpPr>
+        <p:spPr>
+          <a:xfrm>
+            <a:off x="5431367" y="3873212"/>
+            <a:ext cx="516466" cy="0"/>
+          </a:xfrm>
+          <a:prstGeom prst="straightConnector1">
+            <a:avLst/>
+          </a:prstGeom>
+          <a:ln w="12700">
+            <a:tailEnd type="triangle"/>
+          </a:ln>
+        </p:spPr>
+        <p:style>
+          <a:lnRef idx="1">
+            <a:schemeClr val="accent2"/>
+          </a:lnRef>
+          <a:fillRef idx="0">
+            <a:schemeClr val="accent2"/>
+          </a:fillRef>
+          <a:effectRef idx="0">
+            <a:schemeClr val="accent2"/>
+          </a:effectRef>
+          <a:fontRef idx="minor">
+            <a:schemeClr val="tx1"/>
+          </a:fontRef>
+        </p:style>
+      </p:cxnSp>
+      <p:cxnSp>
+        <p:nvCxnSpPr>
+          <p:cNvPr id="55" name="Straight Arrow Connector 54">
+            <a:extLst>
+              <a:ext uri="{FF2B5EF4-FFF2-40B4-BE49-F238E27FC236}">
+                <a16:creationId xmlns:a16="http://schemas.microsoft.com/office/drawing/2014/main" id="{64E5458E-6592-465E-B92E-8FEDA0F4A9E2}"/>
+              </a:ext>
+            </a:extLst>
+          </p:cNvPr>
+          <p:cNvCxnSpPr>
+            <a:cxnSpLocks/>
+          </p:cNvCxnSpPr>
+          <p:nvPr/>
+        </p:nvCxnSpPr>
+        <p:spPr>
+          <a:xfrm>
+            <a:off x="8655352" y="3873212"/>
+            <a:ext cx="516466" cy="0"/>
+          </a:xfrm>
+          <a:prstGeom prst="straightConnector1">
+            <a:avLst/>
+          </a:prstGeom>
+          <a:ln w="12700">
+            <a:solidFill>
+              <a:schemeClr val="accent6">
+                <a:lumMod val="75000"/>
+              </a:schemeClr>
+            </a:solidFill>
+            <a:tailEnd type="triangle"/>
+          </a:ln>
+        </p:spPr>
+        <p:style>
+          <a:lnRef idx="1">
+            <a:schemeClr val="accent2"/>
+          </a:lnRef>
+          <a:fillRef idx="0">
+            <a:schemeClr val="accent2"/>
+          </a:fillRef>
+          <a:effectRef idx="0">
+            <a:schemeClr val="accent2"/>
+          </a:effectRef>
+          <a:fontRef idx="minor">
+            <a:schemeClr val="tx1"/>
+          </a:fontRef>
+        </p:style>
+      </p:cxnSp>
+      <p:sp>
+        <p:nvSpPr>
+          <p:cNvPr id="57" name="Rechteck 16">
+            <a:extLst>
+              <a:ext uri="{FF2B5EF4-FFF2-40B4-BE49-F238E27FC236}">
+                <a16:creationId xmlns:a16="http://schemas.microsoft.com/office/drawing/2014/main" id="{5E7373E0-EF23-494B-8743-AD4091A3124D}"/>
+              </a:ext>
+            </a:extLst>
+          </p:cNvPr>
+          <p:cNvSpPr/>
+          <p:nvPr/>
+        </p:nvSpPr>
+        <p:spPr>
+          <a:xfrm>
+            <a:off x="9671632" y="1671224"/>
+            <a:ext cx="981511" cy="482101"/>
+          </a:xfrm>
+          <a:prstGeom prst="rect">
+            <a:avLst/>
+          </a:prstGeom>
+          <a:solidFill>
+            <a:schemeClr val="accent4">
+              <a:lumMod val="60000"/>
+              <a:lumOff val="40000"/>
+            </a:schemeClr>
+          </a:solidFill>
+          <a:ln>
+            <a:solidFill>
+              <a:schemeClr val="accent4">
+                <a:lumMod val="75000"/>
+              </a:schemeClr>
+            </a:solidFill>
+          </a:ln>
+        </p:spPr>
+        <p:style>
+          <a:lnRef idx="2">
+            <a:schemeClr val="accent1">
+              <a:shade val="50000"/>
+            </a:schemeClr>
+          </a:lnRef>
+          <a:fillRef idx="1">
+            <a:schemeClr val="accent1"/>
+          </a:fillRef>
+          <a:effectRef idx="0">
+            <a:schemeClr val="accent1"/>
+          </a:effectRef>
+          <a:fontRef idx="minor">
+            <a:schemeClr val="lt1"/>
+          </a:fontRef>
+        </p:style>
+        <p:txBody>
+          <a:bodyPr rtlCol="0" anchor="ctr"/>
+          <a:lstStyle/>
+          <a:p>
+            <a:pPr algn="ctr"/>
+            <a:r>
+              <a:rPr lang="en-GB" sz="1400" dirty="0">
+                <a:solidFill>
+                  <a:schemeClr val="bg1"/>
+                </a:solidFill>
+              </a:rPr>
+              <a:t>Result</a:t>
+            </a:r>
+          </a:p>
+        </p:txBody>
+      </p:sp>
+      <p:sp>
+        <p:nvSpPr>
+          <p:cNvPr id="59" name="Rechteck 16">
+            <a:extLst>
+              <a:ext uri="{FF2B5EF4-FFF2-40B4-BE49-F238E27FC236}">
+                <a16:creationId xmlns:a16="http://schemas.microsoft.com/office/drawing/2014/main" id="{52B0D5D3-B93B-4BA7-B7D3-B9E2887BDADA}"/>
+              </a:ext>
+            </a:extLst>
+          </p:cNvPr>
+          <p:cNvSpPr/>
+          <p:nvPr/>
+        </p:nvSpPr>
+        <p:spPr>
+          <a:xfrm>
+            <a:off x="9521313" y="3636161"/>
+            <a:ext cx="1282151" cy="482101"/>
+          </a:xfrm>
+          <a:prstGeom prst="rect">
+            <a:avLst/>
+          </a:prstGeom>
+          <a:solidFill>
+            <a:schemeClr val="accent4">
+              <a:lumMod val="75000"/>
+            </a:schemeClr>
+          </a:solidFill>
+          <a:ln>
+            <a:solidFill>
+              <a:schemeClr val="accent4">
+                <a:lumMod val="50000"/>
+              </a:schemeClr>
+            </a:solidFill>
+          </a:ln>
+        </p:spPr>
+        <p:style>
+          <a:lnRef idx="2">
+            <a:schemeClr val="accent1">
+              <a:shade val="50000"/>
+            </a:schemeClr>
+          </a:lnRef>
+          <a:fillRef idx="1">
+            <a:schemeClr val="accent1"/>
+          </a:fillRef>
+          <a:effectRef idx="0">
+            <a:schemeClr val="accent1"/>
+          </a:effectRef>
+          <a:fontRef idx="minor">
+            <a:schemeClr val="lt1"/>
+          </a:fontRef>
+        </p:style>
+        <p:txBody>
+          <a:bodyPr rtlCol="0" anchor="ctr"/>
+          <a:lstStyle/>
+          <a:p>
+            <a:pPr algn="ctr"/>
+            <a:r>
+              <a:rPr lang="en-GB" dirty="0">
+                <a:solidFill>
+                  <a:schemeClr val="bg1"/>
+                </a:solidFill>
+              </a:rPr>
+              <a:t>True / False</a:t>
+            </a:r>
+          </a:p>
+        </p:txBody>
+      </p:sp>
+      <p:sp>
+        <p:nvSpPr>
+          <p:cNvPr id="61" name="Rechteck 16">
+            <a:extLst>
+              <a:ext uri="{FF2B5EF4-FFF2-40B4-BE49-F238E27FC236}">
+                <a16:creationId xmlns:a16="http://schemas.microsoft.com/office/drawing/2014/main" id="{DD8FBB0D-9FE8-49D2-8BCE-C447020E3E1B}"/>
+              </a:ext>
+            </a:extLst>
+          </p:cNvPr>
+          <p:cNvSpPr/>
+          <p:nvPr/>
+        </p:nvSpPr>
+        <p:spPr>
+          <a:xfrm>
+            <a:off x="1124260" y="1696816"/>
+            <a:ext cx="981511" cy="482101"/>
+          </a:xfrm>
+          <a:prstGeom prst="rect">
+            <a:avLst/>
+          </a:prstGeom>
+          <a:solidFill>
+            <a:schemeClr val="accent1">
+              <a:lumMod val="60000"/>
+              <a:lumOff val="40000"/>
+            </a:schemeClr>
+          </a:solidFill>
+          <a:ln>
+            <a:solidFill>
+              <a:schemeClr val="accent1">
+                <a:lumMod val="75000"/>
+              </a:schemeClr>
+            </a:solidFill>
+          </a:ln>
+        </p:spPr>
+        <p:style>
+          <a:lnRef idx="2">
+            <a:schemeClr val="accent1">
+              <a:shade val="50000"/>
+            </a:schemeClr>
+          </a:lnRef>
+          <a:fillRef idx="1">
+            <a:schemeClr val="accent1"/>
+          </a:fillRef>
+          <a:effectRef idx="0">
+            <a:schemeClr val="accent1"/>
+          </a:effectRef>
+          <a:fontRef idx="minor">
+            <a:schemeClr val="lt1"/>
+          </a:fontRef>
+        </p:style>
+        <p:txBody>
+          <a:bodyPr rtlCol="0" anchor="ctr"/>
+          <a:lstStyle/>
+          <a:p>
+            <a:pPr algn="ctr"/>
+            <a:r>
+              <a:rPr lang="en-GB" sz="1400" dirty="0">
+                <a:solidFill>
+                  <a:schemeClr val="bg1"/>
+                </a:solidFill>
+              </a:rPr>
+              <a:t>Controller</a:t>
+            </a:r>
+          </a:p>
+        </p:txBody>
+      </p:sp>
+      <p:sp>
+        <p:nvSpPr>
+          <p:cNvPr id="84" name="Rechteck 16">
+            <a:extLst>
+              <a:ext uri="{FF2B5EF4-FFF2-40B4-BE49-F238E27FC236}">
+                <a16:creationId xmlns:a16="http://schemas.microsoft.com/office/drawing/2014/main" id="{74823358-8449-49C8-8332-2C3C7AF57C64}"/>
+              </a:ext>
+            </a:extLst>
+          </p:cNvPr>
+          <p:cNvSpPr/>
+          <p:nvPr/>
+        </p:nvSpPr>
+        <p:spPr>
+          <a:xfrm>
+            <a:off x="935568" y="5416591"/>
+            <a:ext cx="1341966" cy="535382"/>
+          </a:xfrm>
+          <a:prstGeom prst="rect">
+            <a:avLst/>
+          </a:prstGeom>
+        </p:spPr>
+        <p:style>
+          <a:lnRef idx="2">
+            <a:schemeClr val="accent1">
+              <a:shade val="50000"/>
+            </a:schemeClr>
+          </a:lnRef>
+          <a:fillRef idx="1">
+            <a:schemeClr val="accent1"/>
+          </a:fillRef>
+          <a:effectRef idx="0">
+            <a:schemeClr val="accent1"/>
+          </a:effectRef>
+          <a:fontRef idx="minor">
+            <a:schemeClr val="lt1"/>
+          </a:fontRef>
+        </p:style>
+        <p:txBody>
+          <a:bodyPr rtlCol="0" anchor="ctr"/>
+          <a:lstStyle/>
+          <a:p>
+            <a:pPr algn="ctr"/>
+            <a:r>
+              <a:rPr lang="en-GB" dirty="0"/>
+              <a:t>Switch</a:t>
+            </a:r>
+            <a:br>
+              <a:rPr lang="en-GB" dirty="0"/>
+            </a:br>
+            <a:r>
+              <a:rPr lang="en-GB" sz="1200" dirty="0"/>
+              <a:t>1/0</a:t>
+            </a:r>
+            <a:endParaRPr lang="en-GB" dirty="0"/>
           </a:p>
         </p:txBody>
       </p:sp>
     </p:spTree>
     <p:extLst>
       <p:ext uri="{BB962C8B-B14F-4D97-AF65-F5344CB8AC3E}">
-        <p14:creationId xmlns:p14="http://schemas.microsoft.com/office/powerpoint/2010/main" val="2127717544"/>
-      </p:ext>
-    </p:extLst>
-  </p:cSld>
-  <p:clrMapOvr>
-    <a:masterClrMapping/>
-  </p:clrMapOvr>
-</p:sld>
-</file>
-
-<file path=ppt/slides/slide12.xml><?xml version="1.0" encoding="utf-8"?>
-<p:sld xmlns:a="http://schemas.openxmlformats.org/drawingml/2006/main" xmlns:r="http://schemas.openxmlformats.org/officeDocument/2006/relationships" xmlns:p="http://schemas.openxmlformats.org/presentationml/2006/main">
-  <p:cSld>
-    <p:spTree>
-      <p:nvGrpSpPr>
-        <p:cNvPr id="1" name=""/>
-        <p:cNvGrpSpPr/>
-        <p:nvPr/>
-      </p:nvGrpSpPr>
-      <p:grpSpPr>
-        <a:xfrm>
-          <a:off x="0" y="0"/>
-          <a:ext cx="0" cy="0"/>
-          <a:chOff x="0" y="0"/>
-          <a:chExt cx="0" cy="0"/>
-        </a:xfrm>
-      </p:grpSpPr>
-      <p:sp>
-        <p:nvSpPr>
-          <p:cNvPr id="2" name="Title 1">
-            <a:extLst>
-              <a:ext uri="{FF2B5EF4-FFF2-40B4-BE49-F238E27FC236}">
-                <a16:creationId xmlns:a16="http://schemas.microsoft.com/office/drawing/2014/main" id="{62452B2C-DF0F-41EC-961C-1CDDC319D02B}"/>
-              </a:ext>
-            </a:extLst>
-          </p:cNvPr>
-          <p:cNvSpPr>
-            <a:spLocks noGrp="1"/>
-          </p:cNvSpPr>
-          <p:nvPr>
-            <p:ph type="title"/>
-          </p:nvPr>
-        </p:nvSpPr>
-        <p:spPr/>
-        <p:txBody>
-          <a:bodyPr/>
-          <a:lstStyle/>
-          <a:p>
-            <a:r>
-              <a:rPr lang="en-GB"/>
-              <a:t>Change in probabilities of events each timestep</a:t>
-            </a:r>
-          </a:p>
-        </p:txBody>
-      </p:sp>
-      <p:sp>
-        <p:nvSpPr>
-          <p:cNvPr id="7" name="Inhaltsplatzhalter 2">
-            <a:extLst>
-              <a:ext uri="{FF2B5EF4-FFF2-40B4-BE49-F238E27FC236}">
-                <a16:creationId xmlns:a16="http://schemas.microsoft.com/office/drawing/2014/main" id="{079254DA-3F55-482E-AA20-86046555BB22}"/>
-              </a:ext>
-            </a:extLst>
-          </p:cNvPr>
-          <p:cNvSpPr>
-            <a:spLocks noGrp="1"/>
-          </p:cNvSpPr>
-          <p:nvPr>
-            <p:ph idx="1"/>
-          </p:nvPr>
-        </p:nvSpPr>
-        <p:spPr>
-          <a:xfrm>
-            <a:off x="838200" y="1825625"/>
-            <a:ext cx="10515600" cy="4351338"/>
-          </a:xfrm>
-        </p:spPr>
-        <p:txBody>
-          <a:bodyPr>
-            <a:normAutofit lnSpcReduction="10000"/>
-          </a:bodyPr>
-          <a:lstStyle/>
-          <a:p>
-            <a:pPr>
-              <a:buFont typeface="Courier New" panose="02070309020205020404" pitchFamily="49" charset="0"/>
-              <a:buChar char="o"/>
-            </a:pPr>
-            <a:r>
-              <a:rPr lang="en-GB" sz="1400" dirty="0" err="1"/>
-              <a:t>dpa</a:t>
-            </a:r>
-            <a:r>
-              <a:rPr lang="en-GB" sz="1400" dirty="0"/>
-              <a:t> 	= </a:t>
-            </a:r>
-          </a:p>
-          <a:p>
-            <a:pPr>
-              <a:buFont typeface="Courier New" panose="02070309020205020404" pitchFamily="49" charset="0"/>
-              <a:buChar char="o"/>
-            </a:pPr>
-            <a:r>
-              <a:rPr lang="en-GB" sz="1400" dirty="0" err="1"/>
-              <a:t>dpp</a:t>
-            </a:r>
-            <a:r>
-              <a:rPr lang="en-GB" sz="1400" dirty="0"/>
-              <a:t> 	=</a:t>
-            </a:r>
-          </a:p>
-          <a:p>
-            <a:pPr>
-              <a:buFont typeface="Courier New" panose="02070309020205020404" pitchFamily="49" charset="0"/>
-              <a:buChar char="o"/>
-            </a:pPr>
-            <a:r>
-              <a:rPr lang="en-GB" sz="1400" dirty="0"/>
-              <a:t>dpdb1 	= </a:t>
-            </a:r>
-          </a:p>
-          <a:p>
-            <a:pPr>
-              <a:buFont typeface="Courier New" panose="02070309020205020404" pitchFamily="49" charset="0"/>
-              <a:buChar char="o"/>
-            </a:pPr>
-            <a:r>
-              <a:rPr lang="en-GB" sz="1400" dirty="0"/>
-              <a:t>dpdb2 	= </a:t>
-            </a:r>
-          </a:p>
-          <a:p>
-            <a:pPr>
-              <a:buFont typeface="Courier New" panose="02070309020205020404" pitchFamily="49" charset="0"/>
-              <a:buChar char="o"/>
-            </a:pPr>
-            <a:r>
-              <a:rPr lang="en-GB" sz="1400" dirty="0"/>
-              <a:t>dpdb3 	= </a:t>
-            </a:r>
-          </a:p>
-          <a:p>
-            <a:pPr>
-              <a:buFont typeface="Courier New" panose="02070309020205020404" pitchFamily="49" charset="0"/>
-              <a:buChar char="o"/>
-            </a:pPr>
-            <a:endParaRPr lang="en-GB" sz="1400" dirty="0"/>
-          </a:p>
-          <a:p>
-            <a:pPr>
-              <a:buFont typeface="Courier New" panose="02070309020205020404" pitchFamily="49" charset="0"/>
-              <a:buChar char="o"/>
-            </a:pPr>
-            <a:r>
-              <a:rPr lang="en-GB" sz="1400" dirty="0" err="1"/>
-              <a:t>dpah</a:t>
-            </a:r>
-            <a:r>
-              <a:rPr lang="en-GB" sz="1400" dirty="0"/>
-              <a:t> 	=</a:t>
-            </a:r>
-          </a:p>
-          <a:p>
-            <a:pPr>
-              <a:buFont typeface="Courier New" panose="02070309020205020404" pitchFamily="49" charset="0"/>
-              <a:buChar char="o"/>
-            </a:pPr>
-            <a:r>
-              <a:rPr lang="en-GB" sz="1400" dirty="0" err="1"/>
-              <a:t>dpha</a:t>
-            </a:r>
-            <a:r>
-              <a:rPr lang="en-GB" sz="1400" dirty="0"/>
-              <a:t> 	=</a:t>
-            </a:r>
-          </a:p>
-          <a:p>
-            <a:pPr>
-              <a:buFont typeface="Courier New" panose="02070309020205020404" pitchFamily="49" charset="0"/>
-              <a:buChar char="o"/>
-            </a:pPr>
-            <a:endParaRPr lang="en-GB" sz="1400" dirty="0"/>
-          </a:p>
-          <a:p>
-            <a:pPr>
-              <a:buFont typeface="Courier New" panose="02070309020205020404" pitchFamily="49" charset="0"/>
-              <a:buChar char="o"/>
-            </a:pPr>
-            <a:r>
-              <a:rPr lang="en-GB" sz="1400" dirty="0" err="1"/>
-              <a:t>dpph</a:t>
-            </a:r>
-            <a:r>
-              <a:rPr lang="en-GB" sz="1400" dirty="0"/>
-              <a:t> 	=</a:t>
-            </a:r>
-          </a:p>
-          <a:p>
-            <a:pPr>
-              <a:buFont typeface="Courier New" panose="02070309020205020404" pitchFamily="49" charset="0"/>
-              <a:buChar char="o"/>
-            </a:pPr>
-            <a:r>
-              <a:rPr lang="en-GB" sz="1400" dirty="0" err="1"/>
-              <a:t>dphp</a:t>
-            </a:r>
-            <a:r>
-              <a:rPr lang="en-GB" sz="1400" dirty="0"/>
-              <a:t> 	=</a:t>
-            </a:r>
-          </a:p>
-          <a:p>
-            <a:pPr>
-              <a:buFont typeface="Courier New" panose="02070309020205020404" pitchFamily="49" charset="0"/>
-              <a:buChar char="o"/>
-            </a:pPr>
-            <a:endParaRPr lang="en-GB" sz="1400" dirty="0"/>
-          </a:p>
-          <a:p>
-            <a:pPr>
-              <a:buFont typeface="Courier New" panose="02070309020205020404" pitchFamily="49" charset="0"/>
-              <a:buChar char="o"/>
-            </a:pPr>
-            <a:r>
-              <a:rPr lang="en-GB" sz="1400" dirty="0" err="1"/>
-              <a:t>dpIDS</a:t>
-            </a:r>
-            <a:r>
-              <a:rPr lang="en-GB" sz="1400" dirty="0"/>
-              <a:t> 	=</a:t>
-            </a:r>
-          </a:p>
-          <a:p>
-            <a:pPr>
-              <a:buFont typeface="Courier New" panose="02070309020205020404" pitchFamily="49" charset="0"/>
-              <a:buChar char="o"/>
-            </a:pPr>
-            <a:r>
-              <a:rPr lang="en-GB" sz="1400" dirty="0" err="1"/>
-              <a:t>dpPS</a:t>
-            </a:r>
-            <a:r>
-              <a:rPr lang="en-GB" sz="1400" dirty="0"/>
-              <a:t> 	=</a:t>
-            </a:r>
-          </a:p>
-        </p:txBody>
-      </p:sp>
-    </p:spTree>
-    <p:extLst>
-      <p:ext uri="{BB962C8B-B14F-4D97-AF65-F5344CB8AC3E}">
-        <p14:creationId xmlns:p14="http://schemas.microsoft.com/office/powerpoint/2010/main" val="1269014700"/>
+        <p14:creationId xmlns:p14="http://schemas.microsoft.com/office/powerpoint/2010/main" val="2573420573"/>
       </p:ext>
     </p:extLst>
   </p:cSld>
@@ -5600,19 +6626,21 @@
         </p:nvSpPr>
         <p:spPr/>
         <p:txBody>
-          <a:bodyPr/>
-          <a:lstStyle/>
-          <a:p>
-            <a:r>
-              <a:rPr lang="en-GB"/>
+          <a:bodyPr>
+            <a:normAutofit/>
+          </a:bodyPr>
+          <a:lstStyle/>
+          <a:p>
+            <a:r>
+              <a:rPr lang="en-GB" sz="4000" dirty="0"/>
               <a:t>p</a:t>
             </a:r>
             <a:r>
-              <a:rPr lang="en-GB" sz="2000"/>
+              <a:rPr lang="en-GB" sz="1800" dirty="0"/>
               <a:t>x </a:t>
             </a:r>
             <a:r>
-              <a:rPr lang="en-GB"/>
+              <a:rPr lang="en-GB" sz="4000" dirty="0"/>
               <a:t> - Probability of event x after time t</a:t>
             </a:r>
           </a:p>
@@ -5646,7 +6674,7 @@
               <a:buChar char="o"/>
             </a:pPr>
             <a:r>
-              <a:rPr lang="en-GB" sz="1400"/>
+              <a:rPr lang="en-GB" sz="1400" dirty="0"/>
               <a:t>pa: attacker gaining control of Authorizer</a:t>
             </a:r>
           </a:p>
@@ -5656,7 +6684,7 @@
               <a:buChar char="o"/>
             </a:pPr>
             <a:r>
-              <a:rPr lang="en-GB" sz="1400"/>
+              <a:rPr lang="en-GB" sz="1400" dirty="0"/>
               <a:t>pp: attacker gaining control of Planner</a:t>
             </a:r>
           </a:p>
@@ -5666,7 +6694,7 @@
               <a:buChar char="o"/>
             </a:pPr>
             <a:r>
-              <a:rPr lang="en-GB" sz="1400"/>
+              <a:rPr lang="en-GB" sz="1400" dirty="0"/>
               <a:t>pdb1:  attacker gaining control of DB1</a:t>
             </a:r>
           </a:p>
@@ -5676,7 +6704,7 @@
               <a:buChar char="o"/>
             </a:pPr>
             <a:r>
-              <a:rPr lang="en-GB" sz="1400"/>
+              <a:rPr lang="en-GB" sz="1400" dirty="0"/>
               <a:t>pdb2:  attacker gaining control of DB2</a:t>
             </a:r>
           </a:p>
@@ -5686,7 +6714,7 @@
               <a:buChar char="o"/>
             </a:pPr>
             <a:r>
-              <a:rPr lang="en-GB" sz="1400"/>
+              <a:rPr lang="en-GB" sz="1400" dirty="0"/>
               <a:t>pdb3:  attacker gaining control of DB3</a:t>
             </a:r>
           </a:p>
@@ -5695,7 +6723,7 @@
               <a:buFont typeface="Courier New" panose="02070309020205020404" pitchFamily="49" charset="0"/>
               <a:buChar char="o"/>
             </a:pPr>
-            <a:endParaRPr lang="en-GB" sz="1400"/>
+            <a:endParaRPr lang="en-GB" sz="1400" dirty="0"/>
           </a:p>
           <a:p>
             <a:pPr>
@@ -5703,11 +6731,11 @@
               <a:buChar char="o"/>
             </a:pPr>
             <a:r>
-              <a:rPr lang="en-GB" sz="1400" err="1"/>
+              <a:rPr lang="en-GB" sz="1400" dirty="0" err="1"/>
               <a:t>ppH</a:t>
             </a:r>
             <a:r>
-              <a:rPr lang="en-GB" sz="1400"/>
+              <a:rPr lang="en-GB" sz="1400" dirty="0"/>
               <a:t>: attacker getting into Honeypot instead of Planner</a:t>
             </a:r>
           </a:p>
@@ -5717,11 +6745,11 @@
               <a:buChar char="o"/>
             </a:pPr>
             <a:r>
-              <a:rPr lang="en-GB" sz="1400" err="1"/>
+              <a:rPr lang="en-GB" sz="1400" dirty="0" err="1"/>
               <a:t>pdbH</a:t>
             </a:r>
             <a:r>
-              <a:rPr lang="en-GB" sz="1400"/>
+              <a:rPr lang="en-GB" sz="1400" dirty="0"/>
               <a:t>: attacker getting into Honeypot instead of DBs</a:t>
             </a:r>
           </a:p>
@@ -5730,7 +6758,7 @@
               <a:buFont typeface="Courier New" panose="02070309020205020404" pitchFamily="49" charset="0"/>
               <a:buChar char="o"/>
             </a:pPr>
-            <a:endParaRPr lang="en-GB" sz="1400"/>
+            <a:endParaRPr lang="en-GB" sz="1400" dirty="0"/>
           </a:p>
           <a:p>
             <a:pPr>
@@ -5738,7 +6766,7 @@
               <a:buChar char="o"/>
             </a:pPr>
             <a:r>
-              <a:rPr lang="en-GB" sz="1400"/>
+              <a:rPr lang="en-GB" sz="1400" dirty="0"/>
               <a:t>paIDS1: Intrusion Detection System 1 detecting attacker at Authorizer</a:t>
             </a:r>
           </a:p>
@@ -5748,7 +6776,7 @@
               <a:buChar char="o"/>
             </a:pPr>
             <a:r>
-              <a:rPr lang="en-GB" sz="1400"/>
+              <a:rPr lang="en-GB" sz="1400" dirty="0"/>
               <a:t>ppIDS2: Intrusion Detection System 1 detecting attacker at Planner</a:t>
             </a:r>
           </a:p>
@@ -5757,7 +6785,7 @@
               <a:buFont typeface="Courier New" panose="02070309020205020404" pitchFamily="49" charset="0"/>
               <a:buChar char="o"/>
             </a:pPr>
-            <a:endParaRPr lang="en-GB" sz="1400"/>
+            <a:endParaRPr lang="en-GB" sz="1400" dirty="0"/>
           </a:p>
           <a:p>
             <a:pPr>
@@ -5765,7 +6793,7 @@
               <a:buChar char="o"/>
             </a:pPr>
             <a:r>
-              <a:rPr lang="en-GB" sz="1400"/>
+              <a:rPr lang="en-GB" sz="1400" dirty="0"/>
               <a:t>pdbPS1: Prevention System 1 detecting attacker in DBs</a:t>
             </a:r>
           </a:p>
@@ -5774,7 +6802,7 @@
               <a:buFont typeface="Courier New" panose="02070309020205020404" pitchFamily="49" charset="0"/>
               <a:buChar char="o"/>
             </a:pPr>
-            <a:endParaRPr lang="en-GB" sz="1400"/>
+            <a:endParaRPr lang="en-GB" sz="1400" dirty="0"/>
           </a:p>
         </p:txBody>
       </p:sp>
@@ -5826,11 +6854,13 @@
         </p:nvSpPr>
         <p:spPr/>
         <p:txBody>
-          <a:bodyPr/>
-          <a:lstStyle/>
-          <a:p>
-            <a:r>
-              <a:rPr lang="en-GB"/>
+          <a:bodyPr>
+            <a:normAutofit/>
+          </a:bodyPr>
+          <a:lstStyle/>
+          <a:p>
+            <a:r>
+              <a:rPr lang="en-GB" sz="4000" dirty="0"/>
               <a:t>Idea of modelling attack graph</a:t>
             </a:r>
           </a:p>
@@ -5860,55 +6890,55 @@
           <a:lstStyle/>
           <a:p>
             <a:r>
-              <a:rPr lang="en-GB" sz="2400"/>
+              <a:rPr lang="en-GB" sz="1400" dirty="0"/>
               <a:t>create own attack graph for a specified network</a:t>
             </a:r>
-            <a:endParaRPr lang="en-GB" sz="2400">
+            <a:endParaRPr lang="en-GB" sz="1400" dirty="0">
               <a:cs typeface="Calibri"/>
             </a:endParaRPr>
           </a:p>
           <a:p>
             <a:r>
-              <a:rPr lang="en-GB" sz="2400"/>
+              <a:rPr lang="en-GB" sz="1400" dirty="0"/>
               <a:t>our paper focuses on shown graph, with RL find optimal solution for a specific model and attack(s)</a:t>
             </a:r>
-            <a:endParaRPr lang="en-GB" sz="2400">
+            <a:endParaRPr lang="en-GB" sz="1400" dirty="0">
               <a:cs typeface="Calibri"/>
             </a:endParaRPr>
           </a:p>
           <a:p>
             <a:r>
-              <a:rPr lang="en-GB" sz="2400"/>
+              <a:rPr lang="en-GB" sz="1400" dirty="0"/>
               <a:t>basically any graph possible to model with </a:t>
             </a:r>
-            <a:endParaRPr lang="en-GB" sz="2400">
+            <a:endParaRPr lang="en-GB" sz="1400" dirty="0">
               <a:cs typeface="Calibri"/>
             </a:endParaRPr>
           </a:p>
           <a:p>
             <a:pPr lvl="1"/>
             <a:r>
-              <a:rPr lang="en-GB" sz="2000"/>
+              <a:rPr lang="en-GB" sz="1200" dirty="0"/>
               <a:t>nodes = services</a:t>
             </a:r>
-            <a:endParaRPr lang="en-GB" sz="2000">
+            <a:endParaRPr lang="en-GB" sz="1200" dirty="0">
               <a:cs typeface="Calibri"/>
             </a:endParaRPr>
           </a:p>
           <a:p>
             <a:pPr lvl="1"/>
             <a:r>
-              <a:rPr lang="en-GB" sz="2000"/>
+              <a:rPr lang="en-GB" sz="1200" dirty="0"/>
               <a:t>edges = probability of gaining control / catching attacker</a:t>
             </a:r>
-            <a:endParaRPr lang="en-GB" sz="2000">
+            <a:endParaRPr lang="en-GB" sz="1200" dirty="0">
               <a:cs typeface="Calibri"/>
             </a:endParaRPr>
           </a:p>
           <a:p>
             <a:pPr lvl="1"/>
             <a:r>
-              <a:rPr lang="en-GB" sz="2000">
+              <a:rPr lang="en-GB" sz="1200" dirty="0">
                 <a:cs typeface="Calibri"/>
               </a:rPr>
               <a:t>modelling different attack types</a:t>
@@ -6421,7 +7451,7 @@
           <a:p>
             <a:pPr algn="ctr"/>
             <a:r>
-              <a:rPr lang="en-GB">
+              <a:rPr lang="en-GB" dirty="0">
                 <a:solidFill>
                   <a:schemeClr val="bg1"/>
                 </a:solidFill>
@@ -6474,7 +7504,7 @@
           <a:p>
             <a:pPr algn="ctr"/>
             <a:r>
-              <a:rPr lang="en-GB"/>
+              <a:rPr lang="en-GB" dirty="0"/>
               <a:t>Authorizer</a:t>
             </a:r>
           </a:p>
@@ -6523,7 +7553,7 @@
           <a:p>
             <a:pPr algn="ctr"/>
             <a:r>
-              <a:rPr lang="en-GB"/>
+              <a:rPr lang="en-GB" dirty="0"/>
               <a:t>Planner</a:t>
             </a:r>
           </a:p>
@@ -6543,7 +7573,7 @@
         </p:nvSpPr>
         <p:spPr>
           <a:xfrm>
-            <a:off x="9440460" y="2174739"/>
+            <a:off x="9411920" y="2159599"/>
             <a:ext cx="2028825" cy="1042987"/>
           </a:xfrm>
           <a:prstGeom prst="rect">
@@ -6752,7 +7782,7 @@
           <a:p>
             <a:pPr algn="ctr"/>
             <a:r>
-              <a:rPr lang="en-GB"/>
+              <a:rPr lang="en-GB" dirty="0"/>
               <a:t>Honeypot</a:t>
             </a:r>
           </a:p>
@@ -7237,6 +8267,64 @@
           <a:lstStyle/>
           <a:p>
             <a:r>
+              <a:rPr lang="en-GB" dirty="0"/>
+              <a:t>p</a:t>
+            </a:r>
+            <a:r>
+              <a:rPr lang="en-GB" sz="1100" dirty="0"/>
+              <a:t>IDS1 0</a:t>
+            </a:r>
+            <a:br>
+              <a:rPr lang="en-GB" sz="1100" dirty="0"/>
+            </a:br>
+            <a:r>
+              <a:rPr lang="en-GB" dirty="0"/>
+              <a:t>d</a:t>
+            </a:r>
+            <a:r>
+              <a:rPr lang="en-GB" sz="1400" dirty="0"/>
+              <a:t>p</a:t>
+            </a:r>
+            <a:r>
+              <a:rPr lang="en-GB" sz="1100" dirty="0"/>
+              <a:t>IDS1</a:t>
+            </a:r>
+            <a:r>
+              <a:rPr lang="en-GB" dirty="0"/>
+              <a:t>/dt</a:t>
+            </a:r>
+          </a:p>
+        </p:txBody>
+      </p:sp>
+      <p:sp>
+        <p:nvSpPr>
+          <p:cNvPr id="127" name="Textfeld 126">
+            <a:extLst>
+              <a:ext uri="{FF2B5EF4-FFF2-40B4-BE49-F238E27FC236}">
+                <a16:creationId xmlns:a16="http://schemas.microsoft.com/office/drawing/2014/main" id="{7D144FC0-B702-4850-AE94-9CA3EA76433C}"/>
+              </a:ext>
+            </a:extLst>
+          </p:cNvPr>
+          <p:cNvSpPr txBox="1"/>
+          <p:nvPr/>
+        </p:nvSpPr>
+        <p:spPr>
+          <a:xfrm>
+            <a:off x="7863930" y="3400660"/>
+            <a:ext cx="1027060" cy="646331"/>
+          </a:xfrm>
+          <a:prstGeom prst="rect">
+            <a:avLst/>
+          </a:prstGeom>
+          <a:noFill/>
+        </p:spPr>
+        <p:txBody>
+          <a:bodyPr wrap="square" rtlCol="0">
+            <a:spAutoFit/>
+          </a:bodyPr>
+          <a:lstStyle/>
+          <a:p>
+            <a:r>
               <a:rPr lang="en-GB"/>
               <a:t>p</a:t>
             </a:r>
@@ -7268,10 +8356,10 @@
       </p:sp>
       <p:sp>
         <p:nvSpPr>
-          <p:cNvPr id="127" name="Textfeld 126">
-            <a:extLst>
-              <a:ext uri="{FF2B5EF4-FFF2-40B4-BE49-F238E27FC236}">
-                <a16:creationId xmlns:a16="http://schemas.microsoft.com/office/drawing/2014/main" id="{7D144FC0-B702-4850-AE94-9CA3EA76433C}"/>
+          <p:cNvPr id="129" name="Textfeld 128">
+            <a:extLst>
+              <a:ext uri="{FF2B5EF4-FFF2-40B4-BE49-F238E27FC236}">
+                <a16:creationId xmlns:a16="http://schemas.microsoft.com/office/drawing/2014/main" id="{EA7DA8FB-4689-4517-80F1-C93368AD9298}"/>
               </a:ext>
             </a:extLst>
           </p:cNvPr>
@@ -7280,65 +8368,7 @@
         </p:nvSpPr>
         <p:spPr>
           <a:xfrm>
-            <a:off x="7863930" y="3400660"/>
-            <a:ext cx="1027060" cy="646331"/>
-          </a:xfrm>
-          <a:prstGeom prst="rect">
-            <a:avLst/>
-          </a:prstGeom>
-          <a:noFill/>
-        </p:spPr>
-        <p:txBody>
-          <a:bodyPr wrap="square" rtlCol="0">
-            <a:spAutoFit/>
-          </a:bodyPr>
-          <a:lstStyle/>
-          <a:p>
-            <a:r>
-              <a:rPr lang="en-GB"/>
-              <a:t>p</a:t>
-            </a:r>
-            <a:r>
-              <a:rPr lang="en-GB" sz="1100"/>
-              <a:t>IDS1 0</a:t>
-            </a:r>
-            <a:br>
-              <a:rPr lang="en-GB" sz="1100"/>
-            </a:br>
-            <a:r>
-              <a:rPr lang="en-GB"/>
-              <a:t>d</a:t>
-            </a:r>
-            <a:r>
-              <a:rPr lang="en-GB" sz="1400"/>
-              <a:t>p</a:t>
-            </a:r>
-            <a:r>
-              <a:rPr lang="en-GB" sz="1100"/>
-              <a:t>IDS1</a:t>
-            </a:r>
-            <a:r>
-              <a:rPr lang="en-GB"/>
-              <a:t>/dt</a:t>
-            </a:r>
-          </a:p>
-        </p:txBody>
-      </p:sp>
-      <p:sp>
-        <p:nvSpPr>
-          <p:cNvPr id="129" name="Textfeld 128">
-            <a:extLst>
-              <a:ext uri="{FF2B5EF4-FFF2-40B4-BE49-F238E27FC236}">
-                <a16:creationId xmlns:a16="http://schemas.microsoft.com/office/drawing/2014/main" id="{EA7DA8FB-4689-4517-80F1-C93368AD9298}"/>
-              </a:ext>
-            </a:extLst>
-          </p:cNvPr>
-          <p:cNvSpPr txBox="1"/>
-          <p:nvPr/>
-        </p:nvSpPr>
-        <p:spPr>
-          <a:xfrm>
-            <a:off x="8588337" y="4683729"/>
+            <a:off x="8575129" y="4666687"/>
             <a:ext cx="1220815" cy="646331"/>
           </a:xfrm>
           <a:prstGeom prst="rect">
@@ -8861,12 +9891,14 @@
         </p:nvSpPr>
         <p:spPr/>
         <p:txBody>
-          <a:bodyPr/>
-          <a:lstStyle/>
-          <a:p>
-            <a:r>
-              <a:rPr lang="en-GB"/>
-              <a:t>Fixed Events (no probability)</a:t>
+          <a:bodyPr>
+            <a:normAutofit/>
+          </a:bodyPr>
+          <a:lstStyle/>
+          <a:p>
+            <a:r>
+              <a:rPr lang="en-GB" sz="4000" dirty="0"/>
+              <a:t>RL Agent -&gt; Results</a:t>
             </a:r>
           </a:p>
         </p:txBody>
@@ -8899,7 +9931,7 @@
               <a:buChar char="o"/>
             </a:pPr>
             <a:r>
-              <a:rPr lang="en-GB" sz="1400"/>
+              <a:rPr lang="en-GB" sz="1400" dirty="0"/>
               <a:t>Restart / Swap Authorizer: 	kick attacker out of authorizer, set pa to pa 0</a:t>
             </a:r>
           </a:p>
@@ -8909,7 +9941,7 @@
               <a:buChar char="o"/>
             </a:pPr>
             <a:r>
-              <a:rPr lang="en-GB" sz="1400"/>
+              <a:rPr lang="en-GB" sz="1400" dirty="0"/>
               <a:t>Restart / Swap Planner: 	kick attacker out of planner, set pp to pp 0</a:t>
             </a:r>
           </a:p>
@@ -8919,23 +9951,23 @@
               <a:buChar char="o"/>
             </a:pPr>
             <a:r>
-              <a:rPr lang="en-GB" sz="1400"/>
+              <a:rPr lang="en-GB" sz="1400" dirty="0"/>
               <a:t>Restart / Swap DB: 		kick attacker out of DB, set </a:t>
             </a:r>
             <a:r>
-              <a:rPr lang="en-GB" sz="1400" err="1"/>
+              <a:rPr lang="en-GB" sz="1400" dirty="0" err="1"/>
               <a:t>pdb</a:t>
             </a:r>
             <a:r>
-              <a:rPr lang="en-GB" sz="1400"/>
+              <a:rPr lang="en-GB" sz="1400" dirty="0"/>
               <a:t> to </a:t>
             </a:r>
             <a:r>
-              <a:rPr lang="en-GB" sz="1400" err="1"/>
+              <a:rPr lang="en-GB" sz="1400" dirty="0" err="1"/>
               <a:t>pdb</a:t>
             </a:r>
             <a:r>
-              <a:rPr lang="en-GB" sz="1400"/>
+              <a:rPr lang="en-GB" sz="1400" dirty="0"/>
               <a:t> 0</a:t>
             </a:r>
           </a:p>
@@ -8944,7 +9976,7 @@
               <a:buFont typeface="Courier New" panose="02070309020205020404" pitchFamily="49" charset="0"/>
               <a:buChar char="o"/>
             </a:pPr>
-            <a:endParaRPr lang="en-GB" sz="1400"/>
+            <a:endParaRPr lang="en-GB" sz="1400" dirty="0"/>
           </a:p>
           <a:p>
             <a:pPr>
@@ -8952,23 +9984,23 @@
               <a:buChar char="o"/>
             </a:pPr>
             <a:r>
-              <a:rPr lang="en-GB" sz="1400"/>
+              <a:rPr lang="en-GB" sz="1400" dirty="0"/>
               <a:t>Swap IPS:	reset </a:t>
             </a:r>
             <a:r>
-              <a:rPr lang="en-GB" sz="1400" err="1"/>
+              <a:rPr lang="en-GB" sz="1400" dirty="0" err="1"/>
               <a:t>pIDS</a:t>
             </a:r>
             <a:r>
-              <a:rPr lang="en-GB" sz="1400"/>
+              <a:rPr lang="en-GB" sz="1400" dirty="0"/>
               <a:t> to </a:t>
             </a:r>
             <a:r>
-              <a:rPr lang="en-GB" sz="1400" err="1"/>
+              <a:rPr lang="en-GB" sz="1400" dirty="0" err="1"/>
               <a:t>pIDS</a:t>
             </a:r>
             <a:r>
-              <a:rPr lang="en-GB" sz="1400"/>
+              <a:rPr lang="en-GB" sz="1400" dirty="0"/>
               <a:t> 0</a:t>
             </a:r>
           </a:p>
@@ -8978,23 +10010,23 @@
               <a:buChar char="o"/>
             </a:pPr>
             <a:r>
-              <a:rPr lang="en-GB" sz="1400"/>
+              <a:rPr lang="en-GB" sz="1400" dirty="0"/>
               <a:t>Swap PS:		reset </a:t>
             </a:r>
             <a:r>
-              <a:rPr lang="en-GB" sz="1400" err="1"/>
+              <a:rPr lang="en-GB" sz="1400" dirty="0" err="1"/>
               <a:t>pPS</a:t>
             </a:r>
             <a:r>
-              <a:rPr lang="en-GB" sz="1400"/>
+              <a:rPr lang="en-GB" sz="1400" dirty="0"/>
               <a:t> to </a:t>
             </a:r>
             <a:r>
-              <a:rPr lang="en-GB" sz="1400" err="1"/>
+              <a:rPr lang="en-GB" sz="1400" dirty="0" err="1"/>
               <a:t>pPS</a:t>
             </a:r>
             <a:r>
-              <a:rPr lang="en-GB" sz="1400"/>
+              <a:rPr lang="en-GB" sz="1400" dirty="0"/>
               <a:t> 0</a:t>
             </a:r>
           </a:p>
@@ -9003,7 +10035,7 @@
               <a:buFont typeface="Courier New" panose="02070309020205020404" pitchFamily="49" charset="0"/>
               <a:buChar char="o"/>
             </a:pPr>
-            <a:endParaRPr lang="en-GB" sz="1400"/>
+            <a:endParaRPr lang="en-GB" sz="1400" dirty="0"/>
           </a:p>
           <a:p>
             <a:pPr>
@@ -9011,7 +10043,7 @@
               <a:buChar char="o"/>
             </a:pPr>
             <a:r>
-              <a:rPr lang="en-GB" sz="1400"/>
+              <a:rPr lang="en-GB" sz="1400" dirty="0"/>
               <a:t>Catch Attacker: 	kick attacker out of System</a:t>
             </a:r>
           </a:p>
@@ -9020,7 +10052,7 @@
               <a:buFont typeface="Courier New" panose="02070309020205020404" pitchFamily="49" charset="0"/>
               <a:buChar char="o"/>
             </a:pPr>
-            <a:endParaRPr lang="en-GB" sz="1400"/>
+            <a:endParaRPr lang="en-GB" sz="1400" dirty="0"/>
           </a:p>
           <a:p>
             <a:pPr>
@@ -9028,7 +10060,7 @@
               <a:buChar char="o"/>
             </a:pPr>
             <a:r>
-              <a:rPr lang="en-GB" sz="1400"/>
+              <a:rPr lang="en-GB" sz="1400" dirty="0"/>
               <a:t>Data extracted:			Attacker wins</a:t>
             </a:r>
           </a:p>
@@ -9038,7 +10070,7 @@
               <a:buChar char="o"/>
             </a:pPr>
             <a:r>
-              <a:rPr lang="en-GB" sz="1400"/>
+              <a:rPr lang="en-GB" sz="1400" dirty="0"/>
               <a:t>x time steps passed w/out extraction:	MTD wins</a:t>
             </a:r>
           </a:p>
@@ -9047,7 +10079,7 @@
               <a:buFont typeface="Courier New" panose="02070309020205020404" pitchFamily="49" charset="0"/>
               <a:buChar char="o"/>
             </a:pPr>
-            <a:endParaRPr lang="en-GB" sz="1400"/>
+            <a:endParaRPr lang="en-GB" sz="1400" dirty="0"/>
           </a:p>
           <a:p>
             <a:pPr>
@@ -9055,7 +10087,7 @@
               <a:buChar char="o"/>
             </a:pPr>
             <a:r>
-              <a:rPr lang="en-GB" sz="1400"/>
+              <a:rPr lang="en-GB" sz="1400" dirty="0"/>
               <a:t>all probabilities change over time (x attacks per timestep)</a:t>
             </a:r>
           </a:p>
@@ -9064,7 +10096,7 @@
               <a:buFont typeface="Courier New" panose="02070309020205020404" pitchFamily="49" charset="0"/>
               <a:buChar char="o"/>
             </a:pPr>
-            <a:endParaRPr lang="en-GB" sz="1400"/>
+            <a:endParaRPr lang="en-GB" sz="1400" dirty="0"/>
           </a:p>
         </p:txBody>
       </p:sp>
@@ -9127,63 +10159,63 @@
           <a:lstStyle/>
           <a:p>
             <a:r>
-              <a:rPr lang="en-GB"/>
+              <a:rPr lang="en-GB" sz="4000" dirty="0"/>
               <a:t>p</a:t>
             </a:r>
             <a:r>
-              <a:rPr lang="en-GB" sz="2000"/>
+              <a:rPr lang="en-GB" sz="1800" dirty="0"/>
               <a:t>x </a:t>
             </a:r>
             <a:r>
-              <a:rPr lang="en-GB"/>
+              <a:rPr lang="en-GB" sz="4000" dirty="0"/>
               <a:t> - Probability of event x at time t</a:t>
             </a:r>
             <a:br>
-              <a:rPr lang="en-GB"/>
+              <a:rPr lang="en-GB" sz="4000" dirty="0"/>
             </a:br>
             <a:br>
-              <a:rPr lang="en-GB" sz="1600"/>
+              <a:rPr lang="en-GB" sz="1400" dirty="0"/>
             </a:br>
             <a:r>
-              <a:rPr lang="en-GB" sz="2800"/>
+              <a:rPr lang="en-GB" sz="2800" dirty="0"/>
               <a:t>p</a:t>
             </a:r>
             <a:r>
-              <a:rPr lang="en-GB" sz="1400"/>
+              <a:rPr lang="en-GB" sz="1400" dirty="0"/>
               <a:t>x0</a:t>
             </a:r>
             <a:r>
-              <a:rPr lang="en-GB" sz="2800"/>
+              <a:rPr lang="en-GB" sz="2800" dirty="0"/>
               <a:t> – Probability of event x at time t = 0</a:t>
             </a:r>
             <a:br>
-              <a:rPr lang="en-GB" sz="2800"/>
+              <a:rPr lang="en-GB" sz="2800" dirty="0"/>
             </a:br>
             <a:r>
-              <a:rPr lang="en-GB" sz="2700" err="1"/>
+              <a:rPr lang="en-GB" sz="2700" dirty="0" err="1"/>
               <a:t>d</a:t>
             </a:r>
             <a:r>
-              <a:rPr lang="en-GB" sz="2000" err="1"/>
+              <a:rPr lang="en-GB" sz="2000" dirty="0" err="1"/>
               <a:t>p</a:t>
             </a:r>
             <a:r>
-              <a:rPr lang="en-GB" sz="1200" err="1"/>
+              <a:rPr lang="en-GB" sz="1200" dirty="0" err="1"/>
               <a:t>x</a:t>
             </a:r>
             <a:r>
-              <a:rPr lang="en-GB" sz="2700"/>
+              <a:rPr lang="en-GB" sz="2700" dirty="0"/>
               <a:t>/dt</a:t>
             </a:r>
             <a:r>
-              <a:rPr lang="en-GB" sz="1200"/>
+              <a:rPr lang="en-GB" sz="1200" dirty="0"/>
               <a:t> </a:t>
             </a:r>
             <a:r>
-              <a:rPr lang="en-GB" sz="2700"/>
+              <a:rPr lang="en-GB" sz="2700" dirty="0"/>
               <a:t> - Change in Probability after time t</a:t>
             </a:r>
-            <a:endParaRPr lang="en-GB"/>
+            <a:endParaRPr lang="en-GB" dirty="0"/>
           </a:p>
         </p:txBody>
       </p:sp>
@@ -9413,11 +10445,13 @@
         </p:nvSpPr>
         <p:spPr/>
         <p:txBody>
-          <a:bodyPr/>
-          <a:lstStyle/>
-          <a:p>
-            <a:r>
-              <a:rPr lang="en-GB"/>
+          <a:bodyPr>
+            <a:normAutofit/>
+          </a:bodyPr>
+          <a:lstStyle/>
+          <a:p>
+            <a:r>
+              <a:rPr lang="en-GB" sz="4000" dirty="0"/>
               <a:t>Costs of MTD actions</a:t>
             </a:r>
           </a:p>
@@ -9847,9 +10881,12 @@
 </file>
 
 <file path=customXml/item1.xml><?xml version="1.0" encoding="utf-8"?>
-<p:properties xmlns:p="http://schemas.microsoft.com/office/2006/metadata/properties" xmlns:xsi="http://www.w3.org/2001/XMLSchema-instance" xmlns:pc="http://schemas.microsoft.com/office/infopath/2007/PartnerControls">
-  <documentManagement/>
-</p:properties>
+<?mso-contentType ?>
+<FormTemplates xmlns="http://schemas.microsoft.com/sharepoint/v3/contenttype/forms">
+  <Display>DocumentLibraryForm</Display>
+  <Edit>DocumentLibraryForm</Edit>
+  <New>DocumentLibraryForm</New>
+</FormTemplates>
 </file>
 
 <file path=customXml/item2.xml><?xml version="1.0" encoding="utf-8"?>
@@ -9999,26 +11036,15 @@
 </file>
 
 <file path=customXml/item3.xml><?xml version="1.0" encoding="utf-8"?>
-<?mso-contentType ?>
-<FormTemplates xmlns="http://schemas.microsoft.com/sharepoint/v3/contenttype/forms">
-  <Display>DocumentLibraryForm</Display>
-  <Edit>DocumentLibraryForm</Edit>
-  <New>DocumentLibraryForm</New>
-</FormTemplates>
+<p:properties xmlns:p="http://schemas.microsoft.com/office/2006/metadata/properties" xmlns:xsi="http://www.w3.org/2001/XMLSchema-instance" xmlns:pc="http://schemas.microsoft.com/office/infopath/2007/PartnerControls">
+  <documentManagement/>
+</p:properties>
 </file>
 
 <file path=customXml/itemProps1.xml><?xml version="1.0" encoding="utf-8"?>
-<ds:datastoreItem xmlns:ds="http://schemas.openxmlformats.org/officeDocument/2006/customXml" ds:itemID="{B111369F-841E-4499-8860-ACB5045CEC00}">
+<ds:datastoreItem xmlns:ds="http://schemas.openxmlformats.org/officeDocument/2006/customXml" ds:itemID="{4E70509A-51F1-449D-A20D-C92EB9A4F9DF}">
   <ds:schemaRefs>
-    <ds:schemaRef ds:uri="http://schemas.microsoft.com/office/2006/metadata/properties"/>
-    <ds:schemaRef ds:uri="http://www.w3.org/XML/1998/namespace"/>
-    <ds:schemaRef ds:uri="0ca4519e-f7ae-4716-9300-8b80674a5553"/>
-    <ds:schemaRef ds:uri="http://schemas.openxmlformats.org/package/2006/metadata/core-properties"/>
-    <ds:schemaRef ds:uri="http://schemas.microsoft.com/office/infopath/2007/PartnerControls"/>
-    <ds:schemaRef ds:uri="http://schemas.microsoft.com/office/2006/documentManagement/types"/>
-    <ds:schemaRef ds:uri="http://purl.org/dc/dcmitype/"/>
-    <ds:schemaRef ds:uri="http://purl.org/dc/terms/"/>
-    <ds:schemaRef ds:uri="http://purl.org/dc/elements/1.1/"/>
+    <ds:schemaRef ds:uri="http://schemas.microsoft.com/sharepoint/v3/contenttype/forms"/>
   </ds:schemaRefs>
 </ds:datastoreItem>
 </file>
@@ -10042,9 +11068,17 @@
 </file>
 
 <file path=customXml/itemProps3.xml><?xml version="1.0" encoding="utf-8"?>
-<ds:datastoreItem xmlns:ds="http://schemas.openxmlformats.org/officeDocument/2006/customXml" ds:itemID="{4E70509A-51F1-449D-A20D-C92EB9A4F9DF}">
+<ds:datastoreItem xmlns:ds="http://schemas.openxmlformats.org/officeDocument/2006/customXml" ds:itemID="{B111369F-841E-4499-8860-ACB5045CEC00}">
   <ds:schemaRefs>
-    <ds:schemaRef ds:uri="http://schemas.microsoft.com/sharepoint/v3/contenttype/forms"/>
+    <ds:schemaRef ds:uri="http://schemas.microsoft.com/office/2006/metadata/properties"/>
+    <ds:schemaRef ds:uri="http://www.w3.org/XML/1998/namespace"/>
+    <ds:schemaRef ds:uri="0ca4519e-f7ae-4716-9300-8b80674a5553"/>
+    <ds:schemaRef ds:uri="http://schemas.openxmlformats.org/package/2006/metadata/core-properties"/>
+    <ds:schemaRef ds:uri="http://schemas.microsoft.com/office/infopath/2007/PartnerControls"/>
+    <ds:schemaRef ds:uri="http://schemas.microsoft.com/office/2006/documentManagement/types"/>
+    <ds:schemaRef ds:uri="http://purl.org/dc/dcmitype/"/>
+    <ds:schemaRef ds:uri="http://purl.org/dc/terms/"/>
+    <ds:schemaRef ds:uri="http://purl.org/dc/elements/1.1/"/>
   </ds:schemaRefs>
 </ds:datastoreItem>
 </file>
--- a/Model.pptx
+++ b/Model.pptx
@@ -11,11 +11,12 @@
     <p:sldId id="258" r:id="rId8"/>
     <p:sldId id="262" r:id="rId9"/>
     <p:sldId id="259" r:id="rId10"/>
-    <p:sldId id="264" r:id="rId11"/>
-    <p:sldId id="263" r:id="rId12"/>
-    <p:sldId id="265" r:id="rId13"/>
-    <p:sldId id="270" r:id="rId14"/>
-    <p:sldId id="271" r:id="rId15"/>
+    <p:sldId id="272" r:id="rId11"/>
+    <p:sldId id="273" r:id="rId12"/>
+    <p:sldId id="263" r:id="rId13"/>
+    <p:sldId id="265" r:id="rId14"/>
+    <p:sldId id="270" r:id="rId15"/>
+    <p:sldId id="271" r:id="rId16"/>
   </p:sldIdLst>
   <p:sldSz cx="12192000" cy="6858000"/>
   <p:notesSz cx="6858000" cy="9144000"/>
@@ -251,7 +252,7 @@
           <a:p>
             <a:fld id="{D3EB3054-B75A-4BD7-8B3E-8DC0F614FAF3}" type="datetimeFigureOut">
               <a:rPr lang="de-DE" smtClean="0"/>
-              <a:t>24.10.2020</a:t>
+              <a:t>26.10.2020</a:t>
             </a:fld>
             <a:endParaRPr lang="de-DE"/>
           </a:p>
@@ -419,7 +420,7 @@
           <a:p>
             <a:fld id="{D3EB3054-B75A-4BD7-8B3E-8DC0F614FAF3}" type="datetimeFigureOut">
               <a:rPr lang="de-DE" smtClean="0"/>
-              <a:t>24.10.2020</a:t>
+              <a:t>26.10.2020</a:t>
             </a:fld>
             <a:endParaRPr lang="de-DE"/>
           </a:p>
@@ -597,7 +598,7 @@
           <a:p>
             <a:fld id="{D3EB3054-B75A-4BD7-8B3E-8DC0F614FAF3}" type="datetimeFigureOut">
               <a:rPr lang="de-DE" smtClean="0"/>
-              <a:t>24.10.2020</a:t>
+              <a:t>26.10.2020</a:t>
             </a:fld>
             <a:endParaRPr lang="de-DE"/>
           </a:p>
@@ -765,7 +766,7 @@
           <a:p>
             <a:fld id="{D3EB3054-B75A-4BD7-8B3E-8DC0F614FAF3}" type="datetimeFigureOut">
               <a:rPr lang="de-DE" smtClean="0"/>
-              <a:t>24.10.2020</a:t>
+              <a:t>26.10.2020</a:t>
             </a:fld>
             <a:endParaRPr lang="de-DE"/>
           </a:p>
@@ -1010,7 +1011,7 @@
           <a:p>
             <a:fld id="{D3EB3054-B75A-4BD7-8B3E-8DC0F614FAF3}" type="datetimeFigureOut">
               <a:rPr lang="de-DE" smtClean="0"/>
-              <a:t>24.10.2020</a:t>
+              <a:t>26.10.2020</a:t>
             </a:fld>
             <a:endParaRPr lang="de-DE"/>
           </a:p>
@@ -1239,7 +1240,7 @@
           <a:p>
             <a:fld id="{D3EB3054-B75A-4BD7-8B3E-8DC0F614FAF3}" type="datetimeFigureOut">
               <a:rPr lang="de-DE" smtClean="0"/>
-              <a:t>24.10.2020</a:t>
+              <a:t>26.10.2020</a:t>
             </a:fld>
             <a:endParaRPr lang="de-DE"/>
           </a:p>
@@ -1603,7 +1604,7 @@
           <a:p>
             <a:fld id="{D3EB3054-B75A-4BD7-8B3E-8DC0F614FAF3}" type="datetimeFigureOut">
               <a:rPr lang="de-DE" smtClean="0"/>
-              <a:t>24.10.2020</a:t>
+              <a:t>26.10.2020</a:t>
             </a:fld>
             <a:endParaRPr lang="de-DE"/>
           </a:p>
@@ -1720,7 +1721,7 @@
           <a:p>
             <a:fld id="{D3EB3054-B75A-4BD7-8B3E-8DC0F614FAF3}" type="datetimeFigureOut">
               <a:rPr lang="de-DE" smtClean="0"/>
-              <a:t>24.10.2020</a:t>
+              <a:t>26.10.2020</a:t>
             </a:fld>
             <a:endParaRPr lang="de-DE"/>
           </a:p>
@@ -1815,7 +1816,7 @@
           <a:p>
             <a:fld id="{D3EB3054-B75A-4BD7-8B3E-8DC0F614FAF3}" type="datetimeFigureOut">
               <a:rPr lang="de-DE" smtClean="0"/>
-              <a:t>24.10.2020</a:t>
+              <a:t>26.10.2020</a:t>
             </a:fld>
             <a:endParaRPr lang="de-DE"/>
           </a:p>
@@ -2090,7 +2091,7 @@
           <a:p>
             <a:fld id="{D3EB3054-B75A-4BD7-8B3E-8DC0F614FAF3}" type="datetimeFigureOut">
               <a:rPr lang="de-DE" smtClean="0"/>
-              <a:t>24.10.2020</a:t>
+              <a:t>26.10.2020</a:t>
             </a:fld>
             <a:endParaRPr lang="de-DE"/>
           </a:p>
@@ -2342,7 +2343,7 @@
           <a:p>
             <a:fld id="{D3EB3054-B75A-4BD7-8B3E-8DC0F614FAF3}" type="datetimeFigureOut">
               <a:rPr lang="de-DE" smtClean="0"/>
-              <a:t>24.10.2020</a:t>
+              <a:t>26.10.2020</a:t>
             </a:fld>
             <a:endParaRPr lang="de-DE"/>
           </a:p>
@@ -2553,7 +2554,7 @@
           <a:p>
             <a:fld id="{D3EB3054-B75A-4BD7-8B3E-8DC0F614FAF3}" type="datetimeFigureOut">
               <a:rPr lang="de-DE" smtClean="0"/>
-              <a:t>24.10.2020</a:t>
+              <a:t>26.10.2020</a:t>
             </a:fld>
             <a:endParaRPr lang="de-DE"/>
           </a:p>
@@ -3049,6 +3050,215 @@
           <p:cNvPr id="2" name="Title 1">
             <a:extLst>
               <a:ext uri="{FF2B5EF4-FFF2-40B4-BE49-F238E27FC236}">
+                <a16:creationId xmlns:a16="http://schemas.microsoft.com/office/drawing/2014/main" id="{62452B2C-DF0F-41EC-961C-1CDDC319D02B}"/>
+              </a:ext>
+            </a:extLst>
+          </p:cNvPr>
+          <p:cNvSpPr>
+            <a:spLocks noGrp="1"/>
+          </p:cNvSpPr>
+          <p:nvPr>
+            <p:ph type="title"/>
+          </p:nvPr>
+        </p:nvSpPr>
+        <p:spPr/>
+        <p:txBody>
+          <a:bodyPr>
+            <a:normAutofit/>
+          </a:bodyPr>
+          <a:lstStyle/>
+          <a:p>
+            <a:r>
+              <a:rPr lang="en-GB" sz="4000" dirty="0"/>
+              <a:t>Costs of MTD actions</a:t>
+            </a:r>
+          </a:p>
+        </p:txBody>
+      </p:sp>
+      <p:sp>
+        <p:nvSpPr>
+          <p:cNvPr id="4" name="Inhaltsplatzhalter 2">
+            <a:extLst>
+              <a:ext uri="{FF2B5EF4-FFF2-40B4-BE49-F238E27FC236}">
+                <a16:creationId xmlns:a16="http://schemas.microsoft.com/office/drawing/2014/main" id="{217765A3-09C5-4F51-B0B8-2C08C5FE4BA2}"/>
+              </a:ext>
+            </a:extLst>
+          </p:cNvPr>
+          <p:cNvSpPr>
+            <a:spLocks noGrp="1"/>
+          </p:cNvSpPr>
+          <p:nvPr>
+            <p:ph idx="1"/>
+          </p:nvPr>
+        </p:nvSpPr>
+        <p:spPr>
+          <a:xfrm>
+            <a:off x="838200" y="1825625"/>
+            <a:ext cx="10515600" cy="4351338"/>
+          </a:xfrm>
+        </p:spPr>
+        <p:txBody>
+          <a:bodyPr>
+            <a:normAutofit/>
+          </a:bodyPr>
+          <a:lstStyle/>
+          <a:p>
+            <a:pPr>
+              <a:buFont typeface="Courier New" panose="02070309020205020404" pitchFamily="49" charset="0"/>
+              <a:buChar char="o"/>
+            </a:pPr>
+            <a:r>
+              <a:rPr lang="en-GB" sz="1400" dirty="0"/>
+              <a:t>Restart / Swap Authorizer: 	5</a:t>
+            </a:r>
+          </a:p>
+          <a:p>
+            <a:pPr>
+              <a:buFont typeface="Courier New" panose="02070309020205020404" pitchFamily="49" charset="0"/>
+              <a:buChar char="o"/>
+            </a:pPr>
+            <a:r>
+              <a:rPr lang="en-GB" sz="1400" dirty="0"/>
+              <a:t>Restart / Swap Planner: 	5</a:t>
+            </a:r>
+          </a:p>
+          <a:p>
+            <a:pPr>
+              <a:buFont typeface="Courier New" panose="02070309020205020404" pitchFamily="49" charset="0"/>
+              <a:buChar char="o"/>
+            </a:pPr>
+            <a:r>
+              <a:rPr lang="en-GB" sz="1400" dirty="0"/>
+              <a:t>Restart / Swap DB: 		5</a:t>
+            </a:r>
+          </a:p>
+          <a:p>
+            <a:pPr>
+              <a:buFont typeface="Courier New" panose="02070309020205020404" pitchFamily="49" charset="0"/>
+              <a:buChar char="o"/>
+            </a:pPr>
+            <a:endParaRPr lang="en-GB" sz="1400" dirty="0"/>
+          </a:p>
+          <a:p>
+            <a:pPr>
+              <a:buFont typeface="Courier New" panose="02070309020205020404" pitchFamily="49" charset="0"/>
+              <a:buChar char="o"/>
+            </a:pPr>
+            <a:r>
+              <a:rPr lang="en-GB" sz="1400" dirty="0"/>
+              <a:t>Swap IDS:	2</a:t>
+            </a:r>
+          </a:p>
+          <a:p>
+            <a:pPr>
+              <a:buFont typeface="Courier New" panose="02070309020205020404" pitchFamily="49" charset="0"/>
+              <a:buChar char="o"/>
+            </a:pPr>
+            <a:r>
+              <a:rPr lang="en-GB" sz="1400" dirty="0"/>
+              <a:t>Swap PS:		2</a:t>
+            </a:r>
+          </a:p>
+          <a:p>
+            <a:pPr>
+              <a:buFont typeface="Courier New" panose="02070309020205020404" pitchFamily="49" charset="0"/>
+              <a:buChar char="o"/>
+            </a:pPr>
+            <a:endParaRPr lang="en-GB" sz="1400" dirty="0"/>
+          </a:p>
+          <a:p>
+            <a:pPr>
+              <a:buFont typeface="Courier New" panose="02070309020205020404" pitchFamily="49" charset="0"/>
+              <a:buChar char="o"/>
+            </a:pPr>
+            <a:r>
+              <a:rPr lang="en-GB" sz="1400" dirty="0"/>
+              <a:t>Honeypots logging &amp; learning:	0.1</a:t>
+            </a:r>
+          </a:p>
+          <a:p>
+            <a:pPr>
+              <a:buFont typeface="Courier New" panose="02070309020205020404" pitchFamily="49" charset="0"/>
+              <a:buChar char="o"/>
+            </a:pPr>
+            <a:endParaRPr lang="en-GB" sz="1400" dirty="0"/>
+          </a:p>
+          <a:p>
+            <a:pPr>
+              <a:buFont typeface="Courier New" panose="02070309020205020404" pitchFamily="49" charset="0"/>
+              <a:buChar char="o"/>
+            </a:pPr>
+            <a:r>
+              <a:rPr lang="en-GB" sz="1400" dirty="0"/>
+              <a:t>max costs or cost function:	7 per timestep, max 15 per </a:t>
+            </a:r>
+            <a:r>
+              <a:rPr lang="en-GB" sz="1400"/>
+              <a:t>10 timesteps</a:t>
+            </a:r>
+            <a:endParaRPr lang="en-GB" sz="1400" dirty="0"/>
+          </a:p>
+          <a:p>
+            <a:pPr>
+              <a:buFont typeface="Courier New" panose="02070309020205020404" pitchFamily="49" charset="0"/>
+              <a:buChar char="o"/>
+            </a:pPr>
+            <a:endParaRPr lang="en-GB" sz="1400" dirty="0"/>
+          </a:p>
+          <a:p>
+            <a:pPr>
+              <a:buFont typeface="Courier New" panose="02070309020205020404" pitchFamily="49" charset="0"/>
+              <a:buChar char="o"/>
+            </a:pPr>
+            <a:r>
+              <a:rPr lang="en-GB" sz="1400" dirty="0"/>
+              <a:t>attacker wins:		-1000</a:t>
+            </a:r>
+          </a:p>
+          <a:p>
+            <a:pPr>
+              <a:buFont typeface="Courier New" panose="02070309020205020404" pitchFamily="49" charset="0"/>
+              <a:buChar char="o"/>
+            </a:pPr>
+            <a:endParaRPr lang="en-GB" sz="1400" dirty="0"/>
+          </a:p>
+        </p:txBody>
+      </p:sp>
+    </p:spTree>
+    <p:extLst>
+      <p:ext uri="{BB962C8B-B14F-4D97-AF65-F5344CB8AC3E}">
+        <p14:creationId xmlns:p14="http://schemas.microsoft.com/office/powerpoint/2010/main" val="1384558664"/>
+      </p:ext>
+    </p:extLst>
+  </p:cSld>
+  <p:clrMapOvr>
+    <a:masterClrMapping/>
+  </p:clrMapOvr>
+</p:sld>
+</file>
+
+<file path=ppt/slides/slide11.xml><?xml version="1.0" encoding="utf-8"?>
+<p:sld xmlns:a="http://schemas.openxmlformats.org/drawingml/2006/main" xmlns:r="http://schemas.openxmlformats.org/officeDocument/2006/relationships" xmlns:p="http://schemas.openxmlformats.org/presentationml/2006/main">
+  <p:cSld>
+    <p:spTree>
+      <p:nvGrpSpPr>
+        <p:cNvPr id="1" name=""/>
+        <p:cNvGrpSpPr/>
+        <p:nvPr/>
+      </p:nvGrpSpPr>
+      <p:grpSpPr>
+        <a:xfrm>
+          <a:off x="0" y="0"/>
+          <a:ext cx="0" cy="0"/>
+          <a:chOff x="0" y="0"/>
+          <a:chExt cx="0" cy="0"/>
+        </a:xfrm>
+      </p:grpSpPr>
+      <p:sp>
+        <p:nvSpPr>
+          <p:cNvPr id="2" name="Title 1">
+            <a:extLst>
+              <a:ext uri="{FF2B5EF4-FFF2-40B4-BE49-F238E27FC236}">
                 <a16:creationId xmlns:a16="http://schemas.microsoft.com/office/drawing/2014/main" id="{3060C146-5A6D-4B28-A5A0-9A920D32AFB9}"/>
               </a:ext>
             </a:extLst>
@@ -3113,7 +3323,7 @@
 </p:sld>
 </file>
 
-<file path=ppt/slides/slide11.xml><?xml version="1.0" encoding="utf-8"?>
+<file path=ppt/slides/slide12.xml><?xml version="1.0" encoding="utf-8"?>
 <p:sld xmlns:a="http://schemas.openxmlformats.org/drawingml/2006/main" xmlns:r="http://schemas.openxmlformats.org/officeDocument/2006/relationships" xmlns:p="http://schemas.openxmlformats.org/presentationml/2006/main">
   <p:cSld>
     <p:spTree>
@@ -9898,7 +10108,7 @@
           <a:p>
             <a:r>
               <a:rPr lang="en-GB" sz="4000" dirty="0"/>
-              <a:t>RL Agent -&gt; Results</a:t>
+              <a:t>Simulation Actions -&gt; Model Actions:</a:t>
             </a:r>
           </a:p>
         </p:txBody>
@@ -9932,43 +10142,7 @@
             </a:pPr>
             <a:r>
               <a:rPr lang="en-GB" sz="1400" dirty="0"/>
-              <a:t>Restart / Swap Authorizer: 	kick attacker out of authorizer, set pa to pa 0</a:t>
-            </a:r>
-          </a:p>
-          <a:p>
-            <a:pPr>
-              <a:buFont typeface="Courier New" panose="02070309020205020404" pitchFamily="49" charset="0"/>
-              <a:buChar char="o"/>
-            </a:pPr>
-            <a:r>
-              <a:rPr lang="en-GB" sz="1400" dirty="0"/>
-              <a:t>Restart / Swap Planner: 	kick attacker out of planner, set pp to pp 0</a:t>
-            </a:r>
-          </a:p>
-          <a:p>
-            <a:pPr>
-              <a:buFont typeface="Courier New" panose="02070309020205020404" pitchFamily="49" charset="0"/>
-              <a:buChar char="o"/>
-            </a:pPr>
-            <a:r>
-              <a:rPr lang="en-GB" sz="1400" dirty="0"/>
-              <a:t>Restart / Swap DB: 		kick attacker out of DB, set </a:t>
-            </a:r>
-            <a:r>
-              <a:rPr lang="en-GB" sz="1400" dirty="0" err="1"/>
-              <a:t>pdb</a:t>
-            </a:r>
-            <a:r>
-              <a:rPr lang="en-GB" sz="1400" dirty="0"/>
-              <a:t> to </a:t>
-            </a:r>
-            <a:r>
-              <a:rPr lang="en-GB" sz="1400" dirty="0" err="1"/>
-              <a:t>pdb</a:t>
-            </a:r>
-            <a:r>
-              <a:rPr lang="en-GB" sz="1400" dirty="0"/>
-              <a:t> 0</a:t>
+              <a:t>Attacker gets into node:	set prob to 1 for next time (node is compromised until restarted)</a:t>
             </a:r>
           </a:p>
           <a:p>
@@ -9985,23 +10159,7 @@
             </a:pPr>
             <a:r>
               <a:rPr lang="en-GB" sz="1400" dirty="0"/>
-              <a:t>Swap IPS:	reset </a:t>
-            </a:r>
-            <a:r>
-              <a:rPr lang="en-GB" sz="1400" dirty="0" err="1"/>
-              <a:t>pIDS</a:t>
-            </a:r>
-            <a:r>
-              <a:rPr lang="en-GB" sz="1400" dirty="0"/>
-              <a:t> to </a:t>
-            </a:r>
-            <a:r>
-              <a:rPr lang="en-GB" sz="1400" dirty="0" err="1"/>
-              <a:t>pIDS</a:t>
-            </a:r>
-            <a:r>
-              <a:rPr lang="en-GB" sz="1400" dirty="0"/>
-              <a:t> 0</a:t>
+              <a:t>Restart node:		set current probability of attacker getting in to initial prob</a:t>
             </a:r>
           </a:p>
           <a:p>
@@ -10011,23 +10169,15 @@
             </a:pPr>
             <a:r>
               <a:rPr lang="en-GB" sz="1400" dirty="0"/>
-              <a:t>Swap PS:		reset </a:t>
-            </a:r>
-            <a:r>
-              <a:rPr lang="en-GB" sz="1400" dirty="0" err="1"/>
-              <a:t>pPS</a:t>
+              <a:t>Switch detection system:	 set current probability of catching </a:t>
+            </a:r>
+            <a:r>
+              <a:rPr lang="en-GB" sz="1400"/>
+              <a:t>attacker to </a:t>
             </a:r>
             <a:r>
               <a:rPr lang="en-GB" sz="1400" dirty="0"/>
-              <a:t> to </a:t>
-            </a:r>
-            <a:r>
-              <a:rPr lang="en-GB" sz="1400" dirty="0" err="1"/>
-              <a:t>pPS</a:t>
-            </a:r>
-            <a:r>
-              <a:rPr lang="en-GB" sz="1400" dirty="0"/>
-              <a:t> 0</a:t>
+              <a:t>initial prob</a:t>
             </a:r>
           </a:p>
           <a:p>
@@ -10037,73 +10187,12 @@
             </a:pPr>
             <a:endParaRPr lang="en-GB" sz="1400" dirty="0"/>
           </a:p>
-          <a:p>
-            <a:pPr>
-              <a:buFont typeface="Courier New" panose="02070309020205020404" pitchFamily="49" charset="0"/>
-              <a:buChar char="o"/>
-            </a:pPr>
-            <a:r>
-              <a:rPr lang="en-GB" sz="1400" dirty="0"/>
-              <a:t>Catch Attacker: 	kick attacker out of System</a:t>
-            </a:r>
-          </a:p>
-          <a:p>
-            <a:pPr>
-              <a:buFont typeface="Courier New" panose="02070309020205020404" pitchFamily="49" charset="0"/>
-              <a:buChar char="o"/>
-            </a:pPr>
-            <a:endParaRPr lang="en-GB" sz="1400" dirty="0"/>
-          </a:p>
-          <a:p>
-            <a:pPr>
-              <a:buFont typeface="Courier New" panose="02070309020205020404" pitchFamily="49" charset="0"/>
-              <a:buChar char="o"/>
-            </a:pPr>
-            <a:r>
-              <a:rPr lang="en-GB" sz="1400" dirty="0"/>
-              <a:t>Data extracted:			Attacker wins</a:t>
-            </a:r>
-          </a:p>
-          <a:p>
-            <a:pPr>
-              <a:buFont typeface="Courier New" panose="02070309020205020404" pitchFamily="49" charset="0"/>
-              <a:buChar char="o"/>
-            </a:pPr>
-            <a:r>
-              <a:rPr lang="en-GB" sz="1400" dirty="0"/>
-              <a:t>x time steps passed w/out extraction:	MTD wins</a:t>
-            </a:r>
-          </a:p>
-          <a:p>
-            <a:pPr>
-              <a:buFont typeface="Courier New" panose="02070309020205020404" pitchFamily="49" charset="0"/>
-              <a:buChar char="o"/>
-            </a:pPr>
-            <a:endParaRPr lang="en-GB" sz="1400" dirty="0"/>
-          </a:p>
-          <a:p>
-            <a:pPr>
-              <a:buFont typeface="Courier New" panose="02070309020205020404" pitchFamily="49" charset="0"/>
-              <a:buChar char="o"/>
-            </a:pPr>
-            <a:r>
-              <a:rPr lang="en-GB" sz="1400" dirty="0"/>
-              <a:t>all probabilities change over time (x attacks per timestep)</a:t>
-            </a:r>
-          </a:p>
-          <a:p>
-            <a:pPr>
-              <a:buFont typeface="Courier New" panose="02070309020205020404" pitchFamily="49" charset="0"/>
-              <a:buChar char="o"/>
-            </a:pPr>
-            <a:endParaRPr lang="en-GB" sz="1400" dirty="0"/>
-          </a:p>
         </p:txBody>
       </p:sp>
     </p:spTree>
     <p:extLst>
       <p:ext uri="{BB962C8B-B14F-4D97-AF65-F5344CB8AC3E}">
-        <p14:creationId xmlns:p14="http://schemas.microsoft.com/office/powerpoint/2010/main" val="4044897784"/>
+        <p14:creationId xmlns:p14="http://schemas.microsoft.com/office/powerpoint/2010/main" val="2978433323"/>
       </p:ext>
     </p:extLst>
   </p:cSld>
@@ -10146,12 +10235,7 @@
             <p:ph type="title"/>
           </p:nvPr>
         </p:nvSpPr>
-        <p:spPr>
-          <a:xfrm>
-            <a:off x="838200" y="365125"/>
-            <a:ext cx="10515600" cy="1764121"/>
-          </a:xfrm>
-        </p:spPr>
+        <p:spPr/>
         <p:txBody>
           <a:bodyPr>
             <a:normAutofit/>
@@ -10160,62 +10244,8 @@
           <a:p>
             <a:r>
               <a:rPr lang="en-GB" sz="4000" dirty="0"/>
-              <a:t>p</a:t>
-            </a:r>
-            <a:r>
-              <a:rPr lang="en-GB" sz="1800" dirty="0"/>
-              <a:t>x </a:t>
-            </a:r>
-            <a:r>
-              <a:rPr lang="en-GB" sz="4000" dirty="0"/>
-              <a:t> - Probability of event x at time t</a:t>
-            </a:r>
-            <a:br>
-              <a:rPr lang="en-GB" sz="4000" dirty="0"/>
-            </a:br>
-            <a:br>
-              <a:rPr lang="en-GB" sz="1400" dirty="0"/>
-            </a:br>
-            <a:r>
-              <a:rPr lang="en-GB" sz="2800" dirty="0"/>
-              <a:t>p</a:t>
-            </a:r>
-            <a:r>
-              <a:rPr lang="en-GB" sz="1400" dirty="0"/>
-              <a:t>x0</a:t>
-            </a:r>
-            <a:r>
-              <a:rPr lang="en-GB" sz="2800" dirty="0"/>
-              <a:t> – Probability of event x at time t = 0</a:t>
-            </a:r>
-            <a:br>
-              <a:rPr lang="en-GB" sz="2800" dirty="0"/>
-            </a:br>
-            <a:r>
-              <a:rPr lang="en-GB" sz="2700" dirty="0" err="1"/>
-              <a:t>d</a:t>
-            </a:r>
-            <a:r>
-              <a:rPr lang="en-GB" sz="2000" dirty="0" err="1"/>
-              <a:t>p</a:t>
-            </a:r>
-            <a:r>
-              <a:rPr lang="en-GB" sz="1200" dirty="0" err="1"/>
-              <a:t>x</a:t>
-            </a:r>
-            <a:r>
-              <a:rPr lang="en-GB" sz="2700" dirty="0"/>
-              <a:t>/dt</a:t>
-            </a:r>
-            <a:r>
-              <a:rPr lang="en-GB" sz="1200" dirty="0"/>
-              <a:t> </a:t>
-            </a:r>
-            <a:r>
-              <a:rPr lang="en-GB" sz="2700" dirty="0"/>
-              <a:t> - Change in Probability after time t</a:t>
-            </a:r>
-            <a:endParaRPr lang="en-GB" dirty="0"/>
+              <a:t>RL Agent Actions -&gt; Model Actions:</a:t>
+            </a:r>
           </a:p>
         </p:txBody>
       </p:sp>
@@ -10235,15 +10265,10 @@
             <p:ph idx="1"/>
           </p:nvPr>
         </p:nvSpPr>
-        <p:spPr>
-          <a:xfrm>
-            <a:off x="838200" y="2329543"/>
-            <a:ext cx="10515600" cy="3847420"/>
-          </a:xfrm>
-        </p:spPr>
+        <p:spPr/>
         <p:txBody>
           <a:bodyPr>
-            <a:normAutofit fontScale="92500" lnSpcReduction="20000"/>
+            <a:normAutofit/>
           </a:bodyPr>
           <a:lstStyle/>
           <a:p>
@@ -10253,7 +10278,7 @@
             </a:pPr>
             <a:r>
               <a:rPr lang="en-GB" sz="1400" dirty="0"/>
-              <a:t>pa: attacker gaining control of Authorizer</a:t>
+              <a:t>Restart / Swap Authorizer: 	kick attacker out of authorizer, set pa to pa 0</a:t>
             </a:r>
           </a:p>
           <a:p>
@@ -10263,7 +10288,7 @@
             </a:pPr>
             <a:r>
               <a:rPr lang="en-GB" sz="1400" dirty="0"/>
-              <a:t>pp: attacker gaining control of Planner</a:t>
+              <a:t>Restart / Swap Planner: 	kick attacker out of planner, set pp to pp 0</a:t>
             </a:r>
           </a:p>
           <a:p>
@@ -10273,27 +10298,23 @@
             </a:pPr>
             <a:r>
               <a:rPr lang="en-GB" sz="1400" dirty="0"/>
-              <a:t>pdb1:  attacker gaining control of DB1</a:t>
-            </a:r>
-          </a:p>
-          <a:p>
-            <a:pPr>
-              <a:buFont typeface="Courier New" panose="02070309020205020404" pitchFamily="49" charset="0"/>
-              <a:buChar char="o"/>
-            </a:pPr>
+              <a:t>Restart / Swap DB: 		kick attacker out of DB, set </a:t>
+            </a:r>
+            <a:r>
+              <a:rPr lang="en-GB" sz="1400" dirty="0" err="1"/>
+              <a:t>pdb</a:t>
+            </a:r>
             <a:r>
               <a:rPr lang="en-GB" sz="1400" dirty="0"/>
-              <a:t>pdb2:  attacker gaining control of DB2</a:t>
-            </a:r>
-          </a:p>
-          <a:p>
-            <a:pPr>
-              <a:buFont typeface="Courier New" panose="02070309020205020404" pitchFamily="49" charset="0"/>
-              <a:buChar char="o"/>
-            </a:pPr>
+              <a:t> to </a:t>
+            </a:r>
+            <a:r>
+              <a:rPr lang="en-GB" sz="1400" dirty="0" err="1"/>
+              <a:t>pdb</a:t>
+            </a:r>
             <a:r>
               <a:rPr lang="en-GB" sz="1400" dirty="0"/>
-              <a:t>pdb3:  attacker gaining control of DB3</a:t>
+              <a:t> 0</a:t>
             </a:r>
           </a:p>
           <a:p>
@@ -10309,12 +10330,24 @@
               <a:buChar char="o"/>
             </a:pPr>
             <a:r>
+              <a:rPr lang="en-GB" sz="1400" dirty="0"/>
+              <a:t>Swap IPS:	reset </a:t>
+            </a:r>
+            <a:r>
               <a:rPr lang="en-GB" sz="1400" dirty="0" err="1"/>
-              <a:t>pah</a:t>
+              <a:t>pIDS</a:t>
             </a:r>
             <a:r>
               <a:rPr lang="en-GB" sz="1400" dirty="0"/>
-              <a:t>: attacker getting into Honeypot from authorizer</a:t>
+              <a:t> to </a:t>
+            </a:r>
+            <a:r>
+              <a:rPr lang="en-GB" sz="1400" dirty="0" err="1"/>
+              <a:t>pIDS</a:t>
+            </a:r>
+            <a:r>
+              <a:rPr lang="en-GB" sz="1400" dirty="0"/>
+              <a:t> 0</a:t>
             </a:r>
           </a:p>
           <a:p>
@@ -10323,36 +10356,24 @@
               <a:buChar char="o"/>
             </a:pPr>
             <a:r>
+              <a:rPr lang="en-GB" sz="1400" dirty="0"/>
+              <a:t>Swap PS:		reset </a:t>
+            </a:r>
+            <a:r>
               <a:rPr lang="en-GB" sz="1400" dirty="0" err="1"/>
-              <a:t>pha</a:t>
+              <a:t>pPS</a:t>
             </a:r>
             <a:r>
               <a:rPr lang="en-GB" sz="1400" dirty="0"/>
-              <a:t>: attacker getting from Honeypot back to authorizer</a:t>
-            </a:r>
-          </a:p>
-          <a:p>
-            <a:pPr>
-              <a:buFont typeface="Courier New" panose="02070309020205020404" pitchFamily="49" charset="0"/>
-              <a:buChar char="o"/>
-            </a:pPr>
+              <a:t> to </a:t>
+            </a:r>
             <a:r>
               <a:rPr lang="en-GB" sz="1400" dirty="0" err="1"/>
-              <a:t>pph</a:t>
+              <a:t>pPS</a:t>
             </a:r>
             <a:r>
               <a:rPr lang="en-GB" sz="1400" dirty="0"/>
-              <a:t>: attacker getting into Honeypot from planer</a:t>
-            </a:r>
-          </a:p>
-          <a:p>
-            <a:pPr>
-              <a:buFont typeface="Courier New" panose="02070309020205020404" pitchFamily="49" charset="0"/>
-              <a:buChar char="o"/>
-            </a:pPr>
-            <a:r>
-              <a:rPr lang="en-GB" sz="1400" dirty="0"/>
-              <a:t>php: attacker getting from Honeypot back to planner</a:t>
+              <a:t> 0</a:t>
             </a:r>
           </a:p>
           <a:p>
@@ -10369,23 +10390,7 @@
             </a:pPr>
             <a:r>
               <a:rPr lang="en-GB" sz="1400" dirty="0"/>
-              <a:t>pIDS1: Intrusion Detection System 1 detecting attacker before Authorizer, Planner or DB</a:t>
-            </a:r>
-          </a:p>
-          <a:p>
-            <a:pPr marL="0" indent="0">
-              <a:buNone/>
-            </a:pPr>
-            <a:endParaRPr lang="en-GB" sz="1400" dirty="0"/>
-          </a:p>
-          <a:p>
-            <a:pPr>
-              <a:buFont typeface="Courier New" panose="02070309020205020404" pitchFamily="49" charset="0"/>
-              <a:buChar char="o"/>
-            </a:pPr>
-            <a:r>
-              <a:rPr lang="en-GB" sz="1400" dirty="0"/>
-              <a:t>pPS1: Prevention System 1 detecting attacker before extracting data</a:t>
+              <a:t>Catch Attacker: 	kick attacker out of System</a:t>
             </a:r>
           </a:p>
           <a:p>
@@ -10395,12 +10400,56 @@
             </a:pPr>
             <a:endParaRPr lang="en-GB" sz="1400" dirty="0"/>
           </a:p>
+          <a:p>
+            <a:pPr>
+              <a:buFont typeface="Courier New" panose="02070309020205020404" pitchFamily="49" charset="0"/>
+              <a:buChar char="o"/>
+            </a:pPr>
+            <a:r>
+              <a:rPr lang="en-GB" sz="1400" dirty="0"/>
+              <a:t>Data extracted:			Attacker wins</a:t>
+            </a:r>
+          </a:p>
+          <a:p>
+            <a:pPr>
+              <a:buFont typeface="Courier New" panose="02070309020205020404" pitchFamily="49" charset="0"/>
+              <a:buChar char="o"/>
+            </a:pPr>
+            <a:r>
+              <a:rPr lang="en-GB" sz="1400" dirty="0"/>
+              <a:t>x time steps passed w/out extraction:	MTD wins</a:t>
+            </a:r>
+          </a:p>
+          <a:p>
+            <a:pPr>
+              <a:buFont typeface="Courier New" panose="02070309020205020404" pitchFamily="49" charset="0"/>
+              <a:buChar char="o"/>
+            </a:pPr>
+            <a:endParaRPr lang="en-GB" sz="1400" dirty="0"/>
+          </a:p>
+          <a:p>
+            <a:pPr>
+              <a:buFont typeface="Courier New" panose="02070309020205020404" pitchFamily="49" charset="0"/>
+              <a:buChar char="o"/>
+            </a:pPr>
+            <a:r>
+              <a:rPr lang="en-GB" sz="1400" dirty="0"/>
+              <a:t>all probabilities change over time (x attacks per timestep)</a:t>
+            </a:r>
+          </a:p>
+          <a:p>
+            <a:pPr>
+              <a:buFont typeface="Courier New" panose="02070309020205020404" pitchFamily="49" charset="0"/>
+              <a:buChar char="o"/>
+            </a:pPr>
+            <a:endParaRPr lang="en-GB" sz="1400" dirty="0"/>
+          </a:p>
         </p:txBody>
       </p:sp>
     </p:spTree>
     <p:extLst>
       <p:ext uri="{BB962C8B-B14F-4D97-AF65-F5344CB8AC3E}">
-        <p14:creationId xmlns:p14="http://schemas.microsoft.com/office/powerpoint/2010/main" val="3797663175"/>
+        <p14:creationId xmlns:p14="http://schemas.microsoft.com/office/powerpoint/2010/main" val="4136226465"/>
       </p:ext>
     </p:extLst>
   </p:cSld>
@@ -10429,10 +10478,10 @@
       </p:grpSpPr>
       <p:sp>
         <p:nvSpPr>
-          <p:cNvPr id="2" name="Title 1">
-            <a:extLst>
-              <a:ext uri="{FF2B5EF4-FFF2-40B4-BE49-F238E27FC236}">
-                <a16:creationId xmlns:a16="http://schemas.microsoft.com/office/drawing/2014/main" id="{62452B2C-DF0F-41EC-961C-1CDDC319D02B}"/>
+          <p:cNvPr id="2" name="Titel 1">
+            <a:extLst>
+              <a:ext uri="{FF2B5EF4-FFF2-40B4-BE49-F238E27FC236}">
+                <a16:creationId xmlns:a16="http://schemas.microsoft.com/office/drawing/2014/main" id="{1A195801-25AE-42BD-BC00-72346510CE73}"/>
               </a:ext>
             </a:extLst>
           </p:cNvPr>
@@ -10443,7 +10492,12 @@
             <p:ph type="title"/>
           </p:nvPr>
         </p:nvSpPr>
-        <p:spPr/>
+        <p:spPr>
+          <a:xfrm>
+            <a:off x="838200" y="365125"/>
+            <a:ext cx="10515600" cy="1764121"/>
+          </a:xfrm>
+        </p:spPr>
         <p:txBody>
           <a:bodyPr>
             <a:normAutofit/>
@@ -10452,17 +10506,71 @@
           <a:p>
             <a:r>
               <a:rPr lang="en-GB" sz="4000" dirty="0"/>
-              <a:t>Costs of MTD actions</a:t>
-            </a:r>
-          </a:p>
-        </p:txBody>
-      </p:sp>
-      <p:sp>
-        <p:nvSpPr>
-          <p:cNvPr id="4" name="Inhaltsplatzhalter 2">
-            <a:extLst>
-              <a:ext uri="{FF2B5EF4-FFF2-40B4-BE49-F238E27FC236}">
-                <a16:creationId xmlns:a16="http://schemas.microsoft.com/office/drawing/2014/main" id="{217765A3-09C5-4F51-B0B8-2C08C5FE4BA2}"/>
+              <a:t>p</a:t>
+            </a:r>
+            <a:r>
+              <a:rPr lang="en-GB" sz="1800" dirty="0"/>
+              <a:t>x </a:t>
+            </a:r>
+            <a:r>
+              <a:rPr lang="en-GB" sz="4000" dirty="0"/>
+              <a:t> - Probability of event x at time t</a:t>
+            </a:r>
+            <a:br>
+              <a:rPr lang="en-GB" sz="4000" dirty="0"/>
+            </a:br>
+            <a:br>
+              <a:rPr lang="en-GB" sz="1400" dirty="0"/>
+            </a:br>
+            <a:r>
+              <a:rPr lang="en-GB" sz="2800" dirty="0"/>
+              <a:t>p</a:t>
+            </a:r>
+            <a:r>
+              <a:rPr lang="en-GB" sz="1400" dirty="0"/>
+              <a:t>x0</a:t>
+            </a:r>
+            <a:r>
+              <a:rPr lang="en-GB" sz="2800" dirty="0"/>
+              <a:t> – Probability of event x at time t = 0</a:t>
+            </a:r>
+            <a:br>
+              <a:rPr lang="en-GB" sz="2800" dirty="0"/>
+            </a:br>
+            <a:r>
+              <a:rPr lang="en-GB" sz="2700" dirty="0" err="1"/>
+              <a:t>d</a:t>
+            </a:r>
+            <a:r>
+              <a:rPr lang="en-GB" sz="2000" dirty="0" err="1"/>
+              <a:t>p</a:t>
+            </a:r>
+            <a:r>
+              <a:rPr lang="en-GB" sz="1200" dirty="0" err="1"/>
+              <a:t>x</a:t>
+            </a:r>
+            <a:r>
+              <a:rPr lang="en-GB" sz="2700" dirty="0"/>
+              <a:t>/dt</a:t>
+            </a:r>
+            <a:r>
+              <a:rPr lang="en-GB" sz="1200" dirty="0"/>
+              <a:t> </a:t>
+            </a:r>
+            <a:r>
+              <a:rPr lang="en-GB" sz="2700" dirty="0"/>
+              <a:t> - Change in Probability after time t</a:t>
+            </a:r>
+            <a:endParaRPr lang="en-GB" dirty="0"/>
+          </a:p>
+        </p:txBody>
+      </p:sp>
+      <p:sp>
+        <p:nvSpPr>
+          <p:cNvPr id="3" name="Inhaltsplatzhalter 2">
+            <a:extLst>
+              <a:ext uri="{FF2B5EF4-FFF2-40B4-BE49-F238E27FC236}">
+                <a16:creationId xmlns:a16="http://schemas.microsoft.com/office/drawing/2014/main" id="{62BBC4CF-AEEA-4CBC-86F6-DA80B8B3D155}"/>
               </a:ext>
             </a:extLst>
           </p:cNvPr>
@@ -10475,13 +10583,13 @@
         </p:nvSpPr>
         <p:spPr>
           <a:xfrm>
-            <a:off x="838200" y="1825625"/>
-            <a:ext cx="10515600" cy="4351338"/>
+            <a:off x="838200" y="2329543"/>
+            <a:ext cx="10515600" cy="3847420"/>
           </a:xfrm>
         </p:spPr>
         <p:txBody>
           <a:bodyPr>
-            <a:normAutofit/>
+            <a:normAutofit fontScale="92500" lnSpcReduction="20000"/>
           </a:bodyPr>
           <a:lstStyle/>
           <a:p>
@@ -10491,7 +10599,7 @@
             </a:pPr>
             <a:r>
               <a:rPr lang="en-GB" sz="1400" dirty="0"/>
-              <a:t>Restart / Swap Authorizer: 	5</a:t>
+              <a:t>pa: attacker gaining control of Authorizer</a:t>
             </a:r>
           </a:p>
           <a:p>
@@ -10501,7 +10609,7 @@
             </a:pPr>
             <a:r>
               <a:rPr lang="en-GB" sz="1400" dirty="0"/>
-              <a:t>Restart / Swap Planner: 	5</a:t>
+              <a:t>pp: attacker gaining control of Planner</a:t>
             </a:r>
           </a:p>
           <a:p>
@@ -10511,7 +10619,27 @@
             </a:pPr>
             <a:r>
               <a:rPr lang="en-GB" sz="1400" dirty="0"/>
-              <a:t>Restart / Swap DB: 		5</a:t>
+              <a:t>pdb1:  attacker gaining control of DB1</a:t>
+            </a:r>
+          </a:p>
+          <a:p>
+            <a:pPr>
+              <a:buFont typeface="Courier New" panose="02070309020205020404" pitchFamily="49" charset="0"/>
+              <a:buChar char="o"/>
+            </a:pPr>
+            <a:r>
+              <a:rPr lang="en-GB" sz="1400" dirty="0"/>
+              <a:t>pdb2:  attacker gaining control of DB2</a:t>
+            </a:r>
+          </a:p>
+          <a:p>
+            <a:pPr>
+              <a:buFont typeface="Courier New" panose="02070309020205020404" pitchFamily="49" charset="0"/>
+              <a:buChar char="o"/>
+            </a:pPr>
+            <a:r>
+              <a:rPr lang="en-GB" sz="1400" dirty="0"/>
+              <a:t>pdb3:  attacker gaining control of DB3</a:t>
             </a:r>
           </a:p>
           <a:p>
@@ -10527,8 +10655,12 @@
               <a:buChar char="o"/>
             </a:pPr>
             <a:r>
+              <a:rPr lang="en-GB" sz="1400" dirty="0" err="1"/>
+              <a:t>pah</a:t>
+            </a:r>
+            <a:r>
               <a:rPr lang="en-GB" sz="1400" dirty="0"/>
-              <a:t>Swap IDS:	2</a:t>
+              <a:t>: attacker getting into Honeypot from authorizer</a:t>
             </a:r>
           </a:p>
           <a:p>
@@ -10537,8 +10669,36 @@
               <a:buChar char="o"/>
             </a:pPr>
             <a:r>
+              <a:rPr lang="en-GB" sz="1400" dirty="0" err="1"/>
+              <a:t>pha</a:t>
+            </a:r>
+            <a:r>
               <a:rPr lang="en-GB" sz="1400" dirty="0"/>
-              <a:t>Swap PS:		2</a:t>
+              <a:t>: attacker getting from Honeypot back to authorizer</a:t>
+            </a:r>
+          </a:p>
+          <a:p>
+            <a:pPr>
+              <a:buFont typeface="Courier New" panose="02070309020205020404" pitchFamily="49" charset="0"/>
+              <a:buChar char="o"/>
+            </a:pPr>
+            <a:r>
+              <a:rPr lang="en-GB" sz="1400" dirty="0" err="1"/>
+              <a:t>pph</a:t>
+            </a:r>
+            <a:r>
+              <a:rPr lang="en-GB" sz="1400" dirty="0"/>
+              <a:t>: attacker getting into Honeypot from planer</a:t>
+            </a:r>
+          </a:p>
+          <a:p>
+            <a:pPr>
+              <a:buFont typeface="Courier New" panose="02070309020205020404" pitchFamily="49" charset="0"/>
+              <a:buChar char="o"/>
+            </a:pPr>
+            <a:r>
+              <a:rPr lang="en-GB" sz="1400" dirty="0"/>
+              <a:t>php: attacker getting from Honeypot back to planner</a:t>
             </a:r>
           </a:p>
           <a:p>
@@ -10555,7 +10715,23 @@
             </a:pPr>
             <a:r>
               <a:rPr lang="en-GB" sz="1400" dirty="0"/>
-              <a:t>Honeypots logging &amp; learning:	0.1</a:t>
+              <a:t>pIDS1: Intrusion Detection System 1 detecting attacker before Authorizer, Planner or DB</a:t>
+            </a:r>
+          </a:p>
+          <a:p>
+            <a:pPr marL="0" indent="0">
+              <a:buNone/>
+            </a:pPr>
+            <a:endParaRPr lang="en-GB" sz="1400" dirty="0"/>
+          </a:p>
+          <a:p>
+            <a:pPr>
+              <a:buFont typeface="Courier New" panose="02070309020205020404" pitchFamily="49" charset="0"/>
+              <a:buChar char="o"/>
+            </a:pPr>
+            <a:r>
+              <a:rPr lang="en-GB" sz="1400" dirty="0"/>
+              <a:t>pPS1: Prevention System 1 detecting attacker before extracting data</a:t>
             </a:r>
           </a:p>
           <a:p>
@@ -10565,51 +10741,12 @@
             </a:pPr>
             <a:endParaRPr lang="en-GB" sz="1400" dirty="0"/>
           </a:p>
-          <a:p>
-            <a:pPr>
-              <a:buFont typeface="Courier New" panose="02070309020205020404" pitchFamily="49" charset="0"/>
-              <a:buChar char="o"/>
-            </a:pPr>
-            <a:r>
-              <a:rPr lang="en-GB" sz="1400" dirty="0"/>
-              <a:t>max costs or cost function:	7 per timestep, max 15 per </a:t>
-            </a:r>
-            <a:r>
-              <a:rPr lang="en-GB" sz="1400"/>
-              <a:t>10 timesteps</a:t>
-            </a:r>
-            <a:endParaRPr lang="en-GB" sz="1400" dirty="0"/>
-          </a:p>
-          <a:p>
-            <a:pPr>
-              <a:buFont typeface="Courier New" panose="02070309020205020404" pitchFamily="49" charset="0"/>
-              <a:buChar char="o"/>
-            </a:pPr>
-            <a:endParaRPr lang="en-GB" sz="1400" dirty="0"/>
-          </a:p>
-          <a:p>
-            <a:pPr>
-              <a:buFont typeface="Courier New" panose="02070309020205020404" pitchFamily="49" charset="0"/>
-              <a:buChar char="o"/>
-            </a:pPr>
-            <a:r>
-              <a:rPr lang="en-GB" sz="1400" dirty="0"/>
-              <a:t>attacker wins:		-1000</a:t>
-            </a:r>
-          </a:p>
-          <a:p>
-            <a:pPr>
-              <a:buFont typeface="Courier New" panose="02070309020205020404" pitchFamily="49" charset="0"/>
-              <a:buChar char="o"/>
-            </a:pPr>
-            <a:endParaRPr lang="en-GB" sz="1400" dirty="0"/>
-          </a:p>
         </p:txBody>
       </p:sp>
     </p:spTree>
     <p:extLst>
       <p:ext uri="{BB962C8B-B14F-4D97-AF65-F5344CB8AC3E}">
-        <p14:creationId xmlns:p14="http://schemas.microsoft.com/office/powerpoint/2010/main" val="1384558664"/>
+        <p14:creationId xmlns:p14="http://schemas.microsoft.com/office/powerpoint/2010/main" val="3797663175"/>
       </p:ext>
     </p:extLst>
   </p:cSld>
@@ -10881,12 +11018,9 @@
 </file>
 
 <file path=customXml/item1.xml><?xml version="1.0" encoding="utf-8"?>
-<?mso-contentType ?>
-<FormTemplates xmlns="http://schemas.microsoft.com/sharepoint/v3/contenttype/forms">
-  <Display>DocumentLibraryForm</Display>
-  <Edit>DocumentLibraryForm</Edit>
-  <New>DocumentLibraryForm</New>
-</FormTemplates>
+<p:properties xmlns:p="http://schemas.microsoft.com/office/2006/metadata/properties" xmlns:xsi="http://www.w3.org/2001/XMLSchema-instance" xmlns:pc="http://schemas.microsoft.com/office/infopath/2007/PartnerControls">
+  <documentManagement/>
+</p:properties>
 </file>
 
 <file path=customXml/item2.xml><?xml version="1.0" encoding="utf-8"?>
@@ -11036,15 +11170,26 @@
 </file>
 
 <file path=customXml/item3.xml><?xml version="1.0" encoding="utf-8"?>
-<p:properties xmlns:p="http://schemas.microsoft.com/office/2006/metadata/properties" xmlns:xsi="http://www.w3.org/2001/XMLSchema-instance" xmlns:pc="http://schemas.microsoft.com/office/infopath/2007/PartnerControls">
-  <documentManagement/>
-</p:properties>
+<?mso-contentType ?>
+<FormTemplates xmlns="http://schemas.microsoft.com/sharepoint/v3/contenttype/forms">
+  <Display>DocumentLibraryForm</Display>
+  <Edit>DocumentLibraryForm</Edit>
+  <New>DocumentLibraryForm</New>
+</FormTemplates>
 </file>
 
 <file path=customXml/itemProps1.xml><?xml version="1.0" encoding="utf-8"?>
-<ds:datastoreItem xmlns:ds="http://schemas.openxmlformats.org/officeDocument/2006/customXml" ds:itemID="{4E70509A-51F1-449D-A20D-C92EB9A4F9DF}">
+<ds:datastoreItem xmlns:ds="http://schemas.openxmlformats.org/officeDocument/2006/customXml" ds:itemID="{B111369F-841E-4499-8860-ACB5045CEC00}">
   <ds:schemaRefs>
-    <ds:schemaRef ds:uri="http://schemas.microsoft.com/sharepoint/v3/contenttype/forms"/>
+    <ds:schemaRef ds:uri="http://schemas.microsoft.com/office/2006/metadata/properties"/>
+    <ds:schemaRef ds:uri="http://www.w3.org/XML/1998/namespace"/>
+    <ds:schemaRef ds:uri="0ca4519e-f7ae-4716-9300-8b80674a5553"/>
+    <ds:schemaRef ds:uri="http://schemas.openxmlformats.org/package/2006/metadata/core-properties"/>
+    <ds:schemaRef ds:uri="http://schemas.microsoft.com/office/infopath/2007/PartnerControls"/>
+    <ds:schemaRef ds:uri="http://schemas.microsoft.com/office/2006/documentManagement/types"/>
+    <ds:schemaRef ds:uri="http://purl.org/dc/dcmitype/"/>
+    <ds:schemaRef ds:uri="http://purl.org/dc/terms/"/>
+    <ds:schemaRef ds:uri="http://purl.org/dc/elements/1.1/"/>
   </ds:schemaRefs>
 </ds:datastoreItem>
 </file>
@@ -11068,17 +11213,9 @@
 </file>
 
 <file path=customXml/itemProps3.xml><?xml version="1.0" encoding="utf-8"?>
-<ds:datastoreItem xmlns:ds="http://schemas.openxmlformats.org/officeDocument/2006/customXml" ds:itemID="{B111369F-841E-4499-8860-ACB5045CEC00}">
+<ds:datastoreItem xmlns:ds="http://schemas.openxmlformats.org/officeDocument/2006/customXml" ds:itemID="{4E70509A-51F1-449D-A20D-C92EB9A4F9DF}">
   <ds:schemaRefs>
-    <ds:schemaRef ds:uri="http://schemas.microsoft.com/office/2006/metadata/properties"/>
-    <ds:schemaRef ds:uri="http://www.w3.org/XML/1998/namespace"/>
-    <ds:schemaRef ds:uri="0ca4519e-f7ae-4716-9300-8b80674a5553"/>
-    <ds:schemaRef ds:uri="http://schemas.openxmlformats.org/package/2006/metadata/core-properties"/>
-    <ds:schemaRef ds:uri="http://schemas.microsoft.com/office/infopath/2007/PartnerControls"/>
-    <ds:schemaRef ds:uri="http://schemas.microsoft.com/office/2006/documentManagement/types"/>
-    <ds:schemaRef ds:uri="http://purl.org/dc/dcmitype/"/>
-    <ds:schemaRef ds:uri="http://purl.org/dc/terms/"/>
-    <ds:schemaRef ds:uri="http://purl.org/dc/elements/1.1/"/>
+    <ds:schemaRef ds:uri="http://schemas.microsoft.com/sharepoint/v3/contenttype/forms"/>
   </ds:schemaRefs>
 </ds:datastoreItem>
 </file>
--- a/Model.pptx
+++ b/Model.pptx
@@ -252,7 +252,7 @@
           <a:p>
             <a:fld id="{D3EB3054-B75A-4BD7-8B3E-8DC0F614FAF3}" type="datetimeFigureOut">
               <a:rPr lang="de-DE" smtClean="0"/>
-              <a:t>26.10.2020</a:t>
+              <a:t>27.10.2020</a:t>
             </a:fld>
             <a:endParaRPr lang="de-DE"/>
           </a:p>
@@ -420,7 +420,7 @@
           <a:p>
             <a:fld id="{D3EB3054-B75A-4BD7-8B3E-8DC0F614FAF3}" type="datetimeFigureOut">
               <a:rPr lang="de-DE" smtClean="0"/>
-              <a:t>26.10.2020</a:t>
+              <a:t>27.10.2020</a:t>
             </a:fld>
             <a:endParaRPr lang="de-DE"/>
           </a:p>
@@ -598,7 +598,7 @@
           <a:p>
             <a:fld id="{D3EB3054-B75A-4BD7-8B3E-8DC0F614FAF3}" type="datetimeFigureOut">
               <a:rPr lang="de-DE" smtClean="0"/>
-              <a:t>26.10.2020</a:t>
+              <a:t>27.10.2020</a:t>
             </a:fld>
             <a:endParaRPr lang="de-DE"/>
           </a:p>
@@ -766,7 +766,7 @@
           <a:p>
             <a:fld id="{D3EB3054-B75A-4BD7-8B3E-8DC0F614FAF3}" type="datetimeFigureOut">
               <a:rPr lang="de-DE" smtClean="0"/>
-              <a:t>26.10.2020</a:t>
+              <a:t>27.10.2020</a:t>
             </a:fld>
             <a:endParaRPr lang="de-DE"/>
           </a:p>
@@ -1011,7 +1011,7 @@
           <a:p>
             <a:fld id="{D3EB3054-B75A-4BD7-8B3E-8DC0F614FAF3}" type="datetimeFigureOut">
               <a:rPr lang="de-DE" smtClean="0"/>
-              <a:t>26.10.2020</a:t>
+              <a:t>27.10.2020</a:t>
             </a:fld>
             <a:endParaRPr lang="de-DE"/>
           </a:p>
@@ -1240,7 +1240,7 @@
           <a:p>
             <a:fld id="{D3EB3054-B75A-4BD7-8B3E-8DC0F614FAF3}" type="datetimeFigureOut">
               <a:rPr lang="de-DE" smtClean="0"/>
-              <a:t>26.10.2020</a:t>
+              <a:t>27.10.2020</a:t>
             </a:fld>
             <a:endParaRPr lang="de-DE"/>
           </a:p>
@@ -1604,7 +1604,7 @@
           <a:p>
             <a:fld id="{D3EB3054-B75A-4BD7-8B3E-8DC0F614FAF3}" type="datetimeFigureOut">
               <a:rPr lang="de-DE" smtClean="0"/>
-              <a:t>26.10.2020</a:t>
+              <a:t>27.10.2020</a:t>
             </a:fld>
             <a:endParaRPr lang="de-DE"/>
           </a:p>
@@ -1721,7 +1721,7 @@
           <a:p>
             <a:fld id="{D3EB3054-B75A-4BD7-8B3E-8DC0F614FAF3}" type="datetimeFigureOut">
               <a:rPr lang="de-DE" smtClean="0"/>
-              <a:t>26.10.2020</a:t>
+              <a:t>27.10.2020</a:t>
             </a:fld>
             <a:endParaRPr lang="de-DE"/>
           </a:p>
@@ -1816,7 +1816,7 @@
           <a:p>
             <a:fld id="{D3EB3054-B75A-4BD7-8B3E-8DC0F614FAF3}" type="datetimeFigureOut">
               <a:rPr lang="de-DE" smtClean="0"/>
-              <a:t>26.10.2020</a:t>
+              <a:t>27.10.2020</a:t>
             </a:fld>
             <a:endParaRPr lang="de-DE"/>
           </a:p>
@@ -2091,7 +2091,7 @@
           <a:p>
             <a:fld id="{D3EB3054-B75A-4BD7-8B3E-8DC0F614FAF3}" type="datetimeFigureOut">
               <a:rPr lang="de-DE" smtClean="0"/>
-              <a:t>26.10.2020</a:t>
+              <a:t>27.10.2020</a:t>
             </a:fld>
             <a:endParaRPr lang="de-DE"/>
           </a:p>
@@ -2343,7 +2343,7 @@
           <a:p>
             <a:fld id="{D3EB3054-B75A-4BD7-8B3E-8DC0F614FAF3}" type="datetimeFigureOut">
               <a:rPr lang="de-DE" smtClean="0"/>
-              <a:t>26.10.2020</a:t>
+              <a:t>27.10.2020</a:t>
             </a:fld>
             <a:endParaRPr lang="de-DE"/>
           </a:p>
@@ -2554,7 +2554,7 @@
           <a:p>
             <a:fld id="{D3EB3054-B75A-4BD7-8B3E-8DC0F614FAF3}" type="datetimeFigureOut">
               <a:rPr lang="de-DE" smtClean="0"/>
-              <a:t>26.10.2020</a:t>
+              <a:t>27.10.2020</a:t>
             </a:fld>
             <a:endParaRPr lang="de-DE"/>
           </a:p>
@@ -10159,7 +10159,7 @@
             </a:pPr>
             <a:r>
               <a:rPr lang="en-GB" sz="1400" dirty="0"/>
-              <a:t>Restart node:		set current probability of attacker getting in to initial prob</a:t>
+              <a:t>Attacker is in honeypot:	increase prob for IDS to catch attacker</a:t>
             </a:r>
           </a:p>
           <a:p>
@@ -10167,18 +10167,51 @@
               <a:buFont typeface="Courier New" panose="02070309020205020404" pitchFamily="49" charset="0"/>
               <a:buChar char="o"/>
             </a:pPr>
+            <a:endParaRPr lang="en-GB" sz="1400" dirty="0"/>
+          </a:p>
+          <a:p>
+            <a:pPr>
+              <a:buFont typeface="Courier New" panose="02070309020205020404" pitchFamily="49" charset="0"/>
+              <a:buChar char="o"/>
+            </a:pPr>
             <a:r>
               <a:rPr lang="en-GB" sz="1400" dirty="0"/>
-              <a:t>Switch detection system:	 set current probability of catching </a:t>
-            </a:r>
-            <a:r>
-              <a:rPr lang="en-GB" sz="1400"/>
-              <a:t>attacker to </a:t>
-            </a:r>
+              <a:t>Restart node:		set current probability of attacker getting in to initial prob</a:t>
+            </a:r>
+          </a:p>
+          <a:p>
+            <a:pPr>
+              <a:buFont typeface="Courier New" panose="02070309020205020404" pitchFamily="49" charset="0"/>
+              <a:buChar char="o"/>
+            </a:pPr>
             <a:r>
               <a:rPr lang="en-GB" sz="1400" dirty="0"/>
-              <a:t>initial prob</a:t>
-            </a:r>
+              <a:t>Switch detection system:	set current probability of catching attacker to initial prob</a:t>
+            </a:r>
+          </a:p>
+          <a:p>
+            <a:pPr>
+              <a:buFont typeface="Courier New" panose="02070309020205020404" pitchFamily="49" charset="0"/>
+              <a:buChar char="o"/>
+            </a:pPr>
+            <a:endParaRPr lang="en-GB" sz="1400" dirty="0"/>
+          </a:p>
+          <a:p>
+            <a:pPr>
+              <a:buFont typeface="Courier New" panose="02070309020205020404" pitchFamily="49" charset="0"/>
+              <a:buChar char="o"/>
+            </a:pPr>
+            <a:r>
+              <a:rPr lang="en-GB" sz="1400" dirty="0"/>
+              <a:t>Catch Attacker: 	kick attacker out of System, change prob to catch attacker with same detection system</a:t>
+            </a:r>
+          </a:p>
+          <a:p>
+            <a:pPr>
+              <a:buFont typeface="Courier New" panose="02070309020205020404" pitchFamily="49" charset="0"/>
+              <a:buChar char="o"/>
+            </a:pPr>
+            <a:endParaRPr lang="en-GB" sz="1400" dirty="0"/>
           </a:p>
           <a:p>
             <a:pPr>
@@ -10390,7 +10423,17 @@
             </a:pPr>
             <a:r>
               <a:rPr lang="en-GB" sz="1400" dirty="0"/>
-              <a:t>Catch Attacker: 	kick attacker out of System</a:t>
+              <a:t>Data extracted:			Attacker wins</a:t>
+            </a:r>
+          </a:p>
+          <a:p>
+            <a:pPr>
+              <a:buFont typeface="Courier New" panose="02070309020205020404" pitchFamily="49" charset="0"/>
+              <a:buChar char="o"/>
+            </a:pPr>
+            <a:r>
+              <a:rPr lang="en-GB" sz="1400" dirty="0"/>
+              <a:t>x time steps passed w/out extraction:	MTD wins</a:t>
             </a:r>
           </a:p>
           <a:p>
@@ -10407,42 +10450,20 @@
             </a:pPr>
             <a:r>
               <a:rPr lang="en-GB" sz="1400" dirty="0"/>
-              <a:t>Data extracted:			Attacker wins</a:t>
-            </a:r>
-          </a:p>
-          <a:p>
-            <a:pPr>
-              <a:buFont typeface="Courier New" panose="02070309020205020404" pitchFamily="49" charset="0"/>
-              <a:buChar char="o"/>
-            </a:pPr>
+              <a:t>all probabilities change over time (</a:t>
+            </a:r>
+            <a:r>
+              <a:rPr lang="en-GB" sz="1400" dirty="0" err="1"/>
+              <a:t>dp</a:t>
+            </a:r>
+            <a:r>
+              <a:rPr lang="en-GB" sz="1000" dirty="0" err="1"/>
+              <a:t>x</a:t>
+            </a:r>
             <a:r>
               <a:rPr lang="en-GB" sz="1400" dirty="0"/>
-              <a:t>x time steps passed w/out extraction:	MTD wins</a:t>
-            </a:r>
-          </a:p>
-          <a:p>
-            <a:pPr>
-              <a:buFont typeface="Courier New" panose="02070309020205020404" pitchFamily="49" charset="0"/>
-              <a:buChar char="o"/>
-            </a:pPr>
-            <a:endParaRPr lang="en-GB" sz="1400" dirty="0"/>
-          </a:p>
-          <a:p>
-            <a:pPr>
-              <a:buFont typeface="Courier New" panose="02070309020205020404" pitchFamily="49" charset="0"/>
-              <a:buChar char="o"/>
-            </a:pPr>
-            <a:r>
-              <a:rPr lang="en-GB" sz="1400" dirty="0"/>
-              <a:t>all probabilities change over time (x attacks per timestep)</a:t>
-            </a:r>
-          </a:p>
-          <a:p>
-            <a:pPr>
-              <a:buFont typeface="Courier New" panose="02070309020205020404" pitchFamily="49" charset="0"/>
-              <a:buChar char="o"/>
-            </a:pPr>
-            <a:endParaRPr lang="en-GB" sz="1400" dirty="0"/>
+              <a:t>)</a:t>
+            </a:r>
           </a:p>
         </p:txBody>
       </p:sp>

--- a/Model.pptx
+++ b/Model.pptx
@@ -252,7 +252,7 @@
           <a:p>
             <a:fld id="{D3EB3054-B75A-4BD7-8B3E-8DC0F614FAF3}" type="datetimeFigureOut">
               <a:rPr lang="de-DE" smtClean="0"/>
-              <a:t>27.10.2020</a:t>
+              <a:t>28.10.2020</a:t>
             </a:fld>
             <a:endParaRPr lang="de-DE"/>
           </a:p>
@@ -420,7 +420,7 @@
           <a:p>
             <a:fld id="{D3EB3054-B75A-4BD7-8B3E-8DC0F614FAF3}" type="datetimeFigureOut">
               <a:rPr lang="de-DE" smtClean="0"/>
-              <a:t>27.10.2020</a:t>
+              <a:t>28.10.2020</a:t>
             </a:fld>
             <a:endParaRPr lang="de-DE"/>
           </a:p>
@@ -598,7 +598,7 @@
           <a:p>
             <a:fld id="{D3EB3054-B75A-4BD7-8B3E-8DC0F614FAF3}" type="datetimeFigureOut">
               <a:rPr lang="de-DE" smtClean="0"/>
-              <a:t>27.10.2020</a:t>
+              <a:t>28.10.2020</a:t>
             </a:fld>
             <a:endParaRPr lang="de-DE"/>
           </a:p>
@@ -766,7 +766,7 @@
           <a:p>
             <a:fld id="{D3EB3054-B75A-4BD7-8B3E-8DC0F614FAF3}" type="datetimeFigureOut">
               <a:rPr lang="de-DE" smtClean="0"/>
-              <a:t>27.10.2020</a:t>
+              <a:t>28.10.2020</a:t>
             </a:fld>
             <a:endParaRPr lang="de-DE"/>
           </a:p>
@@ -1011,7 +1011,7 @@
           <a:p>
             <a:fld id="{D3EB3054-B75A-4BD7-8B3E-8DC0F614FAF3}" type="datetimeFigureOut">
               <a:rPr lang="de-DE" smtClean="0"/>
-              <a:t>27.10.2020</a:t>
+              <a:t>28.10.2020</a:t>
             </a:fld>
             <a:endParaRPr lang="de-DE"/>
           </a:p>
@@ -1240,7 +1240,7 @@
           <a:p>
             <a:fld id="{D3EB3054-B75A-4BD7-8B3E-8DC0F614FAF3}" type="datetimeFigureOut">
               <a:rPr lang="de-DE" smtClean="0"/>
-              <a:t>27.10.2020</a:t>
+              <a:t>28.10.2020</a:t>
             </a:fld>
             <a:endParaRPr lang="de-DE"/>
           </a:p>
@@ -1604,7 +1604,7 @@
           <a:p>
             <a:fld id="{D3EB3054-B75A-4BD7-8B3E-8DC0F614FAF3}" type="datetimeFigureOut">
               <a:rPr lang="de-DE" smtClean="0"/>
-              <a:t>27.10.2020</a:t>
+              <a:t>28.10.2020</a:t>
             </a:fld>
             <a:endParaRPr lang="de-DE"/>
           </a:p>
@@ -1721,7 +1721,7 @@
           <a:p>
             <a:fld id="{D3EB3054-B75A-4BD7-8B3E-8DC0F614FAF3}" type="datetimeFigureOut">
               <a:rPr lang="de-DE" smtClean="0"/>
-              <a:t>27.10.2020</a:t>
+              <a:t>28.10.2020</a:t>
             </a:fld>
             <a:endParaRPr lang="de-DE"/>
           </a:p>
@@ -1816,7 +1816,7 @@
           <a:p>
             <a:fld id="{D3EB3054-B75A-4BD7-8B3E-8DC0F614FAF3}" type="datetimeFigureOut">
               <a:rPr lang="de-DE" smtClean="0"/>
-              <a:t>27.10.2020</a:t>
+              <a:t>28.10.2020</a:t>
             </a:fld>
             <a:endParaRPr lang="de-DE"/>
           </a:p>
@@ -2091,7 +2091,7 @@
           <a:p>
             <a:fld id="{D3EB3054-B75A-4BD7-8B3E-8DC0F614FAF3}" type="datetimeFigureOut">
               <a:rPr lang="de-DE" smtClean="0"/>
-              <a:t>27.10.2020</a:t>
+              <a:t>28.10.2020</a:t>
             </a:fld>
             <a:endParaRPr lang="de-DE"/>
           </a:p>
@@ -2343,7 +2343,7 @@
           <a:p>
             <a:fld id="{D3EB3054-B75A-4BD7-8B3E-8DC0F614FAF3}" type="datetimeFigureOut">
               <a:rPr lang="de-DE" smtClean="0"/>
-              <a:t>27.10.2020</a:t>
+              <a:t>28.10.2020</a:t>
             </a:fld>
             <a:endParaRPr lang="de-DE"/>
           </a:p>
@@ -2554,7 +2554,7 @@
           <a:p>
             <a:fld id="{D3EB3054-B75A-4BD7-8B3E-8DC0F614FAF3}" type="datetimeFigureOut">
               <a:rPr lang="de-DE" smtClean="0"/>
-              <a:t>27.10.2020</a:t>
+              <a:t>28.10.2020</a:t>
             </a:fld>
             <a:endParaRPr lang="de-DE"/>
           </a:p>
@@ -8501,7 +8501,7 @@
             </a:r>
             <a:r>
               <a:rPr lang="en-GB" dirty="0"/>
-              <a:t>/dt</a:t>
+              <a:t>/de</a:t>
             </a:r>
           </a:p>
         </p:txBody>
@@ -8535,31 +8535,31 @@
           <a:lstStyle/>
           <a:p>
             <a:r>
-              <a:rPr lang="en-GB"/>
+              <a:rPr lang="en-GB" dirty="0"/>
               <a:t>p</a:t>
             </a:r>
             <a:r>
-              <a:rPr lang="en-GB" sz="1100"/>
+              <a:rPr lang="en-GB" sz="1100" dirty="0"/>
               <a:t>IDS1 0</a:t>
             </a:r>
             <a:br>
-              <a:rPr lang="en-GB" sz="1100"/>
+              <a:rPr lang="en-GB" sz="1100" dirty="0"/>
             </a:br>
             <a:r>
-              <a:rPr lang="en-GB"/>
+              <a:rPr lang="en-GB" dirty="0"/>
               <a:t>d</a:t>
             </a:r>
             <a:r>
-              <a:rPr lang="en-GB" sz="1400"/>
+              <a:rPr lang="en-GB" sz="1400" dirty="0"/>
               <a:t>p</a:t>
             </a:r>
             <a:r>
-              <a:rPr lang="en-GB" sz="1100"/>
+              <a:rPr lang="en-GB" sz="1100" dirty="0"/>
               <a:t>IDS1</a:t>
             </a:r>
             <a:r>
-              <a:rPr lang="en-GB"/>
-              <a:t>/dt</a:t>
+              <a:rPr lang="en-GB" dirty="0"/>
+              <a:t>/de</a:t>
             </a:r>
           </a:p>
         </p:txBody>
@@ -8617,7 +8617,7 @@
             </a:r>
             <a:r>
               <a:rPr lang="en-GB" dirty="0"/>
-              <a:t>/dt</a:t>
+              <a:t>/de</a:t>
             </a:r>
           </a:p>
         </p:txBody>
@@ -8864,8 +8864,8 @@
         </p:nvSpPr>
         <p:spPr>
           <a:xfrm>
-            <a:off x="1855557" y="4182074"/>
-            <a:ext cx="1296684" cy="307777"/>
+            <a:off x="1855556" y="4182074"/>
+            <a:ext cx="1587761" cy="307777"/>
           </a:xfrm>
           <a:prstGeom prst="rect">
             <a:avLst/>
@@ -8879,8 +8879,8 @@
           <a:lstStyle/>
           <a:p>
             <a:r>
-              <a:rPr lang="en-GB" sz="1400"/>
-              <a:t>Catch Attacker</a:t>
+              <a:rPr lang="en-GB" sz="1400" dirty="0"/>
+              <a:t>e = Catch Attacker</a:t>
             </a:r>
           </a:p>
         </p:txBody>
@@ -9395,7 +9395,7 @@
         <p:spPr>
           <a:xfrm>
             <a:off x="1593055" y="5561803"/>
-            <a:ext cx="1296684" cy="307777"/>
+            <a:ext cx="1526912" cy="307777"/>
           </a:xfrm>
           <a:prstGeom prst="rect">
             <a:avLst/>
@@ -9409,8 +9409,8 @@
           <a:lstStyle/>
           <a:p>
             <a:r>
-              <a:rPr lang="en-GB" sz="1400"/>
-              <a:t>Catch Attacker</a:t>
+              <a:rPr lang="en-GB" sz="1400" dirty="0"/>
+              <a:t>e = Catch Attacker</a:t>
             </a:r>
           </a:p>
         </p:txBody>
@@ -9536,31 +9536,31 @@
           <a:lstStyle/>
           <a:p>
             <a:r>
-              <a:rPr lang="en-GB"/>
+              <a:rPr lang="en-GB" dirty="0"/>
               <a:t>p</a:t>
             </a:r>
             <a:r>
-              <a:rPr lang="en-GB" sz="1100"/>
+              <a:rPr lang="en-GB" sz="1100" dirty="0"/>
               <a:t>IDS1 0</a:t>
             </a:r>
             <a:br>
-              <a:rPr lang="en-GB" sz="1100"/>
+              <a:rPr lang="en-GB" sz="1100" dirty="0"/>
             </a:br>
             <a:r>
-              <a:rPr lang="en-GB"/>
+              <a:rPr lang="en-GB" dirty="0"/>
               <a:t>d</a:t>
             </a:r>
             <a:r>
-              <a:rPr lang="en-GB" sz="1400"/>
+              <a:rPr lang="en-GB" sz="1400" dirty="0"/>
               <a:t>p</a:t>
             </a:r>
             <a:r>
-              <a:rPr lang="en-GB" sz="1100"/>
+              <a:rPr lang="en-GB" sz="1100" dirty="0"/>
               <a:t>IDS1</a:t>
             </a:r>
             <a:r>
-              <a:rPr lang="en-GB"/>
-              <a:t>/dt</a:t>
+              <a:rPr lang="en-GB" dirty="0"/>
+              <a:t>/de</a:t>
             </a:r>
           </a:p>
         </p:txBody>
@@ -11039,9 +11039,12 @@
 </file>
 
 <file path=customXml/item1.xml><?xml version="1.0" encoding="utf-8"?>
-<p:properties xmlns:p="http://schemas.microsoft.com/office/2006/metadata/properties" xmlns:xsi="http://www.w3.org/2001/XMLSchema-instance" xmlns:pc="http://schemas.microsoft.com/office/infopath/2007/PartnerControls">
-  <documentManagement/>
-</p:properties>
+<?mso-contentType ?>
+<FormTemplates xmlns="http://schemas.microsoft.com/sharepoint/v3/contenttype/forms">
+  <Display>DocumentLibraryForm</Display>
+  <Edit>DocumentLibraryForm</Edit>
+  <New>DocumentLibraryForm</New>
+</FormTemplates>
 </file>
 
 <file path=customXml/item2.xml><?xml version="1.0" encoding="utf-8"?>
@@ -11191,26 +11194,15 @@
 </file>
 
 <file path=customXml/item3.xml><?xml version="1.0" encoding="utf-8"?>
-<?mso-contentType ?>
-<FormTemplates xmlns="http://schemas.microsoft.com/sharepoint/v3/contenttype/forms">
-  <Display>DocumentLibraryForm</Display>
-  <Edit>DocumentLibraryForm</Edit>
-  <New>DocumentLibraryForm</New>
-</FormTemplates>
+<p:properties xmlns:p="http://schemas.microsoft.com/office/2006/metadata/properties" xmlns:xsi="http://www.w3.org/2001/XMLSchema-instance" xmlns:pc="http://schemas.microsoft.com/office/infopath/2007/PartnerControls">
+  <documentManagement/>
+</p:properties>
 </file>
 
 <file path=customXml/itemProps1.xml><?xml version="1.0" encoding="utf-8"?>
-<ds:datastoreItem xmlns:ds="http://schemas.openxmlformats.org/officeDocument/2006/customXml" ds:itemID="{B111369F-841E-4499-8860-ACB5045CEC00}">
+<ds:datastoreItem xmlns:ds="http://schemas.openxmlformats.org/officeDocument/2006/customXml" ds:itemID="{4E70509A-51F1-449D-A20D-C92EB9A4F9DF}">
   <ds:schemaRefs>
-    <ds:schemaRef ds:uri="http://schemas.microsoft.com/office/2006/metadata/properties"/>
-    <ds:schemaRef ds:uri="http://www.w3.org/XML/1998/namespace"/>
-    <ds:schemaRef ds:uri="0ca4519e-f7ae-4716-9300-8b80674a5553"/>
-    <ds:schemaRef ds:uri="http://schemas.openxmlformats.org/package/2006/metadata/core-properties"/>
-    <ds:schemaRef ds:uri="http://schemas.microsoft.com/office/infopath/2007/PartnerControls"/>
-    <ds:schemaRef ds:uri="http://schemas.microsoft.com/office/2006/documentManagement/types"/>
-    <ds:schemaRef ds:uri="http://purl.org/dc/dcmitype/"/>
-    <ds:schemaRef ds:uri="http://purl.org/dc/terms/"/>
-    <ds:schemaRef ds:uri="http://purl.org/dc/elements/1.1/"/>
+    <ds:schemaRef ds:uri="http://schemas.microsoft.com/sharepoint/v3/contenttype/forms"/>
   </ds:schemaRefs>
 </ds:datastoreItem>
 </file>
@@ -11234,9 +11226,17 @@
 </file>
 
 <file path=customXml/itemProps3.xml><?xml version="1.0" encoding="utf-8"?>
-<ds:datastoreItem xmlns:ds="http://schemas.openxmlformats.org/officeDocument/2006/customXml" ds:itemID="{4E70509A-51F1-449D-A20D-C92EB9A4F9DF}">
+<ds:datastoreItem xmlns:ds="http://schemas.openxmlformats.org/officeDocument/2006/customXml" ds:itemID="{B111369F-841E-4499-8860-ACB5045CEC00}">
   <ds:schemaRefs>
-    <ds:schemaRef ds:uri="http://schemas.microsoft.com/sharepoint/v3/contenttype/forms"/>
+    <ds:schemaRef ds:uri="http://schemas.microsoft.com/office/2006/metadata/properties"/>
+    <ds:schemaRef ds:uri="http://www.w3.org/XML/1998/namespace"/>
+    <ds:schemaRef ds:uri="0ca4519e-f7ae-4716-9300-8b80674a5553"/>
+    <ds:schemaRef ds:uri="http://schemas.openxmlformats.org/package/2006/metadata/core-properties"/>
+    <ds:schemaRef ds:uri="http://schemas.microsoft.com/office/infopath/2007/PartnerControls"/>
+    <ds:schemaRef ds:uri="http://schemas.microsoft.com/office/2006/documentManagement/types"/>
+    <ds:schemaRef ds:uri="http://purl.org/dc/dcmitype/"/>
+    <ds:schemaRef ds:uri="http://purl.org/dc/terms/"/>
+    <ds:schemaRef ds:uri="http://purl.org/dc/elements/1.1/"/>
   </ds:schemaRefs>
 </ds:datastoreItem>
 </file>
--- a/Model.pptx
+++ b/Model.pptx
@@ -252,7 +252,7 @@
           <a:p>
             <a:fld id="{D3EB3054-B75A-4BD7-8B3E-8DC0F614FAF3}" type="datetimeFigureOut">
               <a:rPr lang="de-DE" smtClean="0"/>
-              <a:t>28.10.2020</a:t>
+              <a:t>16.11.2020</a:t>
             </a:fld>
             <a:endParaRPr lang="de-DE"/>
           </a:p>
@@ -420,7 +420,7 @@
           <a:p>
             <a:fld id="{D3EB3054-B75A-4BD7-8B3E-8DC0F614FAF3}" type="datetimeFigureOut">
               <a:rPr lang="de-DE" smtClean="0"/>
-              <a:t>28.10.2020</a:t>
+              <a:t>16.11.2020</a:t>
             </a:fld>
             <a:endParaRPr lang="de-DE"/>
           </a:p>
@@ -598,7 +598,7 @@
           <a:p>
             <a:fld id="{D3EB3054-B75A-4BD7-8B3E-8DC0F614FAF3}" type="datetimeFigureOut">
               <a:rPr lang="de-DE" smtClean="0"/>
-              <a:t>28.10.2020</a:t>
+              <a:t>16.11.2020</a:t>
             </a:fld>
             <a:endParaRPr lang="de-DE"/>
           </a:p>
@@ -766,7 +766,7 @@
           <a:p>
             <a:fld id="{D3EB3054-B75A-4BD7-8B3E-8DC0F614FAF3}" type="datetimeFigureOut">
               <a:rPr lang="de-DE" smtClean="0"/>
-              <a:t>28.10.2020</a:t>
+              <a:t>16.11.2020</a:t>
             </a:fld>
             <a:endParaRPr lang="de-DE"/>
           </a:p>
@@ -1011,7 +1011,7 @@
           <a:p>
             <a:fld id="{D3EB3054-B75A-4BD7-8B3E-8DC0F614FAF3}" type="datetimeFigureOut">
               <a:rPr lang="de-DE" smtClean="0"/>
-              <a:t>28.10.2020</a:t>
+              <a:t>16.11.2020</a:t>
             </a:fld>
             <a:endParaRPr lang="de-DE"/>
           </a:p>
@@ -1240,7 +1240,7 @@
           <a:p>
             <a:fld id="{D3EB3054-B75A-4BD7-8B3E-8DC0F614FAF3}" type="datetimeFigureOut">
               <a:rPr lang="de-DE" smtClean="0"/>
-              <a:t>28.10.2020</a:t>
+              <a:t>16.11.2020</a:t>
             </a:fld>
             <a:endParaRPr lang="de-DE"/>
           </a:p>
@@ -1604,7 +1604,7 @@
           <a:p>
             <a:fld id="{D3EB3054-B75A-4BD7-8B3E-8DC0F614FAF3}" type="datetimeFigureOut">
               <a:rPr lang="de-DE" smtClean="0"/>
-              <a:t>28.10.2020</a:t>
+              <a:t>16.11.2020</a:t>
             </a:fld>
             <a:endParaRPr lang="de-DE"/>
           </a:p>
@@ -1721,7 +1721,7 @@
           <a:p>
             <a:fld id="{D3EB3054-B75A-4BD7-8B3E-8DC0F614FAF3}" type="datetimeFigureOut">
               <a:rPr lang="de-DE" smtClean="0"/>
-              <a:t>28.10.2020</a:t>
+              <a:t>16.11.2020</a:t>
             </a:fld>
             <a:endParaRPr lang="de-DE"/>
           </a:p>
@@ -1816,7 +1816,7 @@
           <a:p>
             <a:fld id="{D3EB3054-B75A-4BD7-8B3E-8DC0F614FAF3}" type="datetimeFigureOut">
               <a:rPr lang="de-DE" smtClean="0"/>
-              <a:t>28.10.2020</a:t>
+              <a:t>16.11.2020</a:t>
             </a:fld>
             <a:endParaRPr lang="de-DE"/>
           </a:p>
@@ -2091,7 +2091,7 @@
           <a:p>
             <a:fld id="{D3EB3054-B75A-4BD7-8B3E-8DC0F614FAF3}" type="datetimeFigureOut">
               <a:rPr lang="de-DE" smtClean="0"/>
-              <a:t>28.10.2020</a:t>
+              <a:t>16.11.2020</a:t>
             </a:fld>
             <a:endParaRPr lang="de-DE"/>
           </a:p>
@@ -2343,7 +2343,7 @@
           <a:p>
             <a:fld id="{D3EB3054-B75A-4BD7-8B3E-8DC0F614FAF3}" type="datetimeFigureOut">
               <a:rPr lang="de-DE" smtClean="0"/>
-              <a:t>28.10.2020</a:t>
+              <a:t>16.11.2020</a:t>
             </a:fld>
             <a:endParaRPr lang="de-DE"/>
           </a:p>
@@ -2554,7 +2554,7 @@
           <a:p>
             <a:fld id="{D3EB3054-B75A-4BD7-8B3E-8DC0F614FAF3}" type="datetimeFigureOut">
               <a:rPr lang="de-DE" smtClean="0"/>
-              <a:t>28.10.2020</a:t>
+              <a:t>16.11.2020</a:t>
             </a:fld>
             <a:endParaRPr lang="de-DE"/>
           </a:p>
@@ -3109,111 +3109,13 @@
             </a:pPr>
             <a:r>
               <a:rPr lang="en-GB" sz="1400" dirty="0"/>
-              <a:t>Restart / Swap Authorizer: 	5</a:t>
-            </a:r>
-          </a:p>
-          <a:p>
-            <a:pPr>
-              <a:buFont typeface="Courier New" panose="02070309020205020404" pitchFamily="49" charset="0"/>
-              <a:buChar char="o"/>
-            </a:pPr>
-            <a:r>
-              <a:rPr lang="en-GB" sz="1400" dirty="0"/>
-              <a:t>Restart / Swap Planner: 	5</a:t>
-            </a:r>
-          </a:p>
-          <a:p>
-            <a:pPr>
-              <a:buFont typeface="Courier New" panose="02070309020205020404" pitchFamily="49" charset="0"/>
-              <a:buChar char="o"/>
-            </a:pPr>
-            <a:r>
-              <a:rPr lang="en-GB" sz="1400" dirty="0"/>
-              <a:t>Restart / Swap DB: 		5</a:t>
-            </a:r>
-          </a:p>
-          <a:p>
-            <a:pPr>
-              <a:buFont typeface="Courier New" panose="02070309020205020404" pitchFamily="49" charset="0"/>
-              <a:buChar char="o"/>
-            </a:pPr>
+              <a:t>see PA_MTD/RL_MTD/config/</a:t>
+            </a:r>
+            <a:r>
+              <a:rPr lang="en-GB" sz="1400" dirty="0" err="1"/>
+              <a:t>attack_graphs.json</a:t>
+            </a:r>
             <a:endParaRPr lang="en-GB" sz="1400" dirty="0"/>
-          </a:p>
-          <a:p>
-            <a:pPr>
-              <a:buFont typeface="Courier New" panose="02070309020205020404" pitchFamily="49" charset="0"/>
-              <a:buChar char="o"/>
-            </a:pPr>
-            <a:r>
-              <a:rPr lang="en-GB" sz="1400" dirty="0"/>
-              <a:t>Swap IDS:	2</a:t>
-            </a:r>
-          </a:p>
-          <a:p>
-            <a:pPr>
-              <a:buFont typeface="Courier New" panose="02070309020205020404" pitchFamily="49" charset="0"/>
-              <a:buChar char="o"/>
-            </a:pPr>
-            <a:r>
-              <a:rPr lang="en-GB" sz="1400" dirty="0"/>
-              <a:t>Swap PS:		2</a:t>
-            </a:r>
-          </a:p>
-          <a:p>
-            <a:pPr>
-              <a:buFont typeface="Courier New" panose="02070309020205020404" pitchFamily="49" charset="0"/>
-              <a:buChar char="o"/>
-            </a:pPr>
-            <a:endParaRPr lang="en-GB" sz="1400" dirty="0"/>
-          </a:p>
-          <a:p>
-            <a:pPr>
-              <a:buFont typeface="Courier New" panose="02070309020205020404" pitchFamily="49" charset="0"/>
-              <a:buChar char="o"/>
-            </a:pPr>
-            <a:r>
-              <a:rPr lang="en-GB" sz="1400" dirty="0"/>
-              <a:t>Honeypots logging &amp; learning:	0.1</a:t>
-            </a:r>
-          </a:p>
-          <a:p>
-            <a:pPr>
-              <a:buFont typeface="Courier New" panose="02070309020205020404" pitchFamily="49" charset="0"/>
-              <a:buChar char="o"/>
-            </a:pPr>
-            <a:endParaRPr lang="en-GB" sz="1400" dirty="0"/>
-          </a:p>
-          <a:p>
-            <a:pPr>
-              <a:buFont typeface="Courier New" panose="02070309020205020404" pitchFamily="49" charset="0"/>
-              <a:buChar char="o"/>
-            </a:pPr>
-            <a:r>
-              <a:rPr lang="en-GB" sz="1400" dirty="0"/>
-              <a:t>max costs or cost function:	7 per timestep, max 15 per </a:t>
-            </a:r>
-            <a:r>
-              <a:rPr lang="en-GB" sz="1400"/>
-              <a:t>10 timesteps</a:t>
-            </a:r>
-            <a:endParaRPr lang="en-GB" sz="1400" dirty="0"/>
-          </a:p>
-          <a:p>
-            <a:pPr>
-              <a:buFont typeface="Courier New" panose="02070309020205020404" pitchFamily="49" charset="0"/>
-              <a:buChar char="o"/>
-            </a:pPr>
-            <a:endParaRPr lang="en-GB" sz="1400" dirty="0"/>
-          </a:p>
-          <a:p>
-            <a:pPr>
-              <a:buFont typeface="Courier New" panose="02070309020205020404" pitchFamily="49" charset="0"/>
-              <a:buChar char="o"/>
-            </a:pPr>
-            <a:r>
-              <a:rPr lang="en-GB" sz="1400" dirty="0"/>
-              <a:t>attacker wins:		-1000</a:t>
-            </a:r>
           </a:p>
           <a:p>
             <a:pPr>
@@ -3304,8 +3206,8 @@
           <a:lstStyle/>
           <a:p>
             <a:r>
-              <a:rPr lang="en-GB"/>
-              <a:t>v1.0</a:t>
+              <a:rPr lang="en-GB" dirty="0"/>
+              <a:t>v1.1</a:t>
             </a:r>
           </a:p>
         </p:txBody>
@@ -3365,7 +3267,7 @@
           <a:p>
             <a:r>
               <a:rPr lang="en-GB" sz="4000" dirty="0"/>
-              <a:t>View from RL Controller (each timestep)</a:t>
+              <a:t>View for RL Agent (each timestep)</a:t>
             </a:r>
           </a:p>
         </p:txBody>
@@ -3384,7 +3286,7 @@
         </p:nvSpPr>
         <p:spPr>
           <a:xfrm>
-            <a:off x="944971" y="3264471"/>
+            <a:off x="935568" y="2780361"/>
             <a:ext cx="1341966" cy="535382"/>
           </a:xfrm>
           <a:prstGeom prst="rect">
@@ -3535,7 +3437,7 @@
                   <a:schemeClr val="bg1"/>
                 </a:solidFill>
               </a:rPr>
-              <a:t>Services</a:t>
+              <a:t>Actuators</a:t>
             </a:r>
           </a:p>
         </p:txBody>
@@ -3985,8 +3887,8 @@
         </p:nvCxnSpPr>
         <p:spPr>
           <a:xfrm flipV="1">
-            <a:off x="2286937" y="2576119"/>
-            <a:ext cx="1309293" cy="956043"/>
+            <a:off x="2277534" y="2576119"/>
+            <a:ext cx="1318696" cy="471933"/>
           </a:xfrm>
           <a:prstGeom prst="straightConnector1">
             <a:avLst/>
@@ -4028,8 +3930,8 @@
         </p:nvCxnSpPr>
         <p:spPr>
           <a:xfrm flipV="1">
-            <a:off x="2286937" y="3045085"/>
-            <a:ext cx="1309293" cy="487077"/>
+            <a:off x="2277534" y="3045085"/>
+            <a:ext cx="1318696" cy="2967"/>
           </a:xfrm>
           <a:prstGeom prst="straightConnector1">
             <a:avLst/>
@@ -4070,9 +3972,9 @@
           <p:nvPr/>
         </p:nvCxnSpPr>
         <p:spPr>
-          <a:xfrm flipV="1">
-            <a:off x="2286937" y="3514051"/>
-            <a:ext cx="1309293" cy="18111"/>
+          <a:xfrm>
+            <a:off x="2277534" y="3048052"/>
+            <a:ext cx="1318696" cy="465999"/>
           </a:xfrm>
           <a:prstGeom prst="straightConnector1">
             <a:avLst/>
@@ -4114,8 +4016,8 @@
         </p:nvCxnSpPr>
         <p:spPr>
           <a:xfrm>
-            <a:off x="2286937" y="3532162"/>
-            <a:ext cx="1309293" cy="450855"/>
+            <a:off x="2277534" y="3048052"/>
+            <a:ext cx="1318696" cy="934965"/>
           </a:xfrm>
           <a:prstGeom prst="straightConnector1">
             <a:avLst/>
@@ -4157,8 +4059,8 @@
         </p:nvCxnSpPr>
         <p:spPr>
           <a:xfrm>
-            <a:off x="2286937" y="3532162"/>
-            <a:ext cx="1309293" cy="919821"/>
+            <a:off x="2277534" y="3048052"/>
+            <a:ext cx="1318696" cy="1403931"/>
           </a:xfrm>
           <a:prstGeom prst="straightConnector1">
             <a:avLst/>
@@ -4201,7 +4103,7 @@
         <p:spPr>
           <a:xfrm flipV="1">
             <a:off x="2277534" y="5431735"/>
-            <a:ext cx="1318696" cy="252547"/>
+            <a:ext cx="1318696" cy="465998"/>
           </a:xfrm>
           <a:prstGeom prst="straightConnector1">
             <a:avLst/>
@@ -4243,8 +4145,8 @@
         </p:nvCxnSpPr>
         <p:spPr>
           <a:xfrm>
-            <a:off x="2277534" y="5684282"/>
-            <a:ext cx="1318696" cy="219801"/>
+            <a:off x="2277534" y="5897733"/>
+            <a:ext cx="1318696" cy="6350"/>
           </a:xfrm>
           <a:prstGeom prst="straightConnector1">
             <a:avLst/>
@@ -4329,8 +4231,8 @@
         </p:nvSpPr>
         <p:spPr>
           <a:xfrm>
-            <a:off x="6807208" y="1690688"/>
-            <a:ext cx="981511" cy="482101"/>
+            <a:off x="6734640" y="1690688"/>
+            <a:ext cx="1126648" cy="482101"/>
           </a:xfrm>
           <a:prstGeom prst="rect">
             <a:avLst/>
@@ -4376,7 +4278,7 @@
                   <a:schemeClr val="bg1"/>
                 </a:solidFill>
               </a:rPr>
-              <a:t>Simulation</a:t>
+              <a:t>Environment</a:t>
             </a:r>
           </a:p>
         </p:txBody>
@@ -4395,8 +4297,8 @@
         </p:nvSpPr>
         <p:spPr>
           <a:xfrm>
-            <a:off x="6199481" y="2377812"/>
-            <a:ext cx="2196966" cy="3445771"/>
+            <a:off x="6192896" y="2931962"/>
+            <a:ext cx="2196966" cy="1882499"/>
           </a:xfrm>
           <a:prstGeom prst="rect">
             <a:avLst/>
@@ -4434,10 +4336,49 @@
           <a:bodyPr rtlCol="0" anchor="ctr"/>
           <a:lstStyle/>
           <a:p>
-            <a:pPr algn="ctr"/>
-            <a:r>
-              <a:rPr lang="en-GB" sz="8800" dirty="0"/>
-              <a:t>?</a:t>
+            <a:r>
+              <a:rPr lang="en-GB" dirty="0"/>
+              <a:t>Simulated Network</a:t>
+            </a:r>
+          </a:p>
+          <a:p>
+            <a:pPr marL="144000" indent="-144000">
+              <a:buFont typeface="Arial" panose="020B0604020202020204" pitchFamily="34" charset="0"/>
+              <a:buChar char="•"/>
+            </a:pPr>
+            <a:r>
+              <a:rPr lang="en-GB" sz="1200" dirty="0"/>
+              <a:t>simulate attacker</a:t>
+            </a:r>
+          </a:p>
+          <a:p>
+            <a:pPr marL="144000" indent="-144000">
+              <a:buFont typeface="Arial" panose="020B0604020202020204" pitchFamily="34" charset="0"/>
+              <a:buChar char="•"/>
+            </a:pPr>
+            <a:r>
+              <a:rPr lang="en-GB" sz="1200" dirty="0"/>
+              <a:t>simulate detection systems</a:t>
+            </a:r>
+          </a:p>
+          <a:p>
+            <a:pPr marL="288000" lvl="1" indent="-144000">
+              <a:buFont typeface="Arial" panose="020B0604020202020204" pitchFamily="34" charset="0"/>
+              <a:buChar char="•"/>
+            </a:pPr>
+            <a:r>
+              <a:rPr lang="en-GB" sz="1200" dirty="0"/>
+              <a:t>returns observations when catching attacker</a:t>
+            </a:r>
+          </a:p>
+          <a:p>
+            <a:pPr marL="144000" indent="-144000">
+              <a:buFont typeface="Arial" panose="020B0604020202020204" pitchFamily="34" charset="0"/>
+              <a:buChar char="•"/>
+            </a:pPr>
+            <a:r>
+              <a:rPr lang="en-GB" sz="1200" dirty="0"/>
+              <a:t>return rewards based on action and attacker’s position</a:t>
             </a:r>
           </a:p>
         </p:txBody>
@@ -4656,8 +4597,8 @@
         </p:nvSpPr>
         <p:spPr>
           <a:xfrm>
-            <a:off x="9521313" y="3636161"/>
-            <a:ext cx="1282151" cy="482101"/>
+            <a:off x="9414545" y="2931962"/>
+            <a:ext cx="1832484" cy="1882499"/>
           </a:xfrm>
           <a:prstGeom prst="rect">
             <a:avLst/>
@@ -4695,14 +4636,33 @@
           <a:bodyPr rtlCol="0" anchor="ctr"/>
           <a:lstStyle/>
           <a:p>
-            <a:pPr algn="ctr"/>
             <a:r>
               <a:rPr lang="en-GB" dirty="0">
                 <a:solidFill>
                   <a:schemeClr val="bg1"/>
                 </a:solidFill>
               </a:rPr>
-              <a:t>True / False</a:t>
+              <a:t>1. Attacker wins</a:t>
+            </a:r>
+          </a:p>
+          <a:p>
+            <a:r>
+              <a:rPr lang="en-GB" dirty="0">
+                <a:solidFill>
+                  <a:schemeClr val="bg1"/>
+                </a:solidFill>
+              </a:rPr>
+              <a:t>2. Defender wins</a:t>
+            </a:r>
+          </a:p>
+          <a:p>
+            <a:r>
+              <a:rPr lang="en-GB" dirty="0">
+                <a:solidFill>
+                  <a:schemeClr val="bg1"/>
+                </a:solidFill>
+              </a:rPr>
+              <a:t>3. still running…</a:t>
             </a:r>
           </a:p>
         </p:txBody>
@@ -4768,7 +4728,7 @@
                   <a:schemeClr val="bg1"/>
                 </a:solidFill>
               </a:rPr>
-              <a:t>Controller</a:t>
+              <a:t>Actions</a:t>
             </a:r>
           </a:p>
         </p:txBody>
@@ -4787,7 +4747,7 @@
         </p:nvSpPr>
         <p:spPr>
           <a:xfrm>
-            <a:off x="935568" y="5416591"/>
+            <a:off x="935568" y="5630042"/>
             <a:ext cx="1341966" cy="535382"/>
           </a:xfrm>
           <a:prstGeom prst="rect">
@@ -4830,6 +4790,203 @@
           </a:p>
         </p:txBody>
       </p:sp>
+      <p:sp>
+        <p:nvSpPr>
+          <p:cNvPr id="4" name="Rechteck 16">
+            <a:extLst>
+              <a:ext uri="{FF2B5EF4-FFF2-40B4-BE49-F238E27FC236}">
+                <a16:creationId xmlns:a16="http://schemas.microsoft.com/office/drawing/2014/main" id="{6FD10732-9B29-4B3A-A76B-7189EF993EDB}"/>
+              </a:ext>
+            </a:extLst>
+          </p:cNvPr>
+          <p:cNvSpPr/>
+          <p:nvPr/>
+        </p:nvSpPr>
+        <p:spPr>
+          <a:xfrm>
+            <a:off x="338070" y="3792377"/>
+            <a:ext cx="2536963" cy="1325562"/>
+          </a:xfrm>
+          <a:prstGeom prst="rect">
+            <a:avLst/>
+          </a:prstGeom>
+          <a:solidFill>
+            <a:schemeClr val="accent1">
+              <a:lumMod val="60000"/>
+              <a:lumOff val="40000"/>
+            </a:schemeClr>
+          </a:solidFill>
+          <a:ln>
+            <a:solidFill>
+              <a:schemeClr val="accent1">
+                <a:lumMod val="75000"/>
+              </a:schemeClr>
+            </a:solidFill>
+          </a:ln>
+        </p:spPr>
+        <p:style>
+          <a:lnRef idx="2">
+            <a:schemeClr val="accent1">
+              <a:shade val="50000"/>
+            </a:schemeClr>
+          </a:lnRef>
+          <a:fillRef idx="1">
+            <a:schemeClr val="accent1"/>
+          </a:fillRef>
+          <a:effectRef idx="0">
+            <a:schemeClr val="accent1"/>
+          </a:effectRef>
+          <a:fontRef idx="minor">
+            <a:schemeClr val="lt1"/>
+          </a:fontRef>
+        </p:style>
+        <p:txBody>
+          <a:bodyPr rtlCol="0" anchor="ctr"/>
+          <a:lstStyle/>
+          <a:p>
+            <a:pPr marL="144000" indent="-144000">
+              <a:buFont typeface="Arial" panose="020B0604020202020204" pitchFamily="34" charset="0"/>
+              <a:buChar char="•"/>
+            </a:pPr>
+            <a:r>
+              <a:rPr lang="en-GB" sz="1400" dirty="0">
+                <a:solidFill>
+                  <a:schemeClr val="bg1"/>
+                </a:solidFill>
+              </a:rPr>
+              <a:t>action types can be disabled</a:t>
+            </a:r>
+          </a:p>
+          <a:p>
+            <a:pPr marL="288000" lvl="1" indent="-144000">
+              <a:buFont typeface="Arial" panose="020B0604020202020204" pitchFamily="34" charset="0"/>
+              <a:buChar char="•"/>
+            </a:pPr>
+            <a:r>
+              <a:rPr lang="en-GB" sz="1200" dirty="0">
+                <a:solidFill>
+                  <a:schemeClr val="bg1"/>
+                </a:solidFill>
+              </a:rPr>
+              <a:t>only restart / only switch</a:t>
+            </a:r>
+          </a:p>
+          <a:p>
+            <a:pPr marL="144000" indent="-144000">
+              <a:buFont typeface="Arial" panose="020B0604020202020204" pitchFamily="34" charset="0"/>
+              <a:buChar char="•"/>
+            </a:pPr>
+            <a:r>
+              <a:rPr lang="en-GB" sz="1400" dirty="0">
+                <a:solidFill>
+                  <a:schemeClr val="bg1"/>
+                </a:solidFill>
+              </a:rPr>
+              <a:t>pauses between same actions can be configured</a:t>
+            </a:r>
+          </a:p>
+          <a:p>
+            <a:pPr marL="288000" lvl="1" indent="-144000">
+              <a:buFont typeface="Arial" panose="020B0604020202020204" pitchFamily="34" charset="0"/>
+              <a:buChar char="•"/>
+            </a:pPr>
+            <a:r>
+              <a:rPr lang="en-GB" sz="1200" dirty="0">
+                <a:solidFill>
+                  <a:schemeClr val="bg1"/>
+                </a:solidFill>
+              </a:rPr>
+              <a:t>no pause -&gt; n steps pause</a:t>
+            </a:r>
+          </a:p>
+        </p:txBody>
+      </p:sp>
+      <p:cxnSp>
+        <p:nvCxnSpPr>
+          <p:cNvPr id="41" name="Straight Arrow Connector 40">
+            <a:extLst>
+              <a:ext uri="{FF2B5EF4-FFF2-40B4-BE49-F238E27FC236}">
+                <a16:creationId xmlns:a16="http://schemas.microsoft.com/office/drawing/2014/main" id="{F96BB6BF-3AB9-4B62-9C67-79FCE5103274}"/>
+              </a:ext>
+            </a:extLst>
+          </p:cNvPr>
+          <p:cNvCxnSpPr>
+            <a:cxnSpLocks/>
+            <a:stCxn id="4" idx="0"/>
+            <a:endCxn id="3" idx="2"/>
+          </p:cNvCxnSpPr>
+          <p:nvPr/>
+        </p:nvCxnSpPr>
+        <p:spPr>
+          <a:xfrm flipH="1" flipV="1">
+            <a:off x="1606551" y="3315743"/>
+            <a:ext cx="1" cy="476634"/>
+          </a:xfrm>
+          <a:prstGeom prst="straightConnector1">
+            <a:avLst/>
+          </a:prstGeom>
+          <a:ln w="12700">
+            <a:tailEnd type="triangle"/>
+          </a:ln>
+        </p:spPr>
+        <p:style>
+          <a:lnRef idx="1">
+            <a:schemeClr val="accent1"/>
+          </a:lnRef>
+          <a:fillRef idx="0">
+            <a:schemeClr val="accent1"/>
+          </a:fillRef>
+          <a:effectRef idx="0">
+            <a:schemeClr val="accent1"/>
+          </a:effectRef>
+          <a:fontRef idx="minor">
+            <a:schemeClr val="tx1"/>
+          </a:fontRef>
+        </p:style>
+      </p:cxnSp>
+      <p:cxnSp>
+        <p:nvCxnSpPr>
+          <p:cNvPr id="42" name="Straight Arrow Connector 41">
+            <a:extLst>
+              <a:ext uri="{FF2B5EF4-FFF2-40B4-BE49-F238E27FC236}">
+                <a16:creationId xmlns:a16="http://schemas.microsoft.com/office/drawing/2014/main" id="{52556A62-1C38-4069-832B-806F0BBF22AD}"/>
+              </a:ext>
+            </a:extLst>
+          </p:cNvPr>
+          <p:cNvCxnSpPr>
+            <a:cxnSpLocks/>
+            <a:stCxn id="4" idx="2"/>
+            <a:endCxn id="84" idx="0"/>
+          </p:cNvCxnSpPr>
+          <p:nvPr/>
+        </p:nvCxnSpPr>
+        <p:spPr>
+          <a:xfrm flipH="1">
+            <a:off x="1606551" y="5117939"/>
+            <a:ext cx="1" cy="512103"/>
+          </a:xfrm>
+          <a:prstGeom prst="straightConnector1">
+            <a:avLst/>
+          </a:prstGeom>
+          <a:ln w="12700">
+            <a:tailEnd type="triangle"/>
+          </a:ln>
+        </p:spPr>
+        <p:style>
+          <a:lnRef idx="1">
+            <a:schemeClr val="accent1"/>
+          </a:lnRef>
+          <a:fillRef idx="0">
+            <a:schemeClr val="accent1"/>
+          </a:fillRef>
+          <a:effectRef idx="0">
+            <a:schemeClr val="accent1"/>
+          </a:effectRef>
+          <a:fontRef idx="minor">
+            <a:schemeClr val="tx1"/>
+          </a:fontRef>
+        </p:style>
+      </p:cxnSp>
     </p:spTree>
     <p:extLst>
       <p:ext uri="{BB962C8B-B14F-4D97-AF65-F5344CB8AC3E}">
@@ -11039,12 +11196,9 @@
 </file>
 
 <file path=customXml/item1.xml><?xml version="1.0" encoding="utf-8"?>
-<?mso-contentType ?>
-<FormTemplates xmlns="http://schemas.microsoft.com/sharepoint/v3/contenttype/forms">
-  <Display>DocumentLibraryForm</Display>
-  <Edit>DocumentLibraryForm</Edit>
-  <New>DocumentLibraryForm</New>
-</FormTemplates>
+<p:properties xmlns:p="http://schemas.microsoft.com/office/2006/metadata/properties" xmlns:xsi="http://www.w3.org/2001/XMLSchema-instance" xmlns:pc="http://schemas.microsoft.com/office/infopath/2007/PartnerControls">
+  <documentManagement/>
+</p:properties>
 </file>
 
 <file path=customXml/item2.xml><?xml version="1.0" encoding="utf-8"?>
@@ -11194,15 +11348,26 @@
 </file>
 
 <file path=customXml/item3.xml><?xml version="1.0" encoding="utf-8"?>
-<p:properties xmlns:p="http://schemas.microsoft.com/office/2006/metadata/properties" xmlns:xsi="http://www.w3.org/2001/XMLSchema-instance" xmlns:pc="http://schemas.microsoft.com/office/infopath/2007/PartnerControls">
-  <documentManagement/>
-</p:properties>
+<?mso-contentType ?>
+<FormTemplates xmlns="http://schemas.microsoft.com/sharepoint/v3/contenttype/forms">
+  <Display>DocumentLibraryForm</Display>
+  <Edit>DocumentLibraryForm</Edit>
+  <New>DocumentLibraryForm</New>
+</FormTemplates>
 </file>
 
 <file path=customXml/itemProps1.xml><?xml version="1.0" encoding="utf-8"?>
-<ds:datastoreItem xmlns:ds="http://schemas.openxmlformats.org/officeDocument/2006/customXml" ds:itemID="{4E70509A-51F1-449D-A20D-C92EB9A4F9DF}">
+<ds:datastoreItem xmlns:ds="http://schemas.openxmlformats.org/officeDocument/2006/customXml" ds:itemID="{B111369F-841E-4499-8860-ACB5045CEC00}">
   <ds:schemaRefs>
-    <ds:schemaRef ds:uri="http://schemas.microsoft.com/sharepoint/v3/contenttype/forms"/>
+    <ds:schemaRef ds:uri="http://schemas.microsoft.com/office/2006/metadata/properties"/>
+    <ds:schemaRef ds:uri="http://www.w3.org/XML/1998/namespace"/>
+    <ds:schemaRef ds:uri="0ca4519e-f7ae-4716-9300-8b80674a5553"/>
+    <ds:schemaRef ds:uri="http://schemas.openxmlformats.org/package/2006/metadata/core-properties"/>
+    <ds:schemaRef ds:uri="http://schemas.microsoft.com/office/infopath/2007/PartnerControls"/>
+    <ds:schemaRef ds:uri="http://schemas.microsoft.com/office/2006/documentManagement/types"/>
+    <ds:schemaRef ds:uri="http://purl.org/dc/dcmitype/"/>
+    <ds:schemaRef ds:uri="http://purl.org/dc/terms/"/>
+    <ds:schemaRef ds:uri="http://purl.org/dc/elements/1.1/"/>
   </ds:schemaRefs>
 </ds:datastoreItem>
 </file>
@@ -11226,17 +11391,9 @@
 </file>
 
 <file path=customXml/itemProps3.xml><?xml version="1.0" encoding="utf-8"?>
-<ds:datastoreItem xmlns:ds="http://schemas.openxmlformats.org/officeDocument/2006/customXml" ds:itemID="{B111369F-841E-4499-8860-ACB5045CEC00}">
+<ds:datastoreItem xmlns:ds="http://schemas.openxmlformats.org/officeDocument/2006/customXml" ds:itemID="{4E70509A-51F1-449D-A20D-C92EB9A4F9DF}">
   <ds:schemaRefs>
-    <ds:schemaRef ds:uri="http://schemas.microsoft.com/office/2006/metadata/properties"/>
-    <ds:schemaRef ds:uri="http://www.w3.org/XML/1998/namespace"/>
-    <ds:schemaRef ds:uri="0ca4519e-f7ae-4716-9300-8b80674a5553"/>
-    <ds:schemaRef ds:uri="http://schemas.openxmlformats.org/package/2006/metadata/core-properties"/>
-    <ds:schemaRef ds:uri="http://schemas.microsoft.com/office/infopath/2007/PartnerControls"/>
-    <ds:schemaRef ds:uri="http://schemas.microsoft.com/office/2006/documentManagement/types"/>
-    <ds:schemaRef ds:uri="http://purl.org/dc/dcmitype/"/>
-    <ds:schemaRef ds:uri="http://purl.org/dc/terms/"/>
-    <ds:schemaRef ds:uri="http://purl.org/dc/elements/1.1/"/>
+    <ds:schemaRef ds:uri="http://schemas.microsoft.com/sharepoint/v3/contenttype/forms"/>
   </ds:schemaRefs>
 </ds:datastoreItem>
 </file>
--- a/Model.pptx
+++ b/Model.pptx
@@ -252,7 +252,7 @@
           <a:p>
             <a:fld id="{D3EB3054-B75A-4BD7-8B3E-8DC0F614FAF3}" type="datetimeFigureOut">
               <a:rPr lang="de-DE" smtClean="0"/>
-              <a:t>16.11.2020</a:t>
+              <a:t>17.11.2020</a:t>
             </a:fld>
             <a:endParaRPr lang="de-DE"/>
           </a:p>
@@ -420,7 +420,7 @@
           <a:p>
             <a:fld id="{D3EB3054-B75A-4BD7-8B3E-8DC0F614FAF3}" type="datetimeFigureOut">
               <a:rPr lang="de-DE" smtClean="0"/>
-              <a:t>16.11.2020</a:t>
+              <a:t>17.11.2020</a:t>
             </a:fld>
             <a:endParaRPr lang="de-DE"/>
           </a:p>
@@ -598,7 +598,7 @@
           <a:p>
             <a:fld id="{D3EB3054-B75A-4BD7-8B3E-8DC0F614FAF3}" type="datetimeFigureOut">
               <a:rPr lang="de-DE" smtClean="0"/>
-              <a:t>16.11.2020</a:t>
+              <a:t>17.11.2020</a:t>
             </a:fld>
             <a:endParaRPr lang="de-DE"/>
           </a:p>
@@ -766,7 +766,7 @@
           <a:p>
             <a:fld id="{D3EB3054-B75A-4BD7-8B3E-8DC0F614FAF3}" type="datetimeFigureOut">
               <a:rPr lang="de-DE" smtClean="0"/>
-              <a:t>16.11.2020</a:t>
+              <a:t>17.11.2020</a:t>
             </a:fld>
             <a:endParaRPr lang="de-DE"/>
           </a:p>
@@ -1011,7 +1011,7 @@
           <a:p>
             <a:fld id="{D3EB3054-B75A-4BD7-8B3E-8DC0F614FAF3}" type="datetimeFigureOut">
               <a:rPr lang="de-DE" smtClean="0"/>
-              <a:t>16.11.2020</a:t>
+              <a:t>17.11.2020</a:t>
             </a:fld>
             <a:endParaRPr lang="de-DE"/>
           </a:p>
@@ -1240,7 +1240,7 @@
           <a:p>
             <a:fld id="{D3EB3054-B75A-4BD7-8B3E-8DC0F614FAF3}" type="datetimeFigureOut">
               <a:rPr lang="de-DE" smtClean="0"/>
-              <a:t>16.11.2020</a:t>
+              <a:t>17.11.2020</a:t>
             </a:fld>
             <a:endParaRPr lang="de-DE"/>
           </a:p>
@@ -1604,7 +1604,7 @@
           <a:p>
             <a:fld id="{D3EB3054-B75A-4BD7-8B3E-8DC0F614FAF3}" type="datetimeFigureOut">
               <a:rPr lang="de-DE" smtClean="0"/>
-              <a:t>16.11.2020</a:t>
+              <a:t>17.11.2020</a:t>
             </a:fld>
             <a:endParaRPr lang="de-DE"/>
           </a:p>
@@ -1721,7 +1721,7 @@
           <a:p>
             <a:fld id="{D3EB3054-B75A-4BD7-8B3E-8DC0F614FAF3}" type="datetimeFigureOut">
               <a:rPr lang="de-DE" smtClean="0"/>
-              <a:t>16.11.2020</a:t>
+              <a:t>17.11.2020</a:t>
             </a:fld>
             <a:endParaRPr lang="de-DE"/>
           </a:p>
@@ -1816,7 +1816,7 @@
           <a:p>
             <a:fld id="{D3EB3054-B75A-4BD7-8B3E-8DC0F614FAF3}" type="datetimeFigureOut">
               <a:rPr lang="de-DE" smtClean="0"/>
-              <a:t>16.11.2020</a:t>
+              <a:t>17.11.2020</a:t>
             </a:fld>
             <a:endParaRPr lang="de-DE"/>
           </a:p>
@@ -2091,7 +2091,7 @@
           <a:p>
             <a:fld id="{D3EB3054-B75A-4BD7-8B3E-8DC0F614FAF3}" type="datetimeFigureOut">
               <a:rPr lang="de-DE" smtClean="0"/>
-              <a:t>16.11.2020</a:t>
+              <a:t>17.11.2020</a:t>
             </a:fld>
             <a:endParaRPr lang="de-DE"/>
           </a:p>
@@ -2343,7 +2343,7 @@
           <a:p>
             <a:fld id="{D3EB3054-B75A-4BD7-8B3E-8DC0F614FAF3}" type="datetimeFigureOut">
               <a:rPr lang="de-DE" smtClean="0"/>
-              <a:t>16.11.2020</a:t>
+              <a:t>17.11.2020</a:t>
             </a:fld>
             <a:endParaRPr lang="de-DE"/>
           </a:p>
@@ -2554,7 +2554,7 @@
           <a:p>
             <a:fld id="{D3EB3054-B75A-4BD7-8B3E-8DC0F614FAF3}" type="datetimeFigureOut">
               <a:rPr lang="de-DE" smtClean="0"/>
-              <a:t>16.11.2020</a:t>
+              <a:t>17.11.2020</a:t>
             </a:fld>
             <a:endParaRPr lang="de-DE"/>
           </a:p>
@@ -4896,7 +4896,23 @@
                   <a:schemeClr val="bg1"/>
                 </a:solidFill>
               </a:rPr>
-              <a:t>no pause -&gt; n steps pause</a:t>
+              <a:t>no </a:t>
+            </a:r>
+            <a:r>
+              <a:rPr lang="en-GB" sz="1200">
+                <a:solidFill>
+                  <a:schemeClr val="bg1"/>
+                </a:solidFill>
+              </a:rPr>
+              <a:t>pause … </a:t>
+            </a:r>
+            <a:r>
+              <a:rPr lang="en-GB" sz="1200" dirty="0">
+                <a:solidFill>
+                  <a:schemeClr val="bg1"/>
+                </a:solidFill>
+              </a:rPr>
+              <a:t>n steps pause</a:t>
             </a:r>
           </a:p>
         </p:txBody>
@@ -11196,9 +11212,12 @@
 </file>
 
 <file path=customXml/item1.xml><?xml version="1.0" encoding="utf-8"?>
-<p:properties xmlns:p="http://schemas.microsoft.com/office/2006/metadata/properties" xmlns:xsi="http://www.w3.org/2001/XMLSchema-instance" xmlns:pc="http://schemas.microsoft.com/office/infopath/2007/PartnerControls">
-  <documentManagement/>
-</p:properties>
+<?mso-contentType ?>
+<FormTemplates xmlns="http://schemas.microsoft.com/sharepoint/v3/contenttype/forms">
+  <Display>DocumentLibraryForm</Display>
+  <Edit>DocumentLibraryForm</Edit>
+  <New>DocumentLibraryForm</New>
+</FormTemplates>
 </file>
 
 <file path=customXml/item2.xml><?xml version="1.0" encoding="utf-8"?>
@@ -11348,26 +11367,15 @@
 </file>
 
 <file path=customXml/item3.xml><?xml version="1.0" encoding="utf-8"?>
-<?mso-contentType ?>
-<FormTemplates xmlns="http://schemas.microsoft.com/sharepoint/v3/contenttype/forms">
-  <Display>DocumentLibraryForm</Display>
-  <Edit>DocumentLibraryForm</Edit>
-  <New>DocumentLibraryForm</New>
-</FormTemplates>
+<p:properties xmlns:p="http://schemas.microsoft.com/office/2006/metadata/properties" xmlns:xsi="http://www.w3.org/2001/XMLSchema-instance" xmlns:pc="http://schemas.microsoft.com/office/infopath/2007/PartnerControls">
+  <documentManagement/>
+</p:properties>
 </file>
 
 <file path=customXml/itemProps1.xml><?xml version="1.0" encoding="utf-8"?>
-<ds:datastoreItem xmlns:ds="http://schemas.openxmlformats.org/officeDocument/2006/customXml" ds:itemID="{B111369F-841E-4499-8860-ACB5045CEC00}">
+<ds:datastoreItem xmlns:ds="http://schemas.openxmlformats.org/officeDocument/2006/customXml" ds:itemID="{4E70509A-51F1-449D-A20D-C92EB9A4F9DF}">
   <ds:schemaRefs>
-    <ds:schemaRef ds:uri="http://schemas.microsoft.com/office/2006/metadata/properties"/>
-    <ds:schemaRef ds:uri="http://www.w3.org/XML/1998/namespace"/>
-    <ds:schemaRef ds:uri="0ca4519e-f7ae-4716-9300-8b80674a5553"/>
-    <ds:schemaRef ds:uri="http://schemas.openxmlformats.org/package/2006/metadata/core-properties"/>
-    <ds:schemaRef ds:uri="http://schemas.microsoft.com/office/infopath/2007/PartnerControls"/>
-    <ds:schemaRef ds:uri="http://schemas.microsoft.com/office/2006/documentManagement/types"/>
-    <ds:schemaRef ds:uri="http://purl.org/dc/dcmitype/"/>
-    <ds:schemaRef ds:uri="http://purl.org/dc/terms/"/>
-    <ds:schemaRef ds:uri="http://purl.org/dc/elements/1.1/"/>
+    <ds:schemaRef ds:uri="http://schemas.microsoft.com/sharepoint/v3/contenttype/forms"/>
   </ds:schemaRefs>
 </ds:datastoreItem>
 </file>
@@ -11391,9 +11399,17 @@
 </file>
 
 <file path=customXml/itemProps3.xml><?xml version="1.0" encoding="utf-8"?>
-<ds:datastoreItem xmlns:ds="http://schemas.openxmlformats.org/officeDocument/2006/customXml" ds:itemID="{4E70509A-51F1-449D-A20D-C92EB9A4F9DF}">
+<ds:datastoreItem xmlns:ds="http://schemas.openxmlformats.org/officeDocument/2006/customXml" ds:itemID="{B111369F-841E-4499-8860-ACB5045CEC00}">
   <ds:schemaRefs>
-    <ds:schemaRef ds:uri="http://schemas.microsoft.com/sharepoint/v3/contenttype/forms"/>
+    <ds:schemaRef ds:uri="http://schemas.microsoft.com/office/2006/metadata/properties"/>
+    <ds:schemaRef ds:uri="http://www.w3.org/XML/1998/namespace"/>
+    <ds:schemaRef ds:uri="0ca4519e-f7ae-4716-9300-8b80674a5553"/>
+    <ds:schemaRef ds:uri="http://schemas.openxmlformats.org/package/2006/metadata/core-properties"/>
+    <ds:schemaRef ds:uri="http://schemas.microsoft.com/office/infopath/2007/PartnerControls"/>
+    <ds:schemaRef ds:uri="http://schemas.microsoft.com/office/2006/documentManagement/types"/>
+    <ds:schemaRef ds:uri="http://purl.org/dc/dcmitype/"/>
+    <ds:schemaRef ds:uri="http://purl.org/dc/terms/"/>
+    <ds:schemaRef ds:uri="http://purl.org/dc/elements/1.1/"/>
   </ds:schemaRefs>
 </ds:datastoreItem>
 </file>
--- a/Model.pptx
+++ b/Model.pptx
@@ -252,7 +252,7 @@
           <a:p>
             <a:fld id="{D3EB3054-B75A-4BD7-8B3E-8DC0F614FAF3}" type="datetimeFigureOut">
               <a:rPr lang="de-DE" smtClean="0"/>
-              <a:t>17.11.2020</a:t>
+              <a:t>18.11.2020</a:t>
             </a:fld>
             <a:endParaRPr lang="de-DE"/>
           </a:p>
@@ -420,7 +420,7 @@
           <a:p>
             <a:fld id="{D3EB3054-B75A-4BD7-8B3E-8DC0F614FAF3}" type="datetimeFigureOut">
               <a:rPr lang="de-DE" smtClean="0"/>
-              <a:t>17.11.2020</a:t>
+              <a:t>18.11.2020</a:t>
             </a:fld>
             <a:endParaRPr lang="de-DE"/>
           </a:p>
@@ -598,7 +598,7 @@
           <a:p>
             <a:fld id="{D3EB3054-B75A-4BD7-8B3E-8DC0F614FAF3}" type="datetimeFigureOut">
               <a:rPr lang="de-DE" smtClean="0"/>
-              <a:t>17.11.2020</a:t>
+              <a:t>18.11.2020</a:t>
             </a:fld>
             <a:endParaRPr lang="de-DE"/>
           </a:p>
@@ -766,7 +766,7 @@
           <a:p>
             <a:fld id="{D3EB3054-B75A-4BD7-8B3E-8DC0F614FAF3}" type="datetimeFigureOut">
               <a:rPr lang="de-DE" smtClean="0"/>
-              <a:t>17.11.2020</a:t>
+              <a:t>18.11.2020</a:t>
             </a:fld>
             <a:endParaRPr lang="de-DE"/>
           </a:p>
@@ -1011,7 +1011,7 @@
           <a:p>
             <a:fld id="{D3EB3054-B75A-4BD7-8B3E-8DC0F614FAF3}" type="datetimeFigureOut">
               <a:rPr lang="de-DE" smtClean="0"/>
-              <a:t>17.11.2020</a:t>
+              <a:t>18.11.2020</a:t>
             </a:fld>
             <a:endParaRPr lang="de-DE"/>
           </a:p>
@@ -1240,7 +1240,7 @@
           <a:p>
             <a:fld id="{D3EB3054-B75A-4BD7-8B3E-8DC0F614FAF3}" type="datetimeFigureOut">
               <a:rPr lang="de-DE" smtClean="0"/>
-              <a:t>17.11.2020</a:t>
+              <a:t>18.11.2020</a:t>
             </a:fld>
             <a:endParaRPr lang="de-DE"/>
           </a:p>
@@ -1604,7 +1604,7 @@
           <a:p>
             <a:fld id="{D3EB3054-B75A-4BD7-8B3E-8DC0F614FAF3}" type="datetimeFigureOut">
               <a:rPr lang="de-DE" smtClean="0"/>
-              <a:t>17.11.2020</a:t>
+              <a:t>18.11.2020</a:t>
             </a:fld>
             <a:endParaRPr lang="de-DE"/>
           </a:p>
@@ -1721,7 +1721,7 @@
           <a:p>
             <a:fld id="{D3EB3054-B75A-4BD7-8B3E-8DC0F614FAF3}" type="datetimeFigureOut">
               <a:rPr lang="de-DE" smtClean="0"/>
-              <a:t>17.11.2020</a:t>
+              <a:t>18.11.2020</a:t>
             </a:fld>
             <a:endParaRPr lang="de-DE"/>
           </a:p>
@@ -1816,7 +1816,7 @@
           <a:p>
             <a:fld id="{D3EB3054-B75A-4BD7-8B3E-8DC0F614FAF3}" type="datetimeFigureOut">
               <a:rPr lang="de-DE" smtClean="0"/>
-              <a:t>17.11.2020</a:t>
+              <a:t>18.11.2020</a:t>
             </a:fld>
             <a:endParaRPr lang="de-DE"/>
           </a:p>
@@ -2091,7 +2091,7 @@
           <a:p>
             <a:fld id="{D3EB3054-B75A-4BD7-8B3E-8DC0F614FAF3}" type="datetimeFigureOut">
               <a:rPr lang="de-DE" smtClean="0"/>
-              <a:t>17.11.2020</a:t>
+              <a:t>18.11.2020</a:t>
             </a:fld>
             <a:endParaRPr lang="de-DE"/>
           </a:p>
@@ -2343,7 +2343,7 @@
           <a:p>
             <a:fld id="{D3EB3054-B75A-4BD7-8B3E-8DC0F614FAF3}" type="datetimeFigureOut">
               <a:rPr lang="de-DE" smtClean="0"/>
-              <a:t>17.11.2020</a:t>
+              <a:t>18.11.2020</a:t>
             </a:fld>
             <a:endParaRPr lang="de-DE"/>
           </a:p>
@@ -2554,7 +2554,7 @@
           <a:p>
             <a:fld id="{D3EB3054-B75A-4BD7-8B3E-8DC0F614FAF3}" type="datetimeFigureOut">
               <a:rPr lang="de-DE" smtClean="0"/>
-              <a:t>17.11.2020</a:t>
+              <a:t>18.11.2020</a:t>
             </a:fld>
             <a:endParaRPr lang="de-DE"/>
           </a:p>
@@ -3267,7 +3267,7 @@
           <a:p>
             <a:r>
               <a:rPr lang="en-GB" sz="4000" dirty="0"/>
-              <a:t>View for RL Agent (each timestep)</a:t>
+              <a:t>View for RL Agent each timestep</a:t>
             </a:r>
           </a:p>
         </p:txBody>
@@ -11212,12 +11212,9 @@
 </file>
 
 <file path=customXml/item1.xml><?xml version="1.0" encoding="utf-8"?>
-<?mso-contentType ?>
-<FormTemplates xmlns="http://schemas.microsoft.com/sharepoint/v3/contenttype/forms">
-  <Display>DocumentLibraryForm</Display>
-  <Edit>DocumentLibraryForm</Edit>
-  <New>DocumentLibraryForm</New>
-</FormTemplates>
+<p:properties xmlns:p="http://schemas.microsoft.com/office/2006/metadata/properties" xmlns:xsi="http://www.w3.org/2001/XMLSchema-instance" xmlns:pc="http://schemas.microsoft.com/office/infopath/2007/PartnerControls">
+  <documentManagement/>
+</p:properties>
 </file>
 
 <file path=customXml/item2.xml><?xml version="1.0" encoding="utf-8"?>
@@ -11367,15 +11364,26 @@
 </file>
 
 <file path=customXml/item3.xml><?xml version="1.0" encoding="utf-8"?>
-<p:properties xmlns:p="http://schemas.microsoft.com/office/2006/metadata/properties" xmlns:xsi="http://www.w3.org/2001/XMLSchema-instance" xmlns:pc="http://schemas.microsoft.com/office/infopath/2007/PartnerControls">
-  <documentManagement/>
-</p:properties>
+<?mso-contentType ?>
+<FormTemplates xmlns="http://schemas.microsoft.com/sharepoint/v3/contenttype/forms">
+  <Display>DocumentLibraryForm</Display>
+  <Edit>DocumentLibraryForm</Edit>
+  <New>DocumentLibraryForm</New>
+</FormTemplates>
 </file>
 
 <file path=customXml/itemProps1.xml><?xml version="1.0" encoding="utf-8"?>
-<ds:datastoreItem xmlns:ds="http://schemas.openxmlformats.org/officeDocument/2006/customXml" ds:itemID="{4E70509A-51F1-449D-A20D-C92EB9A4F9DF}">
+<ds:datastoreItem xmlns:ds="http://schemas.openxmlformats.org/officeDocument/2006/customXml" ds:itemID="{B111369F-841E-4499-8860-ACB5045CEC00}">
   <ds:schemaRefs>
-    <ds:schemaRef ds:uri="http://schemas.microsoft.com/sharepoint/v3/contenttype/forms"/>
+    <ds:schemaRef ds:uri="http://schemas.microsoft.com/office/2006/metadata/properties"/>
+    <ds:schemaRef ds:uri="http://www.w3.org/XML/1998/namespace"/>
+    <ds:schemaRef ds:uri="0ca4519e-f7ae-4716-9300-8b80674a5553"/>
+    <ds:schemaRef ds:uri="http://schemas.openxmlformats.org/package/2006/metadata/core-properties"/>
+    <ds:schemaRef ds:uri="http://schemas.microsoft.com/office/infopath/2007/PartnerControls"/>
+    <ds:schemaRef ds:uri="http://schemas.microsoft.com/office/2006/documentManagement/types"/>
+    <ds:schemaRef ds:uri="http://purl.org/dc/dcmitype/"/>
+    <ds:schemaRef ds:uri="http://purl.org/dc/terms/"/>
+    <ds:schemaRef ds:uri="http://purl.org/dc/elements/1.1/"/>
   </ds:schemaRefs>
 </ds:datastoreItem>
 </file>
@@ -11399,17 +11407,9 @@
 </file>
 
 <file path=customXml/itemProps3.xml><?xml version="1.0" encoding="utf-8"?>
-<ds:datastoreItem xmlns:ds="http://schemas.openxmlformats.org/officeDocument/2006/customXml" ds:itemID="{B111369F-841E-4499-8860-ACB5045CEC00}">
+<ds:datastoreItem xmlns:ds="http://schemas.openxmlformats.org/officeDocument/2006/customXml" ds:itemID="{4E70509A-51F1-449D-A20D-C92EB9A4F9DF}">
   <ds:schemaRefs>
-    <ds:schemaRef ds:uri="http://schemas.microsoft.com/office/2006/metadata/properties"/>
-    <ds:schemaRef ds:uri="http://www.w3.org/XML/1998/namespace"/>
-    <ds:schemaRef ds:uri="0ca4519e-f7ae-4716-9300-8b80674a5553"/>
-    <ds:schemaRef ds:uri="http://schemas.openxmlformats.org/package/2006/metadata/core-properties"/>
-    <ds:schemaRef ds:uri="http://schemas.microsoft.com/office/infopath/2007/PartnerControls"/>
-    <ds:schemaRef ds:uri="http://schemas.microsoft.com/office/2006/documentManagement/types"/>
-    <ds:schemaRef ds:uri="http://purl.org/dc/dcmitype/"/>
-    <ds:schemaRef ds:uri="http://purl.org/dc/terms/"/>
-    <ds:schemaRef ds:uri="http://purl.org/dc/elements/1.1/"/>
+    <ds:schemaRef ds:uri="http://schemas.microsoft.com/sharepoint/v3/contenttype/forms"/>
   </ds:schemaRefs>
 </ds:datastoreItem>
 </file>